--- a/CI-CD/CI-CD.pptx
+++ b/CI-CD/CI-CD.pptx
@@ -41,15 +41,14 @@
     <p:sldId id="266" r:id="rId35"/>
     <p:sldId id="293" r:id="rId36"/>
     <p:sldId id="294" r:id="rId37"/>
-    <p:sldId id="295" r:id="rId38"/>
-    <p:sldId id="296" r:id="rId39"/>
-    <p:sldId id="297" r:id="rId40"/>
-    <p:sldId id="298" r:id="rId41"/>
-    <p:sldId id="300" r:id="rId42"/>
-    <p:sldId id="301" r:id="rId43"/>
-    <p:sldId id="302" r:id="rId44"/>
-    <p:sldId id="303" r:id="rId45"/>
-    <p:sldId id="304" r:id="rId46"/>
+    <p:sldId id="296" r:id="rId38"/>
+    <p:sldId id="297" r:id="rId39"/>
+    <p:sldId id="298" r:id="rId40"/>
+    <p:sldId id="300" r:id="rId41"/>
+    <p:sldId id="301" r:id="rId42"/>
+    <p:sldId id="302" r:id="rId43"/>
+    <p:sldId id="303" r:id="rId44"/>
+    <p:sldId id="304" r:id="rId45"/>
   </p:sldIdLst>
   <p:sldSz cx="12192000" cy="6858000"/>
   <p:notesSz cx="6858000" cy="9144000"/>
@@ -287,7 +286,7 @@
           <a:p>
             <a:fld id="{2576E2C7-BE5F-4273-97C7-93DAA19BE844}" type="datetimeFigureOut">
               <a:rPr lang="ko-KR" altLang="en-US" smtClean="0"/>
-              <a:t>2023-03-16</a:t>
+              <a:t>2023-03-19</a:t>
             </a:fld>
             <a:endParaRPr lang="ko-KR" altLang="en-US"/>
           </a:p>
@@ -457,7 +456,7 @@
           <a:p>
             <a:fld id="{2576E2C7-BE5F-4273-97C7-93DAA19BE844}" type="datetimeFigureOut">
               <a:rPr lang="ko-KR" altLang="en-US" smtClean="0"/>
-              <a:t>2023-03-16</a:t>
+              <a:t>2023-03-19</a:t>
             </a:fld>
             <a:endParaRPr lang="ko-KR" altLang="en-US"/>
           </a:p>
@@ -637,7 +636,7 @@
           <a:p>
             <a:fld id="{2576E2C7-BE5F-4273-97C7-93DAA19BE844}" type="datetimeFigureOut">
               <a:rPr lang="ko-KR" altLang="en-US" smtClean="0"/>
-              <a:t>2023-03-16</a:t>
+              <a:t>2023-03-19</a:t>
             </a:fld>
             <a:endParaRPr lang="ko-KR" altLang="en-US"/>
           </a:p>
@@ -807,7 +806,7 @@
           <a:p>
             <a:fld id="{2576E2C7-BE5F-4273-97C7-93DAA19BE844}" type="datetimeFigureOut">
               <a:rPr lang="ko-KR" altLang="en-US" smtClean="0"/>
-              <a:t>2023-03-16</a:t>
+              <a:t>2023-03-19</a:t>
             </a:fld>
             <a:endParaRPr lang="ko-KR" altLang="en-US"/>
           </a:p>
@@ -1053,7 +1052,7 @@
           <a:p>
             <a:fld id="{2576E2C7-BE5F-4273-97C7-93DAA19BE844}" type="datetimeFigureOut">
               <a:rPr lang="ko-KR" altLang="en-US" smtClean="0"/>
-              <a:t>2023-03-16</a:t>
+              <a:t>2023-03-19</a:t>
             </a:fld>
             <a:endParaRPr lang="ko-KR" altLang="en-US"/>
           </a:p>
@@ -1285,7 +1284,7 @@
           <a:p>
             <a:fld id="{2576E2C7-BE5F-4273-97C7-93DAA19BE844}" type="datetimeFigureOut">
               <a:rPr lang="ko-KR" altLang="en-US" smtClean="0"/>
-              <a:t>2023-03-16</a:t>
+              <a:t>2023-03-19</a:t>
             </a:fld>
             <a:endParaRPr lang="ko-KR" altLang="en-US"/>
           </a:p>
@@ -1652,7 +1651,7 @@
           <a:p>
             <a:fld id="{2576E2C7-BE5F-4273-97C7-93DAA19BE844}" type="datetimeFigureOut">
               <a:rPr lang="ko-KR" altLang="en-US" smtClean="0"/>
-              <a:t>2023-03-16</a:t>
+              <a:t>2023-03-19</a:t>
             </a:fld>
             <a:endParaRPr lang="ko-KR" altLang="en-US"/>
           </a:p>
@@ -1770,7 +1769,7 @@
           <a:p>
             <a:fld id="{2576E2C7-BE5F-4273-97C7-93DAA19BE844}" type="datetimeFigureOut">
               <a:rPr lang="ko-KR" altLang="en-US" smtClean="0"/>
-              <a:t>2023-03-16</a:t>
+              <a:t>2023-03-19</a:t>
             </a:fld>
             <a:endParaRPr lang="ko-KR" altLang="en-US"/>
           </a:p>
@@ -1865,7 +1864,7 @@
           <a:p>
             <a:fld id="{2576E2C7-BE5F-4273-97C7-93DAA19BE844}" type="datetimeFigureOut">
               <a:rPr lang="ko-KR" altLang="en-US" smtClean="0"/>
-              <a:t>2023-03-16</a:t>
+              <a:t>2023-03-19</a:t>
             </a:fld>
             <a:endParaRPr lang="ko-KR" altLang="en-US"/>
           </a:p>
@@ -2142,7 +2141,7 @@
           <a:p>
             <a:fld id="{2576E2C7-BE5F-4273-97C7-93DAA19BE844}" type="datetimeFigureOut">
               <a:rPr lang="ko-KR" altLang="en-US" smtClean="0"/>
-              <a:t>2023-03-16</a:t>
+              <a:t>2023-03-19</a:t>
             </a:fld>
             <a:endParaRPr lang="ko-KR" altLang="en-US"/>
           </a:p>
@@ -2395,7 +2394,7 @@
           <a:p>
             <a:fld id="{2576E2C7-BE5F-4273-97C7-93DAA19BE844}" type="datetimeFigureOut">
               <a:rPr lang="ko-KR" altLang="en-US" smtClean="0"/>
-              <a:t>2023-03-16</a:t>
+              <a:t>2023-03-19</a:t>
             </a:fld>
             <a:endParaRPr lang="ko-KR" altLang="en-US"/>
           </a:p>
@@ -2608,7 +2607,7 @@
           <a:p>
             <a:fld id="{2576E2C7-BE5F-4273-97C7-93DAA19BE844}" type="datetimeFigureOut">
               <a:rPr lang="ko-KR" altLang="en-US" smtClean="0"/>
-              <a:t>2023-03-16</a:t>
+              <a:t>2023-03-19</a:t>
             </a:fld>
             <a:endParaRPr lang="ko-KR" altLang="en-US"/>
           </a:p>
@@ -3029,10 +3028,14 @@
           <a:lstStyle/>
           <a:p>
             <a:r>
-              <a:rPr lang="en-US" altLang="ko-KR" dirty="0" smtClean="0"/>
+              <a:rPr lang="en-US" altLang="ko-KR" dirty="0" smtClean="0">
+                <a:latin typeface="JetBrains Mono"/>
+              </a:rPr>
               <a:t>CI-CD</a:t>
             </a:r>
-            <a:endParaRPr lang="ko-KR" altLang="en-US" dirty="0"/>
+            <a:endParaRPr lang="ko-KR" altLang="en-US" dirty="0">
+              <a:latin typeface="JetBrains Mono"/>
+            </a:endParaRPr>
           </a:p>
         </p:txBody>
       </p:sp>
@@ -3052,10 +3055,14 @@
           <a:lstStyle/>
           <a:p>
             <a:r>
-              <a:rPr lang="en-US" altLang="ko-KR" dirty="0" err="1" smtClean="0"/>
+              <a:rPr lang="en-US" altLang="ko-KR" dirty="0" err="1" smtClean="0">
+                <a:latin typeface="JetBrains Mono"/>
+              </a:rPr>
               <a:t>ssosso.table</a:t>
             </a:r>
-            <a:endParaRPr lang="ko-KR" altLang="en-US" dirty="0"/>
+            <a:endParaRPr lang="ko-KR" altLang="en-US" dirty="0">
+              <a:latin typeface="JetBrains Mono"/>
+            </a:endParaRPr>
           </a:p>
         </p:txBody>
       </p:sp>
@@ -3105,14 +3112,20 @@
           <a:lstStyle/>
           <a:p>
             <a:r>
-              <a:rPr lang="en-US" altLang="ko-KR" dirty="0" smtClean="0"/>
+              <a:rPr lang="en-US" altLang="ko-KR" dirty="0" smtClean="0">
+                <a:latin typeface="JetBrains Mono"/>
+              </a:rPr>
               <a:t>4. setup ec2 instance: </a:t>
             </a:r>
             <a:r>
-              <a:rPr lang="en-US" altLang="ko-KR" sz="2400" dirty="0" smtClean="0"/>
+              <a:rPr lang="en-US" altLang="ko-KR" sz="2400" dirty="0" smtClean="0">
+                <a:latin typeface="JetBrains Mono"/>
+              </a:rPr>
               <a:t>install node</a:t>
             </a:r>
-            <a:endParaRPr lang="ko-KR" altLang="en-US" sz="2400" dirty="0"/>
+            <a:endParaRPr lang="ko-KR" altLang="en-US" sz="2400" dirty="0">
+              <a:latin typeface="JetBrains Mono"/>
+            </a:endParaRPr>
           </a:p>
         </p:txBody>
       </p:sp>
@@ -3141,27 +3154,39 @@
               <a:buAutoNum type="arabicPeriod"/>
             </a:pPr>
             <a:r>
-              <a:rPr lang="en-US" altLang="ko-KR" dirty="0" smtClean="0"/>
+              <a:rPr lang="en-US" altLang="ko-KR" dirty="0" smtClean="0">
+                <a:latin typeface="JetBrains Mono"/>
+              </a:rPr>
               <a:t>install latest node.js in Ubuntu</a:t>
             </a:r>
           </a:p>
           <a:p>
-            <a:endParaRPr lang="en-US" altLang="ko-KR" dirty="0" smtClean="0"/>
-          </a:p>
-          <a:p>
-            <a:r>
-              <a:rPr lang="ko-KR" altLang="en-US" dirty="0" smtClean="0"/>
+            <a:endParaRPr lang="en-US" altLang="ko-KR" dirty="0" smtClean="0">
+              <a:latin typeface="JetBrains Mono"/>
+            </a:endParaRPr>
+          </a:p>
+          <a:p>
+            <a:r>
+              <a:rPr lang="ko-KR" altLang="en-US" dirty="0" smtClean="0">
+                <a:latin typeface="JetBrains Mono"/>
+              </a:rPr>
               <a:t>참조</a:t>
             </a:r>
             <a:r>
-              <a:rPr lang="en-US" altLang="ko-KR" dirty="0" smtClean="0"/>
+              <a:rPr lang="en-US" altLang="ko-KR" dirty="0" smtClean="0">
+                <a:latin typeface="JetBrains Mono"/>
+              </a:rPr>
               <a:t>: </a:t>
             </a:r>
             <a:r>
-              <a:rPr lang="ko-KR" altLang="en-US" dirty="0" smtClean="0"/>
+              <a:rPr lang="ko-KR" altLang="en-US" dirty="0" smtClean="0">
+                <a:latin typeface="JetBrains Mono"/>
+              </a:rPr>
               <a:t>https://github.com/nodesource/distributions</a:t>
             </a:r>
-            <a:endParaRPr lang="ko-KR" altLang="en-US" dirty="0"/>
+            <a:endParaRPr lang="ko-KR" altLang="en-US" dirty="0">
+              <a:latin typeface="JetBrains Mono"/>
+            </a:endParaRPr>
           </a:p>
         </p:txBody>
       </p:sp>
@@ -3259,18 +3284,26 @@
           <a:lstStyle/>
           <a:p>
             <a:r>
-              <a:rPr lang="en-US" altLang="ko-KR" dirty="0" smtClean="0"/>
+              <a:rPr lang="en-US" altLang="ko-KR" dirty="0" smtClean="0">
+                <a:latin typeface="JetBrains Mono"/>
+              </a:rPr>
               <a:t>4. setup ec2 instance: </a:t>
             </a:r>
             <a:r>
-              <a:rPr lang="en-US" altLang="ko-KR" sz="2400" dirty="0" smtClean="0"/>
+              <a:rPr lang="en-US" altLang="ko-KR" sz="2400" dirty="0" smtClean="0">
+                <a:latin typeface="JetBrains Mono"/>
+              </a:rPr>
               <a:t>install </a:t>
             </a:r>
             <a:r>
-              <a:rPr lang="en-US" altLang="ko-KR" sz="2400" dirty="0" err="1" smtClean="0"/>
+              <a:rPr lang="en-US" altLang="ko-KR" sz="2400" dirty="0" err="1" smtClean="0">
+                <a:latin typeface="JetBrains Mono"/>
+              </a:rPr>
               <a:t>codedeploy</a:t>
             </a:r>
-            <a:endParaRPr lang="ko-KR" altLang="en-US" sz="2400" dirty="0"/>
+            <a:endParaRPr lang="ko-KR" altLang="en-US" sz="2400" dirty="0">
+              <a:latin typeface="JetBrains Mono"/>
+            </a:endParaRPr>
           </a:p>
         </p:txBody>
       </p:sp>
@@ -3282,8 +3315,8 @@
         </p:nvSpPr>
         <p:spPr>
           <a:xfrm>
-            <a:off x="838200" y="1590259"/>
-            <a:ext cx="9039225" cy="4985980"/>
+            <a:off x="838200" y="1355229"/>
+            <a:ext cx="9039225" cy="5262979"/>
           </a:xfrm>
           <a:prstGeom prst="rect">
             <a:avLst/>
@@ -3299,174 +3332,280 @@
               <a:buAutoNum type="arabicPeriod"/>
             </a:pPr>
             <a:r>
-              <a:rPr lang="ko-KR" altLang="en-US" dirty="0" smtClean="0"/>
+              <a:rPr lang="ko-KR" altLang="en-US" dirty="0" smtClean="0">
+                <a:latin typeface="JetBrains Mono"/>
+              </a:rPr>
               <a:t>우분투에 </a:t>
             </a:r>
             <a:r>
-              <a:rPr lang="en-US" altLang="ko-KR" dirty="0" err="1" smtClean="0"/>
+              <a:rPr lang="en-US" altLang="ko-KR" dirty="0" err="1" smtClean="0">
+                <a:latin typeface="JetBrains Mono"/>
+              </a:rPr>
               <a:t>codedeploy</a:t>
             </a:r>
             <a:r>
-              <a:rPr lang="ko-KR" altLang="en-US" dirty="0" smtClean="0"/>
+              <a:rPr lang="ko-KR" altLang="en-US" dirty="0" smtClean="0">
+                <a:latin typeface="JetBrains Mono"/>
+              </a:rPr>
               <a:t>를 설치합니다</a:t>
             </a:r>
-            <a:endParaRPr lang="en-US" altLang="ko-KR" dirty="0" smtClean="0"/>
-          </a:p>
-          <a:p>
-            <a:endParaRPr lang="en-US" altLang="ko-KR" dirty="0" smtClean="0"/>
-          </a:p>
-          <a:p>
-            <a:r>
-              <a:rPr lang="en-US" altLang="ko-KR" sz="1200" dirty="0" smtClean="0"/>
+            <a:endParaRPr lang="en-US" altLang="ko-KR" dirty="0" smtClean="0">
+              <a:latin typeface="JetBrains Mono"/>
+            </a:endParaRPr>
+          </a:p>
+          <a:p>
+            <a:endParaRPr lang="en-US" altLang="ko-KR" dirty="0" smtClean="0">
+              <a:latin typeface="JetBrains Mono"/>
+            </a:endParaRPr>
+          </a:p>
+          <a:p>
+            <a:r>
+              <a:rPr lang="en-US" altLang="ko-KR" sz="1200" dirty="0" smtClean="0">
+                <a:latin typeface="JetBrains Mono"/>
+              </a:rPr>
               <a:t>$ </a:t>
             </a:r>
             <a:r>
-              <a:rPr lang="en-US" altLang="ko-KR" sz="1200" dirty="0" err="1" smtClean="0"/>
+              <a:rPr lang="en-US" altLang="ko-KR" sz="1200" dirty="0" err="1" smtClean="0">
+                <a:latin typeface="JetBrains Mono"/>
+              </a:rPr>
               <a:t>sudo</a:t>
             </a:r>
             <a:r>
-              <a:rPr lang="en-US" altLang="ko-KR" sz="1200" dirty="0" smtClean="0"/>
+              <a:rPr lang="en-US" altLang="ko-KR" sz="1200" dirty="0" smtClean="0">
+                <a:latin typeface="JetBrains Mono"/>
+              </a:rPr>
               <a:t> </a:t>
             </a:r>
             <a:r>
-              <a:rPr lang="en-US" altLang="ko-KR" sz="1200" dirty="0"/>
+              <a:rPr lang="en-US" altLang="ko-KR" sz="1200" dirty="0">
+                <a:latin typeface="JetBrains Mono"/>
+              </a:rPr>
               <a:t>apt </a:t>
             </a:r>
             <a:r>
-              <a:rPr lang="en-US" altLang="ko-KR" sz="1200" dirty="0" smtClean="0"/>
+              <a:rPr lang="en-US" altLang="ko-KR" sz="1200" dirty="0" smtClean="0">
+                <a:latin typeface="JetBrains Mono"/>
+              </a:rPr>
               <a:t>update</a:t>
             </a:r>
           </a:p>
           <a:p>
             <a:r>
-              <a:rPr lang="en-US" altLang="ko-KR" sz="1200" dirty="0" smtClean="0"/>
+              <a:rPr lang="en-US" altLang="ko-KR" sz="1200" dirty="0" smtClean="0">
+                <a:latin typeface="JetBrains Mono"/>
+              </a:rPr>
               <a:t>$ </a:t>
             </a:r>
             <a:r>
-              <a:rPr lang="en-US" altLang="ko-KR" sz="1200" dirty="0" err="1" smtClean="0"/>
+              <a:rPr lang="en-US" altLang="ko-KR" sz="1200" dirty="0" err="1" smtClean="0">
+                <a:latin typeface="JetBrains Mono"/>
+              </a:rPr>
               <a:t>sudo</a:t>
             </a:r>
             <a:r>
-              <a:rPr lang="en-US" altLang="ko-KR" sz="1200" dirty="0" smtClean="0"/>
+              <a:rPr lang="en-US" altLang="ko-KR" sz="1200" dirty="0" smtClean="0">
+                <a:latin typeface="JetBrains Mono"/>
+              </a:rPr>
               <a:t> </a:t>
             </a:r>
             <a:r>
-              <a:rPr lang="en-US" altLang="ko-KR" sz="1200" dirty="0"/>
+              <a:rPr lang="en-US" altLang="ko-KR" sz="1200" dirty="0">
+                <a:latin typeface="JetBrains Mono"/>
+              </a:rPr>
               <a:t>apt install </a:t>
             </a:r>
             <a:r>
-              <a:rPr lang="en-US" altLang="ko-KR" sz="1200" dirty="0" smtClean="0"/>
+              <a:rPr lang="en-US" altLang="ko-KR" sz="1200" dirty="0" smtClean="0">
+                <a:latin typeface="JetBrains Mono"/>
+              </a:rPr>
               <a:t>ruby-full</a:t>
             </a:r>
           </a:p>
           <a:p>
             <a:r>
-              <a:rPr lang="en-US" altLang="ko-KR" sz="1200" dirty="0"/>
+              <a:rPr lang="en-US" altLang="ko-KR" sz="1200" dirty="0">
+                <a:latin typeface="JetBrains Mono"/>
+              </a:rPr>
               <a:t>$</a:t>
             </a:r>
             <a:r>
-              <a:rPr lang="en-US" altLang="ko-KR" sz="1200" dirty="0" smtClean="0"/>
+              <a:rPr lang="en-US" altLang="ko-KR" sz="1200" dirty="0" smtClean="0">
+                <a:latin typeface="JetBrains Mono"/>
+              </a:rPr>
               <a:t> </a:t>
             </a:r>
             <a:r>
-              <a:rPr lang="en-US" altLang="ko-KR" sz="1200" dirty="0" err="1" smtClean="0"/>
+              <a:rPr lang="en-US" altLang="ko-KR" sz="1200" dirty="0" err="1" smtClean="0">
+                <a:latin typeface="JetBrains Mono"/>
+              </a:rPr>
               <a:t>sudo</a:t>
             </a:r>
             <a:r>
-              <a:rPr lang="en-US" altLang="ko-KR" sz="1200" dirty="0" smtClean="0"/>
+              <a:rPr lang="en-US" altLang="ko-KR" sz="1200" dirty="0" smtClean="0">
+                <a:latin typeface="JetBrains Mono"/>
+              </a:rPr>
               <a:t> </a:t>
             </a:r>
             <a:r>
-              <a:rPr lang="en-US" altLang="ko-KR" sz="1200" dirty="0"/>
+              <a:rPr lang="en-US" altLang="ko-KR" sz="1200" dirty="0">
+                <a:latin typeface="JetBrains Mono"/>
+              </a:rPr>
               <a:t>apt install </a:t>
             </a:r>
             <a:r>
-              <a:rPr lang="en-US" altLang="ko-KR" sz="1200" dirty="0" err="1" smtClean="0"/>
+              <a:rPr lang="en-US" altLang="ko-KR" sz="1200" dirty="0" err="1" smtClean="0">
+                <a:latin typeface="JetBrains Mono"/>
+              </a:rPr>
               <a:t>wget</a:t>
             </a:r>
-            <a:endParaRPr lang="en-US" altLang="ko-KR" sz="1200" dirty="0" smtClean="0"/>
-          </a:p>
-          <a:p>
-            <a:r>
-              <a:rPr lang="en-US" altLang="ko-KR" sz="1200" dirty="0"/>
+            <a:endParaRPr lang="en-US" altLang="ko-KR" sz="1200" dirty="0" smtClean="0">
+              <a:latin typeface="JetBrains Mono"/>
+            </a:endParaRPr>
+          </a:p>
+          <a:p>
+            <a:r>
+              <a:rPr lang="en-US" altLang="ko-KR" sz="1200" dirty="0">
+                <a:latin typeface="JetBrains Mono"/>
+              </a:rPr>
               <a:t>$</a:t>
             </a:r>
             <a:r>
-              <a:rPr lang="en-US" altLang="ko-KR" sz="1200" dirty="0" smtClean="0"/>
+              <a:rPr lang="en-US" altLang="ko-KR" sz="1200" dirty="0" smtClean="0">
+                <a:latin typeface="JetBrains Mono"/>
+              </a:rPr>
               <a:t> cd </a:t>
             </a:r>
             <a:r>
-              <a:rPr lang="en-US" altLang="ko-KR" sz="1200" dirty="0"/>
+              <a:rPr lang="en-US" altLang="ko-KR" sz="1200" dirty="0">
+                <a:latin typeface="JetBrains Mono"/>
+              </a:rPr>
               <a:t>/</a:t>
             </a:r>
             <a:r>
-              <a:rPr lang="en-US" altLang="ko-KR" sz="1200" dirty="0" smtClean="0"/>
-              <a:t>home/</a:t>
-            </a:r>
-            <a:r>
-              <a:rPr lang="en-US" altLang="ko-KR" sz="1200" dirty="0" err="1" smtClean="0"/>
-              <a:t>ubuntu</a:t>
-            </a:r>
-            <a:endParaRPr lang="en-US" altLang="ko-KR" sz="1200" dirty="0" smtClean="0"/>
-          </a:p>
-          <a:p>
-            <a:r>
-              <a:rPr lang="en-US" altLang="ko-KR" sz="1200" b="1" u="sng" dirty="0" smtClean="0"/>
+              <a:rPr lang="en-US" altLang="ko-KR" sz="1200" dirty="0" smtClean="0">
+                <a:latin typeface="JetBrains Mono"/>
+              </a:rPr>
+              <a:t>home/Ubuntu</a:t>
+            </a:r>
+          </a:p>
+          <a:p>
+            <a:endParaRPr lang="en-US" altLang="ko-KR" sz="1200" dirty="0" smtClean="0">
+              <a:latin typeface="JetBrains Mono"/>
+            </a:endParaRPr>
+          </a:p>
+          <a:p>
+            <a:r>
+              <a:rPr lang="en-US" altLang="ko-KR" sz="1200" b="1" u="sng" dirty="0" smtClean="0">
+                <a:latin typeface="JetBrains Mono"/>
+              </a:rPr>
               <a:t># </a:t>
             </a:r>
             <a:r>
-              <a:rPr lang="ko-KR" altLang="en-US" sz="1200" b="1" u="sng" dirty="0" err="1" smtClean="0"/>
+              <a:rPr lang="ko-KR" altLang="en-US" sz="1200" b="1" u="sng" dirty="0" err="1" smtClean="0">
+                <a:latin typeface="JetBrains Mono"/>
+              </a:rPr>
               <a:t>복붙이</a:t>
             </a:r>
             <a:r>
-              <a:rPr lang="ko-KR" altLang="en-US" sz="1200" b="1" u="sng" dirty="0" smtClean="0"/>
-              <a:t> 아니고 사용중인 </a:t>
-            </a:r>
-            <a:r>
-              <a:rPr lang="en-US" altLang="ko-KR" sz="1200" b="1" u="sng" dirty="0" smtClean="0"/>
+              <a:rPr lang="ko-KR" altLang="en-US" sz="1200" b="1" u="sng" dirty="0" smtClean="0">
+                <a:latin typeface="JetBrains Mono"/>
+              </a:rPr>
+              <a:t> </a:t>
+            </a:r>
+            <a:r>
+              <a:rPr lang="ko-KR" altLang="en-US" sz="1200" b="1" u="sng" dirty="0" smtClean="0">
+                <a:latin typeface="JetBrains Mono"/>
+              </a:rPr>
+              <a:t>아니고</a:t>
+            </a:r>
+            <a:r>
+              <a:rPr lang="en-US" altLang="ko-KR" sz="1200" b="1" u="sng" dirty="0" smtClean="0">
+                <a:latin typeface="JetBrains Mono"/>
+              </a:rPr>
+              <a:t>!!</a:t>
+            </a:r>
+            <a:r>
+              <a:rPr lang="ko-KR" altLang="en-US" sz="1200" b="1" u="sng" dirty="0" smtClean="0">
+                <a:latin typeface="JetBrains Mono"/>
+              </a:rPr>
+              <a:t> </a:t>
+            </a:r>
+            <a:r>
+              <a:rPr lang="ko-KR" altLang="en-US" sz="1200" b="1" u="sng" dirty="0" smtClean="0">
+                <a:latin typeface="JetBrains Mono"/>
+              </a:rPr>
+              <a:t>사용중인 </a:t>
+            </a:r>
+            <a:r>
+              <a:rPr lang="en-US" altLang="ko-KR" sz="1200" b="1" u="sng" dirty="0" smtClean="0">
+                <a:latin typeface="JetBrains Mono"/>
+              </a:rPr>
               <a:t>ec2 region</a:t>
             </a:r>
             <a:r>
-              <a:rPr lang="ko-KR" altLang="en-US" sz="1200" b="1" u="sng" dirty="0" smtClean="0"/>
+              <a:rPr lang="ko-KR" altLang="en-US" sz="1200" b="1" u="sng" dirty="0" smtClean="0">
+                <a:latin typeface="JetBrains Mono"/>
+              </a:rPr>
               <a:t>을 확인하고 </a:t>
             </a:r>
             <a:r>
-              <a:rPr lang="en-US" altLang="ko-KR" sz="1200" b="1" u="sng" dirty="0" smtClean="0"/>
+              <a:rPr lang="en-US" altLang="ko-KR" sz="1200" b="1" u="sng" dirty="0" smtClean="0">
+                <a:latin typeface="JetBrains Mono"/>
+              </a:rPr>
               <a:t>bucket-name</a:t>
             </a:r>
             <a:r>
-              <a:rPr lang="ko-KR" altLang="en-US" sz="1200" b="1" u="sng" dirty="0" smtClean="0"/>
+              <a:rPr lang="ko-KR" altLang="en-US" sz="1200" b="1" u="sng" dirty="0" smtClean="0">
+                <a:latin typeface="JetBrains Mono"/>
+              </a:rPr>
               <a:t>과 </a:t>
             </a:r>
             <a:r>
-              <a:rPr lang="en-US" altLang="ko-KR" sz="1200" b="1" u="sng" dirty="0" smtClean="0"/>
+              <a:rPr lang="en-US" altLang="ko-KR" sz="1200" b="1" u="sng" dirty="0" smtClean="0">
+                <a:latin typeface="JetBrains Mono"/>
+              </a:rPr>
               <a:t>region-identifier</a:t>
             </a:r>
             <a:r>
-              <a:rPr lang="ko-KR" altLang="en-US" sz="1200" b="1" u="sng" dirty="0" smtClean="0"/>
+              <a:rPr lang="ko-KR" altLang="en-US" sz="1200" b="1" u="sng" dirty="0" smtClean="0">
+                <a:latin typeface="JetBrains Mono"/>
+              </a:rPr>
               <a:t>를 작성</a:t>
             </a:r>
-            <a:endParaRPr lang="en-US" altLang="ko-KR" sz="1200" b="1" u="sng" dirty="0" smtClean="0"/>
-          </a:p>
-          <a:p>
-            <a:r>
-              <a:rPr lang="en-US" altLang="ko-KR" sz="1200" b="1" dirty="0" smtClean="0"/>
+            <a:endParaRPr lang="en-US" altLang="ko-KR" sz="1200" b="1" u="sng" dirty="0" smtClean="0">
+              <a:latin typeface="JetBrains Mono"/>
+            </a:endParaRPr>
+          </a:p>
+          <a:p>
+            <a:r>
+              <a:rPr lang="en-US" altLang="ko-KR" sz="1200" b="1" dirty="0" smtClean="0">
+                <a:latin typeface="JetBrains Mono"/>
+              </a:rPr>
               <a:t># </a:t>
             </a:r>
             <a:r>
-              <a:rPr lang="en-US" altLang="ko-KR" sz="1200" b="1" dirty="0" err="1" smtClean="0"/>
+              <a:rPr lang="en-US" altLang="ko-KR" sz="1200" b="1" dirty="0" err="1" smtClean="0">
+                <a:latin typeface="JetBrains Mono"/>
+              </a:rPr>
               <a:t>e.g</a:t>
             </a:r>
             <a:r>
-              <a:rPr lang="en-US" altLang="ko-KR" sz="1200" b="1" dirty="0" smtClean="0"/>
+              <a:rPr lang="en-US" altLang="ko-KR" sz="1200" b="1" dirty="0" smtClean="0">
+                <a:latin typeface="JetBrains Mono"/>
+              </a:rPr>
               <a:t> us-east-2 &gt; </a:t>
             </a:r>
             <a:r>
-              <a:rPr lang="en-US" altLang="ko-KR" sz="1200" b="1" dirty="0" err="1" smtClean="0"/>
+              <a:rPr lang="en-US" altLang="ko-KR" sz="1200" b="1" dirty="0" err="1" smtClean="0">
+                <a:latin typeface="JetBrains Mono"/>
+              </a:rPr>
               <a:t>wget</a:t>
             </a:r>
             <a:r>
-              <a:rPr lang="en-US" altLang="ko-KR" sz="1200" b="1" dirty="0" smtClean="0"/>
+              <a:rPr lang="en-US" altLang="ko-KR" sz="1200" b="1" dirty="0" smtClean="0">
+                <a:latin typeface="JetBrains Mono"/>
+              </a:rPr>
               <a:t> https://</a:t>
             </a:r>
             <a:r>
@@ -3474,11 +3613,14 @@
                 <a:solidFill>
                   <a:srgbClr val="FF0000"/>
                 </a:solidFill>
+                <a:latin typeface="JetBrains Mono"/>
               </a:rPr>
               <a:t>aws-codedeploy-us-east-2</a:t>
             </a:r>
             <a:r>
-              <a:rPr lang="en-US" altLang="ko-KR" sz="1200" b="1" dirty="0" smtClean="0"/>
+              <a:rPr lang="en-US" altLang="ko-KR" sz="1200" b="1" dirty="0" smtClean="0">
+                <a:latin typeface="JetBrains Mono"/>
+              </a:rPr>
               <a:t>.s3.</a:t>
             </a:r>
             <a:r>
@@ -3486,11 +3628,14 @@
                 <a:solidFill>
                   <a:srgbClr val="FF0000"/>
                 </a:solidFill>
+                <a:latin typeface="JetBrains Mono"/>
               </a:rPr>
               <a:t>us-east-2</a:t>
             </a:r>
             <a:r>
-              <a:rPr lang="en-US" altLang="ko-KR" sz="1200" b="1" dirty="0" smtClean="0"/>
+              <a:rPr lang="en-US" altLang="ko-KR" sz="1200" b="1" dirty="0" smtClean="0">
+                <a:latin typeface="JetBrains Mono"/>
+              </a:rPr>
               <a:t>.amazonaws.com/latest/install </a:t>
             </a:r>
           </a:p>
@@ -3500,6 +3645,7 @@
                 <a:solidFill>
                   <a:srgbClr val="FF0000"/>
                 </a:solidFill>
+                <a:latin typeface="JetBrains Mono"/>
               </a:rPr>
               <a:t>$</a:t>
             </a:r>
@@ -3508,6 +3654,7 @@
                 <a:solidFill>
                   <a:srgbClr val="FF0000"/>
                 </a:solidFill>
+                <a:latin typeface="JetBrains Mono"/>
               </a:rPr>
               <a:t> </a:t>
             </a:r>
@@ -3516,6 +3663,7 @@
                 <a:solidFill>
                   <a:srgbClr val="FF0000"/>
                 </a:solidFill>
+                <a:latin typeface="JetBrains Mono"/>
               </a:rPr>
               <a:t>wget</a:t>
             </a:r>
@@ -3524,295 +3672,429 @@
                 <a:solidFill>
                   <a:srgbClr val="FF0000"/>
                 </a:solidFill>
+                <a:latin typeface="JetBrains Mono"/>
               </a:rPr>
               <a:t> https://bucket-name.s3.region-identifier.amazonaws.com/latest/install</a:t>
             </a:r>
           </a:p>
           <a:p>
             <a:r>
-              <a:rPr lang="en-US" altLang="ko-KR" sz="1200" dirty="0"/>
+              <a:rPr lang="en-US" altLang="ko-KR" sz="1200" dirty="0">
+                <a:latin typeface="JetBrains Mono"/>
+              </a:rPr>
               <a:t>$</a:t>
             </a:r>
             <a:r>
-              <a:rPr lang="en-US" altLang="ko-KR" sz="1200" dirty="0" smtClean="0"/>
+              <a:rPr lang="en-US" altLang="ko-KR" sz="1200" dirty="0" smtClean="0">
+                <a:latin typeface="JetBrains Mono"/>
+              </a:rPr>
               <a:t> </a:t>
             </a:r>
             <a:r>
-              <a:rPr lang="en-US" altLang="ko-KR" sz="1200" dirty="0" err="1" smtClean="0"/>
+              <a:rPr lang="en-US" altLang="ko-KR" sz="1200" dirty="0" err="1" smtClean="0">
+                <a:latin typeface="JetBrains Mono"/>
+              </a:rPr>
               <a:t>chmod</a:t>
             </a:r>
             <a:r>
-              <a:rPr lang="en-US" altLang="ko-KR" sz="1200" dirty="0" smtClean="0"/>
+              <a:rPr lang="en-US" altLang="ko-KR" sz="1200" dirty="0" smtClean="0">
+                <a:latin typeface="JetBrains Mono"/>
+              </a:rPr>
               <a:t> +x ./install</a:t>
             </a:r>
           </a:p>
           <a:p>
             <a:r>
-              <a:rPr lang="en-US" altLang="ko-KR" sz="1200" dirty="0"/>
+              <a:rPr lang="en-US" altLang="ko-KR" sz="1200" dirty="0">
+                <a:latin typeface="JetBrains Mono"/>
+              </a:rPr>
               <a:t>$</a:t>
             </a:r>
             <a:r>
-              <a:rPr lang="en-US" altLang="ko-KR" sz="1200" dirty="0" smtClean="0"/>
+              <a:rPr lang="en-US" altLang="ko-KR" sz="1200" dirty="0" smtClean="0">
+                <a:latin typeface="JetBrains Mono"/>
+              </a:rPr>
               <a:t> </a:t>
             </a:r>
             <a:r>
-              <a:rPr lang="en-US" altLang="ko-KR" sz="1200" dirty="0" err="1" smtClean="0"/>
+              <a:rPr lang="en-US" altLang="ko-KR" sz="1200" dirty="0" err="1" smtClean="0">
+                <a:latin typeface="JetBrains Mono"/>
+              </a:rPr>
               <a:t>sudo</a:t>
             </a:r>
             <a:r>
-              <a:rPr lang="en-US" altLang="ko-KR" sz="1200" dirty="0" smtClean="0"/>
+              <a:rPr lang="en-US" altLang="ko-KR" sz="1200" dirty="0" smtClean="0">
+                <a:latin typeface="JetBrains Mono"/>
+              </a:rPr>
               <a:t> </a:t>
             </a:r>
             <a:r>
-              <a:rPr lang="en-US" altLang="ko-KR" sz="1200" dirty="0"/>
+              <a:rPr lang="en-US" altLang="ko-KR" sz="1200" dirty="0">
+                <a:latin typeface="JetBrains Mono"/>
+              </a:rPr>
               <a:t>./install auto &gt; /</a:t>
             </a:r>
             <a:r>
-              <a:rPr lang="en-US" altLang="ko-KR" sz="1200" dirty="0" err="1" smtClean="0"/>
+              <a:rPr lang="en-US" altLang="ko-KR" sz="1200" dirty="0" err="1" smtClean="0">
+                <a:latin typeface="JetBrains Mono"/>
+              </a:rPr>
               <a:t>tmp</a:t>
             </a:r>
             <a:r>
-              <a:rPr lang="en-US" altLang="ko-KR" sz="1200" dirty="0" smtClean="0"/>
+              <a:rPr lang="en-US" altLang="ko-KR" sz="1200" dirty="0" smtClean="0">
+                <a:latin typeface="JetBrains Mono"/>
+              </a:rPr>
               <a:t>/</a:t>
             </a:r>
             <a:r>
-              <a:rPr lang="en-US" altLang="ko-KR" sz="1200" dirty="0" err="1" smtClean="0"/>
+              <a:rPr lang="en-US" altLang="ko-KR" sz="1200" dirty="0" err="1" smtClean="0">
+                <a:latin typeface="JetBrains Mono"/>
+              </a:rPr>
               <a:t>logfile</a:t>
             </a:r>
-            <a:endParaRPr lang="en-US" altLang="ko-KR" sz="1200" dirty="0" smtClean="0"/>
-          </a:p>
-          <a:p>
-            <a:endParaRPr lang="en-US" altLang="ko-KR" sz="1200" dirty="0" smtClean="0"/>
-          </a:p>
-          <a:p>
-            <a:r>
-              <a:rPr lang="en-US" altLang="ko-KR" sz="1200" i="1" dirty="0" smtClean="0"/>
+            <a:endParaRPr lang="en-US" altLang="ko-KR" sz="1200" dirty="0" smtClean="0">
+              <a:latin typeface="JetBrains Mono"/>
+            </a:endParaRPr>
+          </a:p>
+          <a:p>
+            <a:endParaRPr lang="en-US" altLang="ko-KR" sz="1200" dirty="0" smtClean="0">
+              <a:latin typeface="JetBrains Mono"/>
+            </a:endParaRPr>
+          </a:p>
+          <a:p>
+            <a:r>
+              <a:rPr lang="en-US" altLang="ko-KR" sz="1200" dirty="0" smtClean="0">
+                <a:latin typeface="JetBrains Mono"/>
+              </a:rPr>
               <a:t># </a:t>
             </a:r>
             <a:r>
-              <a:rPr lang="ko-KR" altLang="en-US" sz="1200" i="1" dirty="0" err="1"/>
+              <a:rPr lang="ko-KR" altLang="en-US" sz="1200" dirty="0" err="1">
+                <a:latin typeface="JetBrains Mono"/>
+              </a:rPr>
               <a:t>실행중인지</a:t>
             </a:r>
             <a:r>
-              <a:rPr lang="ko-KR" altLang="en-US" sz="1200" i="1" dirty="0"/>
-              <a:t> 확인</a:t>
-            </a:r>
-            <a:r>
-              <a:rPr lang="ko-KR" altLang="en-US" sz="1200" dirty="0"/>
+              <a:rPr lang="ko-KR" altLang="en-US" sz="1200" dirty="0">
+                <a:latin typeface="JetBrains Mono"/>
+              </a:rPr>
+              <a:t> 확인 </a:t>
+            </a:r>
+            <a:endParaRPr lang="en-US" altLang="ko-KR" sz="1200" dirty="0" smtClean="0">
+              <a:latin typeface="JetBrains Mono"/>
+            </a:endParaRPr>
+          </a:p>
+          <a:p>
+            <a:r>
+              <a:rPr lang="en-US" altLang="ko-KR" sz="1200" dirty="0">
+                <a:latin typeface="JetBrains Mono"/>
+              </a:rPr>
+              <a:t>$</a:t>
+            </a:r>
+            <a:r>
+              <a:rPr lang="en-US" altLang="ko-KR" sz="1200" dirty="0" smtClean="0">
+                <a:latin typeface="JetBrains Mono"/>
+              </a:rPr>
               <a:t> </a:t>
             </a:r>
-            <a:endParaRPr lang="en-US" altLang="ko-KR" sz="1200" dirty="0" smtClean="0"/>
-          </a:p>
-          <a:p>
-            <a:r>
-              <a:rPr lang="en-US" altLang="ko-KR" sz="1200" dirty="0"/>
+            <a:r>
+              <a:rPr lang="en-US" altLang="ko-KR" sz="1200" dirty="0" err="1" smtClean="0">
+                <a:latin typeface="JetBrains Mono"/>
+              </a:rPr>
+              <a:t>sudo</a:t>
+            </a:r>
+            <a:r>
+              <a:rPr lang="en-US" altLang="ko-KR" sz="1200" dirty="0" smtClean="0">
+                <a:latin typeface="JetBrains Mono"/>
+              </a:rPr>
+              <a:t> </a:t>
+            </a:r>
+            <a:r>
+              <a:rPr lang="en-US" altLang="ko-KR" sz="1200" dirty="0">
+                <a:latin typeface="JetBrains Mono"/>
+              </a:rPr>
+              <a:t>service </a:t>
+            </a:r>
+            <a:r>
+              <a:rPr lang="en-US" altLang="ko-KR" sz="1200" dirty="0" err="1">
+                <a:latin typeface="JetBrains Mono"/>
+              </a:rPr>
+              <a:t>codedeploy</a:t>
+            </a:r>
+            <a:r>
+              <a:rPr lang="en-US" altLang="ko-KR" sz="1200" dirty="0">
+                <a:latin typeface="JetBrains Mono"/>
+              </a:rPr>
+              <a:t>-agent status </a:t>
+            </a:r>
+            <a:endParaRPr lang="en-US" altLang="ko-KR" sz="1200" dirty="0" smtClean="0">
+              <a:latin typeface="JetBrains Mono"/>
+            </a:endParaRPr>
+          </a:p>
+          <a:p>
+            <a:endParaRPr lang="en-US" altLang="ko-KR" sz="1200" dirty="0" smtClean="0">
+              <a:latin typeface="JetBrains Mono"/>
+            </a:endParaRPr>
+          </a:p>
+          <a:p>
+            <a:r>
+              <a:rPr lang="en-US" altLang="ko-KR" sz="1200" dirty="0" smtClean="0">
+                <a:latin typeface="JetBrains Mono"/>
+              </a:rPr>
+              <a:t># </a:t>
+            </a:r>
+            <a:r>
+              <a:rPr lang="en-US" altLang="ko-KR" sz="1200" dirty="0" err="1">
+                <a:latin typeface="JetBrains Mono"/>
+              </a:rPr>
+              <a:t>CodeDeploy</a:t>
+            </a:r>
+            <a:r>
+              <a:rPr lang="en-US" altLang="ko-KR" sz="1200" dirty="0">
+                <a:latin typeface="JetBrains Mono"/>
+              </a:rPr>
+              <a:t> </a:t>
+            </a:r>
+            <a:r>
+              <a:rPr lang="ko-KR" altLang="en-US" sz="1200" dirty="0">
+                <a:latin typeface="JetBrains Mono"/>
+              </a:rPr>
+              <a:t>에이전트가 설치되어 실행 중이면 </a:t>
+            </a:r>
+            <a:r>
+              <a:rPr lang="ko-KR" altLang="en-US" sz="1200" dirty="0" smtClean="0">
+                <a:latin typeface="JetBrains Mono"/>
+              </a:rPr>
+              <a:t>다음과 </a:t>
+            </a:r>
+            <a:r>
+              <a:rPr lang="ko-KR" altLang="en-US" sz="1200" dirty="0">
+                <a:latin typeface="JetBrains Mono"/>
+              </a:rPr>
+              <a:t>같은 메시지가 표시되어야 합니다</a:t>
+            </a:r>
+            <a:r>
+              <a:rPr lang="en-US" altLang="ko-KR" sz="1200" dirty="0" smtClean="0">
+                <a:latin typeface="JetBrains Mono"/>
+              </a:rPr>
+              <a:t>.</a:t>
+            </a:r>
+          </a:p>
+          <a:p>
+            <a:endParaRPr lang="en-US" altLang="ko-KR" sz="1200" dirty="0" smtClean="0">
+              <a:latin typeface="JetBrains Mono"/>
+            </a:endParaRPr>
+          </a:p>
+          <a:p>
+            <a:r>
+              <a:rPr lang="en-US" altLang="ko-KR" sz="1200" dirty="0" smtClean="0">
+                <a:latin typeface="JetBrains Mono"/>
+              </a:rPr>
+              <a:t># </a:t>
+            </a:r>
+            <a:r>
+              <a:rPr lang="en-US" altLang="ko-KR" sz="1200" dirty="0" smtClean="0">
+                <a:latin typeface="JetBrains Mono"/>
+              </a:rPr>
+              <a:t>The </a:t>
+            </a:r>
+            <a:r>
+              <a:rPr lang="en-US" altLang="ko-KR" sz="1200" dirty="0">
+                <a:latin typeface="JetBrains Mono"/>
+              </a:rPr>
+              <a:t>AWS </a:t>
+            </a:r>
+            <a:r>
+              <a:rPr lang="en-US" altLang="ko-KR" sz="1200" dirty="0" err="1">
+                <a:latin typeface="JetBrains Mono"/>
+              </a:rPr>
+              <a:t>CodeDeploy</a:t>
+            </a:r>
+            <a:r>
+              <a:rPr lang="en-US" altLang="ko-KR" sz="1200" dirty="0">
+                <a:latin typeface="JetBrains Mono"/>
+              </a:rPr>
+              <a:t> agent is running. </a:t>
+            </a:r>
+            <a:endParaRPr lang="en-US" altLang="ko-KR" sz="1200" dirty="0" smtClean="0">
+              <a:latin typeface="JetBrains Mono"/>
+            </a:endParaRPr>
+          </a:p>
+          <a:p>
+            <a:endParaRPr lang="en-US" altLang="ko-KR" sz="1200" dirty="0" smtClean="0">
+              <a:latin typeface="JetBrains Mono"/>
+            </a:endParaRPr>
+          </a:p>
+          <a:p>
+            <a:r>
+              <a:rPr lang="en-US" altLang="ko-KR" sz="1200" dirty="0" smtClean="0">
+                <a:latin typeface="JetBrains Mono"/>
+              </a:rPr>
+              <a:t># </a:t>
+            </a:r>
+            <a:r>
+              <a:rPr lang="en-US" altLang="ko-KR" sz="1200" dirty="0">
+                <a:latin typeface="JetBrains Mono"/>
+              </a:rPr>
+              <a:t>error: No AWS </a:t>
+            </a:r>
+            <a:r>
+              <a:rPr lang="en-US" altLang="ko-KR" sz="1200" dirty="0" err="1">
+                <a:latin typeface="JetBrains Mono"/>
+              </a:rPr>
+              <a:t>CodeDeploy</a:t>
+            </a:r>
+            <a:r>
+              <a:rPr lang="en-US" altLang="ko-KR" sz="1200" dirty="0">
+                <a:latin typeface="JetBrains Mono"/>
+              </a:rPr>
+              <a:t> agent running</a:t>
+            </a:r>
+            <a:r>
+              <a:rPr lang="ko-KR" altLang="en-US" sz="1200" dirty="0">
+                <a:latin typeface="JetBrains Mono"/>
+              </a:rPr>
+              <a:t>과 같은 메시지가 표시되면 서비스를 시작하고 </a:t>
+            </a:r>
+            <a:r>
+              <a:rPr lang="ko-KR" altLang="en-US" sz="1200" dirty="0">
+                <a:latin typeface="JetBrains Mono"/>
+              </a:rPr>
+              <a:t>다음 두 명령을 한 번에 하나씩 실행 </a:t>
+            </a:r>
+            <a:endParaRPr lang="en-US" altLang="ko-KR" sz="1200" dirty="0" smtClean="0">
+              <a:latin typeface="JetBrains Mono"/>
+            </a:endParaRPr>
+          </a:p>
+          <a:p>
+            <a:r>
+              <a:rPr lang="en-US" altLang="ko-KR" sz="1200" dirty="0">
+                <a:latin typeface="JetBrains Mono"/>
+              </a:rPr>
               <a:t>$</a:t>
             </a:r>
             <a:r>
-              <a:rPr lang="en-US" altLang="ko-KR" sz="1200" dirty="0" smtClean="0"/>
+              <a:rPr lang="en-US" altLang="ko-KR" sz="1200" dirty="0" smtClean="0">
+                <a:latin typeface="JetBrains Mono"/>
+              </a:rPr>
               <a:t> </a:t>
             </a:r>
             <a:r>
-              <a:rPr lang="en-US" altLang="ko-KR" sz="1200" dirty="0" err="1" smtClean="0"/>
+              <a:rPr lang="en-US" altLang="ko-KR" sz="1200" dirty="0" err="1" smtClean="0">
+                <a:latin typeface="JetBrains Mono"/>
+              </a:rPr>
               <a:t>sudo</a:t>
             </a:r>
             <a:r>
-              <a:rPr lang="en-US" altLang="ko-KR" sz="1200" dirty="0" smtClean="0"/>
+              <a:rPr lang="en-US" altLang="ko-KR" sz="1200" dirty="0" smtClean="0">
+                <a:latin typeface="JetBrains Mono"/>
+              </a:rPr>
               <a:t> </a:t>
             </a:r>
             <a:r>
-              <a:rPr lang="en-US" altLang="ko-KR" sz="1200" dirty="0"/>
+              <a:rPr lang="en-US" altLang="ko-KR" sz="1200" dirty="0">
+                <a:latin typeface="JetBrains Mono"/>
+              </a:rPr>
               <a:t>service </a:t>
             </a:r>
             <a:r>
-              <a:rPr lang="en-US" altLang="ko-KR" sz="1200" dirty="0" err="1"/>
+              <a:rPr lang="en-US" altLang="ko-KR" sz="1200" dirty="0" err="1">
+                <a:latin typeface="JetBrains Mono"/>
+              </a:rPr>
               <a:t>codedeploy</a:t>
             </a:r>
             <a:r>
-              <a:rPr lang="en-US" altLang="ko-KR" sz="1200" dirty="0"/>
-              <a:t>-agent status </a:t>
-            </a:r>
-            <a:endParaRPr lang="en-US" altLang="ko-KR" sz="1200" dirty="0" smtClean="0"/>
-          </a:p>
-          <a:p>
-            <a:endParaRPr lang="en-US" altLang="ko-KR" sz="1200" i="1" dirty="0" smtClean="0"/>
-          </a:p>
-          <a:p>
-            <a:r>
-              <a:rPr lang="en-US" altLang="ko-KR" sz="1200" i="1" dirty="0" smtClean="0"/>
-              <a:t># </a:t>
-            </a:r>
-            <a:r>
-              <a:rPr lang="en-US" altLang="ko-KR" sz="1200" i="1" dirty="0" err="1"/>
-              <a:t>CodeDeploy</a:t>
-            </a:r>
-            <a:r>
-              <a:rPr lang="en-US" altLang="ko-KR" sz="1200" i="1" dirty="0"/>
+              <a:rPr lang="en-US" altLang="ko-KR" sz="1200" dirty="0">
+                <a:latin typeface="JetBrains Mono"/>
+              </a:rPr>
+              <a:t>-agent start </a:t>
+            </a:r>
+            <a:endParaRPr lang="en-US" altLang="ko-KR" sz="1200" dirty="0" smtClean="0">
+              <a:latin typeface="JetBrains Mono"/>
+            </a:endParaRPr>
+          </a:p>
+          <a:p>
+            <a:r>
+              <a:rPr lang="en-US" altLang="ko-KR" sz="1200" dirty="0">
+                <a:latin typeface="JetBrains Mono"/>
+              </a:rPr>
+              <a:t>$</a:t>
+            </a:r>
+            <a:r>
+              <a:rPr lang="en-US" altLang="ko-KR" sz="1200" dirty="0" smtClean="0">
+                <a:latin typeface="JetBrains Mono"/>
+              </a:rPr>
               <a:t> </a:t>
             </a:r>
             <a:r>
-              <a:rPr lang="ko-KR" altLang="en-US" sz="1200" i="1" dirty="0"/>
-              <a:t>에이전트가 설치되어 실행 중이면 </a:t>
-            </a:r>
-            <a:r>
-              <a:rPr lang="ko-KR" altLang="en-US" sz="1200" i="1" dirty="0" smtClean="0"/>
-              <a:t>다음과 </a:t>
-            </a:r>
-            <a:r>
-              <a:rPr lang="ko-KR" altLang="en-US" sz="1200" i="1" dirty="0"/>
-              <a:t>같은 메시지가 표시되어야 합니다</a:t>
-            </a:r>
-            <a:r>
-              <a:rPr lang="en-US" altLang="ko-KR" sz="1200" i="1" dirty="0" smtClean="0"/>
-              <a:t>.</a:t>
-            </a:r>
-          </a:p>
-          <a:p>
-            <a:r>
-              <a:rPr lang="en-US" altLang="ko-KR" sz="1200" i="1" dirty="0" smtClean="0"/>
-              <a:t># The </a:t>
-            </a:r>
-            <a:r>
-              <a:rPr lang="en-US" altLang="ko-KR" sz="1200" i="1" dirty="0"/>
-              <a:t>AWS </a:t>
-            </a:r>
-            <a:r>
-              <a:rPr lang="en-US" altLang="ko-KR" sz="1200" i="1" dirty="0" err="1"/>
-              <a:t>CodeDeploy</a:t>
-            </a:r>
-            <a:r>
-              <a:rPr lang="en-US" altLang="ko-KR" sz="1200" i="1" dirty="0"/>
-              <a:t> agent is running.</a:t>
-            </a:r>
-            <a:r>
-              <a:rPr lang="en-US" altLang="ko-KR" sz="1200" dirty="0"/>
+              <a:rPr lang="en-US" altLang="ko-KR" sz="1200" dirty="0" err="1" smtClean="0">
+                <a:latin typeface="JetBrains Mono"/>
+              </a:rPr>
+              <a:t>sudo</a:t>
+            </a:r>
+            <a:r>
+              <a:rPr lang="en-US" altLang="ko-KR" sz="1200" dirty="0" smtClean="0">
+                <a:latin typeface="JetBrains Mono"/>
+              </a:rPr>
               <a:t> </a:t>
             </a:r>
-            <a:endParaRPr lang="en-US" altLang="ko-KR" sz="1200" dirty="0" smtClean="0"/>
-          </a:p>
-          <a:p>
-            <a:r>
-              <a:rPr lang="en-US" altLang="ko-KR" sz="1200" i="1" dirty="0" smtClean="0"/>
-              <a:t># </a:t>
-            </a:r>
-            <a:r>
-              <a:rPr lang="en-US" altLang="ko-KR" sz="1200" i="1" dirty="0"/>
-              <a:t>error: No AWS </a:t>
-            </a:r>
-            <a:r>
-              <a:rPr lang="en-US" altLang="ko-KR" sz="1200" i="1" dirty="0" err="1"/>
-              <a:t>CodeDeploy</a:t>
-            </a:r>
-            <a:r>
-              <a:rPr lang="en-US" altLang="ko-KR" sz="1200" i="1" dirty="0"/>
-              <a:t> agent running</a:t>
-            </a:r>
-            <a:r>
-              <a:rPr lang="ko-KR" altLang="en-US" sz="1200" i="1" dirty="0"/>
-              <a:t>과 같은 메시지가 표시되면 서비스를 시작하고 </a:t>
-            </a:r>
-            <a:endParaRPr lang="en-US" altLang="ko-KR" sz="1200" i="1" dirty="0" smtClean="0"/>
-          </a:p>
-          <a:p>
-            <a:r>
-              <a:rPr lang="en-US" altLang="ko-KR" sz="1200" i="1" dirty="0" smtClean="0"/>
-              <a:t># </a:t>
-            </a:r>
-            <a:r>
-              <a:rPr lang="ko-KR" altLang="en-US" sz="1200" i="1" dirty="0" smtClean="0"/>
-              <a:t>다음 </a:t>
-            </a:r>
-            <a:r>
-              <a:rPr lang="ko-KR" altLang="en-US" sz="1200" i="1" dirty="0"/>
-              <a:t>두 명령을 한 번에 하나씩 실행</a:t>
-            </a:r>
-            <a:r>
-              <a:rPr lang="ko-KR" altLang="en-US" sz="1200" dirty="0"/>
-              <a:t> </a:t>
-            </a:r>
-            <a:endParaRPr lang="en-US" altLang="ko-KR" sz="1200" dirty="0" smtClean="0"/>
-          </a:p>
-          <a:p>
-            <a:r>
-              <a:rPr lang="en-US" altLang="ko-KR" sz="1200" dirty="0"/>
-              <a:t>$</a:t>
-            </a:r>
-            <a:r>
-              <a:rPr lang="en-US" altLang="ko-KR" sz="1200" dirty="0" smtClean="0"/>
-              <a:t> </a:t>
-            </a:r>
-            <a:r>
-              <a:rPr lang="en-US" altLang="ko-KR" sz="1200" dirty="0" err="1" smtClean="0"/>
-              <a:t>sudo</a:t>
-            </a:r>
-            <a:r>
-              <a:rPr lang="en-US" altLang="ko-KR" sz="1200" dirty="0" smtClean="0"/>
-              <a:t> </a:t>
-            </a:r>
-            <a:r>
-              <a:rPr lang="en-US" altLang="ko-KR" sz="1200" dirty="0"/>
+            <a:r>
+              <a:rPr lang="en-US" altLang="ko-KR" sz="1200" dirty="0">
+                <a:latin typeface="JetBrains Mono"/>
+              </a:rPr>
               <a:t>service </a:t>
             </a:r>
             <a:r>
-              <a:rPr lang="en-US" altLang="ko-KR" sz="1200" dirty="0" err="1"/>
+              <a:rPr lang="en-US" altLang="ko-KR" sz="1200" dirty="0" err="1">
+                <a:latin typeface="JetBrains Mono"/>
+              </a:rPr>
               <a:t>codedeploy</a:t>
             </a:r>
             <a:r>
-              <a:rPr lang="en-US" altLang="ko-KR" sz="1200" dirty="0"/>
-              <a:t>-agent start </a:t>
-            </a:r>
-            <a:endParaRPr lang="en-US" altLang="ko-KR" sz="1200" dirty="0" smtClean="0"/>
-          </a:p>
-          <a:p>
-            <a:r>
-              <a:rPr lang="en-US" altLang="ko-KR" sz="1200" dirty="0"/>
-              <a:t>$</a:t>
-            </a:r>
-            <a:r>
-              <a:rPr lang="en-US" altLang="ko-KR" sz="1200" dirty="0" smtClean="0"/>
-              <a:t> </a:t>
-            </a:r>
-            <a:r>
-              <a:rPr lang="en-US" altLang="ko-KR" sz="1200" dirty="0" err="1" smtClean="0"/>
-              <a:t>sudo</a:t>
-            </a:r>
-            <a:r>
-              <a:rPr lang="en-US" altLang="ko-KR" sz="1200" dirty="0" smtClean="0"/>
-              <a:t> </a:t>
-            </a:r>
-            <a:r>
-              <a:rPr lang="en-US" altLang="ko-KR" sz="1200" dirty="0"/>
-              <a:t>service </a:t>
-            </a:r>
-            <a:r>
-              <a:rPr lang="en-US" altLang="ko-KR" sz="1200" dirty="0" err="1"/>
-              <a:t>codedeploy</a:t>
-            </a:r>
-            <a:r>
-              <a:rPr lang="en-US" altLang="ko-KR" sz="1200" dirty="0"/>
+              <a:rPr lang="en-US" altLang="ko-KR" sz="1200" dirty="0">
+                <a:latin typeface="JetBrains Mono"/>
+              </a:rPr>
               <a:t>-agent status</a:t>
             </a:r>
           </a:p>
           <a:p>
-            <a:endParaRPr lang="en-US" altLang="ko-KR" dirty="0" smtClean="0"/>
-          </a:p>
-          <a:p>
-            <a:endParaRPr lang="en-US" altLang="ko-KR" dirty="0" smtClean="0"/>
-          </a:p>
-          <a:p>
-            <a:r>
-              <a:rPr lang="ko-KR" altLang="en-US" dirty="0" smtClean="0"/>
+            <a:endParaRPr lang="en-US" altLang="ko-KR" dirty="0" smtClean="0">
+              <a:latin typeface="JetBrains Mono"/>
+            </a:endParaRPr>
+          </a:p>
+          <a:p>
+            <a:r>
+              <a:rPr lang="ko-KR" altLang="en-US" dirty="0" smtClean="0">
+                <a:latin typeface="JetBrains Mono"/>
+              </a:rPr>
               <a:t>참조</a:t>
             </a:r>
             <a:r>
-              <a:rPr lang="en-US" altLang="ko-KR" dirty="0" smtClean="0"/>
+              <a:rPr lang="en-US" altLang="ko-KR" dirty="0" smtClean="0">
+                <a:latin typeface="JetBrains Mono"/>
+              </a:rPr>
               <a:t>: </a:t>
             </a:r>
-            <a:r>
-              <a:rPr lang="en-US" altLang="ko-KR" sz="1200" dirty="0" smtClean="0"/>
-              <a:t>https://docs.aws.amazon.com/ko_kr/codedeploy/latest/userguide/codedeploy-agent-operations-install-ubuntu.html</a:t>
-            </a:r>
-            <a:endParaRPr lang="ko-KR" altLang="en-US" sz="1200" dirty="0"/>
+            <a:endParaRPr lang="en-US" altLang="ko-KR" dirty="0" smtClean="0">
+              <a:latin typeface="JetBrains Mono"/>
+            </a:endParaRPr>
+          </a:p>
+          <a:p>
+            <a:r>
+              <a:rPr lang="en-US" altLang="ko-KR" sz="1200" dirty="0" smtClean="0">
+                <a:latin typeface="JetBrains Mono"/>
+              </a:rPr>
+              <a:t>https</a:t>
+            </a:r>
+            <a:r>
+              <a:rPr lang="en-US" altLang="ko-KR" sz="1200" dirty="0" smtClean="0">
+                <a:latin typeface="JetBrains Mono"/>
+              </a:rPr>
+              <a:t>://docs.aws.amazon.com/ko_kr/codedeploy/latest/userguide/codedeploy-agent-operations-install-ubuntu.html</a:t>
+            </a:r>
+            <a:endParaRPr lang="ko-KR" altLang="en-US" sz="1200" dirty="0">
+              <a:latin typeface="JetBrains Mono"/>
+            </a:endParaRPr>
           </a:p>
         </p:txBody>
       </p:sp>
@@ -3832,7 +4114,7 @@
         </p:blipFill>
         <p:spPr>
           <a:xfrm>
-            <a:off x="3829050" y="3781425"/>
+            <a:off x="4627071" y="3514814"/>
             <a:ext cx="6048375" cy="685800"/>
           </a:xfrm>
           <a:prstGeom prst="rect">
@@ -3840,6 +4122,137 @@
           </a:prstGeom>
         </p:spPr>
       </p:pic>
+      <p:sp>
+        <p:nvSpPr>
+          <p:cNvPr id="5" name="직사각형 4"/>
+          <p:cNvSpPr/>
+          <p:nvPr/>
+        </p:nvSpPr>
+        <p:spPr>
+          <a:xfrm>
+            <a:off x="1012421" y="4821382"/>
+            <a:ext cx="3019252" cy="315883"/>
+          </a:xfrm>
+          <a:prstGeom prst="rect">
+            <a:avLst/>
+          </a:prstGeom>
+          <a:noFill/>
+          <a:ln w="41275">
+            <a:solidFill>
+              <a:srgbClr val="FF0000"/>
+            </a:solidFill>
+          </a:ln>
+        </p:spPr>
+        <p:style>
+          <a:lnRef idx="2">
+            <a:schemeClr val="accent1">
+              <a:shade val="50000"/>
+            </a:schemeClr>
+          </a:lnRef>
+          <a:fillRef idx="1">
+            <a:schemeClr val="accent1"/>
+          </a:fillRef>
+          <a:effectRef idx="0">
+            <a:schemeClr val="accent1"/>
+          </a:effectRef>
+          <a:fontRef idx="minor">
+            <a:schemeClr val="lt1"/>
+          </a:fontRef>
+        </p:style>
+        <p:txBody>
+          <a:bodyPr rtlCol="0" anchor="ctr"/>
+          <a:lstStyle/>
+          <a:p>
+            <a:pPr algn="ctr"/>
+            <a:endParaRPr lang="ko-KR" altLang="en-US">
+              <a:latin typeface="JetBrains Mono"/>
+            </a:endParaRPr>
+          </a:p>
+        </p:txBody>
+      </p:sp>
+      <p:sp>
+        <p:nvSpPr>
+          <p:cNvPr id="6" name="직사각형 5"/>
+          <p:cNvSpPr/>
+          <p:nvPr/>
+        </p:nvSpPr>
+        <p:spPr>
+          <a:xfrm>
+            <a:off x="4904509" y="3884731"/>
+            <a:ext cx="2094808" cy="315883"/>
+          </a:xfrm>
+          <a:prstGeom prst="rect">
+            <a:avLst/>
+          </a:prstGeom>
+          <a:noFill/>
+          <a:ln w="41275">
+            <a:solidFill>
+              <a:srgbClr val="FF0000"/>
+            </a:solidFill>
+          </a:ln>
+        </p:spPr>
+        <p:style>
+          <a:lnRef idx="2">
+            <a:schemeClr val="accent1">
+              <a:shade val="50000"/>
+            </a:schemeClr>
+          </a:lnRef>
+          <a:fillRef idx="1">
+            <a:schemeClr val="accent1"/>
+          </a:fillRef>
+          <a:effectRef idx="0">
+            <a:schemeClr val="accent1"/>
+          </a:effectRef>
+          <a:fontRef idx="minor">
+            <a:schemeClr val="lt1"/>
+          </a:fontRef>
+        </p:style>
+        <p:txBody>
+          <a:bodyPr rtlCol="0" anchor="ctr"/>
+          <a:lstStyle/>
+          <a:p>
+            <a:pPr algn="ctr"/>
+            <a:endParaRPr lang="ko-KR" altLang="en-US">
+              <a:latin typeface="JetBrains Mono"/>
+            </a:endParaRPr>
+          </a:p>
+        </p:txBody>
+      </p:sp>
+      <p:cxnSp>
+        <p:nvCxnSpPr>
+          <p:cNvPr id="7" name="직선 화살표 연결선 6"/>
+          <p:cNvCxnSpPr>
+            <a:stCxn id="5" idx="3"/>
+          </p:cNvCxnSpPr>
+          <p:nvPr/>
+        </p:nvCxnSpPr>
+        <p:spPr>
+          <a:xfrm flipV="1">
+            <a:off x="4031673" y="4200614"/>
+            <a:ext cx="1895302" cy="778710"/>
+          </a:xfrm>
+          <a:prstGeom prst="straightConnector1">
+            <a:avLst/>
+          </a:prstGeom>
+          <a:ln>
+            <a:tailEnd type="triangle"/>
+          </a:ln>
+        </p:spPr>
+        <p:style>
+          <a:lnRef idx="1">
+            <a:schemeClr val="dk1"/>
+          </a:lnRef>
+          <a:fillRef idx="0">
+            <a:schemeClr val="dk1"/>
+          </a:fillRef>
+          <a:effectRef idx="0">
+            <a:schemeClr val="dk1"/>
+          </a:effectRef>
+          <a:fontRef idx="minor">
+            <a:schemeClr val="tx1"/>
+          </a:fontRef>
+        </p:style>
+      </p:cxnSp>
     </p:spTree>
     <p:extLst>
       <p:ext uri="{BB962C8B-B14F-4D97-AF65-F5344CB8AC3E}">
@@ -3886,14 +4299,20 @@
           <a:lstStyle/>
           <a:p>
             <a:r>
-              <a:rPr lang="en-US" altLang="ko-KR" dirty="0" smtClean="0"/>
+              <a:rPr lang="en-US" altLang="ko-KR" dirty="0" smtClean="0">
+                <a:latin typeface="JetBrains Mono"/>
+              </a:rPr>
               <a:t>4. setup ec2 instance: </a:t>
             </a:r>
             <a:r>
-              <a:rPr lang="en-US" altLang="ko-KR" sz="2400" dirty="0" smtClean="0"/>
+              <a:rPr lang="en-US" altLang="ko-KR" sz="2400" dirty="0" smtClean="0">
+                <a:latin typeface="JetBrains Mono"/>
+              </a:rPr>
               <a:t>setup app</a:t>
             </a:r>
-            <a:endParaRPr lang="ko-KR" altLang="en-US" sz="2400" dirty="0"/>
+            <a:endParaRPr lang="ko-KR" altLang="en-US" sz="2400" dirty="0">
+              <a:latin typeface="JetBrains Mono"/>
+            </a:endParaRPr>
           </a:p>
         </p:txBody>
       </p:sp>
@@ -3919,44 +4338,60 @@
           <a:lstStyle/>
           <a:p>
             <a:r>
-              <a:rPr lang="en-US" altLang="ko-KR" dirty="0" smtClean="0"/>
-              <a:t>1. ec2 </a:t>
-            </a:r>
-            <a:r>
-              <a:rPr lang="en-US" altLang="ko-KR" dirty="0" smtClean="0"/>
-              <a:t>Ubuntu </a:t>
-            </a:r>
-            <a:r>
-              <a:rPr lang="ko-KR" altLang="en-US" dirty="0" smtClean="0"/>
+              <a:rPr lang="en-US" altLang="ko-KR" dirty="0" smtClean="0">
+                <a:latin typeface="JetBrains Mono"/>
+              </a:rPr>
+              <a:t>1. ec2 Ubuntu </a:t>
+            </a:r>
+            <a:r>
+              <a:rPr lang="ko-KR" altLang="en-US" dirty="0" smtClean="0">
+                <a:latin typeface="JetBrains Mono"/>
+              </a:rPr>
               <a:t>의 홈 디렉터리에 </a:t>
             </a:r>
             <a:r>
-              <a:rPr lang="en-US" altLang="ko-KR" dirty="0" smtClean="0"/>
+              <a:rPr lang="en-US" altLang="ko-KR" dirty="0" smtClean="0">
+                <a:latin typeface="JetBrains Mono"/>
+              </a:rPr>
               <a:t>app </a:t>
             </a:r>
             <a:r>
-              <a:rPr lang="ko-KR" altLang="en-US" dirty="0" smtClean="0"/>
+              <a:rPr lang="ko-KR" altLang="en-US" dirty="0" smtClean="0">
+                <a:latin typeface="JetBrains Mono"/>
+              </a:rPr>
               <a:t>폴더를 생성하세요</a:t>
             </a:r>
-            <a:endParaRPr lang="en-US" altLang="ko-KR" dirty="0" smtClean="0"/>
-          </a:p>
-          <a:p>
-            <a:r>
-              <a:rPr lang="en-US" altLang="ko-KR" dirty="0"/>
+            <a:endParaRPr lang="en-US" altLang="ko-KR" dirty="0" smtClean="0">
+              <a:latin typeface="JetBrains Mono"/>
+            </a:endParaRPr>
+          </a:p>
+          <a:p>
+            <a:r>
+              <a:rPr lang="en-US" altLang="ko-KR" dirty="0">
+                <a:latin typeface="JetBrains Mono"/>
+              </a:rPr>
               <a:t>	</a:t>
             </a:r>
             <a:r>
-              <a:rPr lang="en-US" altLang="ko-KR" dirty="0" smtClean="0"/>
+              <a:rPr lang="en-US" altLang="ko-KR" dirty="0" smtClean="0">
+                <a:latin typeface="JetBrains Mono"/>
+              </a:rPr>
               <a:t>- </a:t>
             </a:r>
             <a:r>
-              <a:rPr lang="ko-KR" altLang="en-US" dirty="0" smtClean="0"/>
+              <a:rPr lang="ko-KR" altLang="en-US" dirty="0" smtClean="0">
+                <a:latin typeface="JetBrains Mono"/>
+              </a:rPr>
               <a:t>해당 디렉터리에 코드가 배포돼요</a:t>
             </a:r>
-            <a:endParaRPr lang="en-US" altLang="ko-KR" dirty="0" smtClean="0"/>
-          </a:p>
-          <a:p>
-            <a:endParaRPr lang="en-US" altLang="ko-KR" dirty="0"/>
+            <a:endParaRPr lang="en-US" altLang="ko-KR" dirty="0" smtClean="0">
+              <a:latin typeface="JetBrains Mono"/>
+            </a:endParaRPr>
+          </a:p>
+          <a:p>
+            <a:endParaRPr lang="en-US" altLang="ko-KR" dirty="0">
+              <a:latin typeface="JetBrains Mono"/>
+            </a:endParaRPr>
           </a:p>
         </p:txBody>
       </p:sp>
@@ -3992,8 +4427,8 @@
         </p:nvSpPr>
         <p:spPr>
           <a:xfrm>
-            <a:off x="838200" y="3539217"/>
-            <a:ext cx="10807932" cy="3508653"/>
+            <a:off x="838200" y="3349347"/>
+            <a:ext cx="10807932" cy="3385542"/>
           </a:xfrm>
           <a:prstGeom prst="rect">
             <a:avLst/>
@@ -4006,456 +4441,671 @@
           <a:lstStyle/>
           <a:p>
             <a:r>
-              <a:rPr lang="en-US" altLang="ko-KR" dirty="0" smtClean="0"/>
+              <a:rPr lang="en-US" altLang="ko-KR" sz="1600" dirty="0" smtClean="0">
+                <a:latin typeface="JetBrains Mono"/>
+              </a:rPr>
               <a:t>2. </a:t>
             </a:r>
             <a:r>
-              <a:rPr lang="en-US" altLang="ko-KR" dirty="0" err="1" smtClean="0"/>
+              <a:rPr lang="en-US" altLang="ko-KR" sz="1600" dirty="0" err="1" smtClean="0">
+                <a:latin typeface="JetBrains Mono"/>
+              </a:rPr>
               <a:t>sudo</a:t>
             </a:r>
             <a:r>
-              <a:rPr lang="en-US" altLang="ko-KR" dirty="0" smtClean="0"/>
+              <a:rPr lang="en-US" altLang="ko-KR" sz="1600" dirty="0" smtClean="0">
+                <a:latin typeface="JetBrains Mono"/>
+              </a:rPr>
               <a:t> </a:t>
             </a:r>
             <a:r>
-              <a:rPr lang="en-US" altLang="ko-KR" dirty="0" err="1" smtClean="0"/>
+              <a:rPr lang="en-US" altLang="ko-KR" sz="1600" dirty="0" err="1" smtClean="0">
+                <a:latin typeface="JetBrains Mono"/>
+              </a:rPr>
               <a:t>npm</a:t>
             </a:r>
             <a:r>
-              <a:rPr lang="en-US" altLang="ko-KR" dirty="0" smtClean="0"/>
+              <a:rPr lang="en-US" altLang="ko-KR" sz="1600" dirty="0" smtClean="0">
+                <a:latin typeface="JetBrains Mono"/>
+              </a:rPr>
               <a:t> install pm2 –g </a:t>
             </a:r>
             <a:r>
-              <a:rPr lang="ko-KR" altLang="en-US" dirty="0" smtClean="0"/>
+              <a:rPr lang="ko-KR" altLang="en-US" sz="1600" dirty="0" smtClean="0">
+                <a:latin typeface="JetBrains Mono"/>
+              </a:rPr>
               <a:t>명령어를 통해 </a:t>
             </a:r>
             <a:r>
-              <a:rPr lang="en-US" altLang="ko-KR" dirty="0" smtClean="0"/>
+              <a:rPr lang="en-US" altLang="ko-KR" sz="1600" dirty="0" smtClean="0">
+                <a:latin typeface="JetBrains Mono"/>
+              </a:rPr>
               <a:t>pm2</a:t>
             </a:r>
             <a:r>
-              <a:rPr lang="ko-KR" altLang="en-US" dirty="0" smtClean="0"/>
-              <a:t>를 설치하세요</a:t>
-            </a:r>
-            <a:endParaRPr lang="en-US" altLang="ko-KR" dirty="0" smtClean="0"/>
-          </a:p>
-          <a:p>
-            <a:r>
-              <a:rPr lang="en-US" altLang="ko-KR" dirty="0" smtClean="0"/>
+              <a:rPr lang="ko-KR" altLang="en-US" sz="1600" dirty="0" smtClean="0">
+                <a:latin typeface="JetBrains Mono"/>
+              </a:rPr>
+              <a:t>를 </a:t>
+            </a:r>
+            <a:r>
+              <a:rPr lang="ko-KR" altLang="en-US" sz="1600" dirty="0" smtClean="0">
+                <a:latin typeface="JetBrains Mono"/>
+              </a:rPr>
+              <a:t>설치하세요</a:t>
+            </a:r>
+            <a:endParaRPr lang="en-US" altLang="ko-KR" sz="1600" dirty="0" smtClean="0">
+              <a:latin typeface="JetBrains Mono"/>
+            </a:endParaRPr>
+          </a:p>
+          <a:p>
+            <a:endParaRPr lang="en-US" altLang="ko-KR" sz="1600" dirty="0" smtClean="0">
+              <a:latin typeface="JetBrains Mono"/>
+            </a:endParaRPr>
+          </a:p>
+          <a:p>
+            <a:r>
+              <a:rPr lang="en-US" altLang="ko-KR" sz="1600" dirty="0" smtClean="0">
+                <a:latin typeface="JetBrains Mono"/>
+              </a:rPr>
               <a:t>3. 80</a:t>
             </a:r>
             <a:r>
-              <a:rPr lang="ko-KR" altLang="en-US" dirty="0" smtClean="0"/>
+              <a:rPr lang="ko-KR" altLang="en-US" sz="1600" dirty="0" smtClean="0">
+                <a:latin typeface="JetBrains Mono"/>
+              </a:rPr>
               <a:t>번 포트에서 </a:t>
             </a:r>
             <a:r>
-              <a:rPr lang="en-US" altLang="ko-KR" dirty="0" smtClean="0"/>
+              <a:rPr lang="en-US" altLang="ko-KR" sz="1600" dirty="0" smtClean="0">
+                <a:latin typeface="JetBrains Mono"/>
+              </a:rPr>
               <a:t>node </a:t>
             </a:r>
             <a:r>
-              <a:rPr lang="ko-KR" altLang="en-US" dirty="0" smtClean="0"/>
+              <a:rPr lang="ko-KR" altLang="en-US" sz="1600" dirty="0" smtClean="0">
+                <a:latin typeface="JetBrains Mono"/>
+              </a:rPr>
               <a:t>앱이 실행되기 위한 설정을 </a:t>
             </a:r>
             <a:r>
-              <a:rPr lang="ko-KR" altLang="en-US" dirty="0" smtClean="0"/>
+              <a:rPr lang="ko-KR" altLang="en-US" sz="1600" dirty="0" smtClean="0">
+                <a:latin typeface="JetBrains Mono"/>
+              </a:rPr>
               <a:t>하세요</a:t>
             </a:r>
-            <a:endParaRPr lang="en-US" altLang="ko-KR" dirty="0"/>
-          </a:p>
-          <a:p>
-            <a:pPr marL="285750" indent="-285750">
-              <a:buFontTx/>
-              <a:buChar char="-"/>
-            </a:pPr>
-            <a:r>
-              <a:rPr lang="ko-KR" altLang="en-US" sz="1400" dirty="0" smtClean="0"/>
+            <a:endParaRPr lang="en-US" altLang="ko-KR" sz="1600" dirty="0" smtClean="0">
+              <a:latin typeface="JetBrains Mono"/>
+            </a:endParaRPr>
+          </a:p>
+          <a:p>
+            <a:endParaRPr lang="en-US" altLang="ko-KR" sz="1600" dirty="0">
+              <a:latin typeface="JetBrains Mono"/>
+            </a:endParaRPr>
+          </a:p>
+          <a:p>
+            <a:r>
+              <a:rPr lang="en-US" altLang="ko-KR" sz="1200" dirty="0" smtClean="0">
+                <a:latin typeface="JetBrains Mono"/>
+              </a:rPr>
+              <a:t># </a:t>
+            </a:r>
+            <a:r>
+              <a:rPr lang="ko-KR" altLang="en-US" sz="1200" dirty="0" smtClean="0">
+                <a:latin typeface="JetBrains Mono"/>
+              </a:rPr>
               <a:t>참조</a:t>
             </a:r>
             <a:r>
-              <a:rPr lang="en-US" altLang="ko-KR" sz="1400" dirty="0"/>
+              <a:rPr lang="en-US" altLang="ko-KR" sz="1200" dirty="0">
+                <a:latin typeface="JetBrains Mono"/>
+              </a:rPr>
               <a:t>: </a:t>
             </a:r>
             <a:r>
-              <a:rPr lang="en-US" altLang="ko-KR" sz="1400" dirty="0" smtClean="0">
+              <a:rPr lang="en-US" altLang="ko-KR" sz="1200" dirty="0" smtClean="0">
+                <a:latin typeface="JetBrains Mono"/>
                 <a:hlinkClick r:id="rId3"/>
               </a:rPr>
               <a:t>https</a:t>
             </a:r>
             <a:r>
-              <a:rPr lang="en-US" altLang="ko-KR" sz="1400" dirty="0">
+              <a:rPr lang="en-US" altLang="ko-KR" sz="1200" dirty="0">
+                <a:latin typeface="JetBrains Mono"/>
                 <a:hlinkClick r:id="rId3"/>
               </a:rPr>
               <a:t>://unchae.tistory.com/entry/PM2-80-443%ED%8F%AC%ED%8A%B8-%</a:t>
             </a:r>
             <a:r>
-              <a:rPr lang="en-US" altLang="ko-KR" sz="1400" dirty="0" smtClean="0">
+              <a:rPr lang="en-US" altLang="ko-KR" sz="1200" dirty="0" smtClean="0">
+                <a:latin typeface="JetBrains Mono"/>
                 <a:hlinkClick r:id="rId3"/>
               </a:rPr>
               <a:t>EC%82%AC%EC%9A%A9</a:t>
             </a:r>
-            <a:endParaRPr lang="en-US" altLang="ko-KR" sz="1400" dirty="0" smtClean="0"/>
-          </a:p>
-          <a:p>
-            <a:r>
-              <a:rPr lang="ko-KR" altLang="en-US" sz="1400" dirty="0" smtClean="0"/>
-              <a:t>설정</a:t>
-            </a:r>
-            <a:r>
-              <a:rPr lang="en-US" altLang="ko-KR" sz="1400" dirty="0" smtClean="0"/>
+            <a:endParaRPr lang="en-US" altLang="ko-KR" sz="1200" dirty="0" smtClean="0">
+              <a:latin typeface="JetBrains Mono"/>
+            </a:endParaRPr>
+          </a:p>
+          <a:p>
+            <a:r>
+              <a:rPr lang="en-US" altLang="ko-KR" sz="1200" dirty="0" smtClean="0">
+                <a:latin typeface="JetBrains Mono"/>
+              </a:rPr>
+              <a:t>$ </a:t>
+            </a:r>
+            <a:r>
+              <a:rPr lang="en-US" altLang="ko-KR" sz="1200" dirty="0" err="1" smtClean="0">
+                <a:latin typeface="JetBrains Mono"/>
+              </a:rPr>
+              <a:t>sudo</a:t>
+            </a:r>
+            <a:r>
+              <a:rPr lang="en-US" altLang="ko-KR" sz="1200" dirty="0" smtClean="0">
+                <a:latin typeface="JetBrains Mono"/>
+              </a:rPr>
+              <a:t> apt-get install </a:t>
+            </a:r>
+            <a:r>
+              <a:rPr lang="en-US" altLang="ko-KR" sz="1200" dirty="0" err="1" smtClean="0">
+                <a:latin typeface="JetBrains Mono"/>
+              </a:rPr>
+              <a:t>authbind</a:t>
+            </a:r>
+            <a:r>
+              <a:rPr lang="en-US" altLang="ko-KR" sz="1200" dirty="0" smtClean="0">
+                <a:latin typeface="JetBrains Mono"/>
+              </a:rPr>
+              <a:t> </a:t>
+            </a:r>
+          </a:p>
+          <a:p>
+            <a:r>
+              <a:rPr lang="en-US" altLang="ko-KR" sz="1200" dirty="0" smtClean="0">
+                <a:latin typeface="JetBrains Mono"/>
+              </a:rPr>
+              <a:t>$ </a:t>
+            </a:r>
+            <a:r>
+              <a:rPr lang="en-US" altLang="ko-KR" sz="1200" dirty="0" err="1" smtClean="0">
+                <a:latin typeface="JetBrains Mono"/>
+              </a:rPr>
+              <a:t>sudo</a:t>
+            </a:r>
+            <a:r>
+              <a:rPr lang="en-US" altLang="ko-KR" sz="1200" dirty="0" smtClean="0">
+                <a:latin typeface="JetBrains Mono"/>
+              </a:rPr>
+              <a:t> </a:t>
+            </a:r>
+            <a:r>
+              <a:rPr lang="en-US" altLang="ko-KR" sz="1200" dirty="0">
+                <a:latin typeface="JetBrains Mono"/>
+              </a:rPr>
+              <a:t>touch /</a:t>
+            </a:r>
+            <a:r>
+              <a:rPr lang="en-US" altLang="ko-KR" sz="1200" dirty="0" err="1">
+                <a:latin typeface="JetBrains Mono"/>
+              </a:rPr>
+              <a:t>etc</a:t>
+            </a:r>
+            <a:r>
+              <a:rPr lang="en-US" altLang="ko-KR" sz="1200" dirty="0">
+                <a:latin typeface="JetBrains Mono"/>
+              </a:rPr>
+              <a:t>/</a:t>
+            </a:r>
+            <a:r>
+              <a:rPr lang="en-US" altLang="ko-KR" sz="1200" dirty="0" err="1">
+                <a:latin typeface="JetBrains Mono"/>
+              </a:rPr>
+              <a:t>authbind</a:t>
+            </a:r>
+            <a:r>
+              <a:rPr lang="en-US" altLang="ko-KR" sz="1200" dirty="0">
+                <a:latin typeface="JetBrains Mono"/>
+              </a:rPr>
+              <a:t>/</a:t>
+            </a:r>
+            <a:r>
+              <a:rPr lang="en-US" altLang="ko-KR" sz="1200" dirty="0" err="1">
+                <a:latin typeface="JetBrains Mono"/>
+              </a:rPr>
+              <a:t>byport</a:t>
+            </a:r>
+            <a:r>
+              <a:rPr lang="en-US" altLang="ko-KR" sz="1200" dirty="0">
+                <a:latin typeface="JetBrains Mono"/>
+              </a:rPr>
+              <a:t>/80 </a:t>
+            </a:r>
+            <a:endParaRPr lang="en-US" altLang="ko-KR" sz="1200" dirty="0" smtClean="0">
+              <a:latin typeface="JetBrains Mono"/>
+            </a:endParaRPr>
+          </a:p>
+          <a:p>
+            <a:r>
+              <a:rPr lang="en-US" altLang="ko-KR" sz="1200" dirty="0">
+                <a:latin typeface="JetBrains Mono"/>
+              </a:rPr>
+              <a:t>$ </a:t>
+            </a:r>
+            <a:r>
+              <a:rPr lang="en-US" altLang="ko-KR" sz="1200" dirty="0" err="1" smtClean="0">
+                <a:latin typeface="JetBrains Mono"/>
+              </a:rPr>
+              <a:t>sudo</a:t>
+            </a:r>
+            <a:r>
+              <a:rPr lang="en-US" altLang="ko-KR" sz="1200" dirty="0" smtClean="0">
+                <a:latin typeface="JetBrains Mono"/>
+              </a:rPr>
+              <a:t> </a:t>
+            </a:r>
+            <a:r>
+              <a:rPr lang="en-US" altLang="ko-KR" sz="1200" dirty="0" err="1">
+                <a:latin typeface="JetBrains Mono"/>
+              </a:rPr>
+              <a:t>chown</a:t>
+            </a:r>
+            <a:r>
+              <a:rPr lang="en-US" altLang="ko-KR" sz="1200" dirty="0">
+                <a:latin typeface="JetBrains Mono"/>
+              </a:rPr>
+              <a:t> </a:t>
+            </a:r>
+            <a:r>
+              <a:rPr lang="en-US" altLang="ko-KR" sz="1200" dirty="0" err="1">
+                <a:latin typeface="JetBrains Mono"/>
+              </a:rPr>
+              <a:t>ubuntu</a:t>
+            </a:r>
+            <a:r>
+              <a:rPr lang="en-US" altLang="ko-KR" sz="1200" dirty="0">
+                <a:latin typeface="JetBrains Mono"/>
+              </a:rPr>
+              <a:t> /</a:t>
+            </a:r>
+            <a:r>
+              <a:rPr lang="en-US" altLang="ko-KR" sz="1200" dirty="0" err="1">
+                <a:latin typeface="JetBrains Mono"/>
+              </a:rPr>
+              <a:t>etc</a:t>
+            </a:r>
+            <a:r>
+              <a:rPr lang="en-US" altLang="ko-KR" sz="1200" dirty="0">
+                <a:latin typeface="JetBrains Mono"/>
+              </a:rPr>
+              <a:t>/</a:t>
+            </a:r>
+            <a:r>
+              <a:rPr lang="en-US" altLang="ko-KR" sz="1200" dirty="0" err="1">
+                <a:latin typeface="JetBrains Mono"/>
+              </a:rPr>
+              <a:t>authbind</a:t>
+            </a:r>
+            <a:r>
+              <a:rPr lang="en-US" altLang="ko-KR" sz="1200" dirty="0">
+                <a:latin typeface="JetBrains Mono"/>
+              </a:rPr>
+              <a:t>/</a:t>
+            </a:r>
+            <a:r>
+              <a:rPr lang="en-US" altLang="ko-KR" sz="1200" dirty="0" err="1">
+                <a:latin typeface="JetBrains Mono"/>
+              </a:rPr>
+              <a:t>byport</a:t>
+            </a:r>
+            <a:r>
+              <a:rPr lang="en-US" altLang="ko-KR" sz="1200" dirty="0">
+                <a:latin typeface="JetBrains Mono"/>
+              </a:rPr>
+              <a:t>/80 </a:t>
+            </a:r>
+            <a:endParaRPr lang="en-US" altLang="ko-KR" sz="1200" dirty="0" smtClean="0">
+              <a:latin typeface="JetBrains Mono"/>
+            </a:endParaRPr>
+          </a:p>
+          <a:p>
+            <a:r>
+              <a:rPr lang="en-US" altLang="ko-KR" sz="1200" dirty="0">
+                <a:latin typeface="JetBrains Mono"/>
+              </a:rPr>
+              <a:t>$ </a:t>
+            </a:r>
+            <a:r>
+              <a:rPr lang="en-US" altLang="ko-KR" sz="1200" dirty="0" err="1" smtClean="0">
+                <a:latin typeface="JetBrains Mono"/>
+              </a:rPr>
+              <a:t>sudo</a:t>
+            </a:r>
+            <a:r>
+              <a:rPr lang="en-US" altLang="ko-KR" sz="1200" dirty="0" smtClean="0">
+                <a:latin typeface="JetBrains Mono"/>
+              </a:rPr>
+              <a:t> </a:t>
+            </a:r>
+            <a:r>
+              <a:rPr lang="en-US" altLang="ko-KR" sz="1200" dirty="0" err="1">
+                <a:latin typeface="JetBrains Mono"/>
+              </a:rPr>
+              <a:t>chmod</a:t>
+            </a:r>
+            <a:r>
+              <a:rPr lang="en-US" altLang="ko-KR" sz="1200" dirty="0">
+                <a:latin typeface="JetBrains Mono"/>
+              </a:rPr>
+              <a:t> 755 /</a:t>
+            </a:r>
+            <a:r>
+              <a:rPr lang="en-US" altLang="ko-KR" sz="1200" dirty="0" err="1">
+                <a:latin typeface="JetBrains Mono"/>
+              </a:rPr>
+              <a:t>etc</a:t>
+            </a:r>
+            <a:r>
+              <a:rPr lang="en-US" altLang="ko-KR" sz="1200" dirty="0">
+                <a:latin typeface="JetBrains Mono"/>
+              </a:rPr>
+              <a:t>/</a:t>
+            </a:r>
+            <a:r>
+              <a:rPr lang="en-US" altLang="ko-KR" sz="1200" dirty="0" err="1">
+                <a:latin typeface="JetBrains Mono"/>
+              </a:rPr>
+              <a:t>authbind</a:t>
+            </a:r>
+            <a:r>
+              <a:rPr lang="en-US" altLang="ko-KR" sz="1200" dirty="0">
+                <a:latin typeface="JetBrains Mono"/>
+              </a:rPr>
+              <a:t>/</a:t>
+            </a:r>
+            <a:r>
+              <a:rPr lang="en-US" altLang="ko-KR" sz="1200" dirty="0" err="1">
+                <a:latin typeface="JetBrains Mono"/>
+              </a:rPr>
+              <a:t>byport</a:t>
+            </a:r>
+            <a:r>
+              <a:rPr lang="en-US" altLang="ko-KR" sz="1200" dirty="0">
+                <a:latin typeface="JetBrains Mono"/>
+              </a:rPr>
+              <a:t>/80 </a:t>
+            </a:r>
+            <a:endParaRPr lang="en-US" altLang="ko-KR" sz="1200" dirty="0" smtClean="0">
+              <a:latin typeface="JetBrains Mono"/>
+            </a:endParaRPr>
+          </a:p>
+          <a:p>
+            <a:r>
+              <a:rPr lang="en-US" altLang="ko-KR" sz="1200" dirty="0">
+                <a:latin typeface="JetBrains Mono"/>
+              </a:rPr>
+              <a:t>$ </a:t>
+            </a:r>
+            <a:r>
+              <a:rPr lang="en-US" altLang="ko-KR" sz="1200" dirty="0" err="1" smtClean="0">
+                <a:latin typeface="JetBrains Mono"/>
+              </a:rPr>
+              <a:t>sudo</a:t>
+            </a:r>
+            <a:r>
+              <a:rPr lang="en-US" altLang="ko-KR" sz="1200" dirty="0" smtClean="0">
+                <a:latin typeface="JetBrains Mono"/>
+              </a:rPr>
+              <a:t> </a:t>
+            </a:r>
+            <a:r>
+              <a:rPr lang="en-US" altLang="ko-KR" sz="1200" dirty="0">
+                <a:latin typeface="JetBrains Mono"/>
+              </a:rPr>
+              <a:t>touch /</a:t>
+            </a:r>
+            <a:r>
+              <a:rPr lang="en-US" altLang="ko-KR" sz="1200" dirty="0" err="1">
+                <a:latin typeface="JetBrains Mono"/>
+              </a:rPr>
+              <a:t>etc</a:t>
+            </a:r>
+            <a:r>
+              <a:rPr lang="en-US" altLang="ko-KR" sz="1200" dirty="0">
+                <a:latin typeface="JetBrains Mono"/>
+              </a:rPr>
+              <a:t>/</a:t>
+            </a:r>
+            <a:r>
+              <a:rPr lang="en-US" altLang="ko-KR" sz="1200" dirty="0" err="1">
+                <a:latin typeface="JetBrains Mono"/>
+              </a:rPr>
+              <a:t>authbind</a:t>
+            </a:r>
+            <a:r>
+              <a:rPr lang="en-US" altLang="ko-KR" sz="1200" dirty="0">
+                <a:latin typeface="JetBrains Mono"/>
+              </a:rPr>
+              <a:t>/</a:t>
+            </a:r>
+            <a:r>
+              <a:rPr lang="en-US" altLang="ko-KR" sz="1200" dirty="0" err="1">
+                <a:latin typeface="JetBrains Mono"/>
+              </a:rPr>
+              <a:t>byport</a:t>
+            </a:r>
+            <a:r>
+              <a:rPr lang="en-US" altLang="ko-KR" sz="1200" dirty="0">
+                <a:latin typeface="JetBrains Mono"/>
+              </a:rPr>
+              <a:t>/443 </a:t>
+            </a:r>
+            <a:endParaRPr lang="en-US" altLang="ko-KR" sz="1200" dirty="0" smtClean="0">
+              <a:latin typeface="JetBrains Mono"/>
+            </a:endParaRPr>
+          </a:p>
+          <a:p>
+            <a:r>
+              <a:rPr lang="en-US" altLang="ko-KR" sz="1200" dirty="0">
+                <a:latin typeface="JetBrains Mono"/>
+              </a:rPr>
+              <a:t>$ </a:t>
+            </a:r>
+            <a:r>
+              <a:rPr lang="en-US" altLang="ko-KR" sz="1200" dirty="0" err="1" smtClean="0">
+                <a:latin typeface="JetBrains Mono"/>
+              </a:rPr>
+              <a:t>sudo</a:t>
+            </a:r>
+            <a:r>
+              <a:rPr lang="en-US" altLang="ko-KR" sz="1200" dirty="0" smtClean="0">
+                <a:latin typeface="JetBrains Mono"/>
+              </a:rPr>
+              <a:t> </a:t>
+            </a:r>
+            <a:r>
+              <a:rPr lang="en-US" altLang="ko-KR" sz="1200" dirty="0" err="1">
+                <a:latin typeface="JetBrains Mono"/>
+              </a:rPr>
+              <a:t>chown</a:t>
+            </a:r>
+            <a:r>
+              <a:rPr lang="en-US" altLang="ko-KR" sz="1200" dirty="0">
+                <a:latin typeface="JetBrains Mono"/>
+              </a:rPr>
+              <a:t> </a:t>
+            </a:r>
+            <a:r>
+              <a:rPr lang="en-US" altLang="ko-KR" sz="1200" dirty="0" err="1">
+                <a:latin typeface="JetBrains Mono"/>
+              </a:rPr>
+              <a:t>ubuntu</a:t>
+            </a:r>
+            <a:r>
+              <a:rPr lang="en-US" altLang="ko-KR" sz="1200" dirty="0">
+                <a:latin typeface="JetBrains Mono"/>
+              </a:rPr>
+              <a:t> /</a:t>
+            </a:r>
+            <a:r>
+              <a:rPr lang="en-US" altLang="ko-KR" sz="1200" dirty="0" err="1">
+                <a:latin typeface="JetBrains Mono"/>
+              </a:rPr>
+              <a:t>etc</a:t>
+            </a:r>
+            <a:r>
+              <a:rPr lang="en-US" altLang="ko-KR" sz="1200" dirty="0">
+                <a:latin typeface="JetBrains Mono"/>
+              </a:rPr>
+              <a:t>/</a:t>
+            </a:r>
+            <a:r>
+              <a:rPr lang="en-US" altLang="ko-KR" sz="1200" dirty="0" err="1">
+                <a:latin typeface="JetBrains Mono"/>
+              </a:rPr>
+              <a:t>authbind</a:t>
+            </a:r>
+            <a:r>
+              <a:rPr lang="en-US" altLang="ko-KR" sz="1200" dirty="0">
+                <a:latin typeface="JetBrains Mono"/>
+              </a:rPr>
+              <a:t>/</a:t>
+            </a:r>
+            <a:r>
+              <a:rPr lang="en-US" altLang="ko-KR" sz="1200" dirty="0" err="1">
+                <a:latin typeface="JetBrains Mono"/>
+              </a:rPr>
+              <a:t>byport</a:t>
+            </a:r>
+            <a:r>
+              <a:rPr lang="en-US" altLang="ko-KR" sz="1200" dirty="0">
+                <a:latin typeface="JetBrains Mono"/>
+              </a:rPr>
+              <a:t>/443 </a:t>
+            </a:r>
+            <a:endParaRPr lang="en-US" altLang="ko-KR" sz="1200" dirty="0" smtClean="0">
+              <a:latin typeface="JetBrains Mono"/>
+            </a:endParaRPr>
+          </a:p>
+          <a:p>
+            <a:r>
+              <a:rPr lang="en-US" altLang="ko-KR" sz="1200" dirty="0">
+                <a:latin typeface="JetBrains Mono"/>
+              </a:rPr>
+              <a:t>$ </a:t>
+            </a:r>
+            <a:r>
+              <a:rPr lang="en-US" altLang="ko-KR" sz="1200" dirty="0" err="1" smtClean="0">
+                <a:latin typeface="JetBrains Mono"/>
+              </a:rPr>
+              <a:t>sudo</a:t>
+            </a:r>
+            <a:r>
+              <a:rPr lang="en-US" altLang="ko-KR" sz="1200" dirty="0" smtClean="0">
+                <a:latin typeface="JetBrains Mono"/>
+              </a:rPr>
+              <a:t> </a:t>
+            </a:r>
+            <a:r>
+              <a:rPr lang="en-US" altLang="ko-KR" sz="1200" dirty="0" err="1">
+                <a:latin typeface="JetBrains Mono"/>
+              </a:rPr>
+              <a:t>chmod</a:t>
+            </a:r>
+            <a:r>
+              <a:rPr lang="en-US" altLang="ko-KR" sz="1200" dirty="0">
+                <a:latin typeface="JetBrains Mono"/>
+              </a:rPr>
+              <a:t> 755 /</a:t>
+            </a:r>
+            <a:r>
+              <a:rPr lang="en-US" altLang="ko-KR" sz="1200" dirty="0" err="1" smtClean="0">
+                <a:latin typeface="JetBrains Mono"/>
+              </a:rPr>
+              <a:t>etc</a:t>
+            </a:r>
+            <a:r>
+              <a:rPr lang="en-US" altLang="ko-KR" sz="1200" dirty="0" smtClean="0">
+                <a:latin typeface="JetBrains Mono"/>
+              </a:rPr>
+              <a:t>/</a:t>
+            </a:r>
+            <a:r>
+              <a:rPr lang="en-US" altLang="ko-KR" sz="1200" dirty="0" err="1" smtClean="0">
+                <a:latin typeface="JetBrains Mono"/>
+              </a:rPr>
+              <a:t>authbind</a:t>
+            </a:r>
+            <a:r>
+              <a:rPr lang="en-US" altLang="ko-KR" sz="1200" dirty="0" smtClean="0">
+                <a:latin typeface="JetBrains Mono"/>
+              </a:rPr>
+              <a:t>/</a:t>
+            </a:r>
+            <a:r>
+              <a:rPr lang="en-US" altLang="ko-KR" sz="1200" dirty="0" err="1" smtClean="0">
+                <a:latin typeface="JetBrains Mono"/>
+              </a:rPr>
+              <a:t>byport</a:t>
+            </a:r>
+            <a:r>
+              <a:rPr lang="en-US" altLang="ko-KR" sz="1200" dirty="0" smtClean="0">
+                <a:latin typeface="JetBrains Mono"/>
+              </a:rPr>
+              <a:t>/443</a:t>
+            </a:r>
+          </a:p>
+          <a:p>
+            <a:endParaRPr lang="en-US" altLang="ko-KR" sz="1200" dirty="0" smtClean="0">
+              <a:latin typeface="JetBrains Mono"/>
+            </a:endParaRPr>
+          </a:p>
+          <a:p>
+            <a:r>
+              <a:rPr lang="ko-KR" altLang="en-US" sz="1200" dirty="0" smtClean="0">
+                <a:latin typeface="JetBrains Mono"/>
+              </a:rPr>
+              <a:t>실행</a:t>
+            </a:r>
+            <a:r>
+              <a:rPr lang="en-US" altLang="ko-KR" sz="1200" dirty="0" smtClean="0">
+                <a:latin typeface="JetBrains Mono"/>
+              </a:rPr>
               <a:t>:</a:t>
             </a:r>
-          </a:p>
-          <a:p>
-            <a:r>
-              <a:rPr lang="en-US" altLang="ko-KR" sz="1400" dirty="0" smtClean="0"/>
+            <a:endParaRPr lang="en-US" altLang="ko-KR" sz="1200" dirty="0">
+              <a:latin typeface="JetBrains Mono"/>
+            </a:endParaRPr>
+          </a:p>
+          <a:p>
+            <a:r>
+              <a:rPr lang="en-US" altLang="ko-KR" sz="1200" dirty="0" smtClean="0">
+                <a:latin typeface="JetBrains Mono"/>
+              </a:rPr>
               <a:t>$ </a:t>
             </a:r>
             <a:r>
-              <a:rPr lang="en-US" altLang="ko-KR" sz="1400" dirty="0" err="1" smtClean="0"/>
-              <a:t>sudo</a:t>
-            </a:r>
-            <a:r>
-              <a:rPr lang="en-US" altLang="ko-KR" sz="1400" dirty="0" smtClean="0"/>
-              <a:t> </a:t>
-            </a:r>
-            <a:r>
-              <a:rPr lang="en-US" altLang="ko-KR" sz="1400" dirty="0"/>
-              <a:t>apt-get install </a:t>
-            </a:r>
-            <a:r>
-              <a:rPr lang="en-US" altLang="ko-KR" sz="1400" dirty="0" err="1"/>
+              <a:rPr lang="en-US" altLang="ko-KR" sz="1200" dirty="0" err="1">
+                <a:latin typeface="JetBrains Mono"/>
+              </a:rPr>
               <a:t>authbind</a:t>
             </a:r>
             <a:r>
-              <a:rPr lang="en-US" altLang="ko-KR" sz="1400" dirty="0"/>
-              <a:t> </a:t>
-            </a:r>
-            <a:endParaRPr lang="en-US" altLang="ko-KR" sz="1400" dirty="0" smtClean="0"/>
-          </a:p>
-          <a:p>
-            <a:r>
-              <a:rPr lang="en-US" altLang="ko-KR" sz="1400" dirty="0"/>
-              <a:t>$ </a:t>
-            </a:r>
-            <a:r>
-              <a:rPr lang="en-US" altLang="ko-KR" sz="1400" dirty="0" err="1" smtClean="0"/>
-              <a:t>sudo</a:t>
-            </a:r>
-            <a:r>
-              <a:rPr lang="en-US" altLang="ko-KR" sz="1400" dirty="0" smtClean="0"/>
-              <a:t> </a:t>
-            </a:r>
-            <a:r>
-              <a:rPr lang="en-US" altLang="ko-KR" sz="1400" dirty="0"/>
-              <a:t>touch /</a:t>
-            </a:r>
-            <a:r>
-              <a:rPr lang="en-US" altLang="ko-KR" sz="1400" dirty="0" err="1"/>
-              <a:t>etc</a:t>
-            </a:r>
-            <a:r>
-              <a:rPr lang="en-US" altLang="ko-KR" sz="1400" dirty="0"/>
-              <a:t>/</a:t>
-            </a:r>
-            <a:r>
-              <a:rPr lang="en-US" altLang="ko-KR" sz="1400" dirty="0" err="1"/>
-              <a:t>authbind</a:t>
-            </a:r>
-            <a:r>
-              <a:rPr lang="en-US" altLang="ko-KR" sz="1400" dirty="0"/>
-              <a:t>/</a:t>
-            </a:r>
-            <a:r>
-              <a:rPr lang="en-US" altLang="ko-KR" sz="1400" dirty="0" err="1"/>
-              <a:t>byport</a:t>
-            </a:r>
-            <a:r>
-              <a:rPr lang="en-US" altLang="ko-KR" sz="1400" dirty="0"/>
-              <a:t>/80 </a:t>
-            </a:r>
-            <a:endParaRPr lang="en-US" altLang="ko-KR" sz="1400" dirty="0" smtClean="0"/>
-          </a:p>
-          <a:p>
-            <a:r>
-              <a:rPr lang="en-US" altLang="ko-KR" sz="1400" dirty="0"/>
-              <a:t>$ </a:t>
-            </a:r>
-            <a:r>
-              <a:rPr lang="en-US" altLang="ko-KR" sz="1400" dirty="0" err="1" smtClean="0"/>
-              <a:t>sudo</a:t>
-            </a:r>
-            <a:r>
-              <a:rPr lang="en-US" altLang="ko-KR" sz="1400" dirty="0" smtClean="0"/>
-              <a:t> </a:t>
-            </a:r>
-            <a:r>
-              <a:rPr lang="en-US" altLang="ko-KR" sz="1400" dirty="0" err="1"/>
-              <a:t>chown</a:t>
-            </a:r>
-            <a:r>
-              <a:rPr lang="en-US" altLang="ko-KR" sz="1400" dirty="0"/>
-              <a:t> </a:t>
-            </a:r>
-            <a:r>
-              <a:rPr lang="en-US" altLang="ko-KR" sz="1400" dirty="0" err="1"/>
-              <a:t>ubuntu</a:t>
-            </a:r>
-            <a:r>
-              <a:rPr lang="en-US" altLang="ko-KR" sz="1400" dirty="0"/>
-              <a:t> /</a:t>
-            </a:r>
-            <a:r>
-              <a:rPr lang="en-US" altLang="ko-KR" sz="1400" dirty="0" err="1"/>
-              <a:t>etc</a:t>
-            </a:r>
-            <a:r>
-              <a:rPr lang="en-US" altLang="ko-KR" sz="1400" dirty="0"/>
-              <a:t>/</a:t>
-            </a:r>
-            <a:r>
-              <a:rPr lang="en-US" altLang="ko-KR" sz="1400" dirty="0" err="1"/>
-              <a:t>authbind</a:t>
-            </a:r>
-            <a:r>
-              <a:rPr lang="en-US" altLang="ko-KR" sz="1400" dirty="0"/>
-              <a:t>/</a:t>
-            </a:r>
-            <a:r>
-              <a:rPr lang="en-US" altLang="ko-KR" sz="1400" dirty="0" err="1"/>
-              <a:t>byport</a:t>
-            </a:r>
-            <a:r>
-              <a:rPr lang="en-US" altLang="ko-KR" sz="1400" dirty="0"/>
-              <a:t>/80 </a:t>
-            </a:r>
-            <a:endParaRPr lang="en-US" altLang="ko-KR" sz="1400" dirty="0" smtClean="0"/>
-          </a:p>
-          <a:p>
-            <a:r>
-              <a:rPr lang="en-US" altLang="ko-KR" sz="1400" dirty="0"/>
-              <a:t>$ </a:t>
-            </a:r>
-            <a:r>
-              <a:rPr lang="en-US" altLang="ko-KR" sz="1400" dirty="0" err="1" smtClean="0"/>
-              <a:t>sudo</a:t>
-            </a:r>
-            <a:r>
-              <a:rPr lang="en-US" altLang="ko-KR" sz="1400" dirty="0" smtClean="0"/>
-              <a:t> </a:t>
-            </a:r>
-            <a:r>
-              <a:rPr lang="en-US" altLang="ko-KR" sz="1400" dirty="0" err="1"/>
-              <a:t>chmod</a:t>
-            </a:r>
-            <a:r>
-              <a:rPr lang="en-US" altLang="ko-KR" sz="1400" dirty="0"/>
-              <a:t> 755 /</a:t>
-            </a:r>
-            <a:r>
-              <a:rPr lang="en-US" altLang="ko-KR" sz="1400" dirty="0" err="1"/>
-              <a:t>etc</a:t>
-            </a:r>
-            <a:r>
-              <a:rPr lang="en-US" altLang="ko-KR" sz="1400" dirty="0"/>
-              <a:t>/</a:t>
-            </a:r>
-            <a:r>
-              <a:rPr lang="en-US" altLang="ko-KR" sz="1400" dirty="0" err="1"/>
-              <a:t>authbind</a:t>
-            </a:r>
-            <a:r>
-              <a:rPr lang="en-US" altLang="ko-KR" sz="1400" dirty="0"/>
-              <a:t>/</a:t>
-            </a:r>
-            <a:r>
-              <a:rPr lang="en-US" altLang="ko-KR" sz="1400" dirty="0" err="1"/>
-              <a:t>byport</a:t>
-            </a:r>
-            <a:r>
-              <a:rPr lang="en-US" altLang="ko-KR" sz="1400" dirty="0"/>
-              <a:t>/80 </a:t>
-            </a:r>
-            <a:endParaRPr lang="en-US" altLang="ko-KR" sz="1400" dirty="0" smtClean="0"/>
-          </a:p>
-          <a:p>
-            <a:r>
-              <a:rPr lang="en-US" altLang="ko-KR" sz="1400" dirty="0"/>
-              <a:t>$ </a:t>
-            </a:r>
-            <a:r>
-              <a:rPr lang="en-US" altLang="ko-KR" sz="1400" dirty="0" err="1" smtClean="0"/>
-              <a:t>sudo</a:t>
-            </a:r>
-            <a:r>
-              <a:rPr lang="en-US" altLang="ko-KR" sz="1400" dirty="0" smtClean="0"/>
-              <a:t> </a:t>
-            </a:r>
-            <a:r>
-              <a:rPr lang="en-US" altLang="ko-KR" sz="1400" dirty="0"/>
-              <a:t>touch /</a:t>
-            </a:r>
-            <a:r>
-              <a:rPr lang="en-US" altLang="ko-KR" sz="1400" dirty="0" err="1"/>
-              <a:t>etc</a:t>
-            </a:r>
-            <a:r>
-              <a:rPr lang="en-US" altLang="ko-KR" sz="1400" dirty="0"/>
-              <a:t>/</a:t>
-            </a:r>
-            <a:r>
-              <a:rPr lang="en-US" altLang="ko-KR" sz="1400" dirty="0" err="1"/>
-              <a:t>authbind</a:t>
-            </a:r>
-            <a:r>
-              <a:rPr lang="en-US" altLang="ko-KR" sz="1400" dirty="0"/>
-              <a:t>/</a:t>
-            </a:r>
-            <a:r>
-              <a:rPr lang="en-US" altLang="ko-KR" sz="1400" dirty="0" err="1"/>
-              <a:t>byport</a:t>
-            </a:r>
-            <a:r>
-              <a:rPr lang="en-US" altLang="ko-KR" sz="1400" dirty="0"/>
-              <a:t>/443 </a:t>
-            </a:r>
-            <a:endParaRPr lang="en-US" altLang="ko-KR" sz="1400" dirty="0" smtClean="0"/>
-          </a:p>
-          <a:p>
-            <a:r>
-              <a:rPr lang="en-US" altLang="ko-KR" sz="1400" dirty="0"/>
-              <a:t>$ </a:t>
-            </a:r>
-            <a:r>
-              <a:rPr lang="en-US" altLang="ko-KR" sz="1400" dirty="0" err="1" smtClean="0"/>
-              <a:t>sudo</a:t>
-            </a:r>
-            <a:r>
-              <a:rPr lang="en-US" altLang="ko-KR" sz="1400" dirty="0" smtClean="0"/>
-              <a:t> </a:t>
-            </a:r>
-            <a:r>
-              <a:rPr lang="en-US" altLang="ko-KR" sz="1400" dirty="0" err="1"/>
-              <a:t>chown</a:t>
-            </a:r>
-            <a:r>
-              <a:rPr lang="en-US" altLang="ko-KR" sz="1400" dirty="0"/>
-              <a:t> </a:t>
-            </a:r>
-            <a:r>
-              <a:rPr lang="en-US" altLang="ko-KR" sz="1400" dirty="0" err="1"/>
-              <a:t>ubuntu</a:t>
-            </a:r>
-            <a:r>
-              <a:rPr lang="en-US" altLang="ko-KR" sz="1400" dirty="0"/>
-              <a:t> /</a:t>
-            </a:r>
-            <a:r>
-              <a:rPr lang="en-US" altLang="ko-KR" sz="1400" dirty="0" err="1"/>
-              <a:t>etc</a:t>
-            </a:r>
-            <a:r>
-              <a:rPr lang="en-US" altLang="ko-KR" sz="1400" dirty="0"/>
-              <a:t>/</a:t>
-            </a:r>
-            <a:r>
-              <a:rPr lang="en-US" altLang="ko-KR" sz="1400" dirty="0" err="1"/>
-              <a:t>authbind</a:t>
-            </a:r>
-            <a:r>
-              <a:rPr lang="en-US" altLang="ko-KR" sz="1400" dirty="0"/>
-              <a:t>/</a:t>
-            </a:r>
-            <a:r>
-              <a:rPr lang="en-US" altLang="ko-KR" sz="1400" dirty="0" err="1"/>
-              <a:t>byport</a:t>
-            </a:r>
-            <a:r>
-              <a:rPr lang="en-US" altLang="ko-KR" sz="1400" dirty="0"/>
-              <a:t>/443 </a:t>
-            </a:r>
-            <a:endParaRPr lang="en-US" altLang="ko-KR" sz="1400" dirty="0" smtClean="0"/>
-          </a:p>
-          <a:p>
-            <a:r>
-              <a:rPr lang="en-US" altLang="ko-KR" sz="1400" dirty="0"/>
-              <a:t>$ </a:t>
-            </a:r>
-            <a:r>
-              <a:rPr lang="en-US" altLang="ko-KR" sz="1400" dirty="0" err="1" smtClean="0"/>
-              <a:t>sudo</a:t>
-            </a:r>
-            <a:r>
-              <a:rPr lang="en-US" altLang="ko-KR" sz="1400" dirty="0" smtClean="0"/>
-              <a:t> </a:t>
-            </a:r>
-            <a:r>
-              <a:rPr lang="en-US" altLang="ko-KR" sz="1400" dirty="0" err="1"/>
-              <a:t>chmod</a:t>
-            </a:r>
-            <a:r>
-              <a:rPr lang="en-US" altLang="ko-KR" sz="1400" dirty="0"/>
-              <a:t> 755 /</a:t>
-            </a:r>
-            <a:r>
-              <a:rPr lang="en-US" altLang="ko-KR" sz="1400" dirty="0" err="1" smtClean="0"/>
-              <a:t>etc</a:t>
-            </a:r>
-            <a:r>
-              <a:rPr lang="en-US" altLang="ko-KR" sz="1400" dirty="0" smtClean="0"/>
-              <a:t>/</a:t>
-            </a:r>
-            <a:r>
-              <a:rPr lang="en-US" altLang="ko-KR" sz="1400" dirty="0" err="1" smtClean="0"/>
-              <a:t>authbind</a:t>
-            </a:r>
-            <a:r>
-              <a:rPr lang="en-US" altLang="ko-KR" sz="1400" dirty="0" smtClean="0"/>
-              <a:t>/</a:t>
-            </a:r>
-            <a:r>
-              <a:rPr lang="en-US" altLang="ko-KR" sz="1400" dirty="0" err="1" smtClean="0"/>
-              <a:t>byport</a:t>
-            </a:r>
-            <a:r>
-              <a:rPr lang="en-US" altLang="ko-KR" sz="1400" dirty="0" smtClean="0"/>
-              <a:t>/443</a:t>
-            </a:r>
-          </a:p>
-          <a:p>
-            <a:endParaRPr lang="en-US" altLang="ko-KR" sz="1400" dirty="0" smtClean="0"/>
-          </a:p>
-          <a:p>
-            <a:r>
-              <a:rPr lang="ko-KR" altLang="en-US" sz="1400" dirty="0" smtClean="0"/>
-              <a:t>실행</a:t>
-            </a:r>
-            <a:r>
-              <a:rPr lang="en-US" altLang="ko-KR" sz="1400" dirty="0" smtClean="0"/>
-              <a:t>:</a:t>
-            </a:r>
-            <a:endParaRPr lang="en-US" altLang="ko-KR" sz="1400" dirty="0"/>
-          </a:p>
-          <a:p>
-            <a:r>
-              <a:rPr lang="en-US" altLang="ko-KR" sz="1400" dirty="0" smtClean="0"/>
-              <a:t>$ </a:t>
-            </a:r>
-            <a:r>
-              <a:rPr lang="en-US" altLang="ko-KR" sz="1400" dirty="0" err="1"/>
-              <a:t>authbind</a:t>
-            </a:r>
-            <a:r>
-              <a:rPr lang="en-US" altLang="ko-KR" sz="1400" dirty="0"/>
+              <a:rPr lang="en-US" altLang="ko-KR" sz="1200" dirty="0">
+                <a:latin typeface="JetBrains Mono"/>
+              </a:rPr>
               <a:t> --deep pm2 start </a:t>
             </a:r>
             <a:r>
-              <a:rPr lang="en-US" altLang="ko-KR" sz="1400" dirty="0" smtClean="0"/>
+              <a:rPr lang="en-US" altLang="ko-KR" sz="1200" dirty="0" smtClean="0">
+                <a:latin typeface="JetBrains Mono"/>
+              </a:rPr>
               <a:t>index.js</a:t>
             </a:r>
-            <a:endParaRPr lang="en-US" altLang="ko-KR" sz="1400" dirty="0" smtClean="0"/>
-          </a:p>
-          <a:p>
-            <a:endParaRPr lang="en-US" altLang="ko-KR" dirty="0"/>
+          </a:p>
+          <a:p>
+            <a:endParaRPr lang="en-US" altLang="ko-KR" dirty="0">
+              <a:latin typeface="JetBrains Mono"/>
+            </a:endParaRPr>
           </a:p>
         </p:txBody>
       </p:sp>
@@ -4505,14 +5155,20 @@
           <a:lstStyle/>
           <a:p>
             <a:r>
-              <a:rPr lang="en-US" altLang="ko-KR" dirty="0"/>
+              <a:rPr lang="en-US" altLang="ko-KR" dirty="0">
+                <a:latin typeface="JetBrains Mono"/>
+              </a:rPr>
               <a:t>5</a:t>
             </a:r>
             <a:r>
-              <a:rPr lang="en-US" altLang="ko-KR" dirty="0" smtClean="0"/>
+              <a:rPr lang="en-US" altLang="ko-KR" dirty="0" smtClean="0">
+                <a:latin typeface="JetBrains Mono"/>
+              </a:rPr>
               <a:t>. create IAM role</a:t>
             </a:r>
-            <a:endParaRPr lang="ko-KR" altLang="en-US" sz="2400" dirty="0"/>
+            <a:endParaRPr lang="ko-KR" altLang="en-US" sz="2400" dirty="0">
+              <a:latin typeface="JetBrains Mono"/>
+            </a:endParaRPr>
           </a:p>
         </p:txBody>
       </p:sp>
@@ -4540,46 +5196,48 @@
             <a:r>
               <a:rPr lang="en-US" altLang="ko-KR" b="0" i="0" dirty="0" smtClean="0">
                 <a:effectLst/>
-                <a:latin typeface="Noto Sans"/>
+                <a:latin typeface="JetBrains Mono"/>
               </a:rPr>
               <a:t>ec2</a:t>
             </a:r>
             <a:r>
               <a:rPr lang="ko-KR" altLang="en-US" b="0" i="0" dirty="0" smtClean="0">
                 <a:effectLst/>
-                <a:latin typeface="Noto Sans"/>
+                <a:latin typeface="JetBrains Mono"/>
               </a:rPr>
               <a:t>가 </a:t>
             </a:r>
             <a:r>
               <a:rPr lang="en-US" altLang="ko-KR" b="0" i="0" dirty="0" smtClean="0">
                 <a:effectLst/>
-                <a:latin typeface="Noto Sans"/>
+                <a:latin typeface="JetBrains Mono"/>
               </a:rPr>
               <a:t>s3</a:t>
             </a:r>
             <a:r>
               <a:rPr lang="ko-KR" altLang="en-US" b="0" i="0" dirty="0" smtClean="0">
                 <a:effectLst/>
-                <a:latin typeface="Noto Sans"/>
+                <a:latin typeface="JetBrains Mono"/>
               </a:rPr>
               <a:t>와 </a:t>
             </a:r>
             <a:r>
               <a:rPr lang="en-US" altLang="ko-KR" b="0" i="0" dirty="0" err="1" smtClean="0">
                 <a:effectLst/>
-                <a:latin typeface="Noto Sans"/>
+                <a:latin typeface="JetBrains Mono"/>
               </a:rPr>
               <a:t>codedeploy</a:t>
             </a:r>
             <a:r>
               <a:rPr lang="ko-KR" altLang="en-US" b="0" i="0" dirty="0" smtClean="0">
                 <a:effectLst/>
-                <a:latin typeface="Noto Sans"/>
+                <a:latin typeface="JetBrains Mono"/>
               </a:rPr>
               <a:t>를 이용할 수 있도록 권한 설정</a:t>
             </a:r>
-            <a:endParaRPr lang="ko-KR" altLang="en-US" dirty="0"/>
+            <a:endParaRPr lang="ko-KR" altLang="en-US" dirty="0">
+              <a:latin typeface="JetBrains Mono"/>
+            </a:endParaRPr>
           </a:p>
         </p:txBody>
       </p:sp>
@@ -4649,7 +5307,9 @@
           <a:lstStyle/>
           <a:p>
             <a:pPr algn="ctr"/>
-            <a:endParaRPr lang="ko-KR" altLang="en-US"/>
+            <a:endParaRPr lang="ko-KR" altLang="en-US">
+              <a:latin typeface="JetBrains Mono"/>
+            </a:endParaRPr>
           </a:p>
         </p:txBody>
       </p:sp>
@@ -4699,14 +5359,26 @@
           <a:lstStyle/>
           <a:p>
             <a:r>
-              <a:rPr lang="en-US" altLang="ko-KR" dirty="0"/>
+              <a:rPr lang="en-US" altLang="ko-KR" dirty="0">
+                <a:latin typeface="JetBrains Mono"/>
+              </a:rPr>
               <a:t>5</a:t>
             </a:r>
             <a:r>
-              <a:rPr lang="en-US" altLang="ko-KR" dirty="0" smtClean="0"/>
-              <a:t>. create IAM role: create ec2 role</a:t>
-            </a:r>
-            <a:endParaRPr lang="ko-KR" altLang="en-US" sz="2400" dirty="0"/>
+              <a:rPr lang="en-US" altLang="ko-KR" dirty="0" smtClean="0">
+                <a:latin typeface="JetBrains Mono"/>
+              </a:rPr>
+              <a:t>. create IAM role: </a:t>
+            </a:r>
+            <a:r>
+              <a:rPr lang="en-US" altLang="ko-KR" sz="2400" dirty="0" smtClean="0">
+                <a:latin typeface="JetBrains Mono"/>
+              </a:rPr>
+              <a:t>create ec2 role</a:t>
+            </a:r>
+            <a:endParaRPr lang="ko-KR" altLang="en-US" sz="1200" dirty="0">
+              <a:latin typeface="JetBrains Mono"/>
+            </a:endParaRPr>
           </a:p>
         </p:txBody>
       </p:sp>
@@ -4776,7 +5448,9 @@
           <a:lstStyle/>
           <a:p>
             <a:pPr algn="ctr"/>
-            <a:endParaRPr lang="ko-KR" altLang="en-US"/>
+            <a:endParaRPr lang="ko-KR" altLang="en-US">
+              <a:latin typeface="JetBrains Mono"/>
+            </a:endParaRPr>
           </a:p>
         </p:txBody>
       </p:sp>
@@ -4846,7 +5520,9 @@
           <a:lstStyle/>
           <a:p>
             <a:pPr algn="ctr"/>
-            <a:endParaRPr lang="ko-KR" altLang="en-US"/>
+            <a:endParaRPr lang="ko-KR" altLang="en-US">
+              <a:latin typeface="JetBrains Mono"/>
+            </a:endParaRPr>
           </a:p>
         </p:txBody>
       </p:sp>
@@ -4916,7 +5592,9 @@
           <a:lstStyle/>
           <a:p>
             <a:pPr algn="ctr"/>
-            <a:endParaRPr lang="ko-KR" altLang="en-US"/>
+            <a:endParaRPr lang="ko-KR" altLang="en-US">
+              <a:latin typeface="JetBrains Mono"/>
+            </a:endParaRPr>
           </a:p>
         </p:txBody>
       </p:sp>
@@ -4962,7 +5640,9 @@
           <a:lstStyle/>
           <a:p>
             <a:pPr algn="ctr"/>
-            <a:endParaRPr lang="ko-KR" altLang="en-US"/>
+            <a:endParaRPr lang="ko-KR" altLang="en-US">
+              <a:latin typeface="JetBrains Mono"/>
+            </a:endParaRPr>
           </a:p>
         </p:txBody>
       </p:sp>
@@ -5084,14 +5764,26 @@
           <a:lstStyle/>
           <a:p>
             <a:r>
-              <a:rPr lang="en-US" altLang="ko-KR" dirty="0"/>
+              <a:rPr lang="en-US" altLang="ko-KR" dirty="0">
+                <a:latin typeface="JetBrains Mono"/>
+              </a:rPr>
               <a:t>5</a:t>
             </a:r>
             <a:r>
-              <a:rPr lang="en-US" altLang="ko-KR" dirty="0" smtClean="0"/>
-              <a:t>. create IAM role: create ec2 role</a:t>
-            </a:r>
-            <a:endParaRPr lang="ko-KR" altLang="en-US" sz="2400" dirty="0"/>
+              <a:rPr lang="en-US" altLang="ko-KR" dirty="0" smtClean="0">
+                <a:latin typeface="JetBrains Mono"/>
+              </a:rPr>
+              <a:t>. create IAM role: </a:t>
+            </a:r>
+            <a:r>
+              <a:rPr lang="en-US" altLang="ko-KR" sz="2400" dirty="0" smtClean="0">
+                <a:latin typeface="JetBrains Mono"/>
+              </a:rPr>
+              <a:t>create ec2 role</a:t>
+            </a:r>
+            <a:endParaRPr lang="ko-KR" altLang="en-US" sz="1200" dirty="0">
+              <a:latin typeface="JetBrains Mono"/>
+            </a:endParaRPr>
           </a:p>
         </p:txBody>
       </p:sp>
@@ -5119,61 +5811,61 @@
             <a:r>
               <a:rPr lang="en-US" altLang="ko-KR" b="0" i="0" dirty="0" smtClean="0">
                 <a:effectLst/>
-                <a:latin typeface="Noto Sans"/>
+                <a:latin typeface="JetBrains Mono"/>
               </a:rPr>
               <a:t>1. </a:t>
             </a:r>
             <a:r>
               <a:rPr lang="en-US" altLang="ko-KR" b="0" i="0" dirty="0" err="1" smtClean="0">
                 <a:effectLst/>
-                <a:latin typeface="Noto Sans"/>
+                <a:latin typeface="JetBrains Mono"/>
               </a:rPr>
               <a:t>AWSCodeDeployFullAccess</a:t>
             </a:r>
             <a:endParaRPr lang="en-US" altLang="ko-KR" b="0" i="0" dirty="0" smtClean="0">
               <a:effectLst/>
-              <a:latin typeface="Noto Sans"/>
+              <a:latin typeface="JetBrains Mono"/>
             </a:endParaRPr>
           </a:p>
           <a:p>
             <a:r>
               <a:rPr lang="en-US" altLang="ko-KR" b="0" i="0" dirty="0" smtClean="0">
                 <a:effectLst/>
-                <a:latin typeface="Noto Sans"/>
+                <a:latin typeface="JetBrains Mono"/>
               </a:rPr>
               <a:t>2. AmazonS3FullAccess</a:t>
             </a:r>
           </a:p>
           <a:p>
             <a:endParaRPr lang="en-US" altLang="ko-KR" dirty="0" smtClean="0">
-              <a:latin typeface="Noto Sans"/>
+              <a:latin typeface="JetBrains Mono"/>
             </a:endParaRPr>
           </a:p>
           <a:p>
             <a:r>
               <a:rPr lang="ko-KR" altLang="en-US" b="0" i="0" dirty="0" smtClean="0">
                 <a:effectLst/>
-                <a:latin typeface="Noto Sans"/>
+                <a:latin typeface="JetBrains Mono"/>
               </a:rPr>
               <a:t>두 개의 권한 추가 </a:t>
             </a:r>
             <a:r>
               <a:rPr lang="en-US" altLang="ko-KR" b="0" i="0" dirty="0" smtClean="0">
                 <a:effectLst/>
-                <a:latin typeface="Noto Sans"/>
+                <a:latin typeface="JetBrains Mono"/>
               </a:rPr>
               <a:t>/ </a:t>
             </a:r>
             <a:r>
               <a:rPr lang="ko-KR" altLang="en-US" b="0" i="0" dirty="0" smtClean="0">
                 <a:effectLst/>
-                <a:latin typeface="Noto Sans"/>
+                <a:latin typeface="JetBrains Mono"/>
               </a:rPr>
               <a:t>생성</a:t>
             </a:r>
             <a:endParaRPr lang="en-US" altLang="ko-KR" b="0" i="0" dirty="0">
               <a:effectLst/>
-              <a:latin typeface="Noto Sans"/>
+              <a:latin typeface="JetBrains Mono"/>
             </a:endParaRPr>
           </a:p>
         </p:txBody>
@@ -5244,7 +5936,9 @@
           <a:lstStyle/>
           <a:p>
             <a:pPr algn="ctr"/>
-            <a:endParaRPr lang="ko-KR" altLang="en-US"/>
+            <a:endParaRPr lang="ko-KR" altLang="en-US">
+              <a:latin typeface="JetBrains Mono"/>
+            </a:endParaRPr>
           </a:p>
         </p:txBody>
       </p:sp>
@@ -5290,7 +5984,9 @@
           <a:lstStyle/>
           <a:p>
             <a:pPr algn="ctr"/>
-            <a:endParaRPr lang="ko-KR" altLang="en-US"/>
+            <a:endParaRPr lang="ko-KR" altLang="en-US">
+              <a:latin typeface="JetBrains Mono"/>
+            </a:endParaRPr>
           </a:p>
         </p:txBody>
       </p:sp>
@@ -5340,14 +6036,26 @@
           <a:lstStyle/>
           <a:p>
             <a:r>
-              <a:rPr lang="en-US" altLang="ko-KR" dirty="0"/>
+              <a:rPr lang="en-US" altLang="ko-KR" dirty="0">
+                <a:latin typeface="JetBrains Mono"/>
+              </a:rPr>
               <a:t>5</a:t>
             </a:r>
             <a:r>
-              <a:rPr lang="en-US" altLang="ko-KR" dirty="0" smtClean="0"/>
-              <a:t>. create IAM role: add ec2 role</a:t>
-            </a:r>
-            <a:endParaRPr lang="ko-KR" altLang="en-US" sz="2400" dirty="0"/>
+              <a:rPr lang="en-US" altLang="ko-KR" dirty="0" smtClean="0">
+                <a:latin typeface="JetBrains Mono"/>
+              </a:rPr>
+              <a:t>. create IAM role: </a:t>
+            </a:r>
+            <a:r>
+              <a:rPr lang="en-US" altLang="ko-KR" sz="2400" dirty="0" smtClean="0">
+                <a:latin typeface="JetBrains Mono"/>
+              </a:rPr>
+              <a:t>add ec2 role</a:t>
+            </a:r>
+            <a:endParaRPr lang="ko-KR" altLang="en-US" sz="2400" dirty="0">
+              <a:latin typeface="JetBrains Mono"/>
+            </a:endParaRPr>
           </a:p>
         </p:txBody>
       </p:sp>
@@ -5374,37 +6082,37 @@
           <a:p>
             <a:r>
               <a:rPr lang="ko-KR" altLang="en-US" dirty="0" smtClean="0">
-                <a:latin typeface="Noto Sans"/>
+                <a:latin typeface="JetBrains Mono"/>
               </a:rPr>
               <a:t>생성한 </a:t>
             </a:r>
             <a:r>
               <a:rPr lang="en-US" altLang="ko-KR" dirty="0" smtClean="0">
-                <a:latin typeface="Noto Sans"/>
+                <a:latin typeface="JetBrains Mono"/>
               </a:rPr>
               <a:t>ec2 instance</a:t>
             </a:r>
             <a:r>
               <a:rPr lang="ko-KR" altLang="en-US" dirty="0" smtClean="0">
-                <a:latin typeface="Noto Sans"/>
+                <a:latin typeface="JetBrains Mono"/>
               </a:rPr>
               <a:t>에 </a:t>
             </a:r>
             <a:r>
               <a:rPr lang="en-US" altLang="ko-KR" dirty="0" smtClean="0">
-                <a:latin typeface="Noto Sans"/>
+                <a:latin typeface="JetBrains Mono"/>
               </a:rPr>
               <a:t>IAM role </a:t>
             </a:r>
             <a:r>
               <a:rPr lang="ko-KR" altLang="en-US" dirty="0" smtClean="0">
-                <a:latin typeface="Noto Sans"/>
+                <a:latin typeface="JetBrains Mono"/>
               </a:rPr>
               <a:t>추가</a:t>
             </a:r>
             <a:endParaRPr lang="en-US" altLang="ko-KR" b="0" i="0" dirty="0">
               <a:effectLst/>
-              <a:latin typeface="Noto Sans"/>
+              <a:latin typeface="JetBrains Mono"/>
             </a:endParaRPr>
           </a:p>
         </p:txBody>
@@ -5475,7 +6183,9 @@
           <a:lstStyle/>
           <a:p>
             <a:pPr algn="ctr"/>
-            <a:endParaRPr lang="ko-KR" altLang="en-US"/>
+            <a:endParaRPr lang="ko-KR" altLang="en-US">
+              <a:latin typeface="JetBrains Mono"/>
+            </a:endParaRPr>
           </a:p>
         </p:txBody>
       </p:sp>
@@ -5521,7 +6231,9 @@
           <a:lstStyle/>
           <a:p>
             <a:pPr algn="ctr"/>
-            <a:endParaRPr lang="ko-KR" altLang="en-US"/>
+            <a:endParaRPr lang="ko-KR" altLang="en-US">
+              <a:latin typeface="JetBrains Mono"/>
+            </a:endParaRPr>
           </a:p>
         </p:txBody>
       </p:sp>
@@ -5591,7 +6303,9 @@
           <a:lstStyle/>
           <a:p>
             <a:pPr algn="ctr"/>
-            <a:endParaRPr lang="ko-KR" altLang="en-US"/>
+            <a:endParaRPr lang="ko-KR" altLang="en-US">
+              <a:latin typeface="JetBrains Mono"/>
+            </a:endParaRPr>
           </a:p>
         </p:txBody>
       </p:sp>
@@ -5637,7 +6351,9 @@
           <a:lstStyle/>
           <a:p>
             <a:pPr algn="ctr"/>
-            <a:endParaRPr lang="ko-KR" altLang="en-US"/>
+            <a:endParaRPr lang="ko-KR" altLang="en-US">
+              <a:latin typeface="JetBrains Mono"/>
+            </a:endParaRPr>
           </a:p>
         </p:txBody>
       </p:sp>
@@ -5687,26 +6403,38 @@
           <a:lstStyle/>
           <a:p>
             <a:r>
-              <a:rPr lang="en-US" altLang="ko-KR" dirty="0"/>
+              <a:rPr lang="en-US" altLang="ko-KR" dirty="0">
+                <a:latin typeface="JetBrains Mono"/>
+              </a:rPr>
               <a:t>5</a:t>
             </a:r>
             <a:r>
-              <a:rPr lang="en-US" altLang="ko-KR" dirty="0" smtClean="0"/>
+              <a:rPr lang="en-US" altLang="ko-KR" dirty="0" smtClean="0">
+                <a:latin typeface="JetBrains Mono"/>
+              </a:rPr>
               <a:t>. create IAM role: </a:t>
             </a:r>
             <a:r>
-              <a:rPr lang="en-US" altLang="ko-KR" sz="2400" dirty="0" smtClean="0"/>
+              <a:rPr lang="en-US" altLang="ko-KR" sz="2400" dirty="0" smtClean="0">
+                <a:latin typeface="JetBrains Mono"/>
+              </a:rPr>
               <a:t>create </a:t>
             </a:r>
             <a:r>
-              <a:rPr lang="en-US" altLang="ko-KR" sz="2400" dirty="0" err="1" smtClean="0"/>
+              <a:rPr lang="en-US" altLang="ko-KR" sz="2400" dirty="0" err="1" smtClean="0">
+                <a:latin typeface="JetBrains Mono"/>
+              </a:rPr>
               <a:t>codedeploy</a:t>
             </a:r>
             <a:r>
-              <a:rPr lang="en-US" altLang="ko-KR" sz="2400" dirty="0" smtClean="0"/>
+              <a:rPr lang="en-US" altLang="ko-KR" sz="2400" dirty="0" smtClean="0">
+                <a:latin typeface="JetBrains Mono"/>
+              </a:rPr>
               <a:t> role</a:t>
             </a:r>
-            <a:endParaRPr lang="ko-KR" altLang="en-US" sz="2400" dirty="0"/>
+            <a:endParaRPr lang="ko-KR" altLang="en-US" sz="2400" dirty="0">
+              <a:latin typeface="JetBrains Mono"/>
+            </a:endParaRPr>
           </a:p>
         </p:txBody>
       </p:sp>
@@ -5801,7 +6529,9 @@
           <a:lstStyle/>
           <a:p>
             <a:pPr algn="ctr"/>
-            <a:endParaRPr lang="ko-KR" altLang="en-US"/>
+            <a:endParaRPr lang="ko-KR" altLang="en-US">
+              <a:latin typeface="JetBrains Mono"/>
+            </a:endParaRPr>
           </a:p>
         </p:txBody>
       </p:sp>
@@ -5871,7 +6601,9 @@
           <a:lstStyle/>
           <a:p>
             <a:pPr algn="ctr"/>
-            <a:endParaRPr lang="ko-KR" altLang="en-US"/>
+            <a:endParaRPr lang="ko-KR" altLang="en-US">
+              <a:latin typeface="JetBrains Mono"/>
+            </a:endParaRPr>
           </a:p>
         </p:txBody>
       </p:sp>
@@ -5917,7 +6649,9 @@
           <a:lstStyle/>
           <a:p>
             <a:pPr algn="ctr"/>
-            <a:endParaRPr lang="ko-KR" altLang="en-US"/>
+            <a:endParaRPr lang="ko-KR" altLang="en-US">
+              <a:latin typeface="JetBrains Mono"/>
+            </a:endParaRPr>
           </a:p>
         </p:txBody>
       </p:sp>
@@ -5987,7 +6721,9 @@
           <a:lstStyle/>
           <a:p>
             <a:pPr algn="ctr"/>
-            <a:endParaRPr lang="ko-KR" altLang="en-US"/>
+            <a:endParaRPr lang="ko-KR" altLang="en-US">
+              <a:latin typeface="JetBrains Mono"/>
+            </a:endParaRPr>
           </a:p>
         </p:txBody>
       </p:sp>
@@ -6015,20 +6751,20 @@
             <a:r>
               <a:rPr lang="en-US" altLang="ko-KR" b="0" i="0" dirty="0" err="1" smtClean="0">
                 <a:effectLst/>
-                <a:latin typeface="Noto Sans"/>
+                <a:latin typeface="JetBrains Mono"/>
               </a:rPr>
               <a:t>codedeploy</a:t>
             </a:r>
             <a:r>
               <a:rPr lang="ko-KR" altLang="en-US" b="0" i="0" dirty="0" smtClean="0">
                 <a:effectLst/>
-                <a:latin typeface="Noto Sans"/>
+                <a:latin typeface="JetBrains Mono"/>
               </a:rPr>
               <a:t>를 위한 권한을 추가합니다</a:t>
             </a:r>
             <a:endParaRPr lang="en-US" altLang="ko-KR" b="0" i="0" dirty="0">
               <a:effectLst/>
-              <a:latin typeface="Noto Sans"/>
+              <a:latin typeface="JetBrains Mono"/>
             </a:endParaRPr>
           </a:p>
         </p:txBody>
@@ -6079,14 +6815,20 @@
           <a:lstStyle/>
           <a:p>
             <a:r>
-              <a:rPr lang="en-US" altLang="ko-KR" dirty="0" smtClean="0"/>
+              <a:rPr lang="en-US" altLang="ko-KR" dirty="0" smtClean="0">
+                <a:latin typeface="JetBrains Mono"/>
+              </a:rPr>
               <a:t>6. create </a:t>
             </a:r>
             <a:r>
-              <a:rPr lang="en-US" altLang="ko-KR" dirty="0" err="1" smtClean="0"/>
+              <a:rPr lang="en-US" altLang="ko-KR" dirty="0" err="1" smtClean="0">
+                <a:latin typeface="JetBrains Mono"/>
+              </a:rPr>
               <a:t>Codedeploy</a:t>
             </a:r>
-            <a:endParaRPr lang="ko-KR" altLang="en-US" sz="2400" dirty="0"/>
+            <a:endParaRPr lang="ko-KR" altLang="en-US" sz="2400" dirty="0">
+              <a:latin typeface="JetBrains Mono"/>
+            </a:endParaRPr>
           </a:p>
         </p:txBody>
       </p:sp>
@@ -6156,7 +6898,9 @@
           <a:lstStyle/>
           <a:p>
             <a:pPr algn="ctr"/>
-            <a:endParaRPr lang="ko-KR" altLang="en-US"/>
+            <a:endParaRPr lang="ko-KR" altLang="en-US">
+              <a:latin typeface="JetBrains Mono"/>
+            </a:endParaRPr>
           </a:p>
         </p:txBody>
       </p:sp>
@@ -6202,7 +6946,9 @@
           <a:lstStyle/>
           <a:p>
             <a:pPr algn="ctr"/>
-            <a:endParaRPr lang="ko-KR" altLang="en-US"/>
+            <a:endParaRPr lang="ko-KR" altLang="en-US">
+              <a:latin typeface="JetBrains Mono"/>
+            </a:endParaRPr>
           </a:p>
         </p:txBody>
       </p:sp>
@@ -6230,20 +6976,20 @@
             <a:r>
               <a:rPr lang="en-US" altLang="ko-KR" b="0" i="0" dirty="0" err="1" smtClean="0">
                 <a:effectLst/>
-                <a:latin typeface="Noto Sans"/>
+                <a:latin typeface="JetBrains Mono"/>
               </a:rPr>
               <a:t>codedeploy</a:t>
             </a:r>
             <a:r>
               <a:rPr lang="ko-KR" altLang="en-US" b="0" i="0" dirty="0" smtClean="0">
                 <a:effectLst/>
-                <a:latin typeface="Noto Sans"/>
+                <a:latin typeface="JetBrains Mono"/>
               </a:rPr>
               <a:t>를 생성합니다</a:t>
             </a:r>
             <a:endParaRPr lang="en-US" altLang="ko-KR" b="0" i="0" dirty="0">
               <a:effectLst/>
-              <a:latin typeface="Noto Sans"/>
+              <a:latin typeface="JetBrains Mono"/>
             </a:endParaRPr>
           </a:p>
         </p:txBody>
@@ -6294,14 +7040,20 @@
           <a:lstStyle/>
           <a:p>
             <a:r>
-              <a:rPr lang="en-US" altLang="ko-KR" dirty="0" smtClean="0"/>
+              <a:rPr lang="en-US" altLang="ko-KR" dirty="0" smtClean="0">
+                <a:latin typeface="JetBrains Mono"/>
+              </a:rPr>
               <a:t>6. create </a:t>
             </a:r>
             <a:r>
-              <a:rPr lang="en-US" altLang="ko-KR" dirty="0" err="1" smtClean="0"/>
+              <a:rPr lang="en-US" altLang="ko-KR" dirty="0" err="1" smtClean="0">
+                <a:latin typeface="JetBrains Mono"/>
+              </a:rPr>
               <a:t>Codedeploy</a:t>
             </a:r>
-            <a:endParaRPr lang="ko-KR" altLang="en-US" sz="2400" dirty="0"/>
+            <a:endParaRPr lang="ko-KR" altLang="en-US" sz="2400" dirty="0">
+              <a:latin typeface="JetBrains Mono"/>
+            </a:endParaRPr>
           </a:p>
         </p:txBody>
       </p:sp>
@@ -6371,7 +7123,9 @@
           <a:lstStyle/>
           <a:p>
             <a:pPr algn="ctr"/>
-            <a:endParaRPr lang="ko-KR" altLang="en-US"/>
+            <a:endParaRPr lang="ko-KR" altLang="en-US">
+              <a:latin typeface="JetBrains Mono"/>
+            </a:endParaRPr>
           </a:p>
         </p:txBody>
       </p:sp>
@@ -6399,34 +7153,34 @@
             <a:r>
               <a:rPr lang="en-US" altLang="ko-KR" b="0" i="0" dirty="0" smtClean="0">
                 <a:effectLst/>
-                <a:latin typeface="Noto Sans"/>
+                <a:latin typeface="JetBrains Mono"/>
               </a:rPr>
               <a:t>ec2</a:t>
             </a:r>
             <a:r>
               <a:rPr lang="ko-KR" altLang="en-US" b="0" i="0" dirty="0" smtClean="0">
                 <a:effectLst/>
-                <a:latin typeface="Noto Sans"/>
+                <a:latin typeface="JetBrains Mono"/>
               </a:rPr>
               <a:t>상에 배포하기 때문에 </a:t>
             </a:r>
             <a:r>
               <a:rPr lang="en-US" altLang="ko-KR" b="0" i="0" dirty="0" smtClean="0">
                 <a:effectLst/>
-                <a:latin typeface="Noto Sans"/>
+                <a:latin typeface="JetBrains Mono"/>
               </a:rPr>
               <a:t>ec2</a:t>
             </a:r>
             <a:r>
               <a:rPr lang="ko-KR" altLang="en-US" b="0" i="0" dirty="0" smtClean="0">
                 <a:effectLst/>
-                <a:latin typeface="Noto Sans"/>
+                <a:latin typeface="JetBrains Mono"/>
               </a:rPr>
               <a:t>로 플랫폼을 선택하세요</a:t>
             </a:r>
             <a:endParaRPr lang="en-US" altLang="ko-KR" b="0" i="0" dirty="0">
               <a:effectLst/>
-              <a:latin typeface="Noto Sans"/>
+              <a:latin typeface="JetBrains Mono"/>
             </a:endParaRPr>
           </a:p>
         </p:txBody>
@@ -6477,10 +7231,14 @@
           <a:lstStyle/>
           <a:p>
             <a:r>
-              <a:rPr lang="en-US" altLang="ko-KR" dirty="0" smtClean="0"/>
+              <a:rPr lang="en-US" altLang="ko-KR" dirty="0" smtClean="0">
+                <a:latin typeface="JetBrains Mono"/>
+              </a:rPr>
               <a:t>1. introduction</a:t>
             </a:r>
-            <a:endParaRPr lang="ko-KR" altLang="en-US" dirty="0"/>
+            <a:endParaRPr lang="ko-KR" altLang="en-US" dirty="0">
+              <a:latin typeface="JetBrains Mono"/>
+            </a:endParaRPr>
           </a:p>
         </p:txBody>
       </p:sp>
@@ -6496,130 +7254,227 @@
         </p:nvSpPr>
         <p:spPr/>
         <p:txBody>
-          <a:bodyPr/>
-          <a:lstStyle/>
-          <a:p>
-            <a:r>
-              <a:rPr lang="en-US" altLang="ko-KR" dirty="0" err="1" smtClean="0"/>
+          <a:bodyPr>
+            <a:noAutofit/>
+          </a:bodyPr>
+          <a:lstStyle/>
+          <a:p>
+            <a:r>
+              <a:rPr lang="en-US" altLang="ko-KR" sz="1800" dirty="0" err="1" smtClean="0">
+                <a:latin typeface="JetBrains Mono"/>
+              </a:rPr>
               <a:t>github</a:t>
             </a:r>
             <a:r>
-              <a:rPr lang="en-US" altLang="ko-KR" dirty="0" smtClean="0"/>
+              <a:rPr lang="en-US" altLang="ko-KR" sz="1800" dirty="0" smtClean="0">
+                <a:latin typeface="JetBrains Mono"/>
+              </a:rPr>
               <a:t> action</a:t>
             </a:r>
             <a:r>
-              <a:rPr lang="ko-KR" altLang="en-US" dirty="0" smtClean="0"/>
+              <a:rPr lang="ko-KR" altLang="en-US" sz="1800" dirty="0" smtClean="0">
+                <a:latin typeface="JetBrains Mono"/>
+              </a:rPr>
               <a:t>을 이용한 배포 자동화 구현</a:t>
             </a:r>
-            <a:endParaRPr lang="en-US" altLang="ko-KR" dirty="0" smtClean="0"/>
-          </a:p>
-          <a:p>
-            <a:r>
-              <a:rPr lang="ko-KR" altLang="en-US" dirty="0" smtClean="0"/>
+            <a:endParaRPr lang="en-US" altLang="ko-KR" sz="1800" dirty="0" smtClean="0">
+              <a:latin typeface="JetBrains Mono"/>
+            </a:endParaRPr>
+          </a:p>
+          <a:p>
+            <a:r>
+              <a:rPr lang="ko-KR" altLang="en-US" sz="1800" dirty="0" smtClean="0">
+                <a:latin typeface="JetBrains Mono"/>
+              </a:rPr>
               <a:t>사용 도구</a:t>
             </a:r>
-            <a:endParaRPr lang="en-US" altLang="ko-KR" dirty="0" smtClean="0"/>
+            <a:endParaRPr lang="en-US" altLang="ko-KR" sz="1800" dirty="0" smtClean="0">
+              <a:latin typeface="JetBrains Mono"/>
+            </a:endParaRPr>
           </a:p>
           <a:p>
             <a:pPr lvl="1"/>
             <a:r>
-              <a:rPr lang="en-US" altLang="ko-KR" dirty="0" smtClean="0"/>
+              <a:rPr lang="en-US" altLang="ko-KR" sz="1600" dirty="0" smtClean="0">
+                <a:latin typeface="JetBrains Mono"/>
+              </a:rPr>
               <a:t>vue.js quasar</a:t>
             </a:r>
           </a:p>
           <a:p>
             <a:pPr lvl="2"/>
             <a:r>
-              <a:rPr lang="en-US" altLang="ko-KR" dirty="0" smtClean="0"/>
+              <a:rPr lang="en-US" altLang="ko-KR" sz="1400" dirty="0" smtClean="0">
+                <a:latin typeface="JetBrains Mono"/>
+              </a:rPr>
               <a:t>client app</a:t>
             </a:r>
           </a:p>
           <a:p>
             <a:pPr lvl="2"/>
             <a:r>
-              <a:rPr lang="en-US" altLang="ko-KR" dirty="0" smtClean="0"/>
+              <a:rPr lang="en-US" altLang="ko-KR" sz="1400" dirty="0" smtClean="0">
+                <a:latin typeface="JetBrains Mono"/>
+              </a:rPr>
               <a:t>SSR </a:t>
             </a:r>
             <a:r>
-              <a:rPr lang="ko-KR" altLang="en-US" dirty="0" smtClean="0"/>
+              <a:rPr lang="ko-KR" altLang="en-US" sz="1400" dirty="0" smtClean="0">
+                <a:latin typeface="JetBrains Mono"/>
+              </a:rPr>
               <a:t>예제 프로젝트 활용</a:t>
             </a:r>
-            <a:endParaRPr lang="en-US" altLang="ko-KR" dirty="0" smtClean="0"/>
+            <a:endParaRPr lang="en-US" altLang="ko-KR" sz="1400" dirty="0" smtClean="0">
+              <a:latin typeface="JetBrains Mono"/>
+            </a:endParaRPr>
           </a:p>
           <a:p>
             <a:pPr lvl="1"/>
             <a:r>
-              <a:rPr lang="en-US" altLang="ko-KR" dirty="0" err="1" smtClean="0"/>
+              <a:rPr lang="en-US" altLang="ko-KR" sz="1600" dirty="0" err="1" smtClean="0">
+                <a:latin typeface="JetBrains Mono"/>
+              </a:rPr>
               <a:t>aws</a:t>
             </a:r>
-            <a:endParaRPr lang="en-US" altLang="ko-KR" dirty="0" smtClean="0"/>
+            <a:endParaRPr lang="en-US" altLang="ko-KR" sz="1600" dirty="0" smtClean="0">
+              <a:latin typeface="JetBrains Mono"/>
+            </a:endParaRPr>
           </a:p>
           <a:p>
             <a:pPr lvl="2"/>
             <a:r>
-              <a:rPr lang="en-US" altLang="ko-KR" dirty="0" smtClean="0"/>
+              <a:rPr lang="en-US" altLang="ko-KR" sz="1400" dirty="0" smtClean="0">
+                <a:latin typeface="JetBrains Mono"/>
+              </a:rPr>
               <a:t>ec2: client app </a:t>
             </a:r>
             <a:r>
-              <a:rPr lang="ko-KR" altLang="en-US" dirty="0" smtClean="0"/>
+              <a:rPr lang="ko-KR" altLang="en-US" sz="1400" dirty="0" smtClean="0">
+                <a:latin typeface="JetBrains Mono"/>
+              </a:rPr>
               <a:t>배포 서버</a:t>
             </a:r>
-            <a:endParaRPr lang="en-US" altLang="ko-KR" dirty="0" smtClean="0"/>
+            <a:endParaRPr lang="en-US" altLang="ko-KR" sz="1400" dirty="0" smtClean="0">
+              <a:latin typeface="JetBrains Mono"/>
+            </a:endParaRPr>
           </a:p>
           <a:p>
             <a:pPr lvl="2"/>
             <a:r>
-              <a:rPr lang="en-US" altLang="ko-KR" dirty="0" smtClean="0"/>
+              <a:rPr lang="en-US" altLang="ko-KR" sz="1400" dirty="0" smtClean="0">
+                <a:latin typeface="JetBrains Mono"/>
+              </a:rPr>
               <a:t>s3: client app </a:t>
             </a:r>
             <a:r>
-              <a:rPr lang="ko-KR" altLang="en-US" dirty="0" smtClean="0"/>
+              <a:rPr lang="ko-KR" altLang="en-US" sz="1400" dirty="0" smtClean="0">
+                <a:latin typeface="JetBrains Mono"/>
+              </a:rPr>
               <a:t>저장 </a:t>
             </a:r>
             <a:r>
-              <a:rPr lang="ko-KR" altLang="en-US" dirty="0" err="1" smtClean="0"/>
+              <a:rPr lang="ko-KR" altLang="en-US" sz="1400" dirty="0" err="1" smtClean="0">
+                <a:latin typeface="JetBrains Mono"/>
+              </a:rPr>
               <a:t>버킷</a:t>
             </a:r>
-            <a:endParaRPr lang="en-US" altLang="ko-KR" dirty="0" smtClean="0"/>
+            <a:endParaRPr lang="en-US" altLang="ko-KR" sz="1400" dirty="0" smtClean="0">
+              <a:latin typeface="JetBrains Mono"/>
+            </a:endParaRPr>
           </a:p>
           <a:p>
             <a:pPr lvl="2"/>
             <a:r>
-              <a:rPr lang="en-US" altLang="ko-KR" dirty="0" err="1" smtClean="0"/>
+              <a:rPr lang="en-US" altLang="ko-KR" sz="1400" dirty="0" err="1" smtClean="0">
+                <a:latin typeface="JetBrains Mono"/>
+              </a:rPr>
               <a:t>codedeploy</a:t>
             </a:r>
             <a:r>
-              <a:rPr lang="en-US" altLang="ko-KR" dirty="0" smtClean="0"/>
+              <a:rPr lang="en-US" altLang="ko-KR" sz="1400" dirty="0" smtClean="0">
+                <a:latin typeface="JetBrains Mono"/>
+              </a:rPr>
               <a:t>: s3 -&gt; ec2</a:t>
             </a:r>
             <a:r>
-              <a:rPr lang="ko-KR" altLang="en-US" dirty="0" smtClean="0"/>
+              <a:rPr lang="ko-KR" altLang="en-US" sz="1400" dirty="0" smtClean="0">
+                <a:latin typeface="JetBrains Mono"/>
+              </a:rPr>
               <a:t> 배포 자동화</a:t>
             </a:r>
-            <a:endParaRPr lang="en-US" altLang="ko-KR" dirty="0" smtClean="0"/>
+            <a:endParaRPr lang="en-US" altLang="ko-KR" sz="1400" dirty="0" smtClean="0">
+              <a:latin typeface="JetBrains Mono"/>
+            </a:endParaRPr>
           </a:p>
           <a:p>
             <a:pPr lvl="1"/>
             <a:r>
-              <a:rPr lang="en-US" altLang="ko-KR" dirty="0" err="1" smtClean="0"/>
+              <a:rPr lang="en-US" altLang="ko-KR" sz="1600" dirty="0" err="1" smtClean="0">
+                <a:latin typeface="JetBrains Mono"/>
+              </a:rPr>
               <a:t>github</a:t>
             </a:r>
             <a:r>
-              <a:rPr lang="en-US" altLang="ko-KR" dirty="0" smtClean="0"/>
+              <a:rPr lang="en-US" altLang="ko-KR" sz="1600" dirty="0" smtClean="0">
+                <a:latin typeface="JetBrains Mono"/>
+              </a:rPr>
               <a:t> action</a:t>
             </a:r>
           </a:p>
           <a:p>
             <a:pPr lvl="2"/>
             <a:r>
-              <a:rPr lang="en-US" altLang="ko-KR" dirty="0" smtClean="0"/>
+              <a:rPr lang="en-US" altLang="ko-KR" sz="1400" dirty="0" smtClean="0">
+                <a:latin typeface="JetBrains Mono"/>
+              </a:rPr>
               <a:t>local -&gt; s3 </a:t>
             </a:r>
             <a:r>
-              <a:rPr lang="ko-KR" altLang="en-US" dirty="0" smtClean="0"/>
-              <a:t>배포 자동화</a:t>
-            </a:r>
-            <a:endParaRPr lang="en-US" altLang="ko-KR" dirty="0" smtClean="0"/>
+              <a:rPr lang="ko-KR" altLang="en-US" sz="1400" dirty="0" smtClean="0">
+                <a:latin typeface="JetBrains Mono"/>
+              </a:rPr>
+              <a:t>배포 </a:t>
+            </a:r>
+            <a:r>
+              <a:rPr lang="ko-KR" altLang="en-US" sz="1400" dirty="0" smtClean="0">
+                <a:latin typeface="JetBrains Mono"/>
+              </a:rPr>
+              <a:t>자동화</a:t>
+            </a:r>
+            <a:endParaRPr lang="en-US" altLang="ko-KR" sz="1400" dirty="0" smtClean="0">
+              <a:latin typeface="JetBrains Mono"/>
+            </a:endParaRPr>
+          </a:p>
+          <a:p>
+            <a:r>
+              <a:rPr lang="ko-KR" altLang="en-US" sz="1800" dirty="0" smtClean="0">
+                <a:latin typeface="JetBrains Mono"/>
+              </a:rPr>
+              <a:t>참조</a:t>
+            </a:r>
+            <a:endParaRPr lang="en-US" altLang="ko-KR" sz="1800" dirty="0" smtClean="0">
+              <a:latin typeface="JetBrains Mono"/>
+            </a:endParaRPr>
+          </a:p>
+          <a:p>
+            <a:pPr lvl="1"/>
+            <a:r>
+              <a:rPr lang="en-US" altLang="ko-KR" sz="1600" dirty="0">
+                <a:latin typeface="JetBrains Mono"/>
+                <a:hlinkClick r:id="rId2"/>
+              </a:rPr>
+              <a:t>https://</a:t>
+            </a:r>
+            <a:r>
+              <a:rPr lang="en-US" altLang="ko-KR" sz="1600" dirty="0" smtClean="0">
+                <a:latin typeface="JetBrains Mono"/>
+                <a:hlinkClick r:id="rId2"/>
+              </a:rPr>
+              <a:t>ms3864.tistory.com/383?category=1003779</a:t>
+            </a:r>
+            <a:endParaRPr lang="en-US" altLang="ko-KR" sz="1600" dirty="0" smtClean="0">
+              <a:latin typeface="JetBrains Mono"/>
+            </a:endParaRPr>
           </a:p>
         </p:txBody>
       </p:sp>
@@ -6669,14 +7524,20 @@
           <a:lstStyle/>
           <a:p>
             <a:r>
-              <a:rPr lang="en-US" altLang="ko-KR" dirty="0" smtClean="0"/>
+              <a:rPr lang="en-US" altLang="ko-KR" dirty="0" smtClean="0">
+                <a:latin typeface="JetBrains Mono"/>
+              </a:rPr>
               <a:t>6. create </a:t>
             </a:r>
             <a:r>
-              <a:rPr lang="en-US" altLang="ko-KR" dirty="0" err="1" smtClean="0"/>
+              <a:rPr lang="en-US" altLang="ko-KR" dirty="0" err="1" smtClean="0">
+                <a:latin typeface="JetBrains Mono"/>
+              </a:rPr>
               <a:t>Codedeploy</a:t>
             </a:r>
-            <a:endParaRPr lang="ko-KR" altLang="en-US" sz="2400" dirty="0"/>
+            <a:endParaRPr lang="ko-KR" altLang="en-US" sz="2400" dirty="0">
+              <a:latin typeface="JetBrains Mono"/>
+            </a:endParaRPr>
           </a:p>
         </p:txBody>
       </p:sp>
@@ -6746,7 +7607,9 @@
           <a:lstStyle/>
           <a:p>
             <a:pPr algn="ctr"/>
-            <a:endParaRPr lang="ko-KR" altLang="en-US"/>
+            <a:endParaRPr lang="ko-KR" altLang="en-US">
+              <a:latin typeface="JetBrains Mono"/>
+            </a:endParaRPr>
           </a:p>
         </p:txBody>
       </p:sp>
@@ -6774,20 +7637,20 @@
             <a:r>
               <a:rPr lang="en-US" altLang="ko-KR" b="0" i="0" dirty="0" err="1" smtClean="0">
                 <a:effectLst/>
-                <a:latin typeface="Noto Sans"/>
+                <a:latin typeface="JetBrains Mono"/>
               </a:rPr>
               <a:t>codedeploy</a:t>
             </a:r>
             <a:r>
               <a:rPr lang="ko-KR" altLang="en-US" b="0" i="0" dirty="0" smtClean="0">
                 <a:effectLst/>
-                <a:latin typeface="Noto Sans"/>
+                <a:latin typeface="JetBrains Mono"/>
               </a:rPr>
               <a:t>의 배포 그룹을 추가합니다</a:t>
             </a:r>
             <a:endParaRPr lang="en-US" altLang="ko-KR" b="0" i="0" dirty="0">
               <a:effectLst/>
-              <a:latin typeface="Noto Sans"/>
+              <a:latin typeface="JetBrains Mono"/>
             </a:endParaRPr>
           </a:p>
         </p:txBody>
@@ -6843,14 +7706,20 @@
           <a:lstStyle/>
           <a:p>
             <a:r>
-              <a:rPr lang="en-US" altLang="ko-KR" dirty="0" smtClean="0"/>
+              <a:rPr lang="en-US" altLang="ko-KR" dirty="0" smtClean="0">
+                <a:latin typeface="JetBrains Mono"/>
+              </a:rPr>
               <a:t>6. create </a:t>
             </a:r>
             <a:r>
-              <a:rPr lang="en-US" altLang="ko-KR" dirty="0" err="1" smtClean="0"/>
+              <a:rPr lang="en-US" altLang="ko-KR" dirty="0" err="1" smtClean="0">
+                <a:latin typeface="JetBrains Mono"/>
+              </a:rPr>
               <a:t>Codedeploy</a:t>
             </a:r>
-            <a:endParaRPr lang="ko-KR" altLang="en-US" sz="2400" dirty="0"/>
+            <a:endParaRPr lang="ko-KR" altLang="en-US" sz="2400" dirty="0">
+              <a:latin typeface="JetBrains Mono"/>
+            </a:endParaRPr>
           </a:p>
         </p:txBody>
       </p:sp>
@@ -6920,7 +7789,9 @@
           <a:lstStyle/>
           <a:p>
             <a:pPr algn="ctr"/>
-            <a:endParaRPr lang="ko-KR" altLang="en-US"/>
+            <a:endParaRPr lang="ko-KR" altLang="en-US">
+              <a:latin typeface="JetBrains Mono"/>
+            </a:endParaRPr>
           </a:p>
         </p:txBody>
       </p:sp>
@@ -6990,7 +7861,9 @@
           <a:lstStyle/>
           <a:p>
             <a:pPr algn="ctr"/>
-            <a:endParaRPr lang="ko-KR" altLang="en-US"/>
+            <a:endParaRPr lang="ko-KR" altLang="en-US">
+              <a:latin typeface="JetBrains Mono"/>
+            </a:endParaRPr>
           </a:p>
         </p:txBody>
       </p:sp>
@@ -7003,7 +7876,7 @@
         <p:spPr>
           <a:xfrm>
             <a:off x="838199" y="6193741"/>
-            <a:ext cx="6096000" cy="369332"/>
+            <a:ext cx="6096000" cy="338554"/>
           </a:xfrm>
           <a:prstGeom prst="rect">
             <a:avLst/>
@@ -7016,36 +7889,43 @@
           <a:lstStyle/>
           <a:p>
             <a:r>
-              <a:rPr lang="ko-KR" altLang="en-US" b="0" i="0" dirty="0" smtClean="0">
+              <a:rPr lang="en-US" altLang="ko-KR" sz="1600" b="0" i="0" dirty="0" smtClean="0">
                 <a:effectLst/>
-                <a:latin typeface="Noto Sans"/>
+                <a:latin typeface="JetBrains Mono"/>
+              </a:rPr>
+              <a:t>1. </a:t>
+            </a:r>
+            <a:r>
+              <a:rPr lang="ko-KR" altLang="en-US" sz="1600" b="0" i="0" dirty="0" smtClean="0">
+                <a:effectLst/>
+                <a:latin typeface="JetBrains Mono"/>
               </a:rPr>
               <a:t>생성한 </a:t>
             </a:r>
             <a:r>
-              <a:rPr lang="en-US" altLang="ko-KR" b="0" i="0" dirty="0" err="1" smtClean="0">
+              <a:rPr lang="en-US" altLang="ko-KR" sz="1600" b="0" i="0" dirty="0" err="1" smtClean="0">
                 <a:effectLst/>
-                <a:latin typeface="Noto Sans"/>
+                <a:latin typeface="JetBrains Mono"/>
               </a:rPr>
               <a:t>codedeploy</a:t>
             </a:r>
             <a:r>
-              <a:rPr lang="en-US" altLang="ko-KR" b="0" i="0" dirty="0" smtClean="0">
+              <a:rPr lang="en-US" altLang="ko-KR" sz="1600" b="0" i="0" dirty="0" smtClean="0">
                 <a:effectLst/>
-                <a:latin typeface="Noto Sans"/>
+                <a:latin typeface="JetBrains Mono"/>
               </a:rPr>
               <a:t> IAM role</a:t>
             </a:r>
             <a:r>
-              <a:rPr lang="ko-KR" altLang="en-US" b="0" i="0" dirty="0" smtClean="0">
+              <a:rPr lang="ko-KR" altLang="en-US" sz="1600" b="0" i="0" dirty="0" smtClean="0">
                 <a:effectLst/>
-                <a:latin typeface="Noto Sans"/>
+                <a:latin typeface="JetBrains Mono"/>
               </a:rPr>
               <a:t>을 추가합니다</a:t>
             </a:r>
-            <a:endParaRPr lang="en-US" altLang="ko-KR" b="0" i="0" dirty="0">
+            <a:endParaRPr lang="en-US" altLang="ko-KR" sz="1600" b="0" i="0" dirty="0">
               <a:effectLst/>
-              <a:latin typeface="Noto Sans"/>
+              <a:latin typeface="JetBrains Mono"/>
             </a:endParaRPr>
           </a:p>
         </p:txBody>
@@ -7059,7 +7939,7 @@
         <p:spPr>
           <a:xfrm>
             <a:off x="5538787" y="6191288"/>
-            <a:ext cx="6096000" cy="369332"/>
+            <a:ext cx="6096000" cy="338554"/>
           </a:xfrm>
           <a:prstGeom prst="rect">
             <a:avLst/>
@@ -7072,36 +7952,43 @@
           <a:lstStyle/>
           <a:p>
             <a:r>
-              <a:rPr lang="ko-KR" altLang="en-US" b="0" i="0" dirty="0" smtClean="0">
+              <a:rPr lang="en-US" altLang="ko-KR" sz="1600" b="0" i="0" dirty="0" smtClean="0">
                 <a:effectLst/>
-                <a:latin typeface="Noto Sans"/>
+                <a:latin typeface="JetBrains Mono"/>
+              </a:rPr>
+              <a:t>2. </a:t>
+            </a:r>
+            <a:r>
+              <a:rPr lang="ko-KR" altLang="en-US" sz="1600" b="0" i="0" dirty="0" smtClean="0">
+                <a:effectLst/>
+                <a:latin typeface="JetBrains Mono"/>
               </a:rPr>
               <a:t>생성한 </a:t>
             </a:r>
             <a:r>
-              <a:rPr lang="en-US" altLang="ko-KR" b="0" i="0" dirty="0" smtClean="0">
+              <a:rPr lang="en-US" altLang="ko-KR" sz="1600" b="0" i="0" dirty="0" smtClean="0">
                 <a:effectLst/>
-                <a:latin typeface="Noto Sans"/>
+                <a:latin typeface="JetBrains Mono"/>
               </a:rPr>
               <a:t>ec2 </a:t>
             </a:r>
             <a:r>
-              <a:rPr lang="en-US" altLang="ko-KR" b="0" i="0" dirty="0" err="1" smtClean="0">
+              <a:rPr lang="en-US" altLang="ko-KR" sz="1600" b="0" i="0" dirty="0" err="1" smtClean="0">
                 <a:effectLst/>
-                <a:latin typeface="Noto Sans"/>
+                <a:latin typeface="JetBrains Mono"/>
               </a:rPr>
               <a:t>instace</a:t>
             </a:r>
             <a:r>
-              <a:rPr lang="ko-KR" altLang="en-US" b="0" i="0" dirty="0" smtClean="0">
+              <a:rPr lang="ko-KR" altLang="en-US" sz="1600" b="0" i="0" dirty="0" smtClean="0">
                 <a:effectLst/>
-                <a:latin typeface="Noto Sans"/>
+                <a:latin typeface="JetBrains Mono"/>
               </a:rPr>
               <a:t>와 연동합니다</a:t>
             </a:r>
-            <a:endParaRPr lang="en-US" altLang="ko-KR" b="0" i="0" dirty="0">
+            <a:endParaRPr lang="en-US" altLang="ko-KR" sz="1600" b="0" i="0" dirty="0">
               <a:effectLst/>
-              <a:latin typeface="Noto Sans"/>
+              <a:latin typeface="JetBrains Mono"/>
             </a:endParaRPr>
           </a:p>
         </p:txBody>
@@ -7152,14 +8039,20 @@
           <a:lstStyle/>
           <a:p>
             <a:r>
-              <a:rPr lang="en-US" altLang="ko-KR" dirty="0" smtClean="0"/>
+              <a:rPr lang="en-US" altLang="ko-KR" dirty="0" smtClean="0">
+                <a:latin typeface="JetBrains Mono"/>
+              </a:rPr>
               <a:t>6. create </a:t>
             </a:r>
             <a:r>
-              <a:rPr lang="en-US" altLang="ko-KR" dirty="0" err="1" smtClean="0"/>
+              <a:rPr lang="en-US" altLang="ko-KR" dirty="0" err="1" smtClean="0">
+                <a:latin typeface="JetBrains Mono"/>
+              </a:rPr>
               <a:t>Codedeploy</a:t>
             </a:r>
-            <a:endParaRPr lang="ko-KR" altLang="en-US" sz="2400" dirty="0"/>
+            <a:endParaRPr lang="ko-KR" altLang="en-US" sz="2400" dirty="0">
+              <a:latin typeface="JetBrains Mono"/>
+            </a:endParaRPr>
           </a:p>
         </p:txBody>
       </p:sp>
@@ -7229,7 +8122,9 @@
           <a:lstStyle/>
           <a:p>
             <a:pPr algn="ctr"/>
-            <a:endParaRPr lang="ko-KR" altLang="en-US"/>
+            <a:endParaRPr lang="ko-KR" altLang="en-US">
+              <a:latin typeface="JetBrains Mono"/>
+            </a:endParaRPr>
           </a:p>
         </p:txBody>
       </p:sp>
@@ -7275,7 +8170,9 @@
           <a:lstStyle/>
           <a:p>
             <a:pPr algn="ctr"/>
-            <a:endParaRPr lang="ko-KR" altLang="en-US"/>
+            <a:endParaRPr lang="ko-KR" altLang="en-US">
+              <a:latin typeface="JetBrains Mono"/>
+            </a:endParaRPr>
           </a:p>
         </p:txBody>
       </p:sp>
@@ -7303,20 +8200,20 @@
             <a:r>
               <a:rPr lang="ko-KR" altLang="en-US" b="0" i="0" dirty="0" err="1" smtClean="0">
                 <a:effectLst/>
-                <a:latin typeface="Noto Sans"/>
+                <a:latin typeface="JetBrains Mono"/>
               </a:rPr>
               <a:t>로드밸런싱을</a:t>
             </a:r>
             <a:r>
               <a:rPr lang="ko-KR" altLang="en-US" b="0" i="0" dirty="0" smtClean="0">
                 <a:effectLst/>
-                <a:latin typeface="Noto Sans"/>
+                <a:latin typeface="JetBrains Mono"/>
               </a:rPr>
               <a:t> 해제합니다</a:t>
             </a:r>
             <a:endParaRPr lang="en-US" altLang="ko-KR" b="0" i="0" dirty="0">
               <a:effectLst/>
-              <a:latin typeface="Noto Sans"/>
+              <a:latin typeface="JetBrains Mono"/>
             </a:endParaRPr>
           </a:p>
         </p:txBody>
@@ -7367,14 +8264,20 @@
           <a:lstStyle/>
           <a:p>
             <a:r>
-              <a:rPr lang="en-US" altLang="ko-KR" dirty="0"/>
+              <a:rPr lang="en-US" altLang="ko-KR" dirty="0">
+                <a:latin typeface="JetBrains Mono"/>
+              </a:rPr>
               <a:t>7</a:t>
             </a:r>
             <a:r>
-              <a:rPr lang="en-US" altLang="ko-KR" dirty="0" smtClean="0"/>
+              <a:rPr lang="en-US" altLang="ko-KR" dirty="0" smtClean="0">
+                <a:latin typeface="JetBrains Mono"/>
+              </a:rPr>
               <a:t>. create IAM user</a:t>
             </a:r>
-            <a:endParaRPr lang="ko-KR" altLang="en-US" sz="2400" dirty="0"/>
+            <a:endParaRPr lang="ko-KR" altLang="en-US" sz="2400" dirty="0">
+              <a:latin typeface="JetBrains Mono"/>
+            </a:endParaRPr>
           </a:p>
         </p:txBody>
       </p:sp>
@@ -7444,7 +8347,9 @@
           <a:lstStyle/>
           <a:p>
             <a:pPr algn="ctr"/>
-            <a:endParaRPr lang="ko-KR" altLang="en-US"/>
+            <a:endParaRPr lang="ko-KR" altLang="en-US">
+              <a:latin typeface="JetBrains Mono"/>
+            </a:endParaRPr>
           </a:p>
         </p:txBody>
       </p:sp>
@@ -7490,7 +8395,9 @@
           <a:lstStyle/>
           <a:p>
             <a:pPr algn="ctr"/>
-            <a:endParaRPr lang="ko-KR" altLang="en-US"/>
+            <a:endParaRPr lang="ko-KR" altLang="en-US">
+              <a:latin typeface="JetBrains Mono"/>
+            </a:endParaRPr>
           </a:p>
         </p:txBody>
       </p:sp>
@@ -7518,34 +8425,34 @@
             <a:r>
               <a:rPr lang="en-US" altLang="ko-KR" b="0" i="0" dirty="0" smtClean="0">
                 <a:effectLst/>
-                <a:latin typeface="Noto Sans"/>
+                <a:latin typeface="JetBrains Mono"/>
               </a:rPr>
               <a:t>ec2 </a:t>
             </a:r>
             <a:r>
               <a:rPr lang="ko-KR" altLang="en-US" b="0" i="0" dirty="0" smtClean="0">
                 <a:effectLst/>
-                <a:latin typeface="Noto Sans"/>
+                <a:latin typeface="JetBrains Mono"/>
               </a:rPr>
               <a:t>서버 상에서 사용할 </a:t>
             </a:r>
             <a:r>
               <a:rPr lang="en-US" altLang="ko-KR" b="0" i="0" dirty="0" smtClean="0">
                 <a:effectLst/>
-                <a:latin typeface="Noto Sans"/>
+                <a:latin typeface="JetBrains Mono"/>
               </a:rPr>
               <a:t>IAM user</a:t>
             </a:r>
             <a:r>
               <a:rPr lang="ko-KR" altLang="en-US" b="0" i="0" dirty="0" smtClean="0">
                 <a:effectLst/>
-                <a:latin typeface="Noto Sans"/>
+                <a:latin typeface="JetBrains Mono"/>
               </a:rPr>
               <a:t>를 생성합니다</a:t>
             </a:r>
             <a:endParaRPr lang="en-US" altLang="ko-KR" b="0" i="0" dirty="0">
               <a:effectLst/>
-              <a:latin typeface="Noto Sans"/>
+              <a:latin typeface="JetBrains Mono"/>
             </a:endParaRPr>
           </a:p>
         </p:txBody>
@@ -7596,14 +8503,20 @@
           <a:lstStyle/>
           <a:p>
             <a:r>
-              <a:rPr lang="en-US" altLang="ko-KR" dirty="0"/>
+              <a:rPr lang="en-US" altLang="ko-KR" dirty="0">
+                <a:latin typeface="JetBrains Mono"/>
+              </a:rPr>
               <a:t>7</a:t>
             </a:r>
             <a:r>
-              <a:rPr lang="en-US" altLang="ko-KR" dirty="0" smtClean="0"/>
+              <a:rPr lang="en-US" altLang="ko-KR" dirty="0" smtClean="0">
+                <a:latin typeface="JetBrains Mono"/>
+              </a:rPr>
               <a:t>. create IAM user</a:t>
             </a:r>
-            <a:endParaRPr lang="ko-KR" altLang="en-US" sz="2400" dirty="0"/>
+            <a:endParaRPr lang="ko-KR" altLang="en-US" sz="2400" dirty="0">
+              <a:latin typeface="JetBrains Mono"/>
+            </a:endParaRPr>
           </a:p>
         </p:txBody>
       </p:sp>
@@ -7649,7 +8562,9 @@
           <a:lstStyle/>
           <a:p>
             <a:pPr algn="ctr"/>
-            <a:endParaRPr lang="ko-KR" altLang="en-US"/>
+            <a:endParaRPr lang="ko-KR" altLang="en-US">
+              <a:latin typeface="JetBrains Mono"/>
+            </a:endParaRPr>
           </a:p>
         </p:txBody>
       </p:sp>
@@ -7719,7 +8634,9 @@
           <a:lstStyle/>
           <a:p>
             <a:pPr algn="ctr"/>
-            <a:endParaRPr lang="ko-KR" altLang="en-US"/>
+            <a:endParaRPr lang="ko-KR" altLang="en-US">
+              <a:latin typeface="JetBrains Mono"/>
+            </a:endParaRPr>
           </a:p>
         </p:txBody>
       </p:sp>
@@ -7747,27 +8664,27 @@
             <a:r>
               <a:rPr lang="en-US" altLang="ko-KR" b="0" i="0" dirty="0" smtClean="0">
                 <a:effectLst/>
-                <a:latin typeface="Noto Sans"/>
+                <a:latin typeface="JetBrains Mono"/>
               </a:rPr>
               <a:t>1. </a:t>
             </a:r>
             <a:r>
               <a:rPr lang="en-US" altLang="ko-KR" b="0" i="0" dirty="0" err="1" smtClean="0">
                 <a:effectLst/>
-                <a:latin typeface="Noto Sans"/>
+                <a:latin typeface="JetBrains Mono"/>
               </a:rPr>
               <a:t>AWSCodeDeployFullAccess</a:t>
             </a:r>
             <a:endParaRPr lang="en-US" altLang="ko-KR" b="0" i="0" dirty="0" smtClean="0">
               <a:effectLst/>
-              <a:latin typeface="Noto Sans"/>
+              <a:latin typeface="JetBrains Mono"/>
             </a:endParaRPr>
           </a:p>
           <a:p>
             <a:r>
               <a:rPr lang="en-US" altLang="ko-KR" b="0" i="0" dirty="0" smtClean="0">
                 <a:effectLst/>
-                <a:latin typeface="Noto Sans"/>
+                <a:latin typeface="JetBrains Mono"/>
               </a:rPr>
               <a:t>2. AmazonS3FullAccess</a:t>
             </a:r>
@@ -7776,13 +8693,13 @@
             <a:r>
               <a:rPr lang="ko-KR" altLang="en-US" b="0" i="0" dirty="0" smtClean="0">
                 <a:effectLst/>
-                <a:latin typeface="Noto Sans"/>
+                <a:latin typeface="JetBrains Mono"/>
               </a:rPr>
               <a:t>두 개의 권한 체크</a:t>
             </a:r>
             <a:endParaRPr lang="ko-KR" altLang="en-US" b="0" i="0" dirty="0">
               <a:effectLst/>
-              <a:latin typeface="Noto Sans"/>
+              <a:latin typeface="JetBrains Mono"/>
             </a:endParaRPr>
           </a:p>
         </p:txBody>
@@ -7829,7 +8746,9 @@
           <a:lstStyle/>
           <a:p>
             <a:pPr algn="ctr"/>
-            <a:endParaRPr lang="ko-KR" altLang="en-US"/>
+            <a:endParaRPr lang="ko-KR" altLang="en-US">
+              <a:latin typeface="JetBrains Mono"/>
+            </a:endParaRPr>
           </a:p>
         </p:txBody>
       </p:sp>
@@ -7879,14 +8798,26 @@
           <a:lstStyle/>
           <a:p>
             <a:r>
-              <a:rPr lang="en-US" altLang="ko-KR" dirty="0"/>
+              <a:rPr lang="en-US" altLang="ko-KR" dirty="0">
+                <a:latin typeface="JetBrains Mono"/>
+              </a:rPr>
               <a:t>7</a:t>
             </a:r>
             <a:r>
-              <a:rPr lang="en-US" altLang="ko-KR" dirty="0" smtClean="0"/>
-              <a:t>. create IAM user: create access key</a:t>
-            </a:r>
-            <a:endParaRPr lang="ko-KR" altLang="en-US" sz="2400" dirty="0"/>
+              <a:rPr lang="en-US" altLang="ko-KR" dirty="0" smtClean="0">
+                <a:latin typeface="JetBrains Mono"/>
+              </a:rPr>
+              <a:t>. create IAM user: </a:t>
+            </a:r>
+            <a:r>
+              <a:rPr lang="en-US" altLang="ko-KR" sz="2400" dirty="0" smtClean="0">
+                <a:latin typeface="JetBrains Mono"/>
+              </a:rPr>
+              <a:t>create access key</a:t>
+            </a:r>
+            <a:endParaRPr lang="ko-KR" altLang="en-US" sz="1200" dirty="0">
+              <a:latin typeface="JetBrains Mono"/>
+            </a:endParaRPr>
           </a:p>
         </p:txBody>
       </p:sp>
@@ -7956,7 +8887,9 @@
           <a:lstStyle/>
           <a:p>
             <a:pPr algn="ctr"/>
-            <a:endParaRPr lang="ko-KR" altLang="en-US"/>
+            <a:endParaRPr lang="ko-KR" altLang="en-US">
+              <a:latin typeface="JetBrains Mono"/>
+            </a:endParaRPr>
           </a:p>
         </p:txBody>
       </p:sp>
@@ -8026,7 +8959,9 @@
           <a:lstStyle/>
           <a:p>
             <a:pPr algn="ctr"/>
-            <a:endParaRPr lang="ko-KR" altLang="en-US"/>
+            <a:endParaRPr lang="ko-KR" altLang="en-US">
+              <a:latin typeface="JetBrains Mono"/>
+            </a:endParaRPr>
           </a:p>
         </p:txBody>
       </p:sp>
@@ -8072,7 +9007,9 @@
           <a:lstStyle/>
           <a:p>
             <a:pPr algn="ctr"/>
-            <a:endParaRPr lang="ko-KR" altLang="en-US"/>
+            <a:endParaRPr lang="ko-KR" altLang="en-US">
+              <a:latin typeface="JetBrains Mono"/>
+            </a:endParaRPr>
           </a:p>
         </p:txBody>
       </p:sp>
@@ -8147,29 +9084,43 @@
           <a:lstStyle/>
           <a:p>
             <a:r>
-              <a:rPr lang="ko-KR" altLang="en-US" dirty="0" smtClean="0"/>
+              <a:rPr lang="ko-KR" altLang="en-US" dirty="0" smtClean="0">
+                <a:latin typeface="JetBrains Mono"/>
+              </a:rPr>
               <a:t>창 나가면 다시는 못 보니까 </a:t>
             </a:r>
-            <a:endParaRPr lang="en-US" altLang="ko-KR" dirty="0" smtClean="0"/>
-          </a:p>
-          <a:p>
-            <a:r>
-              <a:rPr lang="en-US" altLang="ko-KR" dirty="0" smtClean="0"/>
+            <a:endParaRPr lang="en-US" altLang="ko-KR" dirty="0" smtClean="0">
+              <a:latin typeface="JetBrains Mono"/>
+            </a:endParaRPr>
+          </a:p>
+          <a:p>
+            <a:r>
+              <a:rPr lang="en-US" altLang="ko-KR" dirty="0" smtClean="0">
+                <a:latin typeface="JetBrains Mono"/>
+              </a:rPr>
               <a:t>csv</a:t>
             </a:r>
             <a:r>
-              <a:rPr lang="ko-KR" altLang="en-US" dirty="0" smtClean="0"/>
+              <a:rPr lang="ko-KR" altLang="en-US" dirty="0" smtClean="0">
+                <a:latin typeface="JetBrains Mono"/>
+              </a:rPr>
               <a:t>파일 다운 </a:t>
             </a:r>
             <a:r>
-              <a:rPr lang="en-US" altLang="ko-KR" dirty="0" smtClean="0"/>
+              <a:rPr lang="en-US" altLang="ko-KR" dirty="0" smtClean="0">
+                <a:latin typeface="JetBrains Mono"/>
+              </a:rPr>
               <a:t>or </a:t>
             </a:r>
             <a:r>
-              <a:rPr lang="ko-KR" altLang="en-US" dirty="0" smtClean="0"/>
+              <a:rPr lang="ko-KR" altLang="en-US" dirty="0" smtClean="0">
+                <a:latin typeface="JetBrains Mono"/>
+              </a:rPr>
               <a:t>적어 두세요</a:t>
             </a:r>
-            <a:endParaRPr lang="ko-KR" altLang="en-US" dirty="0"/>
+            <a:endParaRPr lang="ko-KR" altLang="en-US" dirty="0">
+              <a:latin typeface="JetBrains Mono"/>
+            </a:endParaRPr>
           </a:p>
         </p:txBody>
       </p:sp>
@@ -8219,14 +9170,20 @@
           <a:lstStyle/>
           <a:p>
             <a:r>
-              <a:rPr lang="en-US" altLang="ko-KR" dirty="0"/>
+              <a:rPr lang="en-US" altLang="ko-KR" dirty="0">
+                <a:latin typeface="JetBrains Mono"/>
+              </a:rPr>
               <a:t>7</a:t>
             </a:r>
             <a:r>
-              <a:rPr lang="en-US" altLang="ko-KR" dirty="0" smtClean="0"/>
+              <a:rPr lang="en-US" altLang="ko-KR" dirty="0" smtClean="0">
+                <a:latin typeface="JetBrains Mono"/>
+              </a:rPr>
               <a:t>. create S3 bucket</a:t>
             </a:r>
-            <a:endParaRPr lang="ko-KR" altLang="en-US" sz="2400" dirty="0"/>
+            <a:endParaRPr lang="ko-KR" altLang="en-US" sz="2400" dirty="0">
+              <a:latin typeface="JetBrains Mono"/>
+            </a:endParaRPr>
           </a:p>
         </p:txBody>
       </p:sp>
@@ -8277,10 +9234,14 @@
           <a:lstStyle/>
           <a:p>
             <a:r>
-              <a:rPr lang="ko-KR" altLang="en-US" dirty="0" smtClean="0"/>
+              <a:rPr lang="ko-KR" altLang="en-US" dirty="0" smtClean="0">
+                <a:latin typeface="JetBrains Mono"/>
+              </a:rPr>
               <a:t>따로 설정할 것 없이 만드세요</a:t>
             </a:r>
-            <a:endParaRPr lang="ko-KR" altLang="en-US" dirty="0"/>
+            <a:endParaRPr lang="ko-KR" altLang="en-US" dirty="0">
+              <a:latin typeface="JetBrains Mono"/>
+            </a:endParaRPr>
           </a:p>
         </p:txBody>
       </p:sp>
@@ -8330,10 +9291,20 @@
           <a:lstStyle/>
           <a:p>
             <a:r>
-              <a:rPr lang="en-US" altLang="ko-KR" dirty="0" smtClean="0"/>
-              <a:t>4. create action workflow: add access key</a:t>
-            </a:r>
-            <a:endParaRPr lang="ko-KR" altLang="en-US" dirty="0"/>
+              <a:rPr lang="en-US" altLang="ko-KR" dirty="0" smtClean="0">
+                <a:latin typeface="JetBrains Mono"/>
+              </a:rPr>
+              <a:t>4. create action workflow: </a:t>
+            </a:r>
+            <a:r>
+              <a:rPr lang="en-US" altLang="ko-KR" sz="2400" dirty="0" smtClean="0">
+                <a:latin typeface="JetBrains Mono"/>
+              </a:rPr>
+              <a:t>add access key</a:t>
+            </a:r>
+            <a:endParaRPr lang="ko-KR" altLang="en-US" sz="2400" dirty="0">
+              <a:latin typeface="JetBrains Mono"/>
+            </a:endParaRPr>
           </a:p>
         </p:txBody>
       </p:sp>
@@ -8403,7 +9374,9 @@
           <a:lstStyle/>
           <a:p>
             <a:pPr algn="ctr"/>
-            <a:endParaRPr lang="ko-KR" altLang="en-US"/>
+            <a:endParaRPr lang="ko-KR" altLang="en-US">
+              <a:latin typeface="JetBrains Mono"/>
+            </a:endParaRPr>
           </a:p>
         </p:txBody>
       </p:sp>
@@ -8449,7 +9422,9 @@
           <a:lstStyle/>
           <a:p>
             <a:pPr algn="ctr"/>
-            <a:endParaRPr lang="ko-KR" altLang="en-US"/>
+            <a:endParaRPr lang="ko-KR" altLang="en-US">
+              <a:latin typeface="JetBrains Mono"/>
+            </a:endParaRPr>
           </a:p>
         </p:txBody>
       </p:sp>
@@ -8495,7 +9470,9 @@
           <a:lstStyle/>
           <a:p>
             <a:pPr algn="ctr"/>
-            <a:endParaRPr lang="ko-KR" altLang="en-US"/>
+            <a:endParaRPr lang="ko-KR" altLang="en-US">
+              <a:latin typeface="JetBrains Mono"/>
+            </a:endParaRPr>
           </a:p>
         </p:txBody>
       </p:sp>
@@ -8523,34 +9500,34 @@
             <a:r>
               <a:rPr lang="ko-KR" altLang="en-US" dirty="0" err="1" smtClean="0">
                 <a:effectLst/>
-                <a:latin typeface="Noto Sans"/>
+                <a:latin typeface="JetBrains Mono"/>
               </a:rPr>
               <a:t>깃허브</a:t>
             </a:r>
             <a:r>
               <a:rPr lang="ko-KR" altLang="en-US" dirty="0" smtClean="0">
                 <a:effectLst/>
-                <a:latin typeface="Noto Sans"/>
+                <a:latin typeface="JetBrains Mono"/>
               </a:rPr>
               <a:t> </a:t>
             </a:r>
             <a:r>
               <a:rPr lang="en-US" altLang="ko-KR" dirty="0" smtClean="0">
                 <a:effectLst/>
-                <a:latin typeface="Noto Sans"/>
+                <a:latin typeface="JetBrains Mono"/>
               </a:rPr>
               <a:t>setting &gt; action</a:t>
             </a:r>
             <a:r>
               <a:rPr lang="ko-KR" altLang="en-US" dirty="0" smtClean="0">
                 <a:effectLst/>
-                <a:latin typeface="Noto Sans"/>
+                <a:latin typeface="JetBrains Mono"/>
               </a:rPr>
               <a:t>에서 사용할 비밀 키를 추가합니다</a:t>
             </a:r>
             <a:endParaRPr lang="en-US" altLang="ko-KR" dirty="0">
               <a:effectLst/>
-              <a:latin typeface="Noto Sans"/>
+              <a:latin typeface="JetBrains Mono"/>
             </a:endParaRPr>
           </a:p>
         </p:txBody>
@@ -8601,10 +9578,20 @@
           <a:lstStyle/>
           <a:p>
             <a:r>
-              <a:rPr lang="en-US" altLang="ko-KR" dirty="0" smtClean="0"/>
-              <a:t>4. create action workflow: add access key</a:t>
-            </a:r>
-            <a:endParaRPr lang="ko-KR" altLang="en-US" dirty="0"/>
+              <a:rPr lang="en-US" altLang="ko-KR" dirty="0" smtClean="0">
+                <a:latin typeface="JetBrains Mono"/>
+              </a:rPr>
+              <a:t>4. create action workflow: </a:t>
+            </a:r>
+            <a:r>
+              <a:rPr lang="en-US" altLang="ko-KR" sz="2400" dirty="0" smtClean="0">
+                <a:latin typeface="JetBrains Mono"/>
+              </a:rPr>
+              <a:t>add access key</a:t>
+            </a:r>
+            <a:endParaRPr lang="ko-KR" altLang="en-US" sz="2400" dirty="0">
+              <a:latin typeface="JetBrains Mono"/>
+            </a:endParaRPr>
           </a:p>
         </p:txBody>
       </p:sp>
@@ -8665,7 +9652,7 @@
         <p:spPr>
           <a:xfrm>
             <a:off x="838200" y="5187434"/>
-            <a:ext cx="3926075" cy="1477328"/>
+            <a:ext cx="4108497" cy="1477328"/>
           </a:xfrm>
           <a:prstGeom prst="rect">
             <a:avLst/>
@@ -8678,53 +9665,73 @@
           <a:lstStyle/>
           <a:p>
             <a:r>
-              <a:rPr lang="en-US" altLang="ko-KR" dirty="0" smtClean="0"/>
+              <a:rPr lang="en-US" altLang="ko-KR" dirty="0" smtClean="0">
+                <a:latin typeface="JetBrains Mono"/>
+              </a:rPr>
               <a:t>IAM user</a:t>
             </a:r>
             <a:r>
-              <a:rPr lang="ko-KR" altLang="en-US" dirty="0" smtClean="0"/>
+              <a:rPr lang="ko-KR" altLang="en-US" dirty="0" smtClean="0">
+                <a:latin typeface="JetBrains Mono"/>
+              </a:rPr>
               <a:t>에서 생성한</a:t>
             </a:r>
-            <a:endParaRPr lang="en-US" altLang="ko-KR" dirty="0" smtClean="0"/>
-          </a:p>
-          <a:p>
-            <a:r>
-              <a:rPr lang="en-US" altLang="ko-KR" dirty="0" smtClean="0"/>
+            <a:endParaRPr lang="en-US" altLang="ko-KR" dirty="0" smtClean="0">
+              <a:latin typeface="JetBrains Mono"/>
+            </a:endParaRPr>
+          </a:p>
+          <a:p>
+            <a:r>
+              <a:rPr lang="en-US" altLang="ko-KR" dirty="0" smtClean="0">
+                <a:latin typeface="JetBrains Mono"/>
+              </a:rPr>
               <a:t>AWS_ACCESS_KEY_ID </a:t>
             </a:r>
           </a:p>
           <a:p>
             <a:r>
-              <a:rPr lang="ko-KR" altLang="en-US" dirty="0" smtClean="0"/>
+              <a:rPr lang="ko-KR" altLang="en-US" dirty="0" smtClean="0">
+                <a:latin typeface="JetBrains Mono"/>
+              </a:rPr>
               <a:t>AWS_SECRET_ACCESS_KEY</a:t>
             </a:r>
-            <a:endParaRPr lang="en-US" altLang="ko-KR" dirty="0" smtClean="0"/>
-          </a:p>
-          <a:p>
-            <a:r>
-              <a:rPr lang="ko-KR" altLang="en-US" dirty="0" smtClean="0"/>
+            <a:endParaRPr lang="en-US" altLang="ko-KR" dirty="0" smtClean="0">
+              <a:latin typeface="JetBrains Mono"/>
+            </a:endParaRPr>
+          </a:p>
+          <a:p>
+            <a:r>
+              <a:rPr lang="ko-KR" altLang="en-US" dirty="0" smtClean="0">
+                <a:latin typeface="JetBrains Mono"/>
+              </a:rPr>
               <a:t>추가합니다</a:t>
             </a:r>
-            <a:endParaRPr lang="en-US" altLang="ko-KR" dirty="0" smtClean="0"/>
-          </a:p>
-          <a:p>
-            <a:r>
-              <a:rPr lang="en-US" altLang="ko-KR" dirty="0" err="1" smtClean="0"/>
+            <a:endParaRPr lang="en-US" altLang="ko-KR" dirty="0" smtClean="0">
+              <a:latin typeface="JetBrains Mono"/>
+            </a:endParaRPr>
+          </a:p>
+          <a:p>
+            <a:r>
+              <a:rPr lang="en-US" altLang="ko-KR" dirty="0" err="1" smtClean="0">
+                <a:latin typeface="JetBrains Mono"/>
+              </a:rPr>
               <a:t>github</a:t>
             </a:r>
             <a:r>
-              <a:rPr lang="en-US" altLang="ko-KR" dirty="0" smtClean="0"/>
+              <a:rPr lang="en-US" altLang="ko-KR" dirty="0" smtClean="0">
+                <a:latin typeface="JetBrains Mono"/>
+              </a:rPr>
               <a:t> action script</a:t>
             </a:r>
             <a:r>
-              <a:rPr lang="ko-KR" altLang="en-US" dirty="0" smtClean="0"/>
-              <a:t>에서 </a:t>
-            </a:r>
-            <a:r>
-              <a:rPr lang="ko-KR" altLang="en-US" dirty="0" smtClean="0"/>
-              <a:t>사용됩니다</a:t>
-            </a:r>
-            <a:endParaRPr lang="ko-KR" altLang="en-US" dirty="0"/>
+              <a:rPr lang="ko-KR" altLang="en-US" dirty="0" smtClean="0">
+                <a:latin typeface="JetBrains Mono"/>
+              </a:rPr>
+              <a:t>에서 사용됩니다</a:t>
+            </a:r>
+            <a:endParaRPr lang="ko-KR" altLang="en-US" dirty="0">
+              <a:latin typeface="JetBrains Mono"/>
+            </a:endParaRPr>
           </a:p>
         </p:txBody>
       </p:sp>
@@ -8768,28 +9775,43 @@
             <p:ph type="title"/>
           </p:nvPr>
         </p:nvSpPr>
-        <p:spPr/>
+        <p:spPr>
+          <a:xfrm>
+            <a:off x="838200" y="365125"/>
+            <a:ext cx="10915996" cy="1325563"/>
+          </a:xfrm>
+        </p:spPr>
         <p:txBody>
           <a:bodyPr/>
           <a:lstStyle/>
           <a:p>
             <a:r>
-              <a:rPr lang="en-US" altLang="ko-KR" dirty="0" smtClean="0"/>
+              <a:rPr lang="en-US" altLang="ko-KR" dirty="0" smtClean="0">
+                <a:latin typeface="JetBrains Mono"/>
+              </a:rPr>
               <a:t>4. create action workflow: </a:t>
             </a:r>
             <a:r>
-              <a:rPr lang="en-US" altLang="ko-KR" sz="2400" dirty="0" smtClean="0"/>
+              <a:rPr lang="en-US" altLang="ko-KR" sz="2400" dirty="0" smtClean="0">
+                <a:latin typeface="JetBrains Mono"/>
+              </a:rPr>
               <a:t>connect </a:t>
             </a:r>
             <a:r>
-              <a:rPr lang="en-US" altLang="ko-KR" sz="2400" dirty="0" err="1" smtClean="0"/>
+              <a:rPr lang="en-US" altLang="ko-KR" sz="2400" dirty="0" err="1" smtClean="0">
+                <a:latin typeface="JetBrains Mono"/>
+              </a:rPr>
               <a:t>aws</a:t>
             </a:r>
             <a:r>
-              <a:rPr lang="en-US" altLang="ko-KR" sz="2400" dirty="0" smtClean="0"/>
+              <a:rPr lang="en-US" altLang="ko-KR" sz="2400" dirty="0" smtClean="0">
+                <a:latin typeface="JetBrains Mono"/>
+              </a:rPr>
               <a:t> in ec2</a:t>
             </a:r>
-            <a:endParaRPr lang="ko-KR" altLang="en-US" sz="2400" dirty="0"/>
+            <a:endParaRPr lang="ko-KR" altLang="en-US" sz="2400" dirty="0">
+              <a:latin typeface="JetBrains Mono"/>
+            </a:endParaRPr>
           </a:p>
         </p:txBody>
       </p:sp>
@@ -8809,8 +9831,8 @@
         </p:blipFill>
         <p:spPr>
           <a:xfrm>
-            <a:off x="3719599" y="2461682"/>
-            <a:ext cx="6800850" cy="1095375"/>
+            <a:off x="2493991" y="3509085"/>
+            <a:ext cx="5928367" cy="954849"/>
           </a:xfrm>
           <a:prstGeom prst="rect">
             <a:avLst/>
@@ -8826,7 +9848,7 @@
         <p:spPr>
           <a:xfrm>
             <a:off x="552450" y="1808142"/>
-            <a:ext cx="8858250" cy="3970318"/>
+            <a:ext cx="8858250" cy="4154984"/>
           </a:xfrm>
           <a:prstGeom prst="rect">
             <a:avLst/>
@@ -8839,316 +9861,392 @@
           <a:lstStyle/>
           <a:p>
             <a:r>
-              <a:rPr lang="en-US" altLang="ko-KR" dirty="0" smtClean="0">
+              <a:rPr lang="en-US" altLang="ko-KR" sz="1600" dirty="0" smtClean="0">
                 <a:effectLst/>
+                <a:latin typeface="JetBrains Mono"/>
               </a:rPr>
               <a:t>ec2 </a:t>
             </a:r>
             <a:r>
-              <a:rPr lang="ko-KR" altLang="en-US" dirty="0" smtClean="0">
+              <a:rPr lang="ko-KR" altLang="en-US" sz="1600" dirty="0" smtClean="0">
                 <a:effectLst/>
+                <a:latin typeface="JetBrains Mono"/>
               </a:rPr>
               <a:t>상에 </a:t>
             </a:r>
             <a:r>
-              <a:rPr lang="en-US" altLang="ko-KR" dirty="0" err="1" smtClean="0">
+              <a:rPr lang="en-US" altLang="ko-KR" sz="1600" dirty="0" err="1" smtClean="0">
                 <a:effectLst/>
+                <a:latin typeface="JetBrains Mono"/>
               </a:rPr>
               <a:t>aws</a:t>
             </a:r>
             <a:r>
-              <a:rPr lang="en-US" altLang="ko-KR" dirty="0" smtClean="0">
+              <a:rPr lang="en-US" altLang="ko-KR" sz="1600" dirty="0" smtClean="0">
                 <a:effectLst/>
+                <a:latin typeface="JetBrains Mono"/>
               </a:rPr>
               <a:t> cli</a:t>
             </a:r>
             <a:r>
-              <a:rPr lang="ko-KR" altLang="en-US" dirty="0" smtClean="0">
+              <a:rPr lang="ko-KR" altLang="en-US" sz="1600" dirty="0" smtClean="0">
                 <a:effectLst/>
+                <a:latin typeface="JetBrains Mono"/>
               </a:rPr>
               <a:t>를 설치하고 만들어 둔 </a:t>
             </a:r>
             <a:r>
-              <a:rPr lang="en-US" altLang="ko-KR" dirty="0" smtClean="0">
+              <a:rPr lang="en-US" altLang="ko-KR" sz="1600" dirty="0" smtClean="0">
                 <a:effectLst/>
+                <a:latin typeface="JetBrains Mono"/>
               </a:rPr>
               <a:t>IAM user</a:t>
             </a:r>
             <a:r>
-              <a:rPr lang="ko-KR" altLang="en-US" dirty="0" smtClean="0">
+              <a:rPr lang="ko-KR" altLang="en-US" sz="1600" dirty="0" smtClean="0">
                 <a:effectLst/>
+                <a:latin typeface="JetBrains Mono"/>
               </a:rPr>
               <a:t>와 연동합니다</a:t>
             </a:r>
-            <a:endParaRPr lang="en-US" altLang="ko-KR" dirty="0" smtClean="0">
+            <a:endParaRPr lang="en-US" altLang="ko-KR" sz="1600" dirty="0" smtClean="0">
               <a:effectLst/>
-            </a:endParaRPr>
-          </a:p>
-          <a:p>
-            <a:endParaRPr lang="en-US" altLang="ko-KR" dirty="0"/>
-          </a:p>
-          <a:p>
-            <a:r>
-              <a:rPr lang="en-US" altLang="ko-KR" dirty="0" smtClean="0">
+              <a:latin typeface="JetBrains Mono"/>
+            </a:endParaRPr>
+          </a:p>
+          <a:p>
+            <a:endParaRPr lang="en-US" altLang="ko-KR" sz="1600" dirty="0">
+              <a:latin typeface="JetBrains Mono"/>
+            </a:endParaRPr>
+          </a:p>
+          <a:p>
+            <a:r>
+              <a:rPr lang="en-US" altLang="ko-KR" sz="1600" dirty="0" smtClean="0">
                 <a:effectLst/>
+                <a:latin typeface="JetBrains Mono"/>
               </a:rPr>
               <a:t># </a:t>
             </a:r>
             <a:r>
-              <a:rPr lang="ko-KR" altLang="en-US" dirty="0" smtClean="0">
+              <a:rPr lang="ko-KR" altLang="en-US" sz="1600" dirty="0" smtClean="0">
                 <a:effectLst/>
+                <a:latin typeface="JetBrains Mono"/>
               </a:rPr>
               <a:t>설치 </a:t>
             </a:r>
-            <a:endParaRPr lang="en-US" altLang="ko-KR" dirty="0" smtClean="0">
+            <a:endParaRPr lang="en-US" altLang="ko-KR" sz="1600" dirty="0" smtClean="0">
               <a:effectLst/>
-            </a:endParaRPr>
-          </a:p>
-          <a:p>
-            <a:r>
-              <a:rPr lang="en-US" altLang="ko-KR" dirty="0" smtClean="0">
+              <a:latin typeface="JetBrains Mono"/>
+            </a:endParaRPr>
+          </a:p>
+          <a:p>
+            <a:r>
+              <a:rPr lang="en-US" altLang="ko-KR" sz="1600" dirty="0" smtClean="0">
                 <a:effectLst/>
+                <a:latin typeface="JetBrains Mono"/>
               </a:rPr>
               <a:t>$ </a:t>
             </a:r>
             <a:r>
-              <a:rPr lang="en-US" altLang="ko-KR" dirty="0" err="1" smtClean="0">
+              <a:rPr lang="en-US" altLang="ko-KR" sz="1600" dirty="0" err="1" smtClean="0">
                 <a:effectLst/>
+                <a:latin typeface="JetBrains Mono"/>
               </a:rPr>
               <a:t>sudo</a:t>
             </a:r>
             <a:r>
-              <a:rPr lang="en-US" altLang="ko-KR" dirty="0" smtClean="0">
+              <a:rPr lang="en-US" altLang="ko-KR" sz="1600" dirty="0" smtClean="0">
                 <a:effectLst/>
+                <a:latin typeface="JetBrains Mono"/>
               </a:rPr>
               <a:t> apt update </a:t>
             </a:r>
           </a:p>
           <a:p>
             <a:r>
-              <a:rPr lang="en-US" altLang="ko-KR" dirty="0" smtClean="0">
+              <a:rPr lang="en-US" altLang="ko-KR" sz="1600" dirty="0" smtClean="0">
                 <a:effectLst/>
+                <a:latin typeface="JetBrains Mono"/>
               </a:rPr>
               <a:t>$ </a:t>
             </a:r>
             <a:r>
-              <a:rPr lang="en-US" altLang="ko-KR" dirty="0" err="1" smtClean="0">
+              <a:rPr lang="en-US" altLang="ko-KR" sz="1600" dirty="0" err="1" smtClean="0">
                 <a:effectLst/>
+                <a:latin typeface="JetBrains Mono"/>
               </a:rPr>
               <a:t>sudo</a:t>
             </a:r>
             <a:r>
-              <a:rPr lang="en-US" altLang="ko-KR" dirty="0" smtClean="0">
+              <a:rPr lang="en-US" altLang="ko-KR" sz="1600" dirty="0" smtClean="0">
                 <a:effectLst/>
+                <a:latin typeface="JetBrains Mono"/>
               </a:rPr>
               <a:t> apt install </a:t>
             </a:r>
             <a:r>
-              <a:rPr lang="en-US" altLang="ko-KR" dirty="0" err="1" smtClean="0">
+              <a:rPr lang="en-US" altLang="ko-KR" sz="1600" dirty="0" err="1" smtClean="0">
                 <a:effectLst/>
+                <a:latin typeface="JetBrains Mono"/>
               </a:rPr>
               <a:t>awscli</a:t>
             </a:r>
             <a:r>
-              <a:rPr lang="en-US" altLang="ko-KR" dirty="0" smtClean="0">
+              <a:rPr lang="en-US" altLang="ko-KR" sz="1600" dirty="0" smtClean="0">
                 <a:effectLst/>
+                <a:latin typeface="JetBrains Mono"/>
               </a:rPr>
               <a:t> </a:t>
             </a:r>
-          </a:p>
-          <a:p>
-            <a:r>
-              <a:rPr lang="en-US" altLang="ko-KR" dirty="0" smtClean="0">
+            <a:endParaRPr lang="en-US" altLang="ko-KR" sz="1600" dirty="0" smtClean="0">
+              <a:effectLst/>
+              <a:latin typeface="JetBrains Mono"/>
+            </a:endParaRPr>
+          </a:p>
+          <a:p>
+            <a:endParaRPr lang="en-US" altLang="ko-KR" sz="1600" dirty="0" smtClean="0">
+              <a:effectLst/>
+              <a:latin typeface="JetBrains Mono"/>
+            </a:endParaRPr>
+          </a:p>
+          <a:p>
+            <a:r>
+              <a:rPr lang="en-US" altLang="ko-KR" sz="1600" dirty="0" smtClean="0">
                 <a:effectLst/>
+                <a:latin typeface="JetBrains Mono"/>
               </a:rPr>
               <a:t># </a:t>
             </a:r>
             <a:r>
-              <a:rPr lang="ko-KR" altLang="en-US" dirty="0" smtClean="0">
+              <a:rPr lang="ko-KR" altLang="en-US" sz="1600" dirty="0" smtClean="0">
                 <a:effectLst/>
+                <a:latin typeface="JetBrains Mono"/>
               </a:rPr>
               <a:t>설치 확인 </a:t>
             </a:r>
-            <a:endParaRPr lang="en-US" altLang="ko-KR" dirty="0" smtClean="0">
+            <a:endParaRPr lang="en-US" altLang="ko-KR" sz="1600" dirty="0" smtClean="0">
               <a:effectLst/>
-            </a:endParaRPr>
-          </a:p>
-          <a:p>
-            <a:r>
-              <a:rPr lang="en-US" altLang="ko-KR" dirty="0" smtClean="0">
+              <a:latin typeface="JetBrains Mono"/>
+            </a:endParaRPr>
+          </a:p>
+          <a:p>
+            <a:r>
+              <a:rPr lang="en-US" altLang="ko-KR" sz="1600" dirty="0" smtClean="0">
                 <a:effectLst/>
+                <a:latin typeface="JetBrains Mono"/>
               </a:rPr>
               <a:t>$ </a:t>
             </a:r>
             <a:r>
-              <a:rPr lang="en-US" altLang="ko-KR" dirty="0" err="1" smtClean="0">
+              <a:rPr lang="en-US" altLang="ko-KR" sz="1600" dirty="0" err="1" smtClean="0">
                 <a:effectLst/>
+                <a:latin typeface="JetBrains Mono"/>
               </a:rPr>
               <a:t>aws</a:t>
             </a:r>
             <a:r>
-              <a:rPr lang="en-US" altLang="ko-KR" dirty="0" smtClean="0">
+              <a:rPr lang="en-US" altLang="ko-KR" sz="1600" dirty="0" smtClean="0">
                 <a:effectLst/>
+                <a:latin typeface="JetBrains Mono"/>
               </a:rPr>
               <a:t> help </a:t>
             </a:r>
-          </a:p>
-          <a:p>
-            <a:r>
-              <a:rPr lang="en-US" altLang="ko-KR" dirty="0" smtClean="0">
+            <a:endParaRPr lang="en-US" altLang="ko-KR" sz="1600" dirty="0" smtClean="0">
+              <a:effectLst/>
+              <a:latin typeface="JetBrains Mono"/>
+            </a:endParaRPr>
+          </a:p>
+          <a:p>
+            <a:endParaRPr lang="en-US" altLang="ko-KR" sz="1600" dirty="0" smtClean="0">
+              <a:effectLst/>
+              <a:latin typeface="JetBrains Mono"/>
+            </a:endParaRPr>
+          </a:p>
+          <a:p>
+            <a:r>
+              <a:rPr lang="en-US" altLang="ko-KR" sz="1600" dirty="0" smtClean="0">
                 <a:effectLst/>
+                <a:latin typeface="JetBrains Mono"/>
               </a:rPr>
               <a:t># </a:t>
             </a:r>
             <a:r>
-              <a:rPr lang="ko-KR" altLang="en-US" dirty="0" smtClean="0">
+              <a:rPr lang="ko-KR" altLang="en-US" sz="1600" dirty="0" smtClean="0">
                 <a:effectLst/>
+                <a:latin typeface="JetBrains Mono"/>
               </a:rPr>
               <a:t>사용자 설정 </a:t>
             </a:r>
-            <a:endParaRPr lang="en-US" altLang="ko-KR" dirty="0" smtClean="0">
+            <a:endParaRPr lang="en-US" altLang="ko-KR" sz="1600" dirty="0" smtClean="0">
               <a:effectLst/>
-            </a:endParaRPr>
-          </a:p>
-          <a:p>
-            <a:r>
-              <a:rPr lang="en-US" altLang="ko-KR" dirty="0" smtClean="0">
+              <a:latin typeface="JetBrains Mono"/>
+            </a:endParaRPr>
+          </a:p>
+          <a:p>
+            <a:r>
+              <a:rPr lang="en-US" altLang="ko-KR" sz="1600" dirty="0" smtClean="0">
                 <a:effectLst/>
+                <a:latin typeface="JetBrains Mono"/>
               </a:rPr>
               <a:t>$ </a:t>
             </a:r>
             <a:r>
-              <a:rPr lang="en-US" altLang="ko-KR" dirty="0" err="1" smtClean="0">
+              <a:rPr lang="en-US" altLang="ko-KR" sz="1600" dirty="0" err="1" smtClean="0">
                 <a:effectLst/>
+                <a:latin typeface="JetBrains Mono"/>
               </a:rPr>
               <a:t>aws</a:t>
             </a:r>
             <a:r>
-              <a:rPr lang="en-US" altLang="ko-KR" dirty="0" smtClean="0">
+              <a:rPr lang="en-US" altLang="ko-KR" sz="1600" dirty="0" smtClean="0">
                 <a:effectLst/>
+                <a:latin typeface="JetBrains Mono"/>
               </a:rPr>
               <a:t> configure </a:t>
             </a:r>
           </a:p>
           <a:p>
             <a:r>
-              <a:rPr lang="en-US" altLang="ko-KR" dirty="0" smtClean="0">
+              <a:rPr lang="en-US" altLang="ko-KR" sz="1600" dirty="0" smtClean="0">
                 <a:effectLst/>
+                <a:latin typeface="JetBrains Mono"/>
               </a:rPr>
               <a:t>AWS Access Key ID [None]: </a:t>
             </a:r>
             <a:r>
-              <a:rPr lang="ko-KR" altLang="en-US" dirty="0" smtClean="0">
+              <a:rPr lang="ko-KR" altLang="en-US" sz="1600" dirty="0" smtClean="0">
                 <a:effectLst/>
+                <a:latin typeface="JetBrains Mono"/>
               </a:rPr>
               <a:t>액세스 키를 입력 </a:t>
             </a:r>
-            <a:endParaRPr lang="en-US" altLang="ko-KR" dirty="0" smtClean="0">
+            <a:endParaRPr lang="en-US" altLang="ko-KR" sz="1600" dirty="0" smtClean="0">
               <a:effectLst/>
-            </a:endParaRPr>
-          </a:p>
-          <a:p>
-            <a:r>
-              <a:rPr lang="en-US" altLang="ko-KR" dirty="0" smtClean="0">
+              <a:latin typeface="JetBrains Mono"/>
+            </a:endParaRPr>
+          </a:p>
+          <a:p>
+            <a:r>
+              <a:rPr lang="en-US" altLang="ko-KR" sz="1600" dirty="0" smtClean="0">
                 <a:effectLst/>
+                <a:latin typeface="JetBrains Mono"/>
               </a:rPr>
               <a:t>AWS Secret Access Key [None]: </a:t>
             </a:r>
             <a:r>
-              <a:rPr lang="ko-KR" altLang="en-US" dirty="0" smtClean="0">
+              <a:rPr lang="ko-KR" altLang="en-US" sz="1600" dirty="0" smtClean="0">
                 <a:effectLst/>
+                <a:latin typeface="JetBrains Mono"/>
               </a:rPr>
               <a:t>시크릿 액세스 키를 입력 </a:t>
             </a:r>
-            <a:endParaRPr lang="en-US" altLang="ko-KR" dirty="0" smtClean="0">
+            <a:endParaRPr lang="en-US" altLang="ko-KR" sz="1600" dirty="0" smtClean="0">
               <a:effectLst/>
-            </a:endParaRPr>
-          </a:p>
-          <a:p>
-            <a:r>
-              <a:rPr lang="en-US" altLang="ko-KR" dirty="0" smtClean="0">
+              <a:latin typeface="JetBrains Mono"/>
+            </a:endParaRPr>
+          </a:p>
+          <a:p>
+            <a:r>
+              <a:rPr lang="en-US" altLang="ko-KR" sz="1600" dirty="0" smtClean="0">
                 <a:effectLst/>
+                <a:latin typeface="JetBrains Mono"/>
               </a:rPr>
               <a:t>Default region name [None]: </a:t>
             </a:r>
             <a:r>
-              <a:rPr lang="en-US" altLang="ko-KR" dirty="0" smtClean="0"/>
+              <a:rPr lang="en-US" altLang="ko-KR" sz="1600" dirty="0" smtClean="0">
+                <a:latin typeface="JetBrains Mono"/>
+              </a:rPr>
               <a:t>us-east</a:t>
             </a:r>
             <a:r>
-              <a:rPr lang="en-US" altLang="ko-KR" dirty="0" smtClean="0">
+              <a:rPr lang="en-US" altLang="ko-KR" sz="1600" dirty="0" smtClean="0">
                 <a:effectLst/>
+                <a:latin typeface="JetBrains Mono"/>
               </a:rPr>
               <a:t>-2 </a:t>
             </a:r>
           </a:p>
           <a:p>
             <a:r>
-              <a:rPr lang="en-US" altLang="ko-KR" dirty="0" smtClean="0">
+              <a:rPr lang="en-US" altLang="ko-KR" sz="1600" dirty="0" smtClean="0">
                 <a:effectLst/>
+                <a:latin typeface="JetBrains Mono"/>
               </a:rPr>
               <a:t># </a:t>
             </a:r>
             <a:r>
-              <a:rPr lang="ko-KR" altLang="en-US" dirty="0" smtClean="0">
+              <a:rPr lang="ko-KR" altLang="en-US" sz="1600" dirty="0" smtClean="0">
                 <a:effectLst/>
+                <a:latin typeface="JetBrains Mono"/>
               </a:rPr>
               <a:t>혹시 </a:t>
             </a:r>
             <a:r>
-              <a:rPr lang="ko-KR" altLang="en-US" dirty="0" err="1" smtClean="0">
+              <a:rPr lang="ko-KR" altLang="en-US" sz="1600" dirty="0" err="1" smtClean="0">
                 <a:effectLst/>
+                <a:latin typeface="JetBrains Mono"/>
               </a:rPr>
               <a:t>리전이</a:t>
             </a:r>
             <a:r>
-              <a:rPr lang="ko-KR" altLang="en-US" dirty="0" smtClean="0">
+              <a:rPr lang="ko-KR" altLang="en-US" sz="1600" dirty="0" smtClean="0">
                 <a:effectLst/>
+                <a:latin typeface="JetBrains Mono"/>
               </a:rPr>
               <a:t> 다르면 해당 </a:t>
             </a:r>
             <a:r>
-              <a:rPr lang="ko-KR" altLang="en-US" dirty="0" err="1" smtClean="0">
+              <a:rPr lang="ko-KR" altLang="en-US" sz="1600" dirty="0" err="1" smtClean="0">
                 <a:effectLst/>
+                <a:latin typeface="JetBrains Mono"/>
               </a:rPr>
               <a:t>리전</a:t>
             </a:r>
             <a:r>
-              <a:rPr lang="ko-KR" altLang="en-US" dirty="0" smtClean="0">
+              <a:rPr lang="ko-KR" altLang="en-US" sz="1600" dirty="0" smtClean="0">
                 <a:effectLst/>
+                <a:latin typeface="JetBrains Mono"/>
               </a:rPr>
               <a:t> 기입 </a:t>
             </a:r>
-            <a:endParaRPr lang="en-US" altLang="ko-KR" dirty="0" smtClean="0">
+            <a:endParaRPr lang="en-US" altLang="ko-KR" sz="1600" dirty="0" smtClean="0">
               <a:effectLst/>
-            </a:endParaRPr>
-          </a:p>
-          <a:p>
-            <a:r>
-              <a:rPr lang="en-US" altLang="ko-KR" dirty="0" smtClean="0">
+              <a:latin typeface="JetBrains Mono"/>
+            </a:endParaRPr>
+          </a:p>
+          <a:p>
+            <a:r>
+              <a:rPr lang="en-US" altLang="ko-KR" sz="1600" dirty="0" smtClean="0">
                 <a:effectLst/>
+                <a:latin typeface="JetBrains Mono"/>
               </a:rPr>
               <a:t>Default output format [None]: </a:t>
             </a:r>
             <a:r>
-              <a:rPr lang="ko-KR" altLang="en-US" dirty="0" smtClean="0">
+              <a:rPr lang="ko-KR" altLang="en-US" sz="1600" dirty="0" smtClean="0">
                 <a:effectLst/>
+                <a:latin typeface="JetBrains Mono"/>
               </a:rPr>
               <a:t>그냥 </a:t>
             </a:r>
             <a:r>
-              <a:rPr lang="en-US" altLang="ko-KR" dirty="0" smtClean="0">
+              <a:rPr lang="en-US" altLang="ko-KR" sz="1600" dirty="0" smtClean="0">
                 <a:effectLst/>
+                <a:latin typeface="JetBrains Mono"/>
               </a:rPr>
               <a:t>Enter </a:t>
             </a:r>
             <a:r>
-              <a:rPr lang="ko-KR" altLang="en-US" dirty="0" smtClean="0">
+              <a:rPr lang="ko-KR" altLang="en-US" sz="1600" dirty="0" smtClean="0">
                 <a:effectLst/>
+                <a:latin typeface="JetBrains Mono"/>
               </a:rPr>
               <a:t>입력</a:t>
             </a:r>
-            <a:endParaRPr lang="ko-KR" altLang="en-US" dirty="0"/>
+            <a:endParaRPr lang="ko-KR" altLang="en-US" sz="1600" dirty="0">
+              <a:latin typeface="JetBrains Mono"/>
+            </a:endParaRPr>
           </a:p>
         </p:txBody>
       </p:sp>
@@ -9198,10 +10296,14 @@
           <a:lstStyle/>
           <a:p>
             <a:r>
-              <a:rPr lang="en-US" altLang="ko-KR" dirty="0" smtClean="0"/>
+              <a:rPr lang="en-US" altLang="ko-KR" dirty="0" smtClean="0">
+                <a:latin typeface="JetBrains Mono"/>
+              </a:rPr>
               <a:t>1. introduction: flowchart</a:t>
             </a:r>
-            <a:endParaRPr lang="ko-KR" altLang="en-US" dirty="0"/>
+            <a:endParaRPr lang="ko-KR" altLang="en-US" dirty="0">
+              <a:latin typeface="JetBrains Mono"/>
+            </a:endParaRPr>
           </a:p>
         </p:txBody>
       </p:sp>
@@ -9255,7 +10357,7 @@
         <p:spPr>
           <a:xfrm>
             <a:off x="1696296" y="3044223"/>
-            <a:ext cx="1580561" cy="369332"/>
+            <a:ext cx="1754776" cy="369332"/>
           </a:xfrm>
           <a:prstGeom prst="rect">
             <a:avLst/>
@@ -9269,10 +10371,14 @@
           <a:lstStyle/>
           <a:p>
             <a:r>
-              <a:rPr lang="en-US" altLang="ko-KR" dirty="0" smtClean="0"/>
+              <a:rPr lang="en-US" altLang="ko-KR" dirty="0" smtClean="0">
+                <a:latin typeface="JetBrains Mono"/>
+              </a:rPr>
               <a:t>Local storage</a:t>
             </a:r>
-            <a:endParaRPr lang="ko-KR" altLang="en-US" dirty="0"/>
+            <a:endParaRPr lang="ko-KR" altLang="en-US" dirty="0">
+              <a:latin typeface="JetBrains Mono"/>
+            </a:endParaRPr>
           </a:p>
         </p:txBody>
       </p:sp>
@@ -9328,7 +10434,7 @@
         <p:spPr>
           <a:xfrm>
             <a:off x="5278218" y="3200357"/>
-            <a:ext cx="886781" cy="369332"/>
+            <a:ext cx="949299" cy="369332"/>
           </a:xfrm>
           <a:prstGeom prst="rect">
             <a:avLst/>
@@ -9342,10 +10448,14 @@
           <a:lstStyle/>
           <a:p>
             <a:r>
-              <a:rPr lang="en-US" altLang="ko-KR" dirty="0" err="1" smtClean="0"/>
+              <a:rPr lang="en-US" altLang="ko-KR" dirty="0" err="1" smtClean="0">
+                <a:latin typeface="JetBrains Mono"/>
+              </a:rPr>
               <a:t>Github</a:t>
             </a:r>
-            <a:endParaRPr lang="ko-KR" altLang="en-US" dirty="0"/>
+            <a:endParaRPr lang="ko-KR" altLang="en-US" dirty="0">
+              <a:latin typeface="JetBrains Mono"/>
+            </a:endParaRPr>
           </a:p>
         </p:txBody>
       </p:sp>
@@ -9556,7 +10666,7 @@
         <p:spPr>
           <a:xfrm>
             <a:off x="9100296" y="3291855"/>
-            <a:ext cx="886781" cy="369332"/>
+            <a:ext cx="949299" cy="369332"/>
           </a:xfrm>
           <a:prstGeom prst="rect">
             <a:avLst/>
@@ -9570,10 +10680,14 @@
           <a:lstStyle/>
           <a:p>
             <a:r>
-              <a:rPr lang="en-US" altLang="ko-KR" dirty="0" err="1" smtClean="0"/>
+              <a:rPr lang="en-US" altLang="ko-KR" dirty="0" err="1" smtClean="0">
+                <a:latin typeface="JetBrains Mono"/>
+              </a:rPr>
               <a:t>Github</a:t>
             </a:r>
-            <a:endParaRPr lang="ko-KR" altLang="en-US" dirty="0"/>
+            <a:endParaRPr lang="ko-KR" altLang="en-US" dirty="0">
+              <a:latin typeface="JetBrains Mono"/>
+            </a:endParaRPr>
           </a:p>
         </p:txBody>
       </p:sp>
@@ -9586,7 +10700,7 @@
         <p:spPr>
           <a:xfrm>
             <a:off x="2290326" y="6121631"/>
-            <a:ext cx="436338" cy="369332"/>
+            <a:ext cx="470000" cy="369332"/>
           </a:xfrm>
           <a:prstGeom prst="rect">
             <a:avLst/>
@@ -9600,10 +10714,14 @@
           <a:lstStyle/>
           <a:p>
             <a:r>
-              <a:rPr lang="en-US" altLang="ko-KR" dirty="0" smtClean="0"/>
+              <a:rPr lang="en-US" altLang="ko-KR" dirty="0" smtClean="0">
+                <a:latin typeface="JetBrains Mono"/>
+              </a:rPr>
               <a:t>S3</a:t>
             </a:r>
-            <a:endParaRPr lang="ko-KR" altLang="en-US" dirty="0"/>
+            <a:endParaRPr lang="ko-KR" altLang="en-US" dirty="0">
+              <a:latin typeface="JetBrains Mono"/>
+            </a:endParaRPr>
           </a:p>
         </p:txBody>
       </p:sp>
@@ -9616,7 +10734,7 @@
         <p:spPr>
           <a:xfrm>
             <a:off x="5296746" y="6193671"/>
-            <a:ext cx="1402948" cy="369332"/>
+            <a:ext cx="1490344" cy="369332"/>
           </a:xfrm>
           <a:prstGeom prst="rect">
             <a:avLst/>
@@ -9630,10 +10748,14 @@
           <a:lstStyle/>
           <a:p>
             <a:r>
-              <a:rPr lang="en-US" altLang="ko-KR" dirty="0" err="1" smtClean="0"/>
+              <a:rPr lang="en-US" altLang="ko-KR" dirty="0" err="1" smtClean="0">
+                <a:latin typeface="JetBrains Mono"/>
+              </a:rPr>
               <a:t>codedeploy</a:t>
             </a:r>
-            <a:endParaRPr lang="ko-KR" altLang="en-US" dirty="0"/>
+            <a:endParaRPr lang="ko-KR" altLang="en-US" dirty="0">
+              <a:latin typeface="JetBrains Mono"/>
+            </a:endParaRPr>
           </a:p>
         </p:txBody>
       </p:sp>
@@ -9646,7 +10768,7 @@
         <p:spPr>
           <a:xfrm>
             <a:off x="9271816" y="6248651"/>
-            <a:ext cx="543739" cy="369332"/>
+            <a:ext cx="591829" cy="369332"/>
           </a:xfrm>
           <a:prstGeom prst="rect">
             <a:avLst/>
@@ -9660,10 +10782,14 @@
           <a:lstStyle/>
           <a:p>
             <a:r>
-              <a:rPr lang="en-US" altLang="ko-KR" dirty="0" smtClean="0"/>
+              <a:rPr lang="en-US" altLang="ko-KR" dirty="0" smtClean="0">
+                <a:latin typeface="JetBrains Mono"/>
+              </a:rPr>
               <a:t>ec2</a:t>
             </a:r>
-            <a:endParaRPr lang="ko-KR" altLang="en-US" dirty="0"/>
+            <a:endParaRPr lang="ko-KR" altLang="en-US" dirty="0">
+              <a:latin typeface="JetBrains Mono"/>
+            </a:endParaRPr>
           </a:p>
         </p:txBody>
       </p:sp>
@@ -9709,7 +10835,9 @@
           <a:lstStyle/>
           <a:p>
             <a:pPr algn="ctr"/>
-            <a:endParaRPr lang="ko-KR" altLang="en-US"/>
+            <a:endParaRPr lang="ko-KR" altLang="en-US">
+              <a:latin typeface="JetBrains Mono"/>
+            </a:endParaRPr>
           </a:p>
         </p:txBody>
       </p:sp>
@@ -9722,7 +10850,7 @@
         <p:spPr>
           <a:xfrm>
             <a:off x="3393802" y="1813457"/>
-            <a:ext cx="1475084" cy="646331"/>
+            <a:ext cx="1406154" cy="646331"/>
           </a:xfrm>
           <a:prstGeom prst="rect">
             <a:avLst/>
@@ -9736,25 +10864,37 @@
           <a:lstStyle/>
           <a:p>
             <a:r>
-              <a:rPr lang="ko-KR" altLang="en-US" dirty="0" smtClean="0"/>
+              <a:rPr lang="ko-KR" altLang="en-US" dirty="0" smtClean="0">
+                <a:latin typeface="JetBrains Mono"/>
+              </a:rPr>
               <a:t>이벤트 발생</a:t>
             </a:r>
-            <a:endParaRPr lang="en-US" altLang="ko-KR" dirty="0" smtClean="0"/>
-          </a:p>
-          <a:p>
-            <a:r>
-              <a:rPr lang="en-US" altLang="ko-KR" dirty="0" smtClean="0"/>
+            <a:endParaRPr lang="en-US" altLang="ko-KR" dirty="0" smtClean="0">
+              <a:latin typeface="JetBrains Mono"/>
+            </a:endParaRPr>
+          </a:p>
+          <a:p>
+            <a:r>
+              <a:rPr lang="en-US" altLang="ko-KR" dirty="0" smtClean="0">
+                <a:latin typeface="JetBrains Mono"/>
+              </a:rPr>
               <a:t>(push/</a:t>
             </a:r>
             <a:r>
-              <a:rPr lang="en-US" altLang="ko-KR" dirty="0" err="1" smtClean="0"/>
+              <a:rPr lang="en-US" altLang="ko-KR" dirty="0" err="1" smtClean="0">
+                <a:latin typeface="JetBrains Mono"/>
+              </a:rPr>
               <a:t>pr</a:t>
             </a:r>
             <a:r>
-              <a:rPr lang="en-US" altLang="ko-KR" dirty="0" smtClean="0"/>
+              <a:rPr lang="en-US" altLang="ko-KR" dirty="0" smtClean="0">
+                <a:latin typeface="JetBrains Mono"/>
+              </a:rPr>
               <a:t>…)</a:t>
             </a:r>
-            <a:endParaRPr lang="ko-KR" altLang="en-US" dirty="0"/>
+            <a:endParaRPr lang="ko-KR" altLang="en-US" dirty="0">
+              <a:latin typeface="JetBrains Mono"/>
+            </a:endParaRPr>
           </a:p>
         </p:txBody>
       </p:sp>
@@ -9800,7 +10940,9 @@
           <a:lstStyle/>
           <a:p>
             <a:pPr algn="ctr"/>
-            <a:endParaRPr lang="ko-KR" altLang="en-US"/>
+            <a:endParaRPr lang="ko-KR" altLang="en-US">
+              <a:latin typeface="JetBrains Mono"/>
+            </a:endParaRPr>
           </a:p>
         </p:txBody>
       </p:sp>
@@ -9827,10 +10969,14 @@
           <a:lstStyle/>
           <a:p>
             <a:r>
-              <a:rPr lang="ko-KR" altLang="en-US" dirty="0" smtClean="0"/>
+              <a:rPr lang="ko-KR" altLang="en-US" dirty="0" smtClean="0">
+                <a:latin typeface="JetBrains Mono"/>
+              </a:rPr>
               <a:t>이벤트 감지</a:t>
             </a:r>
-            <a:endParaRPr lang="ko-KR" altLang="en-US" dirty="0"/>
+            <a:endParaRPr lang="ko-KR" altLang="en-US" dirty="0">
+              <a:latin typeface="JetBrains Mono"/>
+            </a:endParaRPr>
           </a:p>
         </p:txBody>
       </p:sp>
@@ -9879,7 +11025,7 @@
         <p:spPr>
           <a:xfrm>
             <a:off x="1397453" y="3988392"/>
-            <a:ext cx="2222083" cy="369332"/>
+            <a:ext cx="2254143" cy="369332"/>
           </a:xfrm>
           <a:prstGeom prst="rect">
             <a:avLst/>
@@ -9893,26 +11039,32 @@
           <a:lstStyle/>
           <a:p>
             <a:r>
-              <a:rPr lang="en-US" altLang="ko-KR" dirty="0" smtClean="0"/>
+              <a:rPr lang="en-US" altLang="ko-KR" dirty="0" smtClean="0">
+                <a:latin typeface="JetBrains Mono"/>
+              </a:rPr>
               <a:t>s3 </a:t>
             </a:r>
             <a:r>
-              <a:rPr lang="ko-KR" altLang="en-US" dirty="0" err="1" smtClean="0"/>
+              <a:rPr lang="ko-KR" altLang="en-US" dirty="0" err="1" smtClean="0">
+                <a:latin typeface="JetBrains Mono"/>
+              </a:rPr>
               <a:t>버킷</a:t>
             </a:r>
             <a:r>
-              <a:rPr lang="ko-KR" altLang="en-US" dirty="0" smtClean="0"/>
-              <a:t> </a:t>
-            </a:r>
-            <a:r>
-              <a:rPr lang="ko-KR" altLang="en-US" dirty="0" smtClean="0"/>
-              <a:t>업로드</a:t>
-            </a:r>
-            <a:r>
-              <a:rPr lang="en-US" altLang="ko-KR" dirty="0" smtClean="0"/>
+              <a:rPr lang="ko-KR" altLang="en-US" dirty="0" smtClean="0">
+                <a:latin typeface="JetBrains Mono"/>
+              </a:rPr>
+              <a:t> 업로드</a:t>
+            </a:r>
+            <a:r>
+              <a:rPr lang="en-US" altLang="ko-KR" dirty="0" smtClean="0">
+                <a:latin typeface="JetBrains Mono"/>
+              </a:rPr>
               <a:t>(.zip)</a:t>
             </a:r>
-            <a:endParaRPr lang="ko-KR" altLang="en-US" dirty="0"/>
+            <a:endParaRPr lang="ko-KR" altLang="en-US" dirty="0">
+              <a:latin typeface="JetBrains Mono"/>
+            </a:endParaRPr>
           </a:p>
         </p:txBody>
       </p:sp>
@@ -9958,7 +11110,9 @@
           <a:lstStyle/>
           <a:p>
             <a:pPr algn="ctr"/>
-            <a:endParaRPr lang="ko-KR" altLang="en-US"/>
+            <a:endParaRPr lang="ko-KR" altLang="en-US">
+              <a:latin typeface="JetBrains Mono"/>
+            </a:endParaRPr>
           </a:p>
         </p:txBody>
       </p:sp>
@@ -9985,17 +11139,25 @@
           <a:lstStyle/>
           <a:p>
             <a:r>
-              <a:rPr lang="ko-KR" altLang="en-US" dirty="0" smtClean="0"/>
+              <a:rPr lang="ko-KR" altLang="en-US" dirty="0" smtClean="0">
+                <a:latin typeface="JetBrains Mono"/>
+              </a:rPr>
               <a:t>업로드</a:t>
             </a:r>
-            <a:endParaRPr lang="en-US" altLang="ko-KR" dirty="0" smtClean="0"/>
-          </a:p>
-          <a:p>
-            <a:r>
-              <a:rPr lang="ko-KR" altLang="en-US" dirty="0" smtClean="0"/>
+            <a:endParaRPr lang="en-US" altLang="ko-KR" dirty="0" smtClean="0">
+              <a:latin typeface="JetBrains Mono"/>
+            </a:endParaRPr>
+          </a:p>
+          <a:p>
+            <a:r>
+              <a:rPr lang="ko-KR" altLang="en-US" dirty="0" smtClean="0">
+                <a:latin typeface="JetBrains Mono"/>
+              </a:rPr>
               <a:t>이벤트 발생</a:t>
             </a:r>
-            <a:endParaRPr lang="en-US" altLang="ko-KR" dirty="0" smtClean="0"/>
+            <a:endParaRPr lang="en-US" altLang="ko-KR" dirty="0" smtClean="0">
+              <a:latin typeface="JetBrains Mono"/>
+            </a:endParaRPr>
           </a:p>
         </p:txBody>
       </p:sp>
@@ -10041,7 +11203,9 @@
           <a:lstStyle/>
           <a:p>
             <a:pPr algn="ctr"/>
-            <a:endParaRPr lang="ko-KR" altLang="en-US"/>
+            <a:endParaRPr lang="ko-KR" altLang="en-US">
+              <a:latin typeface="JetBrains Mono"/>
+            </a:endParaRPr>
           </a:p>
         </p:txBody>
       </p:sp>
@@ -10054,7 +11218,7 @@
         <p:spPr>
           <a:xfrm>
             <a:off x="6816204" y="4977548"/>
-            <a:ext cx="1925527" cy="369332"/>
+            <a:ext cx="2019335" cy="369332"/>
           </a:xfrm>
           <a:prstGeom prst="rect">
             <a:avLst/>
@@ -10068,7 +11232,9 @@
           <a:lstStyle/>
           <a:p>
             <a:r>
-              <a:rPr lang="en-US" altLang="ko-KR" dirty="0" smtClean="0"/>
+              <a:rPr lang="en-US" altLang="ko-KR" dirty="0" smtClean="0">
+                <a:latin typeface="JetBrains Mono"/>
+              </a:rPr>
               <a:t>ec2 code deploy</a:t>
             </a:r>
           </a:p>
@@ -10120,22 +11286,32 @@
           <a:lstStyle/>
           <a:p>
             <a:r>
-              <a:rPr lang="en-US" altLang="ko-KR" dirty="0" smtClean="0"/>
+              <a:rPr lang="en-US" altLang="ko-KR" dirty="0" smtClean="0">
+                <a:latin typeface="JetBrains Mono"/>
+              </a:rPr>
               <a:t>4. create action workflow: </a:t>
             </a:r>
             <a:r>
-              <a:rPr lang="en-US" altLang="ko-KR" sz="2400" dirty="0" smtClean="0"/>
+              <a:rPr lang="en-US" altLang="ko-KR" sz="2400" dirty="0" smtClean="0">
+                <a:latin typeface="JetBrains Mono"/>
+              </a:rPr>
               <a:t>connect </a:t>
             </a:r>
             <a:r>
-              <a:rPr lang="en-US" altLang="ko-KR" sz="2400" dirty="0" err="1" smtClean="0"/>
+              <a:rPr lang="en-US" altLang="ko-KR" sz="2400" dirty="0" err="1" smtClean="0">
+                <a:latin typeface="JetBrains Mono"/>
+              </a:rPr>
               <a:t>aws</a:t>
             </a:r>
             <a:r>
-              <a:rPr lang="en-US" altLang="ko-KR" sz="2400" dirty="0" smtClean="0"/>
+              <a:rPr lang="en-US" altLang="ko-KR" sz="2400" dirty="0" smtClean="0">
+                <a:latin typeface="JetBrains Mono"/>
+              </a:rPr>
               <a:t> in ec2</a:t>
             </a:r>
-            <a:endParaRPr lang="ko-KR" altLang="en-US" sz="2400" dirty="0"/>
+            <a:endParaRPr lang="ko-KR" altLang="en-US" sz="2400" dirty="0">
+              <a:latin typeface="JetBrains Mono"/>
+            </a:endParaRPr>
           </a:p>
         </p:txBody>
       </p:sp>
@@ -10161,179 +11337,231 @@
           <a:lstStyle/>
           <a:p>
             <a:r>
-              <a:rPr lang="en-US" altLang="ko-KR" dirty="0" smtClean="0"/>
+              <a:rPr lang="en-US" altLang="ko-KR" dirty="0" smtClean="0">
+                <a:latin typeface="JetBrains Mono"/>
+              </a:rPr>
               <a:t># </a:t>
             </a:r>
             <a:r>
-              <a:rPr lang="en-US" altLang="ko-KR" dirty="0" err="1" smtClean="0"/>
+              <a:rPr lang="en-US" altLang="ko-KR" dirty="0" err="1" smtClean="0">
+                <a:latin typeface="JetBrains Mono"/>
+              </a:rPr>
               <a:t>codedeploy</a:t>
             </a:r>
             <a:r>
-              <a:rPr lang="en-US" altLang="ko-KR" dirty="0" smtClean="0"/>
+              <a:rPr lang="en-US" altLang="ko-KR" dirty="0" smtClean="0">
+                <a:latin typeface="JetBrains Mono"/>
+              </a:rPr>
               <a:t> </a:t>
             </a:r>
             <a:r>
-              <a:rPr lang="ko-KR" altLang="en-US" dirty="0" err="1" smtClean="0"/>
+              <a:rPr lang="ko-KR" altLang="en-US" dirty="0" err="1" smtClean="0">
+                <a:latin typeface="JetBrains Mono"/>
+              </a:rPr>
               <a:t>재시작을</a:t>
             </a:r>
             <a:r>
-              <a:rPr lang="ko-KR" altLang="en-US" dirty="0" smtClean="0"/>
+              <a:rPr lang="ko-KR" altLang="en-US" dirty="0" smtClean="0">
+                <a:latin typeface="JetBrains Mono"/>
+              </a:rPr>
               <a:t> 통해 </a:t>
             </a:r>
             <a:r>
-              <a:rPr lang="en-US" altLang="ko-KR" dirty="0" smtClean="0"/>
+              <a:rPr lang="en-US" altLang="ko-KR" dirty="0" smtClean="0">
+                <a:latin typeface="JetBrains Mono"/>
+              </a:rPr>
               <a:t>IAM role</a:t>
             </a:r>
             <a:r>
-              <a:rPr lang="ko-KR" altLang="en-US" dirty="0" smtClean="0"/>
+              <a:rPr lang="ko-KR" altLang="en-US" dirty="0" smtClean="0">
+                <a:latin typeface="JetBrains Mono"/>
+              </a:rPr>
               <a:t>을 갱신합니다</a:t>
             </a:r>
-            <a:endParaRPr lang="en-US" altLang="ko-KR" dirty="0" smtClean="0"/>
-          </a:p>
-          <a:p>
-            <a:r>
-              <a:rPr lang="en-US" altLang="ko-KR" dirty="0" smtClean="0"/>
+            <a:endParaRPr lang="en-US" altLang="ko-KR" dirty="0" smtClean="0">
+              <a:latin typeface="JetBrains Mono"/>
+            </a:endParaRPr>
+          </a:p>
+          <a:p>
+            <a:r>
+              <a:rPr lang="en-US" altLang="ko-KR" dirty="0" smtClean="0">
+                <a:latin typeface="JetBrains Mono"/>
+              </a:rPr>
               <a:t>$ </a:t>
             </a:r>
             <a:r>
-              <a:rPr lang="en-US" altLang="ko-KR" dirty="0" err="1" smtClean="0"/>
+              <a:rPr lang="en-US" altLang="ko-KR" dirty="0" err="1" smtClean="0">
+                <a:latin typeface="JetBrains Mono"/>
+              </a:rPr>
               <a:t>sudo</a:t>
             </a:r>
             <a:r>
-              <a:rPr lang="en-US" altLang="ko-KR" dirty="0" smtClean="0"/>
+              <a:rPr lang="en-US" altLang="ko-KR" dirty="0" smtClean="0">
+                <a:latin typeface="JetBrains Mono"/>
+              </a:rPr>
               <a:t> </a:t>
             </a:r>
             <a:r>
-              <a:rPr lang="en-US" altLang="ko-KR" dirty="0"/>
+              <a:rPr lang="en-US" altLang="ko-KR" dirty="0">
+                <a:latin typeface="JetBrains Mono"/>
+              </a:rPr>
               <a:t>service </a:t>
             </a:r>
             <a:r>
-              <a:rPr lang="en-US" altLang="ko-KR" dirty="0" err="1"/>
+              <a:rPr lang="en-US" altLang="ko-KR" dirty="0" err="1">
+                <a:latin typeface="JetBrains Mono"/>
+              </a:rPr>
               <a:t>codedeploy</a:t>
             </a:r>
             <a:r>
-              <a:rPr lang="en-US" altLang="ko-KR" dirty="0"/>
+              <a:rPr lang="en-US" altLang="ko-KR" dirty="0">
+                <a:latin typeface="JetBrains Mono"/>
+              </a:rPr>
               <a:t>-agent </a:t>
             </a:r>
             <a:r>
-              <a:rPr lang="en-US" altLang="ko-KR" dirty="0" smtClean="0"/>
+              <a:rPr lang="en-US" altLang="ko-KR" dirty="0" smtClean="0">
+                <a:latin typeface="JetBrains Mono"/>
+              </a:rPr>
               <a:t>restart</a:t>
             </a:r>
           </a:p>
           <a:p>
-            <a:endParaRPr lang="en-US" altLang="ko-KR" dirty="0"/>
-          </a:p>
-          <a:p>
-            <a:r>
-              <a:rPr lang="en-US" altLang="ko-KR" dirty="0" smtClean="0"/>
+            <a:endParaRPr lang="en-US" altLang="ko-KR" dirty="0">
+              <a:latin typeface="JetBrains Mono"/>
+            </a:endParaRPr>
+          </a:p>
+          <a:p>
+            <a:r>
+              <a:rPr lang="en-US" altLang="ko-KR" dirty="0" smtClean="0">
+                <a:latin typeface="JetBrains Mono"/>
+              </a:rPr>
               <a:t># </a:t>
             </a:r>
             <a:r>
-              <a:rPr lang="ko-KR" altLang="en-US" dirty="0" smtClean="0"/>
+              <a:rPr lang="ko-KR" altLang="en-US" dirty="0" smtClean="0">
+                <a:latin typeface="JetBrains Mono"/>
+              </a:rPr>
               <a:t>이후 배포 시 에러 발생한다면</a:t>
             </a:r>
-            <a:endParaRPr lang="en-US" altLang="ko-KR" dirty="0" smtClean="0"/>
-          </a:p>
-          <a:p>
-            <a:r>
-              <a:rPr lang="en-US" altLang="ko-KR" dirty="0" smtClean="0"/>
+            <a:endParaRPr lang="en-US" altLang="ko-KR" dirty="0" smtClean="0">
+              <a:latin typeface="JetBrains Mono"/>
+            </a:endParaRPr>
+          </a:p>
+          <a:p>
+            <a:r>
+              <a:rPr lang="en-US" altLang="ko-KR" dirty="0" smtClean="0">
+                <a:latin typeface="JetBrains Mono"/>
+              </a:rPr>
               <a:t># </a:t>
             </a:r>
             <a:r>
-              <a:rPr lang="ko-KR" altLang="en-US" dirty="0" smtClean="0"/>
+              <a:rPr lang="ko-KR" altLang="en-US" dirty="0" smtClean="0">
+                <a:latin typeface="JetBrains Mono"/>
+              </a:rPr>
               <a:t>아래 명령어로 서버에서 로그를 확인 해 보세요</a:t>
             </a:r>
-            <a:endParaRPr lang="en-US" altLang="ko-KR" dirty="0" smtClean="0"/>
+            <a:endParaRPr lang="en-US" altLang="ko-KR" dirty="0" smtClean="0">
+              <a:latin typeface="JetBrains Mono"/>
+            </a:endParaRPr>
           </a:p>
           <a:p>
             <a:pPr lvl="0"/>
             <a:r>
-              <a:rPr lang="en-US" altLang="ko-KR" dirty="0" smtClean="0"/>
+              <a:rPr lang="en-US" altLang="ko-KR" dirty="0" smtClean="0">
+                <a:latin typeface="JetBrains Mono"/>
+              </a:rPr>
               <a:t>$ </a:t>
             </a:r>
             <a:r>
               <a:rPr lang="ko-KR" altLang="ko-KR" dirty="0" err="1">
-                <a:latin typeface="Arial Unicode MS"/>
+                <a:latin typeface="JetBrains Mono"/>
                 <a:ea typeface="Fira Mono"/>
               </a:rPr>
               <a:t>cat</a:t>
             </a:r>
             <a:r>
               <a:rPr lang="ko-KR" altLang="ko-KR" dirty="0">
-                <a:latin typeface="Arial Unicode MS"/>
+                <a:latin typeface="JetBrains Mono"/>
                 <a:ea typeface="Fira Mono"/>
               </a:rPr>
               <a:t> /</a:t>
             </a:r>
             <a:r>
               <a:rPr lang="ko-KR" altLang="ko-KR" dirty="0" err="1">
-                <a:latin typeface="Arial Unicode MS"/>
+                <a:latin typeface="JetBrains Mono"/>
                 <a:ea typeface="Fira Mono"/>
               </a:rPr>
               <a:t>var</a:t>
             </a:r>
             <a:r>
               <a:rPr lang="ko-KR" altLang="ko-KR" dirty="0">
-                <a:latin typeface="Arial Unicode MS"/>
+                <a:latin typeface="JetBrains Mono"/>
                 <a:ea typeface="Fira Mono"/>
               </a:rPr>
               <a:t>/</a:t>
             </a:r>
             <a:r>
               <a:rPr lang="ko-KR" altLang="ko-KR" dirty="0" err="1">
-                <a:latin typeface="Arial Unicode MS"/>
+                <a:latin typeface="JetBrains Mono"/>
                 <a:ea typeface="Fira Mono"/>
               </a:rPr>
               <a:t>log</a:t>
             </a:r>
             <a:r>
               <a:rPr lang="ko-KR" altLang="ko-KR" dirty="0">
-                <a:latin typeface="Arial Unicode MS"/>
+                <a:latin typeface="JetBrains Mono"/>
                 <a:ea typeface="Fira Mono"/>
               </a:rPr>
               <a:t>/</a:t>
             </a:r>
             <a:r>
               <a:rPr lang="ko-KR" altLang="ko-KR" dirty="0" err="1">
-                <a:latin typeface="Arial Unicode MS"/>
+                <a:latin typeface="JetBrains Mono"/>
                 <a:ea typeface="Fira Mono"/>
               </a:rPr>
               <a:t>aws</a:t>
             </a:r>
             <a:r>
               <a:rPr lang="ko-KR" altLang="ko-KR" dirty="0">
-                <a:latin typeface="Arial Unicode MS"/>
+                <a:latin typeface="JetBrains Mono"/>
                 <a:ea typeface="Fira Mono"/>
               </a:rPr>
               <a:t>/</a:t>
             </a:r>
             <a:r>
               <a:rPr lang="ko-KR" altLang="ko-KR" dirty="0" err="1">
-                <a:latin typeface="Arial Unicode MS"/>
+                <a:latin typeface="JetBrains Mono"/>
                 <a:ea typeface="Fira Mono"/>
               </a:rPr>
               <a:t>codedeploy-agent</a:t>
             </a:r>
             <a:r>
               <a:rPr lang="ko-KR" altLang="ko-KR" dirty="0">
-                <a:latin typeface="Arial Unicode MS"/>
+                <a:latin typeface="JetBrains Mono"/>
                 <a:ea typeface="Fira Mono"/>
               </a:rPr>
               <a:t>/codedeploy-agent.log</a:t>
             </a:r>
             <a:r>
-              <a:rPr lang="ko-KR" altLang="ko-KR" sz="1400" dirty="0"/>
+              <a:rPr lang="ko-KR" altLang="ko-KR" sz="1400" dirty="0">
+                <a:latin typeface="JetBrains Mono"/>
+              </a:rPr>
               <a:t> </a:t>
             </a:r>
             <a:endParaRPr lang="ko-KR" altLang="ko-KR" sz="4000" dirty="0">
-              <a:latin typeface="Arial" panose="020B0604020202020204" pitchFamily="34" charset="0"/>
-            </a:endParaRPr>
-          </a:p>
-          <a:p>
-            <a:endParaRPr lang="en-US" altLang="ko-KR" dirty="0" smtClean="0"/>
-          </a:p>
-          <a:p>
-            <a:endParaRPr lang="ko-KR" altLang="en-US" dirty="0"/>
+              <a:latin typeface="JetBrains Mono"/>
+            </a:endParaRPr>
+          </a:p>
+          <a:p>
+            <a:endParaRPr lang="en-US" altLang="ko-KR" dirty="0" smtClean="0">
+              <a:latin typeface="JetBrains Mono"/>
+            </a:endParaRPr>
+          </a:p>
+          <a:p>
+            <a:endParaRPr lang="ko-KR" altLang="en-US" dirty="0">
+              <a:latin typeface="JetBrains Mono"/>
+            </a:endParaRPr>
           </a:p>
         </p:txBody>
       </p:sp>
@@ -10383,10 +11611,14 @@
           <a:lstStyle/>
           <a:p>
             <a:r>
-              <a:rPr lang="en-US" altLang="ko-KR" dirty="0" smtClean="0"/>
+              <a:rPr lang="en-US" altLang="ko-KR" dirty="0" smtClean="0">
+                <a:latin typeface="JetBrains Mono"/>
+              </a:rPr>
               <a:t>4. create action workflow: push file</a:t>
             </a:r>
-            <a:endParaRPr lang="ko-KR" altLang="en-US" dirty="0"/>
+            <a:endParaRPr lang="ko-KR" altLang="en-US" dirty="0">
+              <a:latin typeface="JetBrains Mono"/>
+            </a:endParaRPr>
           </a:p>
         </p:txBody>
       </p:sp>
@@ -10412,42 +11644,62 @@
           <a:lstStyle/>
           <a:p>
             <a:r>
-              <a:rPr lang="en-US" altLang="ko-KR" dirty="0" err="1" smtClean="0"/>
+              <a:rPr lang="en-US" altLang="ko-KR" dirty="0" err="1" smtClean="0">
+                <a:latin typeface="JetBrains Mono"/>
+              </a:rPr>
               <a:t>cicd</a:t>
             </a:r>
             <a:r>
-              <a:rPr lang="en-US" altLang="ko-KR" dirty="0" smtClean="0"/>
+              <a:rPr lang="en-US" altLang="ko-KR" dirty="0" smtClean="0">
+                <a:latin typeface="JetBrains Mono"/>
+              </a:rPr>
               <a:t> </a:t>
             </a:r>
             <a:r>
-              <a:rPr lang="ko-KR" altLang="en-US" dirty="0" smtClean="0"/>
+              <a:rPr lang="ko-KR" altLang="en-US" dirty="0" smtClean="0">
+                <a:latin typeface="JetBrains Mono"/>
+              </a:rPr>
               <a:t>스크립트를 작성하기 이전 로컬의 </a:t>
             </a:r>
             <a:r>
-              <a:rPr lang="en-US" altLang="ko-KR" dirty="0" smtClean="0"/>
+              <a:rPr lang="en-US" altLang="ko-KR" dirty="0" smtClean="0">
+                <a:latin typeface="JetBrains Mono"/>
+              </a:rPr>
               <a:t>sample </a:t>
             </a:r>
             <a:r>
-              <a:rPr lang="en-US" altLang="ko-KR" dirty="0" err="1" smtClean="0"/>
+              <a:rPr lang="en-US" altLang="ko-KR" dirty="0" err="1" smtClean="0">
+                <a:latin typeface="JetBrains Mono"/>
+              </a:rPr>
               <a:t>ssr</a:t>
             </a:r>
             <a:r>
-              <a:rPr lang="en-US" altLang="ko-KR" dirty="0" smtClean="0"/>
+              <a:rPr lang="en-US" altLang="ko-KR" dirty="0" smtClean="0">
+                <a:latin typeface="JetBrains Mono"/>
+              </a:rPr>
               <a:t> app</a:t>
             </a:r>
             <a:r>
-              <a:rPr lang="ko-KR" altLang="en-US" dirty="0" smtClean="0"/>
+              <a:rPr lang="ko-KR" altLang="en-US" dirty="0" smtClean="0">
+                <a:latin typeface="JetBrains Mono"/>
+              </a:rPr>
               <a:t>을 레포지토리에 </a:t>
             </a:r>
             <a:r>
-              <a:rPr lang="en-US" altLang="ko-KR" dirty="0" smtClean="0"/>
+              <a:rPr lang="en-US" altLang="ko-KR" dirty="0" smtClean="0">
+                <a:latin typeface="JetBrains Mono"/>
+              </a:rPr>
               <a:t>push </a:t>
             </a:r>
             <a:r>
-              <a:rPr lang="ko-KR" altLang="en-US" dirty="0" smtClean="0"/>
+              <a:rPr lang="ko-KR" altLang="en-US" dirty="0" smtClean="0">
+                <a:latin typeface="JetBrains Mono"/>
+              </a:rPr>
               <a:t>해 주세요</a:t>
             </a:r>
-            <a:endParaRPr lang="ko-KR" altLang="en-US" dirty="0"/>
+            <a:endParaRPr lang="ko-KR" altLang="en-US" dirty="0">
+              <a:latin typeface="JetBrains Mono"/>
+            </a:endParaRPr>
           </a:p>
         </p:txBody>
       </p:sp>
@@ -10521,10 +11773,14 @@
           <a:lstStyle/>
           <a:p>
             <a:r>
-              <a:rPr lang="en-US" altLang="ko-KR" dirty="0" smtClean="0"/>
+              <a:rPr lang="en-US" altLang="ko-KR" dirty="0" smtClean="0">
+                <a:latin typeface="JetBrains Mono"/>
+              </a:rPr>
               <a:t>4. create action workflow</a:t>
             </a:r>
-            <a:endParaRPr lang="ko-KR" altLang="en-US" dirty="0"/>
+            <a:endParaRPr lang="ko-KR" altLang="en-US" dirty="0">
+              <a:latin typeface="JetBrains Mono"/>
+            </a:endParaRPr>
           </a:p>
         </p:txBody>
       </p:sp>
@@ -10596,7 +11852,9 @@
           <a:lstStyle/>
           <a:p>
             <a:pPr algn="ctr"/>
-            <a:endParaRPr lang="ko-KR" altLang="en-US"/>
+            <a:endParaRPr lang="ko-KR" altLang="en-US">
+              <a:latin typeface="JetBrains Mono"/>
+            </a:endParaRPr>
           </a:p>
         </p:txBody>
       </p:sp>
@@ -10622,22 +11880,32 @@
           <a:lstStyle/>
           <a:p>
             <a:r>
-              <a:rPr lang="ko-KR" altLang="en-US" dirty="0" smtClean="0"/>
+              <a:rPr lang="ko-KR" altLang="en-US" dirty="0" smtClean="0">
+                <a:latin typeface="JetBrains Mono"/>
+              </a:rPr>
               <a:t>생성한 </a:t>
             </a:r>
             <a:r>
-              <a:rPr lang="ko-KR" altLang="en-US" dirty="0" err="1" smtClean="0"/>
+              <a:rPr lang="ko-KR" altLang="en-US" dirty="0" err="1" smtClean="0">
+                <a:latin typeface="JetBrains Mono"/>
+              </a:rPr>
               <a:t>레포지토리</a:t>
             </a:r>
             <a:r>
-              <a:rPr lang="ko-KR" altLang="en-US" dirty="0" smtClean="0"/>
+              <a:rPr lang="ko-KR" altLang="en-US" dirty="0" smtClean="0">
+                <a:latin typeface="JetBrains Mono"/>
+              </a:rPr>
               <a:t> </a:t>
             </a:r>
             <a:r>
-              <a:rPr lang="en-US" altLang="ko-KR" dirty="0" smtClean="0"/>
+              <a:rPr lang="en-US" altLang="ko-KR" dirty="0" smtClean="0">
+                <a:latin typeface="JetBrains Mono"/>
+              </a:rPr>
               <a:t>-&gt; Actions</a:t>
             </a:r>
-            <a:endParaRPr lang="ko-KR" altLang="en-US" dirty="0"/>
+            <a:endParaRPr lang="ko-KR" altLang="en-US" dirty="0">
+              <a:latin typeface="JetBrains Mono"/>
+            </a:endParaRPr>
           </a:p>
         </p:txBody>
       </p:sp>
@@ -10687,10 +11955,14 @@
           <a:lstStyle/>
           <a:p>
             <a:r>
-              <a:rPr lang="en-US" altLang="ko-KR" dirty="0" smtClean="0"/>
+              <a:rPr lang="en-US" altLang="ko-KR" dirty="0" smtClean="0">
+                <a:latin typeface="JetBrains Mono"/>
+              </a:rPr>
               <a:t>4. create action workflow</a:t>
             </a:r>
-            <a:endParaRPr lang="ko-KR" altLang="en-US" dirty="0"/>
+            <a:endParaRPr lang="ko-KR" altLang="en-US" dirty="0">
+              <a:latin typeface="JetBrains Mono"/>
+            </a:endParaRPr>
           </a:p>
         </p:txBody>
       </p:sp>
@@ -10716,10 +11988,14 @@
           <a:lstStyle/>
           <a:p>
             <a:r>
-              <a:rPr lang="en-US" altLang="ko-KR" dirty="0" smtClean="0"/>
+              <a:rPr lang="en-US" altLang="ko-KR" dirty="0" smtClean="0">
+                <a:latin typeface="JetBrains Mono"/>
+              </a:rPr>
               <a:t>set up a workflow yourself</a:t>
             </a:r>
-            <a:endParaRPr lang="ko-KR" altLang="en-US" dirty="0"/>
+            <a:endParaRPr lang="ko-KR" altLang="en-US" dirty="0">
+              <a:latin typeface="JetBrains Mono"/>
+            </a:endParaRPr>
           </a:p>
         </p:txBody>
       </p:sp>
@@ -10791,7 +12067,9 @@
           <a:lstStyle/>
           <a:p>
             <a:pPr algn="ctr"/>
-            <a:endParaRPr lang="ko-KR" altLang="en-US"/>
+            <a:endParaRPr lang="ko-KR" altLang="en-US">
+              <a:latin typeface="JetBrains Mono"/>
+            </a:endParaRPr>
           </a:p>
         </p:txBody>
       </p:sp>
@@ -10837,7 +12115,9 @@
           <a:lstStyle/>
           <a:p>
             <a:pPr algn="ctr"/>
-            <a:endParaRPr lang="ko-KR" altLang="en-US"/>
+            <a:endParaRPr lang="ko-KR" altLang="en-US">
+              <a:latin typeface="JetBrains Mono"/>
+            </a:endParaRPr>
           </a:p>
         </p:txBody>
       </p:sp>
@@ -10887,14 +12167,20 @@
           <a:lstStyle/>
           <a:p>
             <a:r>
-              <a:rPr lang="en-US" altLang="ko-KR" dirty="0" smtClean="0"/>
+              <a:rPr lang="en-US" altLang="ko-KR" dirty="0" smtClean="0">
+                <a:latin typeface="JetBrains Mono"/>
+              </a:rPr>
               <a:t>4. create action workflow: </a:t>
             </a:r>
             <a:r>
-              <a:rPr lang="en-US" altLang="ko-KR" sz="2400" dirty="0" smtClean="0"/>
+              <a:rPr lang="en-US" altLang="ko-KR" sz="2400" dirty="0" smtClean="0">
+                <a:latin typeface="JetBrains Mono"/>
+              </a:rPr>
               <a:t>add script</a:t>
             </a:r>
-            <a:endParaRPr lang="ko-KR" altLang="en-US" sz="2400" dirty="0"/>
+            <a:endParaRPr lang="ko-KR" altLang="en-US" sz="2400" dirty="0">
+              <a:latin typeface="JetBrains Mono"/>
+            </a:endParaRPr>
           </a:p>
         </p:txBody>
       </p:sp>
@@ -10921,58 +12207,104 @@
           <a:lstStyle/>
           <a:p>
             <a:r>
-              <a:rPr lang="ko-KR" altLang="en-US" sz="2000" dirty="0" smtClean="0"/>
+              <a:rPr lang="ko-KR" altLang="en-US" sz="2000" dirty="0" smtClean="0">
+                <a:latin typeface="JetBrains Mono"/>
+              </a:rPr>
               <a:t>참조</a:t>
             </a:r>
-            <a:endParaRPr lang="en-US" altLang="ko-KR" sz="2000" dirty="0" smtClean="0"/>
+            <a:endParaRPr lang="en-US" altLang="ko-KR" sz="2000" dirty="0" smtClean="0">
+              <a:latin typeface="JetBrains Mono"/>
+            </a:endParaRPr>
           </a:p>
           <a:p>
             <a:r>
               <a:rPr lang="en-US" altLang="ko-KR" sz="2000" dirty="0" smtClean="0">
+                <a:latin typeface="JetBrains Mono"/>
                 <a:hlinkClick r:id="rId2"/>
               </a:rPr>
               <a:t>https</a:t>
             </a:r>
             <a:r>
               <a:rPr lang="en-US" altLang="ko-KR" sz="2000" dirty="0">
+                <a:latin typeface="JetBrains Mono"/>
                 <a:hlinkClick r:id="rId2"/>
               </a:rPr>
               <a:t>://github.com/bear-frog/ci-cd/blob/main/.</a:t>
             </a:r>
             <a:r>
               <a:rPr lang="en-US" altLang="ko-KR" sz="2000" dirty="0" smtClean="0">
+                <a:latin typeface="JetBrains Mono"/>
                 <a:hlinkClick r:id="rId2"/>
               </a:rPr>
               <a:t>github/workflows/main.yml</a:t>
             </a:r>
-            <a:endParaRPr lang="en-US" altLang="ko-KR" sz="2000" dirty="0" smtClean="0"/>
-          </a:p>
-          <a:p>
-            <a:endParaRPr lang="en-US" altLang="ko-KR" sz="2000" dirty="0"/>
-          </a:p>
-          <a:p>
-            <a:r>
-              <a:rPr lang="ko-KR" altLang="en-US" sz="2000" dirty="0" smtClean="0"/>
+            <a:endParaRPr lang="en-US" altLang="ko-KR" sz="2000" dirty="0" smtClean="0">
+              <a:latin typeface="JetBrains Mono"/>
+            </a:endParaRPr>
+          </a:p>
+          <a:p>
+            <a:endParaRPr lang="en-US" altLang="ko-KR" sz="2000" dirty="0">
+              <a:latin typeface="JetBrains Mono"/>
+            </a:endParaRPr>
+          </a:p>
+          <a:p>
+            <a:r>
+              <a:rPr lang="ko-KR" altLang="en-US" sz="2000" dirty="0" smtClean="0">
+                <a:latin typeface="JetBrains Mono"/>
+              </a:rPr>
               <a:t>스크립트가 길어서 </a:t>
             </a:r>
             <a:r>
-              <a:rPr lang="en-US" altLang="ko-KR" sz="2000" dirty="0" err="1" smtClean="0"/>
+              <a:rPr lang="en-US" altLang="ko-KR" sz="2000" dirty="0" err="1" smtClean="0">
+                <a:latin typeface="JetBrains Mono"/>
+              </a:rPr>
               <a:t>ppt</a:t>
             </a:r>
             <a:r>
-              <a:rPr lang="ko-KR" altLang="en-US" sz="2000" dirty="0" smtClean="0"/>
-              <a:t>상에 작성하지 않았습니다</a:t>
-            </a:r>
-            <a:endParaRPr lang="en-US" altLang="ko-KR" sz="2000" dirty="0" smtClean="0"/>
-          </a:p>
-          <a:p>
-            <a:endParaRPr lang="en-US" altLang="ko-KR" sz="2000" dirty="0"/>
+              <a:rPr lang="ko-KR" altLang="en-US" sz="2000" dirty="0" smtClean="0">
+                <a:latin typeface="JetBrains Mono"/>
+              </a:rPr>
+              <a:t>상에 작성하지 </a:t>
+            </a:r>
+            <a:r>
+              <a:rPr lang="ko-KR" altLang="en-US" sz="2000" dirty="0" smtClean="0">
+                <a:latin typeface="JetBrains Mono"/>
+              </a:rPr>
+              <a:t>않았</a:t>
+            </a:r>
+            <a:r>
+              <a:rPr lang="ko-KR" altLang="en-US" sz="2000" dirty="0" smtClean="0">
+                <a:latin typeface="JetBrains Mono"/>
+              </a:rPr>
+              <a:t>어요</a:t>
+            </a:r>
+            <a:endParaRPr lang="en-US" altLang="ko-KR" sz="2000" dirty="0" smtClean="0">
+              <a:latin typeface="JetBrains Mono"/>
+            </a:endParaRPr>
+          </a:p>
+          <a:p>
+            <a:r>
+              <a:rPr lang="ko-KR" altLang="en-US" sz="2000" dirty="0" smtClean="0">
+                <a:latin typeface="JetBrains Mono"/>
+              </a:rPr>
+              <a:t>코드 보고 확인하세요</a:t>
+            </a:r>
+            <a:endParaRPr lang="en-US" altLang="ko-KR" sz="2000" dirty="0" smtClean="0">
+              <a:latin typeface="JetBrains Mono"/>
+            </a:endParaRPr>
+          </a:p>
+          <a:p>
+            <a:endParaRPr lang="en-US" altLang="ko-KR" sz="2000" dirty="0">
+              <a:latin typeface="JetBrains Mono"/>
+            </a:endParaRPr>
           </a:p>
           <a:p>
             <a:pPr marL="0" indent="0">
               <a:buNone/>
             </a:pPr>
-            <a:endParaRPr lang="ko-KR" altLang="en-US" sz="2000" dirty="0"/>
+            <a:endParaRPr lang="ko-KR" altLang="en-US" sz="2000" dirty="0">
+              <a:latin typeface="JetBrains Mono"/>
+            </a:endParaRPr>
           </a:p>
         </p:txBody>
       </p:sp>
@@ -11022,14 +12354,20 @@
           <a:lstStyle/>
           <a:p>
             <a:r>
-              <a:rPr lang="en-US" altLang="ko-KR" dirty="0" smtClean="0"/>
+              <a:rPr lang="en-US" altLang="ko-KR" dirty="0" smtClean="0">
+                <a:latin typeface="JetBrains Mono"/>
+              </a:rPr>
               <a:t>4. create action workflow: </a:t>
             </a:r>
             <a:r>
-              <a:rPr lang="en-US" altLang="ko-KR" sz="2400" dirty="0" smtClean="0"/>
+              <a:rPr lang="en-US" altLang="ko-KR" sz="2400" dirty="0" smtClean="0">
+                <a:latin typeface="JetBrains Mono"/>
+              </a:rPr>
               <a:t>add script</a:t>
             </a:r>
-            <a:endParaRPr lang="ko-KR" altLang="en-US" sz="2400" dirty="0"/>
+            <a:endParaRPr lang="ko-KR" altLang="en-US" sz="2400" dirty="0">
+              <a:latin typeface="JetBrains Mono"/>
+            </a:endParaRPr>
           </a:p>
         </p:txBody>
       </p:sp>
@@ -11054,26 +12392,38 @@
           <a:lstStyle/>
           <a:p>
             <a:r>
-              <a:rPr lang="en-US" altLang="ko-KR" dirty="0" smtClean="0"/>
+              <a:rPr lang="en-US" altLang="ko-KR" dirty="0" smtClean="0">
+                <a:latin typeface="JetBrains Mono"/>
+              </a:rPr>
               <a:t>name: </a:t>
             </a:r>
             <a:r>
-              <a:rPr lang="en-US" altLang="ko-KR" dirty="0" err="1" smtClean="0"/>
+              <a:rPr lang="en-US" altLang="ko-KR" dirty="0" err="1" smtClean="0">
+                <a:latin typeface="JetBrains Mono"/>
+              </a:rPr>
               <a:t>yml</a:t>
             </a:r>
             <a:r>
-              <a:rPr lang="en-US" altLang="ko-KR" dirty="0" smtClean="0"/>
+              <a:rPr lang="en-US" altLang="ko-KR" dirty="0" smtClean="0">
+                <a:latin typeface="JetBrains Mono"/>
+              </a:rPr>
               <a:t> file </a:t>
             </a:r>
             <a:r>
-              <a:rPr lang="ko-KR" altLang="en-US" dirty="0" smtClean="0"/>
+              <a:rPr lang="ko-KR" altLang="en-US" dirty="0" smtClean="0">
+                <a:latin typeface="JetBrains Mono"/>
+              </a:rPr>
               <a:t>이름</a:t>
             </a:r>
             <a:r>
-              <a:rPr lang="en-US" altLang="ko-KR" dirty="0" smtClean="0"/>
+              <a:rPr lang="en-US" altLang="ko-KR" dirty="0" smtClean="0">
+                <a:latin typeface="JetBrains Mono"/>
+              </a:rPr>
               <a:t> </a:t>
             </a:r>
-            <a:endParaRPr lang="ko-KR" altLang="en-US" dirty="0"/>
+            <a:endParaRPr lang="ko-KR" altLang="en-US" dirty="0">
+              <a:latin typeface="JetBrains Mono"/>
+            </a:endParaRPr>
           </a:p>
         </p:txBody>
       </p:sp>
@@ -11147,14 +12497,20 @@
           <a:lstStyle/>
           <a:p>
             <a:r>
-              <a:rPr lang="en-US" altLang="ko-KR" dirty="0" smtClean="0"/>
+              <a:rPr lang="en-US" altLang="ko-KR" dirty="0" smtClean="0">
+                <a:latin typeface="JetBrains Mono"/>
+              </a:rPr>
               <a:t>4. create action workflow: </a:t>
             </a:r>
             <a:r>
-              <a:rPr lang="en-US" altLang="ko-KR" sz="2400" dirty="0" smtClean="0"/>
+              <a:rPr lang="en-US" altLang="ko-KR" sz="2400" dirty="0" smtClean="0">
+                <a:latin typeface="JetBrains Mono"/>
+              </a:rPr>
               <a:t>add script</a:t>
             </a:r>
-            <a:endParaRPr lang="ko-KR" altLang="en-US" sz="2400" dirty="0"/>
+            <a:endParaRPr lang="ko-KR" altLang="en-US" sz="2400" dirty="0">
+              <a:latin typeface="JetBrains Mono"/>
+            </a:endParaRPr>
           </a:p>
         </p:txBody>
       </p:sp>
@@ -11181,62 +12537,92 @@
           <a:lstStyle/>
           <a:p>
             <a:r>
-              <a:rPr lang="en-US" altLang="ko-KR" dirty="0" smtClean="0"/>
+              <a:rPr lang="en-US" altLang="ko-KR" dirty="0" smtClean="0">
+                <a:latin typeface="JetBrains Mono"/>
+              </a:rPr>
               <a:t>on: </a:t>
             </a:r>
             <a:r>
-              <a:rPr lang="ko-KR" altLang="en-US" dirty="0" smtClean="0"/>
+              <a:rPr lang="ko-KR" altLang="en-US" dirty="0" smtClean="0">
+                <a:latin typeface="JetBrains Mono"/>
+              </a:rPr>
               <a:t>이벤트에 반응</a:t>
             </a:r>
-            <a:endParaRPr lang="en-US" altLang="ko-KR" dirty="0" smtClean="0"/>
+            <a:endParaRPr lang="en-US" altLang="ko-KR" dirty="0" smtClean="0">
+              <a:latin typeface="JetBrains Mono"/>
+            </a:endParaRPr>
           </a:p>
           <a:p>
             <a:pPr lvl="1"/>
             <a:r>
-              <a:rPr lang="en-US" altLang="ko-KR" dirty="0" smtClean="0"/>
+              <a:rPr lang="en-US" altLang="ko-KR" dirty="0" smtClean="0">
+                <a:latin typeface="JetBrains Mono"/>
+              </a:rPr>
               <a:t>main </a:t>
             </a:r>
             <a:r>
-              <a:rPr lang="ko-KR" altLang="en-US" dirty="0" err="1" smtClean="0"/>
+              <a:rPr lang="ko-KR" altLang="en-US" dirty="0" err="1" smtClean="0">
+                <a:latin typeface="JetBrains Mono"/>
+              </a:rPr>
               <a:t>브렌치에</a:t>
             </a:r>
             <a:r>
-              <a:rPr lang="ko-KR" altLang="en-US" dirty="0" smtClean="0"/>
+              <a:rPr lang="ko-KR" altLang="en-US" dirty="0" smtClean="0">
+                <a:latin typeface="JetBrains Mono"/>
+              </a:rPr>
               <a:t> 대한 </a:t>
             </a:r>
             <a:r>
-              <a:rPr lang="en-US" altLang="ko-KR" dirty="0" smtClean="0"/>
+              <a:rPr lang="en-US" altLang="ko-KR" dirty="0" smtClean="0">
+                <a:latin typeface="JetBrains Mono"/>
+              </a:rPr>
               <a:t>push, </a:t>
             </a:r>
             <a:r>
-              <a:rPr lang="en-US" altLang="ko-KR" dirty="0" err="1" smtClean="0"/>
+              <a:rPr lang="en-US" altLang="ko-KR" dirty="0" err="1" smtClean="0">
+                <a:latin typeface="JetBrains Mono"/>
+              </a:rPr>
               <a:t>pull_request</a:t>
             </a:r>
             <a:r>
-              <a:rPr lang="ko-KR" altLang="en-US" dirty="0"/>
+              <a:rPr lang="ko-KR" altLang="en-US" dirty="0">
+                <a:latin typeface="JetBrains Mono"/>
+              </a:rPr>
               <a:t> </a:t>
             </a:r>
             <a:r>
-              <a:rPr lang="ko-KR" altLang="en-US" dirty="0" smtClean="0"/>
+              <a:rPr lang="ko-KR" altLang="en-US" dirty="0" smtClean="0">
+                <a:latin typeface="JetBrains Mono"/>
+              </a:rPr>
               <a:t>이벤트에 반응하여</a:t>
             </a:r>
-            <a:endParaRPr lang="en-US" altLang="ko-KR" dirty="0" smtClean="0"/>
+            <a:endParaRPr lang="en-US" altLang="ko-KR" dirty="0" smtClean="0">
+              <a:latin typeface="JetBrains Mono"/>
+            </a:endParaRPr>
           </a:p>
           <a:p>
             <a:pPr lvl="1"/>
             <a:r>
-              <a:rPr lang="en-US" altLang="ko-KR" dirty="0" err="1" smtClean="0"/>
+              <a:rPr lang="en-US" altLang="ko-KR" dirty="0" err="1" smtClean="0">
+                <a:latin typeface="JetBrains Mono"/>
+              </a:rPr>
               <a:t>github</a:t>
             </a:r>
             <a:r>
-              <a:rPr lang="en-US" altLang="ko-KR" dirty="0" smtClean="0"/>
+              <a:rPr lang="en-US" altLang="ko-KR" dirty="0" smtClean="0">
+                <a:latin typeface="JetBrains Mono"/>
+              </a:rPr>
               <a:t> action </a:t>
             </a:r>
             <a:r>
-              <a:rPr lang="ko-KR" altLang="en-US" dirty="0" smtClean="0"/>
+              <a:rPr lang="ko-KR" altLang="en-US" dirty="0" smtClean="0">
+                <a:latin typeface="JetBrains Mono"/>
+              </a:rPr>
               <a:t>스크립트 실행</a:t>
             </a:r>
-            <a:endParaRPr lang="ko-KR" altLang="en-US" dirty="0"/>
+            <a:endParaRPr lang="ko-KR" altLang="en-US" dirty="0">
+              <a:latin typeface="JetBrains Mono"/>
+            </a:endParaRPr>
           </a:p>
         </p:txBody>
       </p:sp>
@@ -11310,14 +12696,20 @@
           <a:lstStyle/>
           <a:p>
             <a:r>
-              <a:rPr lang="en-US" altLang="ko-KR" dirty="0" smtClean="0"/>
+              <a:rPr lang="en-US" altLang="ko-KR" dirty="0" smtClean="0">
+                <a:latin typeface="JetBrains Mono"/>
+              </a:rPr>
               <a:t>4. create action workflow: </a:t>
             </a:r>
             <a:r>
-              <a:rPr lang="en-US" altLang="ko-KR" sz="2400" dirty="0" smtClean="0"/>
+              <a:rPr lang="en-US" altLang="ko-KR" sz="2400" dirty="0" smtClean="0">
+                <a:latin typeface="JetBrains Mono"/>
+              </a:rPr>
               <a:t>add script</a:t>
             </a:r>
-            <a:endParaRPr lang="ko-KR" altLang="en-US" sz="2400" dirty="0"/>
+            <a:endParaRPr lang="ko-KR" altLang="en-US" sz="2400" dirty="0">
+              <a:latin typeface="JetBrains Mono"/>
+            </a:endParaRPr>
           </a:p>
         </p:txBody>
       </p:sp>
@@ -11333,169 +12725,6 @@
         </p:nvSpPr>
         <p:spPr>
           <a:xfrm>
-            <a:off x="838200" y="2973620"/>
-            <a:ext cx="10515600" cy="1172701"/>
-          </a:xfrm>
-        </p:spPr>
-        <p:txBody>
-          <a:bodyPr>
-            <a:normAutofit lnSpcReduction="10000"/>
-          </a:bodyPr>
-          <a:lstStyle/>
-          <a:p>
-            <a:r>
-              <a:rPr lang="en-US" altLang="ko-KR" dirty="0" smtClean="0"/>
-              <a:t>on: </a:t>
-            </a:r>
-            <a:r>
-              <a:rPr lang="ko-KR" altLang="en-US" dirty="0" smtClean="0"/>
-              <a:t>이벤트에 반응</a:t>
-            </a:r>
-            <a:endParaRPr lang="en-US" altLang="ko-KR" dirty="0" smtClean="0"/>
-          </a:p>
-          <a:p>
-            <a:pPr lvl="1"/>
-            <a:r>
-              <a:rPr lang="en-US" altLang="ko-KR" dirty="0" smtClean="0"/>
-              <a:t>main </a:t>
-            </a:r>
-            <a:r>
-              <a:rPr lang="ko-KR" altLang="en-US" dirty="0" err="1" smtClean="0"/>
-              <a:t>브렌치에</a:t>
-            </a:r>
-            <a:r>
-              <a:rPr lang="ko-KR" altLang="en-US" dirty="0" smtClean="0"/>
-              <a:t> 대한 </a:t>
-            </a:r>
-            <a:r>
-              <a:rPr lang="en-US" altLang="ko-KR" dirty="0" smtClean="0"/>
-              <a:t>push, </a:t>
-            </a:r>
-            <a:r>
-              <a:rPr lang="en-US" altLang="ko-KR" dirty="0" err="1" smtClean="0"/>
-              <a:t>pull_request</a:t>
-            </a:r>
-            <a:r>
-              <a:rPr lang="ko-KR" altLang="en-US" dirty="0"/>
-              <a:t> </a:t>
-            </a:r>
-            <a:r>
-              <a:rPr lang="ko-KR" altLang="en-US" dirty="0" smtClean="0"/>
-              <a:t>이벤트에 반응하여</a:t>
-            </a:r>
-            <a:endParaRPr lang="en-US" altLang="ko-KR" dirty="0" smtClean="0"/>
-          </a:p>
-          <a:p>
-            <a:pPr lvl="1"/>
-            <a:r>
-              <a:rPr lang="en-US" altLang="ko-KR" dirty="0" err="1" smtClean="0"/>
-              <a:t>github</a:t>
-            </a:r>
-            <a:r>
-              <a:rPr lang="en-US" altLang="ko-KR" dirty="0" smtClean="0"/>
-              <a:t> action </a:t>
-            </a:r>
-            <a:r>
-              <a:rPr lang="ko-KR" altLang="en-US" dirty="0" smtClean="0"/>
-              <a:t>스크립트 실행</a:t>
-            </a:r>
-            <a:endParaRPr lang="ko-KR" altLang="en-US" dirty="0"/>
-          </a:p>
-        </p:txBody>
-      </p:sp>
-      <p:pic>
-        <p:nvPicPr>
-          <p:cNvPr id="3" name="그림 2"/>
-          <p:cNvPicPr>
-            <a:picLocks noChangeAspect="1"/>
-          </p:cNvPicPr>
-          <p:nvPr/>
-        </p:nvPicPr>
-        <p:blipFill>
-          <a:blip r:embed="rId2"/>
-          <a:stretch>
-            <a:fillRect/>
-          </a:stretch>
-        </p:blipFill>
-        <p:spPr>
-          <a:xfrm>
-            <a:off x="838200" y="1648057"/>
-            <a:ext cx="7172325" cy="1190625"/>
-          </a:xfrm>
-          <a:prstGeom prst="rect">
-            <a:avLst/>
-          </a:prstGeom>
-        </p:spPr>
-      </p:pic>
-    </p:spTree>
-    <p:extLst>
-      <p:ext uri="{BB962C8B-B14F-4D97-AF65-F5344CB8AC3E}">
-        <p14:creationId xmlns:p14="http://schemas.microsoft.com/office/powerpoint/2010/main" val="663651788"/>
-      </p:ext>
-    </p:extLst>
-  </p:cSld>
-  <p:clrMapOvr>
-    <a:masterClrMapping/>
-  </p:clrMapOvr>
-</p:sld>
-</file>
-
-<file path=ppt/slides/slide38.xml><?xml version="1.0" encoding="utf-8"?>
-<p:sld xmlns:a="http://schemas.openxmlformats.org/drawingml/2006/main" xmlns:r="http://schemas.openxmlformats.org/officeDocument/2006/relationships" xmlns:p="http://schemas.openxmlformats.org/presentationml/2006/main">
-  <p:cSld>
-    <p:spTree>
-      <p:nvGrpSpPr>
-        <p:cNvPr id="1" name=""/>
-        <p:cNvGrpSpPr/>
-        <p:nvPr/>
-      </p:nvGrpSpPr>
-      <p:grpSpPr>
-        <a:xfrm>
-          <a:off x="0" y="0"/>
-          <a:ext cx="0" cy="0"/>
-          <a:chOff x="0" y="0"/>
-          <a:chExt cx="0" cy="0"/>
-        </a:xfrm>
-      </p:grpSpPr>
-      <p:sp>
-        <p:nvSpPr>
-          <p:cNvPr id="2" name="제목 1"/>
-          <p:cNvSpPr>
-            <a:spLocks noGrp="1"/>
-          </p:cNvSpPr>
-          <p:nvPr>
-            <p:ph type="title"/>
-          </p:nvPr>
-        </p:nvSpPr>
-        <p:spPr/>
-        <p:txBody>
-          <a:bodyPr/>
-          <a:lstStyle/>
-          <a:p>
-            <a:r>
-              <a:rPr lang="en-US" altLang="ko-KR" dirty="0" smtClean="0"/>
-              <a:t>4. create action workflow: </a:t>
-            </a:r>
-            <a:r>
-              <a:rPr lang="en-US" altLang="ko-KR" sz="2400" dirty="0" smtClean="0"/>
-              <a:t>add script</a:t>
-            </a:r>
-            <a:endParaRPr lang="ko-KR" altLang="en-US" sz="2400" dirty="0"/>
-          </a:p>
-        </p:txBody>
-      </p:sp>
-      <p:sp>
-        <p:nvSpPr>
-          <p:cNvPr id="4" name="내용 개체 틀 3"/>
-          <p:cNvSpPr>
-            <a:spLocks noGrp="1"/>
-          </p:cNvSpPr>
-          <p:nvPr>
-            <p:ph idx="1"/>
-          </p:nvPr>
-        </p:nvSpPr>
-        <p:spPr>
-          <a:xfrm>
             <a:off x="838200" y="2067532"/>
             <a:ext cx="10515600" cy="1172701"/>
           </a:xfrm>
@@ -11507,25 +12736,37 @@
           <a:lstStyle/>
           <a:p>
             <a:r>
-              <a:rPr lang="en-US" altLang="ko-KR" dirty="0" smtClean="0"/>
+              <a:rPr lang="en-US" altLang="ko-KR" dirty="0" smtClean="0">
+                <a:latin typeface="JetBrains Mono"/>
+              </a:rPr>
               <a:t>jobs: </a:t>
             </a:r>
             <a:r>
-              <a:rPr lang="en-US" altLang="ko-KR" dirty="0" err="1" smtClean="0"/>
+              <a:rPr lang="en-US" altLang="ko-KR" dirty="0" err="1" smtClean="0">
+                <a:latin typeface="JetBrains Mono"/>
+              </a:rPr>
               <a:t>github</a:t>
             </a:r>
             <a:r>
-              <a:rPr lang="en-US" altLang="ko-KR" dirty="0" smtClean="0"/>
+              <a:rPr lang="en-US" altLang="ko-KR" dirty="0" smtClean="0">
+                <a:latin typeface="JetBrains Mono"/>
+              </a:rPr>
               <a:t> action</a:t>
             </a:r>
             <a:r>
-              <a:rPr lang="ko-KR" altLang="en-US" dirty="0" smtClean="0"/>
+              <a:rPr lang="ko-KR" altLang="en-US" dirty="0" smtClean="0">
+                <a:latin typeface="JetBrains Mono"/>
+              </a:rPr>
               <a:t>에서 수행할 작업을 작성</a:t>
             </a:r>
-            <a:endParaRPr lang="en-US" altLang="ko-KR" dirty="0" smtClean="0"/>
-          </a:p>
-          <a:p>
-            <a:endParaRPr lang="ko-KR" altLang="en-US" dirty="0"/>
+            <a:endParaRPr lang="en-US" altLang="ko-KR" dirty="0" smtClean="0">
+              <a:latin typeface="JetBrains Mono"/>
+            </a:endParaRPr>
+          </a:p>
+          <a:p>
+            <a:endParaRPr lang="ko-KR" altLang="en-US" dirty="0">
+              <a:latin typeface="JetBrains Mono"/>
+            </a:endParaRPr>
           </a:p>
         </p:txBody>
       </p:sp>
@@ -11764,50 +13005,74 @@
           </a:lstStyle>
           <a:p>
             <a:r>
-              <a:rPr lang="en-US" altLang="ko-KR" dirty="0" smtClean="0"/>
+              <a:rPr lang="en-US" altLang="ko-KR" dirty="0" smtClean="0">
+                <a:latin typeface="JetBrains Mono"/>
+              </a:rPr>
               <a:t>build: </a:t>
             </a:r>
             <a:r>
-              <a:rPr lang="ko-KR" altLang="en-US" dirty="0" smtClean="0"/>
+              <a:rPr lang="ko-KR" altLang="en-US" dirty="0" smtClean="0">
+                <a:latin typeface="JetBrains Mono"/>
+              </a:rPr>
               <a:t>빌드 환경 작성</a:t>
             </a:r>
-            <a:endParaRPr lang="en-US" altLang="ko-KR" dirty="0" smtClean="0"/>
+            <a:endParaRPr lang="en-US" altLang="ko-KR" dirty="0" smtClean="0">
+              <a:latin typeface="JetBrains Mono"/>
+            </a:endParaRPr>
           </a:p>
           <a:p>
             <a:pPr lvl="1"/>
             <a:r>
-              <a:rPr lang="en-US" altLang="ko-KR" dirty="0" smtClean="0"/>
+              <a:rPr lang="en-US" altLang="ko-KR" dirty="0" smtClean="0">
+                <a:latin typeface="JetBrains Mono"/>
+              </a:rPr>
               <a:t>runs-on: </a:t>
             </a:r>
             <a:r>
-              <a:rPr lang="ko-KR" altLang="en-US" dirty="0" smtClean="0"/>
+              <a:rPr lang="ko-KR" altLang="en-US" dirty="0" smtClean="0">
+                <a:latin typeface="JetBrains Mono"/>
+              </a:rPr>
               <a:t>운영체제 기입</a:t>
             </a:r>
-            <a:endParaRPr lang="en-US" altLang="ko-KR" dirty="0" smtClean="0"/>
+            <a:endParaRPr lang="en-US" altLang="ko-KR" dirty="0" smtClean="0">
+              <a:latin typeface="JetBrains Mono"/>
+            </a:endParaRPr>
           </a:p>
           <a:p>
             <a:pPr lvl="1"/>
             <a:r>
-              <a:rPr lang="en-US" altLang="ko-KR" dirty="0" smtClean="0"/>
+              <a:rPr lang="en-US" altLang="ko-KR" dirty="0" smtClean="0">
+                <a:latin typeface="JetBrains Mono"/>
+              </a:rPr>
               <a:t>strategy: </a:t>
             </a:r>
             <a:r>
-              <a:rPr lang="ko-KR" altLang="en-US" dirty="0" smtClean="0"/>
+              <a:rPr lang="ko-KR" altLang="en-US" dirty="0" smtClean="0">
+                <a:latin typeface="JetBrains Mono"/>
+              </a:rPr>
               <a:t>개발 환경 기입</a:t>
             </a:r>
-            <a:endParaRPr lang="en-US" altLang="ko-KR" dirty="0" smtClean="0"/>
+            <a:endParaRPr lang="en-US" altLang="ko-KR" dirty="0" smtClean="0">
+              <a:latin typeface="JetBrains Mono"/>
+            </a:endParaRPr>
           </a:p>
           <a:p>
             <a:pPr lvl="2"/>
             <a:r>
-              <a:rPr lang="en-US" altLang="ko-KR" dirty="0" smtClean="0"/>
+              <a:rPr lang="en-US" altLang="ko-KR" dirty="0" smtClean="0">
+                <a:latin typeface="JetBrains Mono"/>
+              </a:rPr>
               <a:t>node-version: </a:t>
             </a:r>
             <a:r>
-              <a:rPr lang="ko-KR" altLang="en-US" dirty="0" smtClean="0"/>
+              <a:rPr lang="ko-KR" altLang="en-US" dirty="0" smtClean="0">
+                <a:latin typeface="JetBrains Mono"/>
+              </a:rPr>
               <a:t>사용 노드 버전 기입</a:t>
             </a:r>
-            <a:endParaRPr lang="ko-KR" altLang="en-US" dirty="0"/>
+            <a:endParaRPr lang="ko-KR" altLang="en-US" dirty="0">
+              <a:latin typeface="JetBrains Mono"/>
+            </a:endParaRPr>
           </a:p>
         </p:txBody>
       </p:sp>
@@ -11815,6 +13080,151 @@
     <p:extLst>
       <p:ext uri="{BB962C8B-B14F-4D97-AF65-F5344CB8AC3E}">
         <p14:creationId xmlns:p14="http://schemas.microsoft.com/office/powerpoint/2010/main" val="3036209248"/>
+      </p:ext>
+    </p:extLst>
+  </p:cSld>
+  <p:clrMapOvr>
+    <a:masterClrMapping/>
+  </p:clrMapOvr>
+</p:sld>
+</file>
+
+<file path=ppt/slides/slide38.xml><?xml version="1.0" encoding="utf-8"?>
+<p:sld xmlns:a="http://schemas.openxmlformats.org/drawingml/2006/main" xmlns:r="http://schemas.openxmlformats.org/officeDocument/2006/relationships" xmlns:p="http://schemas.openxmlformats.org/presentationml/2006/main">
+  <p:cSld>
+    <p:spTree>
+      <p:nvGrpSpPr>
+        <p:cNvPr id="1" name=""/>
+        <p:cNvGrpSpPr/>
+        <p:nvPr/>
+      </p:nvGrpSpPr>
+      <p:grpSpPr>
+        <a:xfrm>
+          <a:off x="0" y="0"/>
+          <a:ext cx="0" cy="0"/>
+          <a:chOff x="0" y="0"/>
+          <a:chExt cx="0" cy="0"/>
+        </a:xfrm>
+      </p:grpSpPr>
+      <p:sp>
+        <p:nvSpPr>
+          <p:cNvPr id="2" name="제목 1"/>
+          <p:cNvSpPr>
+            <a:spLocks noGrp="1"/>
+          </p:cNvSpPr>
+          <p:nvPr>
+            <p:ph type="title"/>
+          </p:nvPr>
+        </p:nvSpPr>
+        <p:spPr/>
+        <p:txBody>
+          <a:bodyPr/>
+          <a:lstStyle/>
+          <a:p>
+            <a:r>
+              <a:rPr lang="en-US" altLang="ko-KR" dirty="0" smtClean="0">
+                <a:latin typeface="JetBrains Mono"/>
+              </a:rPr>
+              <a:t>4. create action workflow: </a:t>
+            </a:r>
+            <a:r>
+              <a:rPr lang="en-US" altLang="ko-KR" sz="2400" dirty="0" smtClean="0">
+                <a:latin typeface="JetBrains Mono"/>
+              </a:rPr>
+              <a:t>add script</a:t>
+            </a:r>
+            <a:endParaRPr lang="ko-KR" altLang="en-US" sz="2400" dirty="0">
+              <a:latin typeface="JetBrains Mono"/>
+            </a:endParaRPr>
+          </a:p>
+        </p:txBody>
+      </p:sp>
+      <p:sp>
+        <p:nvSpPr>
+          <p:cNvPr id="4" name="내용 개체 틀 3"/>
+          <p:cNvSpPr>
+            <a:spLocks noGrp="1"/>
+          </p:cNvSpPr>
+          <p:nvPr>
+            <p:ph idx="1"/>
+          </p:nvPr>
+        </p:nvSpPr>
+        <p:spPr>
+          <a:xfrm>
+            <a:off x="1104208" y="3397568"/>
+            <a:ext cx="10515600" cy="1172701"/>
+          </a:xfrm>
+        </p:spPr>
+        <p:txBody>
+          <a:bodyPr>
+            <a:normAutofit/>
+          </a:bodyPr>
+          <a:lstStyle/>
+          <a:p>
+            <a:r>
+              <a:rPr lang="en-US" altLang="ko-KR" dirty="0" smtClean="0">
+                <a:latin typeface="JetBrains Mono"/>
+              </a:rPr>
+              <a:t>steps: </a:t>
+            </a:r>
+            <a:r>
+              <a:rPr lang="ko-KR" altLang="en-US" dirty="0" smtClean="0">
+                <a:latin typeface="JetBrains Mono"/>
+              </a:rPr>
+              <a:t>빌드 과정 서술</a:t>
+            </a:r>
+            <a:endParaRPr lang="en-US" altLang="ko-KR" dirty="0" smtClean="0">
+              <a:latin typeface="JetBrains Mono"/>
+            </a:endParaRPr>
+          </a:p>
+          <a:p>
+            <a:pPr lvl="1"/>
+            <a:r>
+              <a:rPr lang="en-US" altLang="ko-KR" dirty="0" smtClean="0">
+                <a:latin typeface="JetBrains Mono"/>
+              </a:rPr>
+              <a:t>names: </a:t>
+            </a:r>
+            <a:r>
+              <a:rPr lang="ko-KR" altLang="en-US" dirty="0" smtClean="0">
+                <a:latin typeface="JetBrains Mono"/>
+              </a:rPr>
+              <a:t>명령어 이름 해당 이름을 통해 명령어 실행됨</a:t>
+            </a:r>
+            <a:endParaRPr lang="ko-KR" altLang="en-US" dirty="0">
+              <a:latin typeface="JetBrains Mono"/>
+            </a:endParaRPr>
+          </a:p>
+        </p:txBody>
+      </p:sp>
+      <p:pic>
+        <p:nvPicPr>
+          <p:cNvPr id="3" name="그림 2"/>
+          <p:cNvPicPr>
+            <a:picLocks noChangeAspect="1"/>
+          </p:cNvPicPr>
+          <p:nvPr/>
+        </p:nvPicPr>
+        <p:blipFill>
+          <a:blip r:embed="rId2"/>
+          <a:stretch>
+            <a:fillRect/>
+          </a:stretch>
+        </p:blipFill>
+        <p:spPr>
+          <a:xfrm>
+            <a:off x="1104208" y="1690688"/>
+            <a:ext cx="3705225" cy="1619250"/>
+          </a:xfrm>
+          <a:prstGeom prst="rect">
+            <a:avLst/>
+          </a:prstGeom>
+        </p:spPr>
+      </p:pic>
+    </p:spTree>
+    <p:extLst>
+      <p:ext uri="{BB962C8B-B14F-4D97-AF65-F5344CB8AC3E}">
+        <p14:creationId xmlns:p14="http://schemas.microsoft.com/office/powerpoint/2010/main" val="3583872460"/>
       </p:ext>
     </p:extLst>
   </p:cSld>
@@ -11857,14 +13267,20 @@
           <a:lstStyle/>
           <a:p>
             <a:r>
-              <a:rPr lang="en-US" altLang="ko-KR" dirty="0" smtClean="0"/>
+              <a:rPr lang="en-US" altLang="ko-KR" dirty="0" smtClean="0">
+                <a:latin typeface="JetBrains Mono"/>
+              </a:rPr>
               <a:t>4. create action workflow: </a:t>
             </a:r>
             <a:r>
-              <a:rPr lang="en-US" altLang="ko-KR" sz="2400" dirty="0" smtClean="0"/>
+              <a:rPr lang="en-US" altLang="ko-KR" sz="2400" dirty="0" smtClean="0">
+                <a:latin typeface="JetBrains Mono"/>
+              </a:rPr>
               <a:t>add script</a:t>
             </a:r>
-            <a:endParaRPr lang="ko-KR" altLang="en-US" sz="2400" dirty="0"/>
+            <a:endParaRPr lang="ko-KR" altLang="en-US" sz="2400" dirty="0">
+              <a:latin typeface="JetBrains Mono"/>
+            </a:endParaRPr>
           </a:p>
         </p:txBody>
       </p:sp>
@@ -11880,8 +13296,8 @@
         </p:nvSpPr>
         <p:spPr>
           <a:xfrm>
-            <a:off x="1104208" y="3397568"/>
-            <a:ext cx="10515600" cy="1172701"/>
+            <a:off x="1104208" y="2997288"/>
+            <a:ext cx="10515600" cy="2671992"/>
           </a:xfrm>
         </p:spPr>
         <p:txBody>
@@ -11891,299 +13307,137 @@
           <a:lstStyle/>
           <a:p>
             <a:r>
-              <a:rPr lang="en-US" altLang="ko-KR" dirty="0" smtClean="0"/>
-              <a:t>steps: </a:t>
-            </a:r>
-            <a:r>
-              <a:rPr lang="ko-KR" altLang="en-US" dirty="0" smtClean="0"/>
-              <a:t>빌드 과정 서술</a:t>
-            </a:r>
-            <a:endParaRPr lang="en-US" altLang="ko-KR" dirty="0" smtClean="0"/>
+              <a:rPr lang="en-US" altLang="ko-KR" sz="2400" dirty="0" smtClean="0">
+                <a:latin typeface="JetBrains Mono"/>
+              </a:rPr>
+              <a:t>app build</a:t>
+            </a:r>
           </a:p>
           <a:p>
             <a:pPr lvl="1"/>
             <a:r>
-              <a:rPr lang="en-US" altLang="ko-KR" dirty="0" smtClean="0"/>
-              <a:t>names: </a:t>
-            </a:r>
-            <a:r>
-              <a:rPr lang="ko-KR" altLang="en-US" dirty="0" smtClean="0"/>
-              <a:t>명령어 이름 해당 이름을 통해 명령어 실행됨</a:t>
-            </a:r>
-            <a:endParaRPr lang="ko-KR" altLang="en-US" dirty="0"/>
-          </a:p>
-        </p:txBody>
-      </p:sp>
-      <p:pic>
-        <p:nvPicPr>
-          <p:cNvPr id="3" name="그림 2"/>
-          <p:cNvPicPr>
-            <a:picLocks noChangeAspect="1"/>
-          </p:cNvPicPr>
-          <p:nvPr/>
-        </p:nvPicPr>
-        <p:blipFill>
-          <a:blip r:embed="rId2"/>
-          <a:stretch>
-            <a:fillRect/>
-          </a:stretch>
-        </p:blipFill>
-        <p:spPr>
-          <a:xfrm>
-            <a:off x="1104208" y="1690688"/>
-            <a:ext cx="3705225" cy="1619250"/>
-          </a:xfrm>
-          <a:prstGeom prst="rect">
-            <a:avLst/>
-          </a:prstGeom>
-        </p:spPr>
-      </p:pic>
-    </p:spTree>
-    <p:extLst>
-      <p:ext uri="{BB962C8B-B14F-4D97-AF65-F5344CB8AC3E}">
-        <p14:creationId xmlns:p14="http://schemas.microsoft.com/office/powerpoint/2010/main" val="3583872460"/>
-      </p:ext>
-    </p:extLst>
-  </p:cSld>
-  <p:clrMapOvr>
-    <a:masterClrMapping/>
-  </p:clrMapOvr>
-</p:sld>
-</file>
-
-<file path=ppt/slides/slide4.xml><?xml version="1.0" encoding="utf-8"?>
-<p:sld xmlns:a="http://schemas.openxmlformats.org/drawingml/2006/main" xmlns:r="http://schemas.openxmlformats.org/officeDocument/2006/relationships" xmlns:p="http://schemas.openxmlformats.org/presentationml/2006/main">
-  <p:cSld>
-    <p:spTree>
-      <p:nvGrpSpPr>
-        <p:cNvPr id="1" name=""/>
-        <p:cNvGrpSpPr/>
-        <p:nvPr/>
-      </p:nvGrpSpPr>
-      <p:grpSpPr>
-        <a:xfrm>
-          <a:off x="0" y="0"/>
-          <a:ext cx="0" cy="0"/>
-          <a:chOff x="0" y="0"/>
-          <a:chExt cx="0" cy="0"/>
-        </a:xfrm>
-      </p:grpSpPr>
-      <p:sp>
-        <p:nvSpPr>
-          <p:cNvPr id="2" name="제목 1"/>
-          <p:cNvSpPr>
-            <a:spLocks noGrp="1"/>
-          </p:cNvSpPr>
-          <p:nvPr>
-            <p:ph type="title"/>
-          </p:nvPr>
-        </p:nvSpPr>
-        <p:spPr/>
-        <p:txBody>
-          <a:bodyPr/>
-          <a:lstStyle/>
-          <a:p>
-            <a:r>
-              <a:rPr lang="en-US" altLang="ko-KR" dirty="0" smtClean="0"/>
-              <a:t>2. create repository</a:t>
-            </a:r>
-            <a:endParaRPr lang="ko-KR" altLang="en-US" dirty="0"/>
-          </a:p>
-        </p:txBody>
-      </p:sp>
-      <p:pic>
-        <p:nvPicPr>
-          <p:cNvPr id="4" name="그림 3"/>
-          <p:cNvPicPr>
-            <a:picLocks noChangeAspect="1"/>
-          </p:cNvPicPr>
-          <p:nvPr/>
-        </p:nvPicPr>
-        <p:blipFill>
-          <a:blip r:embed="rId2"/>
-          <a:stretch>
-            <a:fillRect/>
-          </a:stretch>
-        </p:blipFill>
-        <p:spPr>
-          <a:xfrm>
-            <a:off x="838199" y="1690687"/>
-            <a:ext cx="4619625" cy="4758515"/>
-          </a:xfrm>
-          <a:prstGeom prst="rect">
-            <a:avLst/>
-          </a:prstGeom>
-        </p:spPr>
-      </p:pic>
-    </p:spTree>
-    <p:extLst>
-      <p:ext uri="{BB962C8B-B14F-4D97-AF65-F5344CB8AC3E}">
-        <p14:creationId xmlns:p14="http://schemas.microsoft.com/office/powerpoint/2010/main" val="3307374738"/>
-      </p:ext>
-    </p:extLst>
-  </p:cSld>
-  <p:clrMapOvr>
-    <a:masterClrMapping/>
-  </p:clrMapOvr>
-</p:sld>
-</file>
-
-<file path=ppt/slides/slide40.xml><?xml version="1.0" encoding="utf-8"?>
-<p:sld xmlns:a="http://schemas.openxmlformats.org/drawingml/2006/main" xmlns:r="http://schemas.openxmlformats.org/officeDocument/2006/relationships" xmlns:p="http://schemas.openxmlformats.org/presentationml/2006/main">
-  <p:cSld>
-    <p:spTree>
-      <p:nvGrpSpPr>
-        <p:cNvPr id="1" name=""/>
-        <p:cNvGrpSpPr/>
-        <p:nvPr/>
-      </p:nvGrpSpPr>
-      <p:grpSpPr>
-        <a:xfrm>
-          <a:off x="0" y="0"/>
-          <a:ext cx="0" cy="0"/>
-          <a:chOff x="0" y="0"/>
-          <a:chExt cx="0" cy="0"/>
-        </a:xfrm>
-      </p:grpSpPr>
-      <p:sp>
-        <p:nvSpPr>
-          <p:cNvPr id="2" name="제목 1"/>
-          <p:cNvSpPr>
-            <a:spLocks noGrp="1"/>
-          </p:cNvSpPr>
-          <p:nvPr>
-            <p:ph type="title"/>
-          </p:nvPr>
-        </p:nvSpPr>
-        <p:spPr/>
-        <p:txBody>
-          <a:bodyPr/>
-          <a:lstStyle/>
-          <a:p>
-            <a:r>
-              <a:rPr lang="en-US" altLang="ko-KR" dirty="0" smtClean="0"/>
-              <a:t>4. create action workflow: </a:t>
-            </a:r>
-            <a:r>
-              <a:rPr lang="en-US" altLang="ko-KR" sz="2400" dirty="0" smtClean="0"/>
-              <a:t>add script</a:t>
-            </a:r>
-            <a:endParaRPr lang="ko-KR" altLang="en-US" sz="2400" dirty="0"/>
-          </a:p>
-        </p:txBody>
-      </p:sp>
-      <p:sp>
-        <p:nvSpPr>
-          <p:cNvPr id="4" name="내용 개체 틀 3"/>
-          <p:cNvSpPr>
-            <a:spLocks noGrp="1"/>
-          </p:cNvSpPr>
-          <p:nvPr>
-            <p:ph idx="1"/>
-          </p:nvPr>
-        </p:nvSpPr>
-        <p:spPr>
-          <a:xfrm>
-            <a:off x="1104208" y="2997288"/>
-            <a:ext cx="10515600" cy="2671992"/>
-          </a:xfrm>
-        </p:spPr>
-        <p:txBody>
-          <a:bodyPr>
-            <a:normAutofit/>
-          </a:bodyPr>
-          <a:lstStyle/>
-          <a:p>
-            <a:r>
-              <a:rPr lang="en-US" altLang="ko-KR" sz="2400" dirty="0" smtClean="0"/>
-              <a:t>app build</a:t>
+              <a:rPr lang="ko-KR" altLang="en-US" sz="2000" dirty="0" smtClean="0">
+                <a:latin typeface="JetBrains Mono"/>
+              </a:rPr>
+              <a:t>현재 디렉터리에서 </a:t>
+            </a:r>
+            <a:r>
+              <a:rPr lang="en-US" altLang="ko-KR" sz="2000" dirty="0" err="1" smtClean="0">
+                <a:latin typeface="JetBrains Mono"/>
+              </a:rPr>
+              <a:t>npm</a:t>
+            </a:r>
+            <a:r>
+              <a:rPr lang="en-US" altLang="ko-KR" sz="2000" dirty="0" smtClean="0">
+                <a:latin typeface="JetBrains Mono"/>
+              </a:rPr>
+              <a:t> </a:t>
+            </a:r>
+            <a:r>
+              <a:rPr lang="en-US" altLang="ko-KR" sz="2000" dirty="0" err="1" smtClean="0">
+                <a:latin typeface="JetBrains Mono"/>
+              </a:rPr>
+              <a:t>i</a:t>
+            </a:r>
+            <a:r>
+              <a:rPr lang="en-US" altLang="ko-KR" sz="2000" dirty="0" smtClean="0">
+                <a:latin typeface="JetBrains Mono"/>
+              </a:rPr>
+              <a:t>(</a:t>
+            </a:r>
+            <a:r>
+              <a:rPr lang="ko-KR" altLang="en-US" sz="2000" dirty="0" smtClean="0">
+                <a:latin typeface="JetBrains Mono"/>
+              </a:rPr>
+              <a:t>종속성 설치</a:t>
+            </a:r>
+            <a:r>
+              <a:rPr lang="en-US" altLang="ko-KR" sz="2000" dirty="0" smtClean="0">
+                <a:latin typeface="JetBrains Mono"/>
+              </a:rPr>
+              <a:t>)</a:t>
             </a:r>
           </a:p>
           <a:p>
             <a:pPr lvl="1"/>
             <a:r>
-              <a:rPr lang="ko-KR" altLang="en-US" sz="2000" dirty="0" smtClean="0"/>
-              <a:t>현재 디렉터리에서 </a:t>
-            </a:r>
-            <a:r>
-              <a:rPr lang="en-US" altLang="ko-KR" sz="2000" dirty="0" err="1" smtClean="0"/>
+              <a:rPr lang="en-US" altLang="ko-KR" sz="2000" dirty="0" err="1" smtClean="0">
+                <a:latin typeface="JetBrains Mono"/>
+              </a:rPr>
               <a:t>npm</a:t>
             </a:r>
             <a:r>
-              <a:rPr lang="en-US" altLang="ko-KR" sz="2000" dirty="0" smtClean="0"/>
-              <a:t> </a:t>
-            </a:r>
-            <a:r>
-              <a:rPr lang="en-US" altLang="ko-KR" sz="2000" dirty="0" err="1" smtClean="0"/>
-              <a:t>i</a:t>
-            </a:r>
-            <a:r>
-              <a:rPr lang="en-US" altLang="ko-KR" sz="2000" dirty="0" smtClean="0"/>
+              <a:rPr lang="en-US" altLang="ko-KR" sz="2000" dirty="0" smtClean="0">
+                <a:latin typeface="JetBrains Mono"/>
+              </a:rPr>
+              <a:t> run build(</a:t>
+            </a:r>
+            <a:r>
+              <a:rPr lang="ko-KR" altLang="en-US" sz="2000" dirty="0" smtClean="0">
+                <a:latin typeface="JetBrains Mono"/>
+              </a:rPr>
+              <a:t>앱 빌드</a:t>
+            </a:r>
+            <a:r>
+              <a:rPr lang="en-US" altLang="ko-KR" sz="2000" dirty="0" smtClean="0">
+                <a:latin typeface="JetBrains Mono"/>
+              </a:rPr>
+              <a:t>)</a:t>
+            </a:r>
+          </a:p>
+          <a:p>
+            <a:pPr lvl="1"/>
+            <a:r>
+              <a:rPr lang="ko-KR" altLang="en-US" sz="2000" dirty="0" smtClean="0">
+                <a:latin typeface="JetBrains Mono"/>
+              </a:rPr>
+              <a:t>두 명령어를 통해 </a:t>
+            </a:r>
+            <a:r>
+              <a:rPr lang="ko-KR" altLang="en-US" sz="2000" dirty="0" err="1" smtClean="0">
+                <a:latin typeface="JetBrains Mono"/>
+              </a:rPr>
+              <a:t>빌드된</a:t>
+            </a:r>
+            <a:r>
+              <a:rPr lang="ko-KR" altLang="en-US" sz="2000" dirty="0" smtClean="0">
+                <a:latin typeface="JetBrains Mono"/>
+              </a:rPr>
+              <a:t> 앱</a:t>
+            </a:r>
+            <a:r>
+              <a:rPr lang="en-US" altLang="ko-KR" sz="2000" dirty="0" smtClean="0">
+                <a:latin typeface="JetBrains Mono"/>
+              </a:rPr>
               <a:t>(</a:t>
             </a:r>
             <a:r>
-              <a:rPr lang="ko-KR" altLang="en-US" sz="2000" dirty="0" smtClean="0"/>
-              <a:t>종속성 설치</a:t>
-            </a:r>
-            <a:r>
-              <a:rPr lang="en-US" altLang="ko-KR" sz="2000" dirty="0" smtClean="0"/>
-              <a:t>)</a:t>
-            </a:r>
+              <a:rPr lang="en-US" altLang="ko-KR" sz="2000" dirty="0" err="1" smtClean="0">
+                <a:latin typeface="JetBrains Mono"/>
+              </a:rPr>
+              <a:t>dist</a:t>
+            </a:r>
+            <a:r>
+              <a:rPr lang="en-US" altLang="ko-KR" sz="2000" dirty="0" smtClean="0">
+                <a:latin typeface="JetBrains Mono"/>
+              </a:rPr>
+              <a:t>) </a:t>
+            </a:r>
+            <a:r>
+              <a:rPr lang="ko-KR" altLang="en-US" sz="2000" dirty="0" smtClean="0">
+                <a:latin typeface="JetBrains Mono"/>
+              </a:rPr>
+              <a:t>폴더 생성</a:t>
+            </a:r>
+            <a:endParaRPr lang="en-US" altLang="ko-KR" sz="2000" dirty="0" smtClean="0">
+              <a:latin typeface="JetBrains Mono"/>
+            </a:endParaRPr>
           </a:p>
           <a:p>
             <a:pPr lvl="1"/>
-            <a:r>
-              <a:rPr lang="en-US" altLang="ko-KR" sz="2000" dirty="0" err="1" smtClean="0"/>
-              <a:t>npm</a:t>
-            </a:r>
-            <a:r>
-              <a:rPr lang="en-US" altLang="ko-KR" sz="2000" dirty="0" smtClean="0"/>
-              <a:t> run build(</a:t>
-            </a:r>
-            <a:r>
-              <a:rPr lang="ko-KR" altLang="en-US" sz="2000" dirty="0" smtClean="0"/>
-              <a:t>앱 빌드</a:t>
-            </a:r>
-            <a:r>
-              <a:rPr lang="en-US" altLang="ko-KR" sz="2000" dirty="0" smtClean="0"/>
-              <a:t>)</a:t>
-            </a:r>
-          </a:p>
-          <a:p>
-            <a:pPr lvl="1"/>
-            <a:r>
-              <a:rPr lang="ko-KR" altLang="en-US" sz="2000" dirty="0" smtClean="0"/>
-              <a:t>두 명령어를 통해 </a:t>
-            </a:r>
-            <a:r>
-              <a:rPr lang="ko-KR" altLang="en-US" sz="2000" dirty="0" err="1" smtClean="0"/>
-              <a:t>빌드된</a:t>
-            </a:r>
-            <a:r>
-              <a:rPr lang="ko-KR" altLang="en-US" sz="2000" dirty="0" smtClean="0"/>
-              <a:t> 앱</a:t>
-            </a:r>
-            <a:r>
-              <a:rPr lang="en-US" altLang="ko-KR" sz="2000" dirty="0" smtClean="0"/>
-              <a:t>(</a:t>
-            </a:r>
-            <a:r>
-              <a:rPr lang="en-US" altLang="ko-KR" sz="2000" dirty="0" err="1" smtClean="0"/>
-              <a:t>dist</a:t>
-            </a:r>
-            <a:r>
-              <a:rPr lang="en-US" altLang="ko-KR" sz="2000" dirty="0" smtClean="0"/>
-              <a:t>) </a:t>
-            </a:r>
-            <a:r>
-              <a:rPr lang="ko-KR" altLang="en-US" sz="2000" dirty="0" smtClean="0"/>
-              <a:t>폴더 생성</a:t>
-            </a:r>
-            <a:endParaRPr lang="en-US" altLang="ko-KR" sz="2000" dirty="0" smtClean="0"/>
-          </a:p>
-          <a:p>
-            <a:pPr lvl="1"/>
-            <a:endParaRPr lang="en-US" altLang="ko-KR" dirty="0" smtClean="0"/>
+            <a:endParaRPr lang="en-US" altLang="ko-KR" dirty="0" smtClean="0">
+              <a:latin typeface="JetBrains Mono"/>
+            </a:endParaRPr>
           </a:p>
         </p:txBody>
       </p:sp>
@@ -12505,7 +13759,7 @@
 </p:sld>
 </file>
 
-<file path=ppt/slides/slide41.xml><?xml version="1.0" encoding="utf-8"?>
+<file path=ppt/slides/slide4.xml><?xml version="1.0" encoding="utf-8"?>
 <p:sld xmlns:a="http://schemas.openxmlformats.org/drawingml/2006/main" xmlns:r="http://schemas.openxmlformats.org/officeDocument/2006/relationships" xmlns:p="http://schemas.openxmlformats.org/presentationml/2006/main">
   <p:cSld>
     <p:spTree>
@@ -12538,14 +13792,101 @@
           <a:lstStyle/>
           <a:p>
             <a:r>
-              <a:rPr lang="en-US" altLang="ko-KR" dirty="0" smtClean="0"/>
+              <a:rPr lang="en-US" altLang="ko-KR" dirty="0" smtClean="0">
+                <a:latin typeface="JetBrains Mono"/>
+              </a:rPr>
+              <a:t>2. create repository</a:t>
+            </a:r>
+            <a:endParaRPr lang="ko-KR" altLang="en-US" dirty="0">
+              <a:latin typeface="JetBrains Mono"/>
+            </a:endParaRPr>
+          </a:p>
+        </p:txBody>
+      </p:sp>
+      <p:pic>
+        <p:nvPicPr>
+          <p:cNvPr id="4" name="그림 3"/>
+          <p:cNvPicPr>
+            <a:picLocks noChangeAspect="1"/>
+          </p:cNvPicPr>
+          <p:nvPr/>
+        </p:nvPicPr>
+        <p:blipFill>
+          <a:blip r:embed="rId2"/>
+          <a:stretch>
+            <a:fillRect/>
+          </a:stretch>
+        </p:blipFill>
+        <p:spPr>
+          <a:xfrm>
+            <a:off x="838199" y="1690687"/>
+            <a:ext cx="4619625" cy="4758515"/>
+          </a:xfrm>
+          <a:prstGeom prst="rect">
+            <a:avLst/>
+          </a:prstGeom>
+        </p:spPr>
+      </p:pic>
+    </p:spTree>
+    <p:extLst>
+      <p:ext uri="{BB962C8B-B14F-4D97-AF65-F5344CB8AC3E}">
+        <p14:creationId xmlns:p14="http://schemas.microsoft.com/office/powerpoint/2010/main" val="3307374738"/>
+      </p:ext>
+    </p:extLst>
+  </p:cSld>
+  <p:clrMapOvr>
+    <a:masterClrMapping/>
+  </p:clrMapOvr>
+</p:sld>
+</file>
+
+<file path=ppt/slides/slide40.xml><?xml version="1.0" encoding="utf-8"?>
+<p:sld xmlns:a="http://schemas.openxmlformats.org/drawingml/2006/main" xmlns:r="http://schemas.openxmlformats.org/officeDocument/2006/relationships" xmlns:p="http://schemas.openxmlformats.org/presentationml/2006/main">
+  <p:cSld>
+    <p:spTree>
+      <p:nvGrpSpPr>
+        <p:cNvPr id="1" name=""/>
+        <p:cNvGrpSpPr/>
+        <p:nvPr/>
+      </p:nvGrpSpPr>
+      <p:grpSpPr>
+        <a:xfrm>
+          <a:off x="0" y="0"/>
+          <a:ext cx="0" cy="0"/>
+          <a:chOff x="0" y="0"/>
+          <a:chExt cx="0" cy="0"/>
+        </a:xfrm>
+      </p:grpSpPr>
+      <p:sp>
+        <p:nvSpPr>
+          <p:cNvPr id="2" name="제목 1"/>
+          <p:cNvSpPr>
+            <a:spLocks noGrp="1"/>
+          </p:cNvSpPr>
+          <p:nvPr>
+            <p:ph type="title"/>
+          </p:nvPr>
+        </p:nvSpPr>
+        <p:spPr/>
+        <p:txBody>
+          <a:bodyPr/>
+          <a:lstStyle/>
+          <a:p>
+            <a:r>
+              <a:rPr lang="en-US" altLang="ko-KR" dirty="0" smtClean="0">
+                <a:latin typeface="JetBrains Mono"/>
+              </a:rPr>
               <a:t>4. create action workflow: </a:t>
             </a:r>
             <a:r>
-              <a:rPr lang="en-US" altLang="ko-KR" sz="2400" dirty="0" smtClean="0"/>
+              <a:rPr lang="en-US" altLang="ko-KR" sz="2400" dirty="0" smtClean="0">
+                <a:latin typeface="JetBrains Mono"/>
+              </a:rPr>
               <a:t>add script</a:t>
             </a:r>
-            <a:endParaRPr lang="ko-KR" altLang="en-US" sz="2400" dirty="0"/>
+            <a:endParaRPr lang="ko-KR" altLang="en-US" sz="2400" dirty="0">
+              <a:latin typeface="JetBrains Mono"/>
+            </a:endParaRPr>
           </a:p>
         </p:txBody>
       </p:sp>
@@ -12572,60 +13913,86 @@
           <a:lstStyle/>
           <a:p>
             <a:r>
-              <a:rPr lang="en-US" altLang="ko-KR" dirty="0" err="1" smtClean="0"/>
+              <a:rPr lang="en-US" altLang="ko-KR" dirty="0" err="1" smtClean="0">
+                <a:latin typeface="JetBrains Mono"/>
+              </a:rPr>
               <a:t>codedeploy</a:t>
             </a:r>
             <a:r>
-              <a:rPr lang="ko-KR" altLang="en-US" dirty="0" smtClean="0"/>
+              <a:rPr lang="ko-KR" altLang="en-US" dirty="0" smtClean="0">
+                <a:latin typeface="JetBrains Mono"/>
+              </a:rPr>
               <a:t>를 통한 서버 배포</a:t>
             </a:r>
-            <a:endParaRPr lang="en-US" altLang="ko-KR" dirty="0" smtClean="0"/>
+            <a:endParaRPr lang="en-US" altLang="ko-KR" dirty="0" smtClean="0">
+              <a:latin typeface="JetBrains Mono"/>
+            </a:endParaRPr>
           </a:p>
           <a:p>
             <a:pPr lvl="1"/>
             <a:r>
-              <a:rPr lang="en-US" altLang="ko-KR" dirty="0" smtClean="0"/>
+              <a:rPr lang="en-US" altLang="ko-KR" dirty="0" smtClean="0">
+                <a:latin typeface="JetBrains Mono"/>
+              </a:rPr>
               <a:t>application name(app)</a:t>
             </a:r>
           </a:p>
           <a:p>
             <a:pPr lvl="1"/>
             <a:r>
-              <a:rPr lang="en-US" altLang="ko-KR" dirty="0" smtClean="0"/>
+              <a:rPr lang="en-US" altLang="ko-KR" dirty="0" smtClean="0">
+                <a:latin typeface="JetBrains Mono"/>
+              </a:rPr>
               <a:t>group name(group)</a:t>
             </a:r>
             <a:r>
-              <a:rPr lang="ko-KR" altLang="en-US" dirty="0" smtClean="0"/>
+              <a:rPr lang="ko-KR" altLang="en-US" dirty="0" smtClean="0">
+                <a:latin typeface="JetBrains Mono"/>
+              </a:rPr>
               <a:t>을 작성</a:t>
             </a:r>
-            <a:endParaRPr lang="en-US" altLang="ko-KR" dirty="0" smtClean="0"/>
+            <a:endParaRPr lang="en-US" altLang="ko-KR" dirty="0" smtClean="0">
+              <a:latin typeface="JetBrains Mono"/>
+            </a:endParaRPr>
           </a:p>
           <a:p>
             <a:pPr lvl="1"/>
             <a:r>
-              <a:rPr lang="en-US" altLang="ko-KR" dirty="0" smtClean="0"/>
+              <a:rPr lang="en-US" altLang="ko-KR" dirty="0" smtClean="0">
+                <a:latin typeface="JetBrains Mono"/>
+              </a:rPr>
               <a:t>S3 </a:t>
             </a:r>
             <a:r>
-              <a:rPr lang="ko-KR" altLang="en-US" dirty="0" err="1" smtClean="0"/>
+              <a:rPr lang="ko-KR" altLang="en-US" dirty="0" err="1" smtClean="0">
+                <a:latin typeface="JetBrains Mono"/>
+              </a:rPr>
               <a:t>버킷의</a:t>
             </a:r>
             <a:r>
-              <a:rPr lang="ko-KR" altLang="en-US" dirty="0" smtClean="0"/>
+              <a:rPr lang="ko-KR" altLang="en-US" dirty="0" smtClean="0">
+                <a:latin typeface="JetBrains Mono"/>
+              </a:rPr>
               <a:t> 배포 파일을 명시</a:t>
             </a:r>
             <a:r>
-              <a:rPr lang="en-US" altLang="ko-KR" dirty="0" smtClean="0"/>
+              <a:rPr lang="en-US" altLang="ko-KR" dirty="0" smtClean="0">
+                <a:latin typeface="JetBrains Mono"/>
+              </a:rPr>
               <a:t>(public/cicd-app.zip)</a:t>
             </a:r>
           </a:p>
           <a:p>
             <a:pPr lvl="1"/>
-            <a:endParaRPr lang="en-US" altLang="ko-KR" dirty="0" smtClean="0"/>
+            <a:endParaRPr lang="en-US" altLang="ko-KR" dirty="0" smtClean="0">
+              <a:latin typeface="JetBrains Mono"/>
+            </a:endParaRPr>
           </a:p>
           <a:p>
             <a:pPr lvl="1"/>
-            <a:endParaRPr lang="ko-KR" altLang="en-US" dirty="0"/>
+            <a:endParaRPr lang="ko-KR" altLang="en-US" dirty="0">
+              <a:latin typeface="JetBrains Mono"/>
+            </a:endParaRPr>
           </a:p>
         </p:txBody>
       </p:sp>
@@ -12816,74 +14183,110 @@
           </a:lstStyle>
           <a:p>
             <a:r>
-              <a:rPr lang="en-US" altLang="ko-KR" dirty="0" smtClean="0"/>
+              <a:rPr lang="en-US" altLang="ko-KR" dirty="0" smtClean="0">
+                <a:latin typeface="JetBrains Mono"/>
+              </a:rPr>
               <a:t>S3</a:t>
             </a:r>
             <a:r>
-              <a:rPr lang="ko-KR" altLang="en-US" dirty="0" err="1" smtClean="0"/>
+              <a:rPr lang="ko-KR" altLang="en-US" dirty="0" err="1" smtClean="0">
+                <a:latin typeface="JetBrains Mono"/>
+              </a:rPr>
               <a:t>버킷에</a:t>
             </a:r>
             <a:r>
-              <a:rPr lang="ko-KR" altLang="en-US" dirty="0" smtClean="0"/>
+              <a:rPr lang="ko-KR" altLang="en-US" dirty="0" smtClean="0">
+                <a:latin typeface="JetBrains Mono"/>
+              </a:rPr>
               <a:t> </a:t>
             </a:r>
             <a:r>
-              <a:rPr lang="en-US" altLang="ko-KR" dirty="0" smtClean="0"/>
+              <a:rPr lang="en-US" altLang="ko-KR" dirty="0" smtClean="0">
+                <a:latin typeface="JetBrains Mono"/>
+              </a:rPr>
               <a:t>zip</a:t>
             </a:r>
             <a:r>
-              <a:rPr lang="ko-KR" altLang="en-US" dirty="0" smtClean="0"/>
+              <a:rPr lang="ko-KR" altLang="en-US" dirty="0" smtClean="0">
+                <a:latin typeface="JetBrains Mono"/>
+              </a:rPr>
               <a:t>파일 업로드</a:t>
             </a:r>
-            <a:endParaRPr lang="en-US" altLang="ko-KR" dirty="0" smtClean="0"/>
+            <a:endParaRPr lang="en-US" altLang="ko-KR" dirty="0" smtClean="0">
+              <a:latin typeface="JetBrains Mono"/>
+            </a:endParaRPr>
           </a:p>
           <a:p>
             <a:pPr lvl="1"/>
             <a:r>
-              <a:rPr lang="ko-KR" altLang="en-US" dirty="0" smtClean="0"/>
+              <a:rPr lang="ko-KR" altLang="en-US" dirty="0" smtClean="0">
+                <a:latin typeface="JetBrains Mono"/>
+              </a:rPr>
               <a:t>압축된 파일</a:t>
             </a:r>
             <a:r>
-              <a:rPr lang="en-US" altLang="ko-KR" dirty="0" smtClean="0"/>
+              <a:rPr lang="en-US" altLang="ko-KR" dirty="0" smtClean="0">
+                <a:latin typeface="JetBrains Mono"/>
+              </a:rPr>
               <a:t>(cicd-app.zip)</a:t>
             </a:r>
             <a:r>
-              <a:rPr lang="ko-KR" altLang="en-US" dirty="0" smtClean="0"/>
+              <a:rPr lang="ko-KR" altLang="en-US" dirty="0" smtClean="0">
+                <a:latin typeface="JetBrains Mono"/>
+              </a:rPr>
               <a:t>을 </a:t>
             </a:r>
             <a:r>
-              <a:rPr lang="en-US" altLang="ko-KR" dirty="0" smtClean="0"/>
+              <a:rPr lang="en-US" altLang="ko-KR" dirty="0" smtClean="0">
+                <a:latin typeface="JetBrains Mono"/>
+              </a:rPr>
               <a:t>S3</a:t>
             </a:r>
             <a:r>
-              <a:rPr lang="ko-KR" altLang="en-US" dirty="0" err="1" smtClean="0"/>
+              <a:rPr lang="ko-KR" altLang="en-US" dirty="0" err="1" smtClean="0">
+                <a:latin typeface="JetBrains Mono"/>
+              </a:rPr>
               <a:t>버킷</a:t>
             </a:r>
             <a:r>
-              <a:rPr lang="en-US" altLang="ko-KR" dirty="0" smtClean="0"/>
+              <a:rPr lang="en-US" altLang="ko-KR" dirty="0" smtClean="0">
+                <a:latin typeface="JetBrains Mono"/>
+              </a:rPr>
               <a:t>(</a:t>
             </a:r>
             <a:r>
-              <a:rPr lang="en-US" altLang="ko-KR" dirty="0" err="1" smtClean="0"/>
+              <a:rPr lang="en-US" altLang="ko-KR" dirty="0" err="1" smtClean="0">
+                <a:latin typeface="JetBrains Mono"/>
+              </a:rPr>
               <a:t>uds-cicd</a:t>
             </a:r>
             <a:r>
-              <a:rPr lang="en-US" altLang="ko-KR" dirty="0"/>
+              <a:rPr lang="en-US" altLang="ko-KR" dirty="0">
+                <a:latin typeface="JetBrains Mono"/>
+              </a:rPr>
               <a:t>)</a:t>
             </a:r>
             <a:r>
-              <a:rPr lang="ko-KR" altLang="en-US" dirty="0" smtClean="0"/>
+              <a:rPr lang="ko-KR" altLang="en-US" dirty="0" smtClean="0">
+                <a:latin typeface="JetBrains Mono"/>
+              </a:rPr>
               <a:t>의 </a:t>
             </a:r>
             <a:r>
-              <a:rPr lang="en-US" altLang="ko-KR" dirty="0" smtClean="0"/>
+              <a:rPr lang="en-US" altLang="ko-KR" dirty="0" smtClean="0">
+                <a:latin typeface="JetBrains Mono"/>
+              </a:rPr>
               <a:t>public</a:t>
             </a:r>
             <a:r>
-              <a:rPr lang="ko-KR" altLang="en-US" dirty="0" smtClean="0"/>
+              <a:rPr lang="ko-KR" altLang="en-US" dirty="0" smtClean="0">
+                <a:latin typeface="JetBrains Mono"/>
+              </a:rPr>
               <a:t>폴더로 이동</a:t>
             </a:r>
-            <a:endParaRPr lang="ko-KR" altLang="en-US" dirty="0"/>
+            <a:endParaRPr lang="ko-KR" altLang="en-US" dirty="0">
+              <a:latin typeface="JetBrains Mono"/>
+            </a:endParaRPr>
           </a:p>
         </p:txBody>
       </p:sp>
@@ -12948,7 +14351,7 @@
 </p:sld>
 </file>
 
-<file path=ppt/slides/slide42.xml><?xml version="1.0" encoding="utf-8"?>
+<file path=ppt/slides/slide41.xml><?xml version="1.0" encoding="utf-8"?>
 <p:sld xmlns:a="http://schemas.openxmlformats.org/drawingml/2006/main" xmlns:r="http://schemas.openxmlformats.org/officeDocument/2006/relationships" xmlns:p="http://schemas.openxmlformats.org/presentationml/2006/main">
   <p:cSld>
     <p:spTree>
@@ -12981,14 +14384,14 @@
           <a:lstStyle/>
           <a:p>
             <a:r>
-              <a:rPr lang="en-US" altLang="ko-KR" dirty="0" smtClean="0"/>
-              <a:t>4. </a:t>
-            </a:r>
-            <a:r>
-              <a:rPr lang="en-US" altLang="ko-KR" dirty="0" smtClean="0"/>
-              <a:t>CI/CD</a:t>
-            </a:r>
-            <a:endParaRPr lang="ko-KR" altLang="en-US" sz="2400" dirty="0"/>
+              <a:rPr lang="en-US" altLang="ko-KR" dirty="0" smtClean="0">
+                <a:latin typeface="JetBrains Mono"/>
+              </a:rPr>
+              <a:t>4. CI/CD</a:t>
+            </a:r>
+            <a:endParaRPr lang="ko-KR" altLang="en-US" sz="2400" dirty="0">
+              <a:latin typeface="JetBrains Mono"/>
+            </a:endParaRPr>
           </a:p>
         </p:txBody>
       </p:sp>
@@ -13015,30 +14418,44 @@
           <a:lstStyle/>
           <a:p>
             <a:r>
-              <a:rPr lang="en-US" altLang="ko-KR" dirty="0" smtClean="0"/>
+              <a:rPr lang="en-US" altLang="ko-KR" dirty="0" smtClean="0">
+                <a:latin typeface="JetBrains Mono"/>
+              </a:rPr>
               <a:t>S3</a:t>
             </a:r>
             <a:r>
-              <a:rPr lang="ko-KR" altLang="en-US" dirty="0" err="1" smtClean="0"/>
+              <a:rPr lang="ko-KR" altLang="en-US" dirty="0" err="1" smtClean="0">
+                <a:latin typeface="JetBrains Mono"/>
+              </a:rPr>
               <a:t>버킷에</a:t>
             </a:r>
             <a:r>
-              <a:rPr lang="ko-KR" altLang="en-US" dirty="0" smtClean="0"/>
+              <a:rPr lang="ko-KR" altLang="en-US" dirty="0" smtClean="0">
+                <a:latin typeface="JetBrains Mono"/>
+              </a:rPr>
               <a:t> </a:t>
             </a:r>
             <a:r>
-              <a:rPr lang="en-US" altLang="ko-KR" dirty="0" smtClean="0"/>
+              <a:rPr lang="en-US" altLang="ko-KR" dirty="0" smtClean="0">
+                <a:latin typeface="JetBrains Mono"/>
+              </a:rPr>
               <a:t>app</a:t>
             </a:r>
             <a:r>
-              <a:rPr lang="ko-KR" altLang="en-US" dirty="0" smtClean="0"/>
+              <a:rPr lang="ko-KR" altLang="en-US" dirty="0" smtClean="0">
+                <a:latin typeface="JetBrains Mono"/>
+              </a:rPr>
               <a:t>이 업로드 </a:t>
             </a:r>
-            <a:endParaRPr lang="en-US" altLang="ko-KR" dirty="0" smtClean="0"/>
+            <a:endParaRPr lang="en-US" altLang="ko-KR" dirty="0" smtClean="0">
+              <a:latin typeface="JetBrains Mono"/>
+            </a:endParaRPr>
           </a:p>
           <a:p>
             <a:pPr lvl="1"/>
-            <a:endParaRPr lang="ko-KR" altLang="en-US" dirty="0"/>
+            <a:endParaRPr lang="ko-KR" altLang="en-US" dirty="0">
+              <a:latin typeface="JetBrains Mono"/>
+            </a:endParaRPr>
           </a:p>
         </p:txBody>
       </p:sp>
@@ -13229,10 +14646,14 @@
           </a:lstStyle>
           <a:p>
             <a:r>
-              <a:rPr lang="ko-KR" altLang="en-US" smtClean="0"/>
+              <a:rPr lang="ko-KR" altLang="en-US" smtClean="0">
+                <a:latin typeface="JetBrains Mono"/>
+              </a:rPr>
               <a:t>빌드 과정 완료</a:t>
             </a:r>
-            <a:endParaRPr lang="ko-KR" altLang="en-US" dirty="0"/>
+            <a:endParaRPr lang="ko-KR" altLang="en-US" dirty="0">
+              <a:latin typeface="JetBrains Mono"/>
+            </a:endParaRPr>
           </a:p>
         </p:txBody>
       </p:sp>
@@ -13297,7 +14718,7 @@
 </p:sld>
 </file>
 
-<file path=ppt/slides/slide43.xml><?xml version="1.0" encoding="utf-8"?>
+<file path=ppt/slides/slide42.xml><?xml version="1.0" encoding="utf-8"?>
 <p:sld xmlns:a="http://schemas.openxmlformats.org/drawingml/2006/main" xmlns:r="http://schemas.openxmlformats.org/officeDocument/2006/relationships" xmlns:p="http://schemas.openxmlformats.org/presentationml/2006/main">
   <p:cSld>
     <p:spTree>
@@ -13330,14 +14751,14 @@
           <a:lstStyle/>
           <a:p>
             <a:r>
-              <a:rPr lang="en-US" altLang="ko-KR" dirty="0" smtClean="0"/>
-              <a:t>4. </a:t>
-            </a:r>
-            <a:r>
-              <a:rPr lang="en-US" altLang="ko-KR" dirty="0" smtClean="0"/>
-              <a:t>CI/CD</a:t>
-            </a:r>
-            <a:endParaRPr lang="ko-KR" altLang="en-US" sz="2400" dirty="0"/>
+              <a:rPr lang="en-US" altLang="ko-KR" dirty="0" smtClean="0">
+                <a:latin typeface="JetBrains Mono"/>
+              </a:rPr>
+              <a:t>4. CI/CD</a:t>
+            </a:r>
+            <a:endParaRPr lang="ko-KR" altLang="en-US" sz="2400" dirty="0">
+              <a:latin typeface="JetBrains Mono"/>
+            </a:endParaRPr>
           </a:p>
         </p:txBody>
       </p:sp>
@@ -13364,14 +14785,20 @@
           <a:lstStyle/>
           <a:p>
             <a:r>
-              <a:rPr lang="en-US" altLang="ko-KR" dirty="0" smtClean="0"/>
+              <a:rPr lang="en-US" altLang="ko-KR" dirty="0" smtClean="0">
+                <a:latin typeface="JetBrains Mono"/>
+              </a:rPr>
               <a:t>ec2 </a:t>
             </a:r>
             <a:r>
-              <a:rPr lang="ko-KR" altLang="en-US" dirty="0" smtClean="0"/>
+              <a:rPr lang="ko-KR" altLang="en-US" dirty="0" smtClean="0">
+                <a:latin typeface="JetBrains Mono"/>
+              </a:rPr>
               <a:t>서버에 업로드 완료</a:t>
             </a:r>
-            <a:endParaRPr lang="ko-KR" altLang="en-US" dirty="0"/>
+            <a:endParaRPr lang="ko-KR" altLang="en-US" dirty="0">
+              <a:latin typeface="JetBrains Mono"/>
+            </a:endParaRPr>
           </a:p>
         </p:txBody>
       </p:sp>
@@ -13562,10 +14989,14 @@
           </a:lstStyle>
           <a:p>
             <a:r>
-              <a:rPr lang="ko-KR" altLang="en-US" dirty="0" smtClean="0"/>
+              <a:rPr lang="ko-KR" altLang="en-US" dirty="0" smtClean="0">
+                <a:latin typeface="JetBrains Mono"/>
+              </a:rPr>
               <a:t>배포 과정 완료</a:t>
             </a:r>
-            <a:endParaRPr lang="ko-KR" altLang="en-US" dirty="0"/>
+            <a:endParaRPr lang="ko-KR" altLang="en-US" dirty="0">
+              <a:latin typeface="JetBrains Mono"/>
+            </a:endParaRPr>
           </a:p>
         </p:txBody>
       </p:sp>
@@ -13828,14 +15259,20 @@
           </a:lstStyle>
           <a:p>
             <a:r>
-              <a:rPr lang="en-US" altLang="ko-KR" dirty="0" smtClean="0"/>
+              <a:rPr lang="en-US" altLang="ko-KR" dirty="0" smtClean="0">
+                <a:latin typeface="JetBrains Mono"/>
+              </a:rPr>
               <a:t>after-deploy.sh</a:t>
             </a:r>
             <a:r>
-              <a:rPr lang="ko-KR" altLang="en-US" dirty="0" smtClean="0"/>
+              <a:rPr lang="ko-KR" altLang="en-US" dirty="0" smtClean="0">
+                <a:latin typeface="JetBrains Mono"/>
+              </a:rPr>
               <a:t>에 따라 배포 후 앱 실행</a:t>
             </a:r>
-            <a:endParaRPr lang="ko-KR" altLang="en-US" dirty="0"/>
+            <a:endParaRPr lang="ko-KR" altLang="en-US" dirty="0">
+              <a:latin typeface="JetBrains Mono"/>
+            </a:endParaRPr>
           </a:p>
         </p:txBody>
       </p:sp>
@@ -13852,7 +15289,7 @@
 </p:sld>
 </file>
 
-<file path=ppt/slides/slide44.xml><?xml version="1.0" encoding="utf-8"?>
+<file path=ppt/slides/slide43.xml><?xml version="1.0" encoding="utf-8"?>
 <p:sld xmlns:a="http://schemas.openxmlformats.org/drawingml/2006/main" xmlns:r="http://schemas.openxmlformats.org/officeDocument/2006/relationships" xmlns:p="http://schemas.openxmlformats.org/presentationml/2006/main">
   <p:cSld>
     <p:spTree>
@@ -13885,14 +15322,14 @@
           <a:lstStyle/>
           <a:p>
             <a:r>
-              <a:rPr lang="en-US" altLang="ko-KR" dirty="0" smtClean="0"/>
-              <a:t>4. </a:t>
-            </a:r>
-            <a:r>
-              <a:rPr lang="en-US" altLang="ko-KR" dirty="0" smtClean="0"/>
-              <a:t>CI/CD</a:t>
-            </a:r>
-            <a:endParaRPr lang="ko-KR" altLang="en-US" sz="2400" dirty="0"/>
+              <a:rPr lang="en-US" altLang="ko-KR" dirty="0" smtClean="0">
+                <a:latin typeface="JetBrains Mono"/>
+              </a:rPr>
+              <a:t>4. CI/CD</a:t>
+            </a:r>
+            <a:endParaRPr lang="ko-KR" altLang="en-US" sz="2400" dirty="0">
+              <a:latin typeface="JetBrains Mono"/>
+            </a:endParaRPr>
           </a:p>
         </p:txBody>
       </p:sp>
@@ -13974,7 +15411,7 @@
 </p:sld>
 </file>
 
-<file path=ppt/slides/slide45.xml><?xml version="1.0" encoding="utf-8"?>
+<file path=ppt/slides/slide44.xml><?xml version="1.0" encoding="utf-8"?>
 <p:sld xmlns:a="http://schemas.openxmlformats.org/drawingml/2006/main" xmlns:r="http://schemas.openxmlformats.org/officeDocument/2006/relationships" xmlns:p="http://schemas.openxmlformats.org/presentationml/2006/main">
   <p:cSld>
     <p:spTree>
@@ -14080,22 +15517,32 @@
           <a:lstStyle/>
           <a:p>
             <a:r>
-              <a:rPr lang="en-US" altLang="ko-KR" dirty="0" smtClean="0"/>
+              <a:rPr lang="en-US" altLang="ko-KR" dirty="0" smtClean="0">
+                <a:latin typeface="JetBrains Mono"/>
+              </a:rPr>
               <a:t>2. create repository: </a:t>
             </a:r>
             <a:r>
-              <a:rPr lang="en-US" altLang="ko-KR" sz="3200" dirty="0" smtClean="0"/>
+              <a:rPr lang="en-US" altLang="ko-KR" sz="2400" dirty="0" smtClean="0">
+                <a:latin typeface="JetBrains Mono"/>
+              </a:rPr>
               <a:t>upload </a:t>
             </a:r>
             <a:r>
-              <a:rPr lang="en-US" altLang="ko-KR" sz="3200" dirty="0" err="1" smtClean="0"/>
+              <a:rPr lang="en-US" altLang="ko-KR" sz="2400" dirty="0" err="1" smtClean="0">
+                <a:latin typeface="JetBrains Mono"/>
+              </a:rPr>
               <a:t>vue</a:t>
             </a:r>
             <a:r>
-              <a:rPr lang="en-US" altLang="ko-KR" sz="3200" dirty="0" smtClean="0"/>
+              <a:rPr lang="en-US" altLang="ko-KR" sz="2400" dirty="0" smtClean="0">
+                <a:latin typeface="JetBrains Mono"/>
+              </a:rPr>
               <a:t> project</a:t>
             </a:r>
-            <a:endParaRPr lang="ko-KR" altLang="en-US" sz="3200" dirty="0"/>
+            <a:endParaRPr lang="ko-KR" altLang="en-US" sz="2400" dirty="0">
+              <a:latin typeface="JetBrains Mono"/>
+            </a:endParaRPr>
           </a:p>
         </p:txBody>
       </p:sp>
@@ -14108,7 +15555,7 @@
         <p:spPr>
           <a:xfrm>
             <a:off x="838200" y="1728193"/>
-            <a:ext cx="5435783" cy="1200329"/>
+            <a:ext cx="5573000" cy="1200329"/>
           </a:xfrm>
           <a:prstGeom prst="rect">
             <a:avLst/>
@@ -14125,41 +15572,59 @@
               <a:buAutoNum type="arabicPeriod"/>
             </a:pPr>
             <a:r>
-              <a:rPr lang="en-US" altLang="ko-KR" dirty="0" smtClean="0"/>
+              <a:rPr lang="en-US" altLang="ko-KR" dirty="0" smtClean="0">
+                <a:latin typeface="JetBrains Mono"/>
+              </a:rPr>
               <a:t>team-study</a:t>
             </a:r>
             <a:r>
-              <a:rPr lang="ko-KR" altLang="en-US" dirty="0" smtClean="0"/>
+              <a:rPr lang="ko-KR" altLang="en-US" dirty="0" smtClean="0">
+                <a:latin typeface="JetBrains Mono"/>
+              </a:rPr>
               <a:t>의 </a:t>
             </a:r>
             <a:r>
-              <a:rPr lang="en-US" altLang="ko-KR" dirty="0" smtClean="0"/>
+              <a:rPr lang="en-US" altLang="ko-KR" dirty="0" smtClean="0">
+                <a:latin typeface="JetBrains Mono"/>
+              </a:rPr>
               <a:t>SSR </a:t>
             </a:r>
             <a:r>
-              <a:rPr lang="ko-KR" altLang="en-US" dirty="0" smtClean="0"/>
+              <a:rPr lang="ko-KR" altLang="en-US" dirty="0" smtClean="0">
+                <a:latin typeface="JetBrains Mono"/>
+              </a:rPr>
               <a:t>프로젝트 파일을 가져옵니다</a:t>
             </a:r>
-            <a:endParaRPr lang="en-US" altLang="ko-KR" dirty="0" smtClean="0"/>
+            <a:endParaRPr lang="en-US" altLang="ko-KR" dirty="0" smtClean="0">
+              <a:latin typeface="JetBrains Mono"/>
+            </a:endParaRPr>
           </a:p>
           <a:p>
             <a:pPr marL="342900" indent="-342900">
               <a:buAutoNum type="arabicPeriod"/>
             </a:pPr>
             <a:r>
-              <a:rPr lang="ko-KR" altLang="en-US" dirty="0" smtClean="0"/>
+              <a:rPr lang="ko-KR" altLang="en-US" dirty="0" smtClean="0">
+                <a:latin typeface="JetBrains Mono"/>
+              </a:rPr>
               <a:t>프로젝트 빌드</a:t>
             </a:r>
             <a:r>
-              <a:rPr lang="en-US" altLang="ko-KR" dirty="0" smtClean="0"/>
+              <a:rPr lang="en-US" altLang="ko-KR" dirty="0" smtClean="0">
+                <a:latin typeface="JetBrains Mono"/>
+              </a:rPr>
               <a:t>(</a:t>
             </a:r>
             <a:r>
-              <a:rPr lang="en-US" altLang="ko-KR" dirty="0" err="1" smtClean="0"/>
+              <a:rPr lang="en-US" altLang="ko-KR" dirty="0" err="1" smtClean="0">
+                <a:latin typeface="JetBrains Mono"/>
+              </a:rPr>
               <a:t>npm</a:t>
             </a:r>
             <a:r>
-              <a:rPr lang="en-US" altLang="ko-KR" dirty="0" smtClean="0"/>
+              <a:rPr lang="en-US" altLang="ko-KR" dirty="0" smtClean="0">
+                <a:latin typeface="JetBrains Mono"/>
+              </a:rPr>
               <a:t> run build)</a:t>
             </a:r>
           </a:p>
@@ -14168,41 +15633,49 @@
               <a:buAutoNum type="arabicPeriod"/>
             </a:pPr>
             <a:r>
-              <a:rPr lang="ko-KR" altLang="en-US" dirty="0" smtClean="0"/>
-              <a:t>로컬 환경 프로젝트 </a:t>
-            </a:r>
-            <a:r>
-              <a:rPr lang="ko-KR" altLang="en-US" dirty="0" smtClean="0"/>
-              <a:t>정상 동작 </a:t>
-            </a:r>
-            <a:r>
-              <a:rPr lang="ko-KR" altLang="en-US" dirty="0" smtClean="0"/>
-              <a:t>확인</a:t>
-            </a:r>
-            <a:endParaRPr lang="en-US" altLang="ko-KR" dirty="0" smtClean="0"/>
-          </a:p>
-          <a:p>
-            <a:r>
-              <a:rPr lang="en-US" altLang="ko-KR" dirty="0" smtClean="0"/>
+              <a:rPr lang="ko-KR" altLang="en-US" dirty="0" smtClean="0">
+                <a:latin typeface="JetBrains Mono"/>
+              </a:rPr>
+              <a:t>로컬 환경 프로젝트 정상 동작 확인</a:t>
+            </a:r>
+            <a:endParaRPr lang="en-US" altLang="ko-KR" dirty="0" smtClean="0">
+              <a:latin typeface="JetBrains Mono"/>
+            </a:endParaRPr>
+          </a:p>
+          <a:p>
+            <a:r>
+              <a:rPr lang="en-US" altLang="ko-KR" dirty="0" smtClean="0">
+                <a:latin typeface="JetBrains Mono"/>
+              </a:rPr>
               <a:t>(</a:t>
             </a:r>
             <a:r>
-              <a:rPr lang="en-US" altLang="ko-KR" dirty="0" err="1" smtClean="0"/>
+              <a:rPr lang="en-US" altLang="ko-KR" dirty="0" err="1" smtClean="0">
+                <a:latin typeface="JetBrains Mono"/>
+              </a:rPr>
               <a:t>npm</a:t>
             </a:r>
             <a:r>
-              <a:rPr lang="en-US" altLang="ko-KR" dirty="0" smtClean="0"/>
+              <a:rPr lang="en-US" altLang="ko-KR" dirty="0" smtClean="0">
+                <a:latin typeface="JetBrains Mono"/>
+              </a:rPr>
               <a:t> run dev or </a:t>
             </a:r>
             <a:r>
-              <a:rPr lang="en-US" altLang="ko-KR" dirty="0" err="1" smtClean="0"/>
+              <a:rPr lang="en-US" altLang="ko-KR" dirty="0" err="1" smtClean="0">
+                <a:latin typeface="JetBrains Mono"/>
+              </a:rPr>
               <a:t>npm</a:t>
             </a:r>
             <a:r>
-              <a:rPr lang="en-US" altLang="ko-KR" dirty="0" smtClean="0"/>
+              <a:rPr lang="en-US" altLang="ko-KR" dirty="0" smtClean="0">
+                <a:latin typeface="JetBrains Mono"/>
+              </a:rPr>
               <a:t> start)</a:t>
             </a:r>
-            <a:endParaRPr lang="ko-KR" altLang="en-US" dirty="0"/>
+            <a:endParaRPr lang="ko-KR" altLang="en-US" dirty="0">
+              <a:latin typeface="JetBrains Mono"/>
+            </a:endParaRPr>
           </a:p>
         </p:txBody>
       </p:sp>
@@ -14276,14 +15749,20 @@
           <a:lstStyle/>
           <a:p>
             <a:r>
-              <a:rPr lang="en-US" altLang="ko-KR" dirty="0" smtClean="0"/>
+              <a:rPr lang="en-US" altLang="ko-KR" dirty="0" smtClean="0">
+                <a:latin typeface="JetBrains Mono"/>
+              </a:rPr>
               <a:t>3. create repository: </a:t>
             </a:r>
             <a:r>
-              <a:rPr lang="en-US" altLang="ko-KR" sz="3200" dirty="0" smtClean="0"/>
+              <a:rPr lang="en-US" altLang="ko-KR" sz="2400" dirty="0" smtClean="0">
+                <a:latin typeface="JetBrains Mono"/>
+              </a:rPr>
               <a:t>add deploy script</a:t>
             </a:r>
-            <a:endParaRPr lang="ko-KR" altLang="en-US" dirty="0"/>
+            <a:endParaRPr lang="ko-KR" altLang="en-US" sz="3600" dirty="0">
+              <a:latin typeface="JetBrains Mono"/>
+            </a:endParaRPr>
           </a:p>
         </p:txBody>
       </p:sp>
@@ -14308,51 +15787,85 @@
           <a:lstStyle/>
           <a:p>
             <a:r>
-              <a:rPr lang="en-US" altLang="ko-KR" sz="2000" dirty="0" err="1" smtClean="0"/>
+              <a:rPr lang="en-US" altLang="ko-KR" sz="1600" dirty="0" err="1" smtClean="0">
+                <a:latin typeface="JetBrains Mono"/>
+              </a:rPr>
               <a:t>appspec.yml</a:t>
             </a:r>
-            <a:endParaRPr lang="en-US" altLang="ko-KR" sz="2000" dirty="0" smtClean="0"/>
-          </a:p>
-          <a:p>
-            <a:r>
-              <a:rPr lang="en-US" altLang="ko-KR" sz="2000" dirty="0" smtClean="0"/>
+            <a:endParaRPr lang="en-US" altLang="ko-KR" sz="1600" dirty="0" smtClean="0">
+              <a:latin typeface="JetBrains Mono"/>
+            </a:endParaRPr>
+          </a:p>
+          <a:p>
+            <a:r>
+              <a:rPr lang="en-US" altLang="ko-KR" sz="1600" dirty="0" smtClean="0">
+                <a:latin typeface="JetBrains Mono"/>
+              </a:rPr>
               <a:t>scripts/after-deploy.sh</a:t>
             </a:r>
           </a:p>
           <a:p>
             <a:r>
-              <a:rPr lang="ko-KR" altLang="en-US" sz="2000" dirty="0" smtClean="0"/>
+              <a:rPr lang="ko-KR" altLang="en-US" sz="1600" dirty="0" smtClean="0">
+                <a:latin typeface="JetBrains Mono"/>
+              </a:rPr>
               <a:t>두 파일을 추가합니다</a:t>
             </a:r>
-            <a:endParaRPr lang="en-US" altLang="ko-KR" sz="2000" dirty="0" smtClean="0"/>
-          </a:p>
-          <a:p>
-            <a:endParaRPr lang="en-US" altLang="ko-KR" sz="2000" dirty="0"/>
-          </a:p>
-          <a:p>
-            <a:r>
-              <a:rPr lang="en-US" altLang="ko-KR" sz="2000" dirty="0" err="1" smtClean="0"/>
+            <a:endParaRPr lang="en-US" altLang="ko-KR" sz="1600" dirty="0" smtClean="0">
+              <a:latin typeface="JetBrains Mono"/>
+            </a:endParaRPr>
+          </a:p>
+          <a:p>
+            <a:endParaRPr lang="en-US" altLang="ko-KR" sz="1600" dirty="0">
+              <a:latin typeface="JetBrains Mono"/>
+            </a:endParaRPr>
+          </a:p>
+          <a:p>
+            <a:r>
+              <a:rPr lang="en-US" altLang="ko-KR" sz="1600" dirty="0" err="1" smtClean="0">
+                <a:latin typeface="JetBrains Mono"/>
+              </a:rPr>
               <a:t>codedeploy</a:t>
             </a:r>
             <a:r>
-              <a:rPr lang="ko-KR" altLang="en-US" sz="2000" dirty="0" smtClean="0"/>
-              <a:t>에 의해 서버에 배포된 </a:t>
-            </a:r>
-            <a:r>
-              <a:rPr lang="ko-KR" altLang="en-US" sz="2000" dirty="0" smtClean="0"/>
-              <a:t>이후를 </a:t>
-            </a:r>
-            <a:r>
-              <a:rPr lang="ko-KR" altLang="en-US" sz="2000" dirty="0" smtClean="0"/>
-              <a:t>정의합니다</a:t>
-            </a:r>
-            <a:endParaRPr lang="en-US" altLang="ko-KR" sz="2000" dirty="0" smtClean="0"/>
-          </a:p>
-          <a:p>
-            <a:endParaRPr lang="en-US" altLang="ko-KR" dirty="0"/>
-          </a:p>
-          <a:p>
-            <a:endParaRPr lang="ko-KR" altLang="en-US" dirty="0"/>
+              <a:rPr lang="ko-KR" altLang="en-US" sz="1600" dirty="0" smtClean="0">
+                <a:latin typeface="JetBrains Mono"/>
+              </a:rPr>
+              <a:t>에 의해 </a:t>
+            </a:r>
+            <a:endParaRPr lang="en-US" altLang="ko-KR" sz="1600" dirty="0" smtClean="0">
+              <a:latin typeface="JetBrains Mono"/>
+            </a:endParaRPr>
+          </a:p>
+          <a:p>
+            <a:pPr marL="0" indent="0">
+              <a:buNone/>
+            </a:pPr>
+            <a:r>
+              <a:rPr lang="ko-KR" altLang="en-US" sz="1600" dirty="0" smtClean="0">
+                <a:latin typeface="JetBrains Mono"/>
+              </a:rPr>
+              <a:t>서버에 </a:t>
+            </a:r>
+            <a:r>
+              <a:rPr lang="ko-KR" altLang="en-US" sz="1600" dirty="0" smtClean="0">
+                <a:latin typeface="JetBrains Mono"/>
+              </a:rPr>
+              <a:t>배포된 이후를 정의합니다</a:t>
+            </a:r>
+            <a:endParaRPr lang="en-US" altLang="ko-KR" sz="1600" dirty="0" smtClean="0">
+              <a:latin typeface="JetBrains Mono"/>
+            </a:endParaRPr>
+          </a:p>
+          <a:p>
+            <a:endParaRPr lang="en-US" altLang="ko-KR" dirty="0">
+              <a:latin typeface="JetBrains Mono"/>
+            </a:endParaRPr>
+          </a:p>
+          <a:p>
+            <a:endParaRPr lang="ko-KR" altLang="en-US" dirty="0">
+              <a:latin typeface="JetBrains Mono"/>
+            </a:endParaRPr>
           </a:p>
         </p:txBody>
       </p:sp>
@@ -14422,7 +15935,9 @@
           <a:lstStyle/>
           <a:p>
             <a:pPr algn="ctr"/>
-            <a:endParaRPr lang="ko-KR" altLang="en-US"/>
+            <a:endParaRPr lang="ko-KR" altLang="en-US">
+              <a:latin typeface="JetBrains Mono"/>
+            </a:endParaRPr>
           </a:p>
         </p:txBody>
       </p:sp>
@@ -14468,7 +15983,9 @@
           <a:lstStyle/>
           <a:p>
             <a:pPr algn="ctr"/>
-            <a:endParaRPr lang="ko-KR" altLang="en-US"/>
+            <a:endParaRPr lang="ko-KR" altLang="en-US">
+              <a:latin typeface="JetBrains Mono"/>
+            </a:endParaRPr>
           </a:p>
         </p:txBody>
       </p:sp>
@@ -14518,14 +16035,20 @@
           <a:lstStyle/>
           <a:p>
             <a:r>
-              <a:rPr lang="en-US" altLang="ko-KR" dirty="0" smtClean="0"/>
+              <a:rPr lang="en-US" altLang="ko-KR" dirty="0" smtClean="0">
+                <a:latin typeface="JetBrains Mono"/>
+              </a:rPr>
               <a:t>3. create repository: </a:t>
             </a:r>
             <a:r>
-              <a:rPr lang="en-US" altLang="ko-KR" sz="3200" dirty="0" err="1" smtClean="0"/>
+              <a:rPr lang="en-US" altLang="ko-KR" sz="2400" dirty="0" err="1" smtClean="0">
+                <a:latin typeface="JetBrains Mono"/>
+              </a:rPr>
               <a:t>appspec.yml</a:t>
             </a:r>
-            <a:endParaRPr lang="en-US" altLang="ko-KR" sz="3200" dirty="0" smtClean="0"/>
+            <a:endParaRPr lang="en-US" altLang="ko-KR" sz="2400" dirty="0" smtClean="0">
+              <a:latin typeface="JetBrains Mono"/>
+            </a:endParaRPr>
           </a:p>
         </p:txBody>
       </p:sp>
@@ -14542,12 +16065,12 @@
         <p:spPr>
           <a:xfrm>
             <a:off x="838200" y="1825625"/>
-            <a:ext cx="10515600" cy="3651250"/>
+            <a:ext cx="10515600" cy="4059786"/>
           </a:xfrm>
         </p:spPr>
         <p:txBody>
           <a:bodyPr>
-            <a:normAutofit fontScale="62500" lnSpcReduction="20000"/>
+            <a:normAutofit fontScale="85000" lnSpcReduction="20000"/>
           </a:bodyPr>
           <a:lstStyle/>
           <a:p>
@@ -14555,87 +16078,131 @@
               <a:buNone/>
             </a:pPr>
             <a:r>
-              <a:rPr lang="en-US" altLang="ko-KR" sz="1400" dirty="0"/>
+              <a:rPr lang="en-US" altLang="ko-KR" sz="1400" dirty="0">
+                <a:latin typeface="JetBrains Mono"/>
+              </a:rPr>
               <a:t>version: 0.0 </a:t>
             </a:r>
-            <a:endParaRPr lang="en-US" altLang="ko-KR" sz="1400" dirty="0" smtClean="0"/>
+            <a:endParaRPr lang="en-US" altLang="ko-KR" sz="1400" dirty="0" smtClean="0">
+              <a:latin typeface="JetBrains Mono"/>
+            </a:endParaRPr>
           </a:p>
           <a:p>
             <a:pPr marL="0" indent="0">
               <a:buNone/>
             </a:pPr>
             <a:r>
-              <a:rPr lang="en-US" altLang="ko-KR" sz="1400" dirty="0" err="1" smtClean="0"/>
+              <a:rPr lang="en-US" altLang="ko-KR" sz="1400" dirty="0" err="1" smtClean="0">
+                <a:latin typeface="JetBrains Mono"/>
+              </a:rPr>
               <a:t>os</a:t>
             </a:r>
             <a:r>
-              <a:rPr lang="en-US" altLang="ko-KR" sz="1400" dirty="0"/>
+              <a:rPr lang="en-US" altLang="ko-KR" sz="1400" dirty="0">
+                <a:latin typeface="JetBrains Mono"/>
+              </a:rPr>
               <a:t>: </a:t>
             </a:r>
             <a:r>
-              <a:rPr lang="en-US" altLang="ko-KR" sz="1400" dirty="0" err="1"/>
+              <a:rPr lang="en-US" altLang="ko-KR" sz="1400" dirty="0" err="1">
+                <a:latin typeface="JetBrains Mono"/>
+              </a:rPr>
               <a:t>linux</a:t>
             </a:r>
             <a:r>
-              <a:rPr lang="en-US" altLang="ko-KR" sz="1400" dirty="0"/>
+              <a:rPr lang="en-US" altLang="ko-KR" sz="1400" dirty="0">
+                <a:latin typeface="JetBrains Mono"/>
+              </a:rPr>
               <a:t> </a:t>
             </a:r>
-            <a:endParaRPr lang="en-US" altLang="ko-KR" sz="1400" dirty="0" smtClean="0"/>
+            <a:endParaRPr lang="en-US" altLang="ko-KR" sz="1400" dirty="0" smtClean="0">
+              <a:latin typeface="JetBrains Mono"/>
+            </a:endParaRPr>
           </a:p>
           <a:p>
             <a:pPr marL="0" indent="0">
               <a:buNone/>
             </a:pPr>
             <a:r>
-              <a:rPr lang="en-US" altLang="ko-KR" sz="1400" dirty="0" smtClean="0"/>
+              <a:rPr lang="en-US" altLang="ko-KR" sz="1400" dirty="0" smtClean="0">
+                <a:latin typeface="JetBrains Mono"/>
+              </a:rPr>
               <a:t>files</a:t>
             </a:r>
             <a:r>
-              <a:rPr lang="en-US" altLang="ko-KR" sz="1400" dirty="0"/>
+              <a:rPr lang="en-US" altLang="ko-KR" sz="1400" dirty="0">
+                <a:latin typeface="JetBrains Mono"/>
+              </a:rPr>
               <a:t>: </a:t>
             </a:r>
-            <a:endParaRPr lang="en-US" altLang="ko-KR" sz="1400" dirty="0" smtClean="0"/>
+            <a:endParaRPr lang="en-US" altLang="ko-KR" sz="1400" dirty="0" smtClean="0">
+              <a:latin typeface="JetBrains Mono"/>
+            </a:endParaRPr>
           </a:p>
           <a:p>
             <a:pPr marL="0" indent="0">
               <a:buNone/>
             </a:pPr>
             <a:r>
-              <a:rPr lang="en-US" altLang="ko-KR" sz="1400" dirty="0" smtClean="0"/>
+              <a:rPr lang="en-US" altLang="ko-KR" sz="1400" dirty="0" smtClean="0">
+                <a:latin typeface="JetBrains Mono"/>
+              </a:rPr>
               <a:t>	- </a:t>
             </a:r>
             <a:r>
-              <a:rPr lang="en-US" altLang="ko-KR" sz="1400" dirty="0"/>
-              <a:t>source: / </a:t>
-            </a:r>
-            <a:endParaRPr lang="en-US" altLang="ko-KR" sz="1400" dirty="0" smtClean="0"/>
+              <a:rPr lang="en-US" altLang="ko-KR" sz="1400" dirty="0">
+                <a:latin typeface="JetBrains Mono"/>
+              </a:rPr>
+              <a:t>source: </a:t>
+            </a:r>
+            <a:r>
+              <a:rPr lang="en-US" altLang="ko-KR" sz="1400" dirty="0" smtClean="0">
+                <a:latin typeface="JetBrains Mono"/>
+              </a:rPr>
+              <a:t>/</a:t>
+            </a:r>
+            <a:endParaRPr lang="en-US" altLang="ko-KR" sz="1400" dirty="0" smtClean="0">
+              <a:latin typeface="JetBrains Mono"/>
+            </a:endParaRPr>
           </a:p>
           <a:p>
             <a:pPr marL="0" indent="0">
               <a:buNone/>
             </a:pPr>
             <a:r>
-              <a:rPr lang="en-US" altLang="ko-KR" sz="1400" dirty="0"/>
+              <a:rPr lang="en-US" altLang="ko-KR" sz="1400" dirty="0">
+                <a:latin typeface="JetBrains Mono"/>
+              </a:rPr>
               <a:t>	</a:t>
             </a:r>
             <a:r>
-              <a:rPr lang="en-US" altLang="ko-KR" sz="1400" dirty="0" smtClean="0"/>
+              <a:rPr lang="en-US" altLang="ko-KR" sz="1400" dirty="0" smtClean="0">
+                <a:latin typeface="JetBrains Mono"/>
+              </a:rPr>
               <a:t>destination</a:t>
             </a:r>
             <a:r>
-              <a:rPr lang="en-US" altLang="ko-KR" sz="1400" dirty="0"/>
+              <a:rPr lang="en-US" altLang="ko-KR" sz="1400" dirty="0">
+                <a:latin typeface="JetBrains Mono"/>
+              </a:rPr>
               <a:t>: /</a:t>
             </a:r>
             <a:r>
-              <a:rPr lang="en-US" altLang="ko-KR" sz="1400" dirty="0" smtClean="0"/>
+              <a:rPr lang="en-US" altLang="ko-KR" sz="1400" dirty="0" smtClean="0">
+                <a:latin typeface="JetBrains Mono"/>
+              </a:rPr>
               <a:t>home/</a:t>
             </a:r>
             <a:r>
-              <a:rPr lang="en-US" altLang="ko-KR" sz="1400" dirty="0" err="1" smtClean="0"/>
+              <a:rPr lang="en-US" altLang="ko-KR" sz="1400" dirty="0" err="1" smtClean="0">
+                <a:latin typeface="JetBrains Mono"/>
+              </a:rPr>
               <a:t>ubuntu</a:t>
             </a:r>
             <a:r>
-              <a:rPr lang="en-US" altLang="ko-KR" sz="1400" dirty="0" smtClean="0"/>
+              <a:rPr lang="en-US" altLang="ko-KR" sz="1400" dirty="0" smtClean="0">
+                <a:latin typeface="JetBrains Mono"/>
+              </a:rPr>
               <a:t>/app</a:t>
             </a:r>
           </a:p>
@@ -14644,222 +16211,322 @@
               <a:buNone/>
             </a:pPr>
             <a:r>
-              <a:rPr lang="en-US" altLang="ko-KR" sz="1400" dirty="0"/>
+              <a:rPr lang="en-US" altLang="ko-KR" sz="1400" dirty="0">
+                <a:latin typeface="JetBrains Mono"/>
+              </a:rPr>
               <a:t>	</a:t>
             </a:r>
             <a:r>
-              <a:rPr lang="en-US" altLang="ko-KR" sz="1400" dirty="0" smtClean="0"/>
+              <a:rPr lang="en-US" altLang="ko-KR" sz="1400" dirty="0" smtClean="0">
+                <a:latin typeface="JetBrains Mono"/>
+              </a:rPr>
               <a:t>overwrite</a:t>
             </a:r>
             <a:r>
-              <a:rPr lang="en-US" altLang="ko-KR" sz="1400" dirty="0"/>
+              <a:rPr lang="en-US" altLang="ko-KR" sz="1400" dirty="0">
+                <a:latin typeface="JetBrains Mono"/>
+              </a:rPr>
               <a:t>: yes </a:t>
             </a:r>
-            <a:endParaRPr lang="en-US" altLang="ko-KR" sz="1400" dirty="0" smtClean="0"/>
+            <a:endParaRPr lang="en-US" altLang="ko-KR" sz="1400" dirty="0" smtClean="0">
+              <a:latin typeface="JetBrains Mono"/>
+            </a:endParaRPr>
           </a:p>
           <a:p>
             <a:pPr marL="0" indent="0">
               <a:buNone/>
             </a:pPr>
             <a:r>
-              <a:rPr lang="en-US" altLang="ko-KR" sz="1400" dirty="0" smtClean="0"/>
+              <a:rPr lang="en-US" altLang="ko-KR" sz="1400" dirty="0" smtClean="0">
+                <a:latin typeface="JetBrains Mono"/>
+              </a:rPr>
               <a:t>permissions</a:t>
             </a:r>
             <a:r>
-              <a:rPr lang="en-US" altLang="ko-KR" sz="1400" dirty="0"/>
+              <a:rPr lang="en-US" altLang="ko-KR" sz="1400" dirty="0">
+                <a:latin typeface="JetBrains Mono"/>
+              </a:rPr>
               <a:t>: </a:t>
             </a:r>
-            <a:endParaRPr lang="en-US" altLang="ko-KR" sz="1400" dirty="0" smtClean="0"/>
+            <a:endParaRPr lang="en-US" altLang="ko-KR" sz="1400" dirty="0" smtClean="0">
+              <a:latin typeface="JetBrains Mono"/>
+            </a:endParaRPr>
           </a:p>
           <a:p>
             <a:pPr marL="0" indent="0">
               <a:buNone/>
             </a:pPr>
             <a:r>
-              <a:rPr lang="en-US" altLang="ko-KR" sz="1400" dirty="0"/>
+              <a:rPr lang="en-US" altLang="ko-KR" sz="1400" dirty="0">
+                <a:latin typeface="JetBrains Mono"/>
+              </a:rPr>
               <a:t>	</a:t>
             </a:r>
             <a:r>
-              <a:rPr lang="en-US" altLang="ko-KR" sz="1400" dirty="0" smtClean="0"/>
+              <a:rPr lang="en-US" altLang="ko-KR" sz="1400" dirty="0" smtClean="0">
+                <a:latin typeface="JetBrains Mono"/>
+              </a:rPr>
               <a:t>- </a:t>
             </a:r>
             <a:r>
-              <a:rPr lang="en-US" altLang="ko-KR" sz="1400" dirty="0"/>
+              <a:rPr lang="en-US" altLang="ko-KR" sz="1400" dirty="0">
+                <a:latin typeface="JetBrains Mono"/>
+              </a:rPr>
               <a:t>object: /home/</a:t>
             </a:r>
             <a:r>
-              <a:rPr lang="en-US" altLang="ko-KR" sz="1400" dirty="0" err="1"/>
+              <a:rPr lang="en-US" altLang="ko-KR" sz="1400" dirty="0" err="1">
+                <a:latin typeface="JetBrains Mono"/>
+              </a:rPr>
               <a:t>ubuntu</a:t>
             </a:r>
             <a:r>
-              <a:rPr lang="en-US" altLang="ko-KR" sz="1400" dirty="0"/>
+              <a:rPr lang="en-US" altLang="ko-KR" sz="1400" dirty="0">
+                <a:latin typeface="JetBrains Mono"/>
+              </a:rPr>
               <a:t> </a:t>
             </a:r>
-            <a:endParaRPr lang="en-US" altLang="ko-KR" sz="1400" dirty="0" smtClean="0"/>
+            <a:endParaRPr lang="en-US" altLang="ko-KR" sz="1400" dirty="0" smtClean="0">
+              <a:latin typeface="JetBrains Mono"/>
+            </a:endParaRPr>
           </a:p>
           <a:p>
             <a:pPr marL="0" indent="0">
               <a:buNone/>
             </a:pPr>
             <a:r>
-              <a:rPr lang="en-US" altLang="ko-KR" sz="1400" dirty="0"/>
+              <a:rPr lang="en-US" altLang="ko-KR" sz="1400" dirty="0">
+                <a:latin typeface="JetBrains Mono"/>
+              </a:rPr>
               <a:t>	</a:t>
             </a:r>
             <a:r>
-              <a:rPr lang="en-US" altLang="ko-KR" sz="1400" dirty="0" smtClean="0"/>
+              <a:rPr lang="en-US" altLang="ko-KR" sz="1400" dirty="0" smtClean="0">
+                <a:latin typeface="JetBrains Mono"/>
+              </a:rPr>
               <a:t>pattern</a:t>
             </a:r>
             <a:r>
-              <a:rPr lang="en-US" altLang="ko-KR" sz="1400" dirty="0"/>
+              <a:rPr lang="en-US" altLang="ko-KR" sz="1400" dirty="0">
+                <a:latin typeface="JetBrains Mono"/>
+              </a:rPr>
               <a:t>: '**' </a:t>
             </a:r>
-            <a:endParaRPr lang="en-US" altLang="ko-KR" sz="1400" dirty="0" smtClean="0"/>
+            <a:endParaRPr lang="en-US" altLang="ko-KR" sz="1400" dirty="0" smtClean="0">
+              <a:latin typeface="JetBrains Mono"/>
+            </a:endParaRPr>
           </a:p>
           <a:p>
             <a:pPr marL="0" indent="0">
               <a:buNone/>
             </a:pPr>
             <a:r>
-              <a:rPr lang="en-US" altLang="ko-KR" sz="1400" dirty="0"/>
+              <a:rPr lang="en-US" altLang="ko-KR" sz="1400" dirty="0">
+                <a:latin typeface="JetBrains Mono"/>
+              </a:rPr>
               <a:t>	</a:t>
             </a:r>
             <a:r>
-              <a:rPr lang="en-US" altLang="ko-KR" sz="1400" dirty="0" smtClean="0"/>
+              <a:rPr lang="en-US" altLang="ko-KR" sz="1400" dirty="0" smtClean="0">
+                <a:latin typeface="JetBrains Mono"/>
+              </a:rPr>
               <a:t>owner</a:t>
             </a:r>
             <a:r>
-              <a:rPr lang="en-US" altLang="ko-KR" sz="1400" dirty="0"/>
+              <a:rPr lang="en-US" altLang="ko-KR" sz="1400" dirty="0">
+                <a:latin typeface="JetBrains Mono"/>
+              </a:rPr>
               <a:t>: </a:t>
             </a:r>
             <a:r>
-              <a:rPr lang="en-US" altLang="ko-KR" sz="1400" dirty="0" err="1"/>
+              <a:rPr lang="en-US" altLang="ko-KR" sz="1400" dirty="0" err="1">
+                <a:latin typeface="JetBrains Mono"/>
+              </a:rPr>
               <a:t>ubuntu</a:t>
             </a:r>
             <a:r>
-              <a:rPr lang="en-US" altLang="ko-KR" sz="1400" dirty="0"/>
+              <a:rPr lang="en-US" altLang="ko-KR" sz="1400" dirty="0">
+                <a:latin typeface="JetBrains Mono"/>
+              </a:rPr>
               <a:t> </a:t>
             </a:r>
-            <a:endParaRPr lang="en-US" altLang="ko-KR" sz="1400" dirty="0" smtClean="0"/>
+            <a:endParaRPr lang="en-US" altLang="ko-KR" sz="1400" dirty="0" smtClean="0">
+              <a:latin typeface="JetBrains Mono"/>
+            </a:endParaRPr>
           </a:p>
           <a:p>
             <a:pPr marL="0" indent="0">
               <a:buNone/>
             </a:pPr>
             <a:r>
-              <a:rPr lang="en-US" altLang="ko-KR" sz="1400" dirty="0"/>
+              <a:rPr lang="en-US" altLang="ko-KR" sz="1400" dirty="0">
+                <a:latin typeface="JetBrains Mono"/>
+              </a:rPr>
               <a:t>	</a:t>
             </a:r>
             <a:r>
-              <a:rPr lang="en-US" altLang="ko-KR" sz="1400" dirty="0" smtClean="0"/>
+              <a:rPr lang="en-US" altLang="ko-KR" sz="1400" dirty="0" smtClean="0">
+                <a:latin typeface="JetBrains Mono"/>
+              </a:rPr>
               <a:t>group</a:t>
             </a:r>
             <a:r>
-              <a:rPr lang="en-US" altLang="ko-KR" sz="1400" dirty="0"/>
+              <a:rPr lang="en-US" altLang="ko-KR" sz="1400" dirty="0">
+                <a:latin typeface="JetBrains Mono"/>
+              </a:rPr>
               <a:t>: </a:t>
             </a:r>
             <a:r>
-              <a:rPr lang="en-US" altLang="ko-KR" sz="1400" dirty="0" err="1"/>
+              <a:rPr lang="en-US" altLang="ko-KR" sz="1400" dirty="0" err="1">
+                <a:latin typeface="JetBrains Mono"/>
+              </a:rPr>
               <a:t>ubuntu</a:t>
             </a:r>
             <a:r>
-              <a:rPr lang="en-US" altLang="ko-KR" sz="1400" dirty="0"/>
+              <a:rPr lang="en-US" altLang="ko-KR" sz="1400" dirty="0">
+                <a:latin typeface="JetBrains Mono"/>
+              </a:rPr>
               <a:t> </a:t>
             </a:r>
-            <a:endParaRPr lang="en-US" altLang="ko-KR" sz="1400" dirty="0" smtClean="0"/>
+            <a:endParaRPr lang="en-US" altLang="ko-KR" sz="1400" dirty="0" smtClean="0">
+              <a:latin typeface="JetBrains Mono"/>
+            </a:endParaRPr>
           </a:p>
           <a:p>
             <a:pPr marL="0" indent="0">
               <a:buNone/>
             </a:pPr>
             <a:r>
-              <a:rPr lang="en-US" altLang="ko-KR" sz="1400" dirty="0" smtClean="0"/>
+              <a:rPr lang="en-US" altLang="ko-KR" sz="1400" dirty="0" smtClean="0">
+                <a:latin typeface="JetBrains Mono"/>
+              </a:rPr>
               <a:t>hooks</a:t>
             </a:r>
             <a:r>
-              <a:rPr lang="en-US" altLang="ko-KR" sz="1400" dirty="0"/>
+              <a:rPr lang="en-US" altLang="ko-KR" sz="1400" dirty="0">
+                <a:latin typeface="JetBrains Mono"/>
+              </a:rPr>
               <a:t>: </a:t>
             </a:r>
-            <a:endParaRPr lang="en-US" altLang="ko-KR" sz="1400" dirty="0" smtClean="0"/>
+            <a:endParaRPr lang="en-US" altLang="ko-KR" sz="1400" dirty="0" smtClean="0">
+              <a:latin typeface="JetBrains Mono"/>
+            </a:endParaRPr>
           </a:p>
           <a:p>
             <a:pPr marL="0" indent="0">
               <a:buNone/>
             </a:pPr>
             <a:r>
-              <a:rPr lang="en-US" altLang="ko-KR" sz="1400" dirty="0"/>
+              <a:rPr lang="en-US" altLang="ko-KR" sz="1400" dirty="0">
+                <a:latin typeface="JetBrains Mono"/>
+              </a:rPr>
               <a:t>	</a:t>
             </a:r>
             <a:r>
-              <a:rPr lang="en-US" altLang="ko-KR" sz="1400" dirty="0" err="1" smtClean="0"/>
+              <a:rPr lang="en-US" altLang="ko-KR" sz="1400" dirty="0" err="1" smtClean="0">
+                <a:latin typeface="JetBrains Mono"/>
+              </a:rPr>
               <a:t>AfterInstall</a:t>
             </a:r>
             <a:r>
-              <a:rPr lang="en-US" altLang="ko-KR" sz="1400" dirty="0"/>
+              <a:rPr lang="en-US" altLang="ko-KR" sz="1400" dirty="0">
+                <a:latin typeface="JetBrains Mono"/>
+              </a:rPr>
               <a:t>: </a:t>
             </a:r>
-            <a:endParaRPr lang="en-US" altLang="ko-KR" sz="1400" dirty="0" smtClean="0"/>
+            <a:endParaRPr lang="en-US" altLang="ko-KR" sz="1400" dirty="0" smtClean="0">
+              <a:latin typeface="JetBrains Mono"/>
+            </a:endParaRPr>
           </a:p>
           <a:p>
             <a:pPr marL="0" indent="0">
               <a:buNone/>
             </a:pPr>
             <a:r>
-              <a:rPr lang="en-US" altLang="ko-KR" sz="1400" dirty="0"/>
+              <a:rPr lang="en-US" altLang="ko-KR" sz="1400" dirty="0">
+                <a:latin typeface="JetBrains Mono"/>
+              </a:rPr>
               <a:t>	</a:t>
             </a:r>
             <a:r>
-              <a:rPr lang="en-US" altLang="ko-KR" sz="1400" dirty="0" smtClean="0"/>
+              <a:rPr lang="en-US" altLang="ko-KR" sz="1400" dirty="0" smtClean="0">
+                <a:latin typeface="JetBrains Mono"/>
+              </a:rPr>
               <a:t>	- </a:t>
             </a:r>
             <a:r>
-              <a:rPr lang="en-US" altLang="ko-KR" sz="1400" dirty="0"/>
+              <a:rPr lang="en-US" altLang="ko-KR" sz="1400" dirty="0">
+                <a:latin typeface="JetBrains Mono"/>
+              </a:rPr>
               <a:t>location: scripts/after-deploy.sh </a:t>
             </a:r>
-            <a:endParaRPr lang="en-US" altLang="ko-KR" sz="1400" dirty="0" smtClean="0"/>
+            <a:endParaRPr lang="en-US" altLang="ko-KR" sz="1400" dirty="0" smtClean="0">
+              <a:latin typeface="JetBrains Mono"/>
+            </a:endParaRPr>
           </a:p>
           <a:p>
             <a:pPr marL="0" indent="0">
               <a:buNone/>
             </a:pPr>
             <a:r>
-              <a:rPr lang="en-US" altLang="ko-KR" sz="1400" dirty="0"/>
+              <a:rPr lang="en-US" altLang="ko-KR" sz="1400" dirty="0">
+                <a:latin typeface="JetBrains Mono"/>
+              </a:rPr>
               <a:t>	</a:t>
             </a:r>
             <a:r>
-              <a:rPr lang="en-US" altLang="ko-KR" sz="1400" dirty="0" smtClean="0"/>
+              <a:rPr lang="en-US" altLang="ko-KR" sz="1400" dirty="0" smtClean="0">
+                <a:latin typeface="JetBrains Mono"/>
+              </a:rPr>
               <a:t>	timeout</a:t>
             </a:r>
             <a:r>
-              <a:rPr lang="en-US" altLang="ko-KR" sz="1400" dirty="0"/>
+              <a:rPr lang="en-US" altLang="ko-KR" sz="1400" dirty="0">
+                <a:latin typeface="JetBrains Mono"/>
+              </a:rPr>
               <a:t>: 180 </a:t>
             </a:r>
-            <a:endParaRPr lang="en-US" altLang="ko-KR" sz="1400" dirty="0" smtClean="0"/>
+            <a:endParaRPr lang="en-US" altLang="ko-KR" sz="1400" dirty="0" smtClean="0">
+              <a:latin typeface="JetBrains Mono"/>
+            </a:endParaRPr>
           </a:p>
           <a:p>
             <a:pPr marL="0" indent="0">
               <a:buNone/>
             </a:pPr>
             <a:r>
-              <a:rPr lang="en-US" altLang="ko-KR" sz="1400" dirty="0"/>
+              <a:rPr lang="en-US" altLang="ko-KR" sz="1400" dirty="0">
+                <a:latin typeface="JetBrains Mono"/>
+              </a:rPr>
               <a:t>	</a:t>
             </a:r>
             <a:r>
-              <a:rPr lang="en-US" altLang="ko-KR" sz="1400" dirty="0" smtClean="0"/>
+              <a:rPr lang="en-US" altLang="ko-KR" sz="1400" dirty="0" smtClean="0">
+                <a:latin typeface="JetBrains Mono"/>
+              </a:rPr>
               <a:t>	</a:t>
             </a:r>
             <a:r>
-              <a:rPr lang="en-US" altLang="ko-KR" sz="1400" dirty="0" err="1" smtClean="0"/>
+              <a:rPr lang="en-US" altLang="ko-KR" sz="1400" dirty="0" err="1" smtClean="0">
+                <a:latin typeface="JetBrains Mono"/>
+              </a:rPr>
               <a:t>runas</a:t>
             </a:r>
             <a:r>
-              <a:rPr lang="en-US" altLang="ko-KR" sz="1400" dirty="0"/>
+              <a:rPr lang="en-US" altLang="ko-KR" sz="1400" dirty="0">
+                <a:latin typeface="JetBrains Mono"/>
+              </a:rPr>
               <a:t>: </a:t>
             </a:r>
             <a:r>
-              <a:rPr lang="en-US" altLang="ko-KR" sz="1400" dirty="0" err="1"/>
+              <a:rPr lang="en-US" altLang="ko-KR" sz="1400" dirty="0" err="1">
+                <a:latin typeface="JetBrains Mono"/>
+              </a:rPr>
               <a:t>ubuntu</a:t>
             </a:r>
-            <a:endParaRPr lang="ko-KR" altLang="en-US" sz="1400" dirty="0"/>
+            <a:endParaRPr lang="ko-KR" altLang="en-US" sz="1400" dirty="0">
+              <a:latin typeface="JetBrains Mono"/>
+            </a:endParaRPr>
           </a:p>
         </p:txBody>
       </p:sp>
@@ -14871,8 +16538,8 @@
         </p:nvSpPr>
         <p:spPr>
           <a:xfrm>
-            <a:off x="838200" y="5692259"/>
-            <a:ext cx="5718553" cy="369332"/>
+            <a:off x="838200" y="6020348"/>
+            <a:ext cx="6759094" cy="646331"/>
           </a:xfrm>
           <a:prstGeom prst="rect">
             <a:avLst/>
@@ -14885,32 +16552,34 @@
           <a:lstStyle/>
           <a:p>
             <a:r>
-              <a:rPr lang="ko-KR" altLang="en-US" dirty="0" smtClean="0">
-                <a:hlinkClick r:id="rId2"/>
-              </a:rPr>
-              <a:t>https://github.com/bear-frog/ci-cd</a:t>
-            </a:r>
+              <a:rPr lang="ko-KR" altLang="en-US" dirty="0">
+                <a:latin typeface="JetBrains Mono"/>
+              </a:rPr>
+              <a:t>참조</a:t>
+            </a:r>
+          </a:p>
+          <a:p>
             <a:r>
               <a:rPr lang="en-US" altLang="ko-KR" dirty="0" smtClean="0">
-                <a:hlinkClick r:id="rId2"/>
-              </a:rPr>
-              <a:t>/</a:t>
-            </a:r>
-            <a:r>
-              <a:rPr lang="en-US" altLang="ko-KR" dirty="0" err="1" smtClean="0">
-                <a:hlinkClick r:id="rId2"/>
-              </a:rPr>
-              <a:t>appspec.yml</a:t>
-            </a:r>
-            <a:r>
-              <a:rPr lang="en-US" altLang="ko-KR" dirty="0" smtClean="0"/>
-              <a:t> </a:t>
-            </a:r>
-            <a:r>
-              <a:rPr lang="ko-KR" altLang="en-US" dirty="0" smtClean="0"/>
-              <a:t>참조</a:t>
-            </a:r>
-            <a:endParaRPr lang="ko-KR" altLang="en-US" dirty="0"/>
+                <a:latin typeface="JetBrains Mono"/>
+              </a:rPr>
+              <a:t>https</a:t>
+            </a:r>
+            <a:r>
+              <a:rPr lang="en-US" altLang="ko-KR" dirty="0">
+                <a:latin typeface="JetBrains Mono"/>
+              </a:rPr>
+              <a:t>://</a:t>
+            </a:r>
+            <a:r>
+              <a:rPr lang="en-US" altLang="ko-KR" dirty="0" smtClean="0">
+                <a:latin typeface="JetBrains Mono"/>
+              </a:rPr>
+              <a:t>github.com/bear-frog/ci-cd/blob/main/appspec.yml</a:t>
+            </a:r>
+            <a:endParaRPr lang="ko-KR" altLang="en-US" dirty="0">
+              <a:latin typeface="JetBrains Mono"/>
+            </a:endParaRPr>
           </a:p>
         </p:txBody>
       </p:sp>
@@ -14997,29 +16666,34 @@
             </a:pPr>
             <a:r>
               <a:rPr lang="ko-KR" altLang="ko-KR" sz="1200" b="1" dirty="0">
+                <a:latin typeface="JetBrains Mono"/>
                 <a:ea typeface="JetBrains Mono"/>
               </a:rPr>
               <a:t>#!/</a:t>
             </a:r>
             <a:r>
               <a:rPr lang="ko-KR" altLang="ko-KR" sz="1200" b="1" dirty="0" err="1" smtClean="0">
+                <a:latin typeface="JetBrains Mono"/>
                 <a:ea typeface="JetBrains Mono"/>
               </a:rPr>
               <a:t>bin</a:t>
             </a:r>
             <a:r>
               <a:rPr lang="ko-KR" altLang="ko-KR" sz="1200" b="1" dirty="0" smtClean="0">
+                <a:latin typeface="JetBrains Mono"/>
                 <a:ea typeface="JetBrains Mono"/>
               </a:rPr>
               <a:t>/</a:t>
             </a:r>
             <a:r>
               <a:rPr lang="ko-KR" altLang="ko-KR" sz="1200" b="1" dirty="0" err="1" smtClean="0">
+                <a:latin typeface="JetBrains Mono"/>
                 <a:ea typeface="JetBrains Mono"/>
               </a:rPr>
               <a:t>bash</a:t>
             </a:r>
             <a:endParaRPr lang="en-US" altLang="ko-KR" sz="1200" b="1" dirty="0" smtClean="0">
+              <a:latin typeface="JetBrains Mono"/>
               <a:ea typeface="JetBrains Mono"/>
             </a:endParaRPr>
           </a:p>
@@ -15029,99 +16703,116 @@
             </a:pPr>
             <a:r>
               <a:rPr lang="en-US" altLang="ko-KR" sz="1200" b="1" dirty="0" smtClean="0">
+                <a:latin typeface="JetBrains Mono"/>
                 <a:ea typeface="JetBrains Mono"/>
               </a:rPr>
               <a:t># </a:t>
             </a:r>
             <a:r>
               <a:rPr lang="ko-KR" altLang="en-US" sz="1200" b="1" dirty="0" smtClean="0">
+                <a:latin typeface="JetBrains Mono"/>
                 <a:ea typeface="JetBrains Mono"/>
               </a:rPr>
               <a:t>어플리케이션 디렉터리</a:t>
             </a:r>
             <a:r>
               <a:rPr lang="ko-KR" altLang="ko-KR" sz="1200" b="1" dirty="0">
+                <a:latin typeface="JetBrains Mono"/>
                 <a:ea typeface="JetBrains Mono"/>
               </a:rPr>
               <a:t/>
             </a:r>
             <a:br>
               <a:rPr lang="ko-KR" altLang="ko-KR" sz="1200" b="1" dirty="0">
+                <a:latin typeface="JetBrains Mono"/>
                 <a:ea typeface="JetBrains Mono"/>
               </a:rPr>
             </a:br>
             <a:r>
               <a:rPr lang="ko-KR" altLang="ko-KR" sz="1200" dirty="0">
+                <a:latin typeface="JetBrains Mono"/>
                 <a:ea typeface="JetBrains Mono"/>
               </a:rPr>
               <a:t>REPOSITORY=/</a:t>
             </a:r>
             <a:r>
               <a:rPr lang="ko-KR" altLang="ko-KR" sz="1200" dirty="0" err="1">
+                <a:latin typeface="JetBrains Mono"/>
                 <a:ea typeface="JetBrains Mono"/>
               </a:rPr>
               <a:t>home</a:t>
             </a:r>
             <a:r>
               <a:rPr lang="ko-KR" altLang="ko-KR" sz="1200" dirty="0">
+                <a:latin typeface="JetBrains Mono"/>
                 <a:ea typeface="JetBrains Mono"/>
               </a:rPr>
               <a:t>/</a:t>
             </a:r>
             <a:r>
               <a:rPr lang="ko-KR" altLang="ko-KR" sz="1200" dirty="0" err="1">
+                <a:latin typeface="JetBrains Mono"/>
                 <a:ea typeface="JetBrains Mono"/>
               </a:rPr>
               <a:t>ubuntu</a:t>
             </a:r>
             <a:r>
               <a:rPr lang="ko-KR" altLang="ko-KR" sz="1200" dirty="0">
+                <a:latin typeface="JetBrains Mono"/>
                 <a:ea typeface="JetBrains Mono"/>
               </a:rPr>
               <a:t>/</a:t>
             </a:r>
             <a:r>
               <a:rPr lang="ko-KR" altLang="ko-KR" sz="1200" dirty="0" err="1">
+                <a:latin typeface="JetBrains Mono"/>
                 <a:ea typeface="JetBrains Mono"/>
               </a:rPr>
               <a:t>app</a:t>
             </a:r>
             <a:r>
               <a:rPr lang="ko-KR" altLang="ko-KR" sz="1200" dirty="0">
+                <a:latin typeface="JetBrains Mono"/>
                 <a:ea typeface="JetBrains Mono"/>
               </a:rPr>
               <a:t>/</a:t>
             </a:r>
             <a:r>
               <a:rPr lang="ko-KR" altLang="ko-KR" sz="1200" dirty="0" err="1">
+                <a:latin typeface="JetBrains Mono"/>
                 <a:ea typeface="JetBrains Mono"/>
               </a:rPr>
               <a:t>dist</a:t>
             </a:r>
             <a:r>
               <a:rPr lang="ko-KR" altLang="ko-KR" sz="1200" dirty="0">
+                <a:latin typeface="JetBrains Mono"/>
                 <a:ea typeface="JetBrains Mono"/>
               </a:rPr>
               <a:t>/</a:t>
             </a:r>
             <a:r>
               <a:rPr lang="ko-KR" altLang="ko-KR" sz="1200" dirty="0" err="1">
+                <a:latin typeface="JetBrains Mono"/>
                 <a:ea typeface="JetBrains Mono"/>
               </a:rPr>
               <a:t>ssr</a:t>
             </a:r>
             <a:r>
               <a:rPr lang="ko-KR" altLang="ko-KR" sz="1200" dirty="0">
+                <a:latin typeface="JetBrains Mono"/>
                 <a:ea typeface="JetBrains Mono"/>
               </a:rPr>
               <a:t/>
             </a:r>
             <a:br>
               <a:rPr lang="ko-KR" altLang="ko-KR" sz="1200" dirty="0">
+                <a:latin typeface="JetBrains Mono"/>
                 <a:ea typeface="JetBrains Mono"/>
               </a:rPr>
             </a:br>
             <a:endParaRPr lang="en-US" altLang="ko-KR" sz="1200" dirty="0" smtClean="0">
+              <a:latin typeface="JetBrains Mono"/>
               <a:ea typeface="JetBrains Mono"/>
             </a:endParaRPr>
           </a:p>
@@ -15131,46 +16822,54 @@
             </a:pPr>
             <a:r>
               <a:rPr lang="en-US" altLang="ko-KR" sz="1200" dirty="0" smtClean="0">
+                <a:latin typeface="JetBrains Mono"/>
                 <a:ea typeface="JetBrains Mono"/>
               </a:rPr>
               <a:t># </a:t>
             </a:r>
             <a:r>
               <a:rPr lang="ko-KR" altLang="en-US" sz="1200" dirty="0" smtClean="0">
+                <a:latin typeface="JetBrains Mono"/>
                 <a:ea typeface="JetBrains Mono"/>
               </a:rPr>
               <a:t>배포 디렉터리로 이동</a:t>
             </a:r>
             <a:r>
               <a:rPr lang="ko-KR" altLang="ko-KR" sz="1200" dirty="0">
+                <a:latin typeface="JetBrains Mono"/>
                 <a:ea typeface="JetBrains Mono"/>
               </a:rPr>
               <a:t/>
             </a:r>
             <a:br>
               <a:rPr lang="ko-KR" altLang="ko-KR" sz="1200" dirty="0">
+                <a:latin typeface="JetBrains Mono"/>
                 <a:ea typeface="JetBrains Mono"/>
               </a:rPr>
             </a:br>
             <a:r>
               <a:rPr lang="ko-KR" altLang="ko-KR" sz="1200" dirty="0" err="1">
+                <a:latin typeface="JetBrains Mono"/>
                 <a:ea typeface="JetBrains Mono"/>
               </a:rPr>
               <a:t>cd</a:t>
             </a:r>
             <a:r>
               <a:rPr lang="ko-KR" altLang="ko-KR" sz="1200" dirty="0">
+                <a:latin typeface="JetBrains Mono"/>
                 <a:ea typeface="JetBrains Mono"/>
               </a:rPr>
               <a:t> $</a:t>
             </a:r>
             <a:r>
               <a:rPr lang="ko-KR" altLang="ko-KR" sz="1200" dirty="0" smtClean="0">
+                <a:latin typeface="JetBrains Mono"/>
                 <a:ea typeface="JetBrains Mono"/>
               </a:rPr>
               <a:t>REPOSITORY</a:t>
             </a:r>
             <a:endParaRPr lang="en-US" altLang="ko-KR" sz="1200" dirty="0" smtClean="0">
+              <a:latin typeface="JetBrains Mono"/>
               <a:ea typeface="JetBrains Mono"/>
             </a:endParaRPr>
           </a:p>
@@ -15180,58 +16879,68 @@
             </a:pPr>
             <a:r>
               <a:rPr lang="en-US" altLang="ko-KR" sz="1200" dirty="0" smtClean="0">
+                <a:latin typeface="JetBrains Mono"/>
                 <a:ea typeface="JetBrains Mono"/>
               </a:rPr>
               <a:t># </a:t>
             </a:r>
             <a:r>
               <a:rPr lang="ko-KR" altLang="en-US" sz="1200" dirty="0" smtClean="0">
+                <a:latin typeface="JetBrains Mono"/>
                 <a:ea typeface="JetBrains Mono"/>
               </a:rPr>
               <a:t>종속성 설치</a:t>
             </a:r>
             <a:r>
               <a:rPr lang="ko-KR" altLang="ko-KR" sz="1200" dirty="0">
+                <a:latin typeface="JetBrains Mono"/>
                 <a:ea typeface="JetBrains Mono"/>
               </a:rPr>
               <a:t/>
             </a:r>
             <a:br>
               <a:rPr lang="ko-KR" altLang="ko-KR" sz="1200" dirty="0">
+                <a:latin typeface="JetBrains Mono"/>
                 <a:ea typeface="JetBrains Mono"/>
               </a:rPr>
             </a:br>
             <a:r>
               <a:rPr lang="ko-KR" altLang="ko-KR" sz="1200" dirty="0" err="1">
+                <a:latin typeface="JetBrains Mono"/>
                 <a:ea typeface="JetBrains Mono"/>
               </a:rPr>
               <a:t>sudo</a:t>
             </a:r>
             <a:r>
               <a:rPr lang="ko-KR" altLang="ko-KR" sz="1200" dirty="0">
+                <a:latin typeface="JetBrains Mono"/>
                 <a:ea typeface="JetBrains Mono"/>
               </a:rPr>
               <a:t> </a:t>
             </a:r>
             <a:r>
               <a:rPr lang="ko-KR" altLang="ko-KR" sz="1200" dirty="0" err="1">
+                <a:latin typeface="JetBrains Mono"/>
                 <a:ea typeface="JetBrains Mono"/>
               </a:rPr>
               <a:t>npm</a:t>
             </a:r>
             <a:r>
               <a:rPr lang="ko-KR" altLang="ko-KR" sz="1200" dirty="0">
+                <a:latin typeface="JetBrains Mono"/>
                 <a:ea typeface="JetBrains Mono"/>
               </a:rPr>
               <a:t> </a:t>
             </a:r>
             <a:r>
               <a:rPr lang="en-US" altLang="ko-KR" sz="1200" dirty="0" err="1" smtClean="0">
+                <a:latin typeface="JetBrains Mono"/>
                 <a:ea typeface="JetBrains Mono"/>
               </a:rPr>
               <a:t>i</a:t>
             </a:r>
             <a:endParaRPr lang="en-US" altLang="ko-KR" sz="1200" dirty="0" smtClean="0">
+              <a:latin typeface="JetBrains Mono"/>
               <a:ea typeface="JetBrains Mono"/>
             </a:endParaRPr>
           </a:p>
@@ -15241,106 +16950,128 @@
             </a:pPr>
             <a:r>
               <a:rPr lang="en-US" altLang="ko-KR" sz="1200" dirty="0" smtClean="0">
+                <a:latin typeface="JetBrains Mono"/>
                 <a:ea typeface="JetBrains Mono"/>
               </a:rPr>
               <a:t># MARK: pm2</a:t>
             </a:r>
             <a:r>
               <a:rPr lang="ko-KR" altLang="en-US" sz="1200" dirty="0" smtClean="0">
+                <a:latin typeface="JetBrains Mono"/>
                 <a:ea typeface="JetBrains Mono"/>
               </a:rPr>
               <a:t>를 사용해 </a:t>
             </a:r>
             <a:r>
               <a:rPr lang="en-US" altLang="ko-KR" sz="1200" dirty="0" smtClean="0">
+                <a:latin typeface="JetBrains Mono"/>
                 <a:ea typeface="JetBrains Mono"/>
               </a:rPr>
               <a:t>80</a:t>
             </a:r>
             <a:r>
               <a:rPr lang="ko-KR" altLang="en-US" sz="1200" dirty="0" smtClean="0">
+                <a:latin typeface="JetBrains Mono"/>
                 <a:ea typeface="JetBrains Mono"/>
               </a:rPr>
               <a:t>번 포트에 앱 실행</a:t>
             </a:r>
             <a:r>
               <a:rPr lang="ko-KR" altLang="ko-KR" sz="1200" dirty="0">
+                <a:latin typeface="JetBrains Mono"/>
                 <a:ea typeface="JetBrains Mono"/>
               </a:rPr>
               <a:t/>
             </a:r>
             <a:br>
               <a:rPr lang="ko-KR" altLang="ko-KR" sz="1200" dirty="0">
+                <a:latin typeface="JetBrains Mono"/>
                 <a:ea typeface="JetBrains Mono"/>
               </a:rPr>
             </a:br>
             <a:r>
               <a:rPr lang="ko-KR" altLang="ko-KR" sz="1200" dirty="0">
+                <a:latin typeface="JetBrains Mono"/>
                 <a:ea typeface="JetBrains Mono"/>
               </a:rPr>
               <a:t># </a:t>
             </a:r>
             <a:r>
-              <a:rPr lang="ko-KR" altLang="ko-KR" sz="1200" dirty="0"/>
+              <a:rPr lang="ko-KR" altLang="ko-KR" sz="1200" dirty="0">
+                <a:latin typeface="JetBrains Mono"/>
+              </a:rPr>
               <a:t>참조</a:t>
-            </a:r>
-            <a:br>
-              <a:rPr lang="ko-KR" altLang="ko-KR" sz="1200" dirty="0"/>
-            </a:br>
-            <a:r>
-              <a:rPr lang="ko-KR" altLang="ko-KR" sz="1200" dirty="0">
-                <a:ea typeface="JetBrains Mono"/>
-              </a:rPr>
-              <a:t># https://unchae.tistory.com/entry/PM2-80-443%ED%8F%AC%ED%8A%B8-%EC%82%AC%EC%9A%A9</a:t>
             </a:r>
             <a:br>
               <a:rPr lang="ko-KR" altLang="ko-KR" sz="1200" dirty="0">
+                <a:latin typeface="JetBrains Mono"/>
+              </a:rPr>
+            </a:br>
+            <a:r>
+              <a:rPr lang="ko-KR" altLang="ko-KR" sz="1200" dirty="0">
+                <a:latin typeface="JetBrains Mono"/>
                 <a:ea typeface="JetBrains Mono"/>
               </a:rPr>
+              <a:t># https://unchae.tistory.com/entry/PM2-80-443%ED%8F%AC%ED%8A%B8-%EC%82%AC%EC%9A%A9</a:t>
+            </a:r>
+            <a:br>
+              <a:rPr lang="ko-KR" altLang="ko-KR" sz="1200" dirty="0">
+                <a:latin typeface="JetBrains Mono"/>
+                <a:ea typeface="JetBrains Mono"/>
+              </a:rPr>
             </a:br>
             <a:r>
               <a:rPr lang="ko-KR" altLang="ko-KR" sz="1200" dirty="0" err="1">
+                <a:latin typeface="JetBrains Mono"/>
                 <a:ea typeface="JetBrains Mono"/>
               </a:rPr>
               <a:t>authbind</a:t>
             </a:r>
             <a:r>
               <a:rPr lang="ko-KR" altLang="ko-KR" sz="1200" dirty="0">
+                <a:latin typeface="JetBrains Mono"/>
                 <a:ea typeface="JetBrains Mono"/>
               </a:rPr>
               <a:t> --</a:t>
             </a:r>
             <a:r>
               <a:rPr lang="ko-KR" altLang="ko-KR" sz="1200" dirty="0" err="1">
+                <a:latin typeface="JetBrains Mono"/>
                 <a:ea typeface="JetBrains Mono"/>
               </a:rPr>
               <a:t>deep</a:t>
             </a:r>
             <a:r>
               <a:rPr lang="ko-KR" altLang="ko-KR" sz="1200" dirty="0">
+                <a:latin typeface="JetBrains Mono"/>
                 <a:ea typeface="JetBrains Mono"/>
               </a:rPr>
               <a:t> pm2 </a:t>
             </a:r>
             <a:r>
               <a:rPr lang="ko-KR" altLang="ko-KR" sz="1200" dirty="0" err="1">
+                <a:latin typeface="JetBrains Mono"/>
                 <a:ea typeface="JetBrains Mono"/>
               </a:rPr>
               <a:t>reload</a:t>
             </a:r>
             <a:r>
               <a:rPr lang="ko-KR" altLang="ko-KR" sz="1200" dirty="0">
+                <a:latin typeface="JetBrains Mono"/>
                 <a:ea typeface="JetBrains Mono"/>
               </a:rPr>
               <a:t> index.js --</a:t>
             </a:r>
             <a:r>
               <a:rPr lang="ko-KR" altLang="ko-KR" sz="1200" dirty="0" err="1">
+                <a:latin typeface="JetBrains Mono"/>
                 <a:ea typeface="JetBrains Mono"/>
               </a:rPr>
               <a:t>watch</a:t>
             </a:r>
-            <a:endParaRPr lang="en-US" altLang="ko-KR" sz="1200" dirty="0"/>
+            <a:endParaRPr lang="en-US" altLang="ko-KR" sz="1200" dirty="0">
+              <a:latin typeface="JetBrains Mono"/>
+            </a:endParaRPr>
           </a:p>
         </p:txBody>
       </p:sp>
@@ -15352,8 +17083,8 @@
         </p:nvSpPr>
         <p:spPr>
           <a:xfrm>
-            <a:off x="838200" y="4575291"/>
-            <a:ext cx="7658100" cy="369332"/>
+            <a:off x="838199" y="4575291"/>
+            <a:ext cx="8887691" cy="646331"/>
           </a:xfrm>
           <a:prstGeom prst="rect">
             <a:avLst/>
@@ -15367,25 +17098,36 @@
           <a:p>
             <a:r>
               <a:rPr lang="ko-KR" altLang="en-US" dirty="0" smtClean="0">
-                <a:hlinkClick r:id="rId2"/>
-              </a:rPr>
-              <a:t>https://github.com/bear-frog/ci-cd</a:t>
-            </a:r>
+                <a:latin typeface="JetBrains Mono"/>
+              </a:rPr>
+              <a:t>참조</a:t>
+            </a:r>
+            <a:endParaRPr lang="en-US" altLang="ko-KR" dirty="0" smtClean="0">
+              <a:latin typeface="JetBrains Mono"/>
+            </a:endParaRPr>
+          </a:p>
+          <a:p>
             <a:r>
               <a:rPr lang="en-US" altLang="ko-KR" dirty="0" smtClean="0">
-                <a:hlinkClick r:id="rId2"/>
-              </a:rPr>
-              <a:t>/scripts/after-deploy.sh</a:t>
-            </a:r>
-            <a:r>
-              <a:rPr lang="en-US" altLang="ko-KR" dirty="0" smtClean="0"/>
-              <a:t> </a:t>
-            </a:r>
-            <a:r>
-              <a:rPr lang="ko-KR" altLang="en-US" dirty="0" smtClean="0"/>
-              <a:t>참조</a:t>
-            </a:r>
-            <a:endParaRPr lang="ko-KR" altLang="en-US" dirty="0"/>
+                <a:latin typeface="JetBrains Mono"/>
+              </a:rPr>
+              <a:t>https</a:t>
+            </a:r>
+            <a:r>
+              <a:rPr lang="en-US" altLang="ko-KR" dirty="0">
+                <a:latin typeface="JetBrains Mono"/>
+              </a:rPr>
+              <a:t>://</a:t>
+            </a:r>
+            <a:r>
+              <a:rPr lang="en-US" altLang="ko-KR" dirty="0" smtClean="0">
+                <a:latin typeface="JetBrains Mono"/>
+              </a:rPr>
+              <a:t>github.com/bear-frog/ci-cd/blob/main/scripts/after-deploy.sh</a:t>
+            </a:r>
+            <a:endParaRPr lang="ko-KR" altLang="en-US" dirty="0">
+              <a:latin typeface="JetBrains Mono"/>
+            </a:endParaRPr>
           </a:p>
         </p:txBody>
       </p:sp>
@@ -15435,10 +17177,14 @@
           <a:lstStyle/>
           <a:p>
             <a:r>
-              <a:rPr lang="en-US" altLang="ko-KR" dirty="0" smtClean="0"/>
+              <a:rPr lang="en-US" altLang="ko-KR" dirty="0" smtClean="0">
+                <a:latin typeface="JetBrains Mono"/>
+              </a:rPr>
               <a:t>4. create ec2 instance</a:t>
             </a:r>
-            <a:endParaRPr lang="ko-KR" altLang="en-US" dirty="0"/>
+            <a:endParaRPr lang="ko-KR" altLang="en-US" dirty="0">
+              <a:latin typeface="JetBrains Mono"/>
+            </a:endParaRPr>
           </a:p>
         </p:txBody>
       </p:sp>
@@ -15510,7 +17256,9 @@
           <a:lstStyle/>
           <a:p>
             <a:pPr algn="ctr"/>
-            <a:endParaRPr lang="ko-KR" altLang="en-US"/>
+            <a:endParaRPr lang="ko-KR" altLang="en-US">
+              <a:latin typeface="JetBrains Mono"/>
+            </a:endParaRPr>
           </a:p>
         </p:txBody>
       </p:sp>
@@ -15556,7 +17304,9 @@
           <a:lstStyle/>
           <a:p>
             <a:pPr algn="ctr"/>
-            <a:endParaRPr lang="ko-KR" altLang="en-US"/>
+            <a:endParaRPr lang="ko-KR" altLang="en-US">
+              <a:latin typeface="JetBrains Mono"/>
+            </a:endParaRPr>
           </a:p>
         </p:txBody>
       </p:sp>
@@ -15568,8 +17318,8 @@
         </p:nvSpPr>
         <p:spPr>
           <a:xfrm>
-            <a:off x="5372100" y="1690688"/>
-            <a:ext cx="5105400" cy="369332"/>
+            <a:off x="5372099" y="1690688"/>
+            <a:ext cx="5584075" cy="369332"/>
           </a:xfrm>
           <a:prstGeom prst="rect">
             <a:avLst/>
@@ -15582,22 +17332,32 @@
           <a:lstStyle/>
           <a:p>
             <a:r>
-              <a:rPr lang="ko-KR" altLang="en-US" dirty="0" smtClean="0"/>
+              <a:rPr lang="ko-KR" altLang="en-US" dirty="0" smtClean="0">
+                <a:latin typeface="JetBrains Mono"/>
+              </a:rPr>
               <a:t>동일화를 위해 </a:t>
             </a:r>
             <a:r>
-              <a:rPr lang="en-US" altLang="ko-KR" dirty="0" err="1" smtClean="0"/>
+              <a:rPr lang="en-US" altLang="ko-KR" dirty="0" err="1" smtClean="0">
+                <a:latin typeface="JetBrains Mono"/>
+              </a:rPr>
               <a:t>aws</a:t>
             </a:r>
             <a:r>
-              <a:rPr lang="en-US" altLang="ko-KR" dirty="0" smtClean="0"/>
+              <a:rPr lang="en-US" altLang="ko-KR" dirty="0" smtClean="0">
+                <a:latin typeface="JetBrains Mono"/>
+              </a:rPr>
               <a:t> Ubuntu 22.04</a:t>
             </a:r>
             <a:r>
-              <a:rPr lang="ko-KR" altLang="en-US" dirty="0" smtClean="0"/>
+              <a:rPr lang="ko-KR" altLang="en-US" dirty="0" smtClean="0">
+                <a:latin typeface="JetBrains Mono"/>
+              </a:rPr>
               <a:t>를 사용하세요</a:t>
             </a:r>
-            <a:endParaRPr lang="ko-KR" altLang="en-US" dirty="0"/>
+            <a:endParaRPr lang="ko-KR" altLang="en-US" dirty="0">
+              <a:latin typeface="JetBrains Mono"/>
+            </a:endParaRPr>
           </a:p>
         </p:txBody>
       </p:sp>
